--- a/doc/ARXDev4.pptx
+++ b/doc/ARXDev4.pptx
@@ -5,13 +5,14 @@
     <p:sldMasterId id="2147483648" r:id="rId1"/>
   </p:sldMasterIdLst>
   <p:notesMasterIdLst>
-    <p:notesMasterId r:id="rId6"/>
+    <p:notesMasterId r:id="rId7"/>
   </p:notesMasterIdLst>
   <p:sldIdLst>
     <p:sldId id="256" r:id="rId2"/>
     <p:sldId id="257" r:id="rId3"/>
     <p:sldId id="264" r:id="rId4"/>
     <p:sldId id="261" r:id="rId5"/>
+    <p:sldId id="265" r:id="rId6"/>
   </p:sldIdLst>
   <p:sldSz cx="9144000" cy="5143500" type="screen16x9"/>
   <p:notesSz cx="6858000" cy="9144000"/>
@@ -212,7 +213,7 @@
             <a:fld id="{00C895A6-56DD-4B18-B404-54899C94D855}" type="datetimeFigureOut">
               <a:rPr lang="it-IT" smtClean="0"/>
               <a:pPr/>
-              <a:t>19/03/2019</a:t>
+              <a:t>25/05/2020</a:t>
             </a:fld>
             <a:endParaRPr lang="it-IT"/>
           </a:p>
@@ -278,35 +279,35 @@
           <a:p>
             <a:pPr lvl="0"/>
             <a:r>
-              <a:rPr lang="en-US" smtClean="0"/>
+              <a:rPr lang="en-US"/>
               <a:t>Click to edit Master text styles</a:t>
             </a:r>
           </a:p>
           <a:p>
             <a:pPr lvl="1"/>
             <a:r>
-              <a:rPr lang="en-US" smtClean="0"/>
+              <a:rPr lang="en-US"/>
               <a:t>Second level</a:t>
             </a:r>
           </a:p>
           <a:p>
             <a:pPr lvl="2"/>
             <a:r>
-              <a:rPr lang="en-US" smtClean="0"/>
+              <a:rPr lang="en-US"/>
               <a:t>Third level</a:t>
             </a:r>
           </a:p>
           <a:p>
             <a:pPr lvl="3"/>
             <a:r>
-              <a:rPr lang="en-US" smtClean="0"/>
+              <a:rPr lang="en-US"/>
               <a:t>Fourth level</a:t>
             </a:r>
           </a:p>
           <a:p>
             <a:pPr lvl="4"/>
             <a:r>
-              <a:rPr lang="en-US" smtClean="0"/>
+              <a:rPr lang="en-US"/>
               <a:t>Fifth level</a:t>
             </a:r>
             <a:endParaRPr lang="it-IT"/>
@@ -568,6 +569,91 @@
 </p:notes>
 </file>
 
+<file path=ppt/notesSlides/notesSlide2.xml><?xml version="1.0" encoding="utf-8"?>
+<p:notes xmlns:a="http://schemas.openxmlformats.org/drawingml/2006/main" xmlns:r="http://schemas.openxmlformats.org/officeDocument/2006/relationships" xmlns:p="http://schemas.openxmlformats.org/presentationml/2006/main">
+  <p:cSld>
+    <p:spTree>
+      <p:nvGrpSpPr>
+        <p:cNvPr id="1" name=""/>
+        <p:cNvGrpSpPr/>
+        <p:nvPr/>
+      </p:nvGrpSpPr>
+      <p:grpSpPr>
+        <a:xfrm>
+          <a:off x="0" y="0"/>
+          <a:ext cx="0" cy="0"/>
+          <a:chOff x="0" y="0"/>
+          <a:chExt cx="0" cy="0"/>
+        </a:xfrm>
+      </p:grpSpPr>
+      <p:sp>
+        <p:nvSpPr>
+          <p:cNvPr id="2" name="Slide Image Placeholder 1"/>
+          <p:cNvSpPr>
+            <a:spLocks noGrp="1" noRot="1" noChangeAspect="1"/>
+          </p:cNvSpPr>
+          <p:nvPr>
+            <p:ph type="sldImg"/>
+          </p:nvPr>
+        </p:nvSpPr>
+        <p:spPr/>
+      </p:sp>
+      <p:sp>
+        <p:nvSpPr>
+          <p:cNvPr id="3" name="Notes Placeholder 2"/>
+          <p:cNvSpPr>
+            <a:spLocks noGrp="1"/>
+          </p:cNvSpPr>
+          <p:nvPr>
+            <p:ph type="body" idx="1"/>
+          </p:nvPr>
+        </p:nvSpPr>
+        <p:spPr/>
+        <p:txBody>
+          <a:bodyPr/>
+          <a:lstStyle/>
+          <a:p>
+            <a:endParaRPr lang="it-IT" dirty="0"/>
+          </a:p>
+        </p:txBody>
+      </p:sp>
+      <p:sp>
+        <p:nvSpPr>
+          <p:cNvPr id="4" name="Slide Number Placeholder 3"/>
+          <p:cNvSpPr>
+            <a:spLocks noGrp="1"/>
+          </p:cNvSpPr>
+          <p:nvPr>
+            <p:ph type="sldNum" sz="quarter" idx="10"/>
+          </p:nvPr>
+        </p:nvSpPr>
+        <p:spPr/>
+        <p:txBody>
+          <a:bodyPr/>
+          <a:lstStyle/>
+          <a:p>
+            <a:fld id="{3CF3775E-9C01-4A92-BB01-B68E47CD8D8D}" type="slidenum">
+              <a:rPr lang="it-IT" smtClean="0"/>
+              <a:pPr/>
+              <a:t>5</a:t>
+            </a:fld>
+            <a:endParaRPr lang="it-IT"/>
+          </a:p>
+        </p:txBody>
+      </p:sp>
+    </p:spTree>
+    <p:extLst>
+      <p:ext uri="{BB962C8B-B14F-4D97-AF65-F5344CB8AC3E}">
+        <p14:creationId xmlns:p14="http://schemas.microsoft.com/office/powerpoint/2010/main" val="1821194524"/>
+      </p:ext>
+    </p:extLst>
+  </p:cSld>
+  <p:clrMapOvr>
+    <a:masterClrMapping/>
+  </p:clrMapOvr>
+</p:notes>
+</file>
+
 <file path=ppt/slideLayouts/slideLayout1.xml><?xml version="1.0" encoding="utf-8"?>
 <p:sldLayout xmlns:a="http://schemas.openxmlformats.org/drawingml/2006/main" xmlns:r="http://schemas.openxmlformats.org/officeDocument/2006/relationships" xmlns:p="http://schemas.openxmlformats.org/presentationml/2006/main" type="title" preserve="1">
   <p:cSld name="Title Slide">
@@ -606,7 +692,7 @@
           <a:lstStyle/>
           <a:p>
             <a:r>
-              <a:rPr lang="en-US" smtClean="0"/>
+              <a:rPr lang="en-US"/>
               <a:t>Click to edit Master title style</a:t>
             </a:r>
             <a:endParaRPr lang="it-IT"/>
@@ -725,7 +811,7 @@
           </a:lstStyle>
           <a:p>
             <a:r>
-              <a:rPr lang="en-US" smtClean="0"/>
+              <a:rPr lang="en-US"/>
               <a:t>Click to edit Master subtitle style</a:t>
             </a:r>
             <a:endParaRPr lang="it-IT" dirty="0"/>
@@ -750,7 +836,7 @@
             <a:fld id="{4633ECFB-6927-4181-8532-1ECC482329AC}" type="datetimeFigureOut">
               <a:rPr lang="it-IT" smtClean="0"/>
               <a:pPr/>
-              <a:t>19/03/2019</a:t>
+              <a:t>25/05/2020</a:t>
             </a:fld>
             <a:endParaRPr lang="it-IT"/>
           </a:p>
@@ -840,7 +926,7 @@
           <a:lstStyle/>
           <a:p>
             <a:r>
-              <a:rPr lang="en-US" smtClean="0"/>
+              <a:rPr lang="en-US"/>
               <a:t>Click to edit Master title style</a:t>
             </a:r>
             <a:endParaRPr lang="it-IT"/>
@@ -864,35 +950,35 @@
           <a:p>
             <a:pPr lvl="0"/>
             <a:r>
-              <a:rPr lang="en-US" smtClean="0"/>
+              <a:rPr lang="en-US"/>
               <a:t>Click to edit Master text styles</a:t>
             </a:r>
           </a:p>
           <a:p>
             <a:pPr lvl="1"/>
             <a:r>
-              <a:rPr lang="en-US" smtClean="0"/>
+              <a:rPr lang="en-US"/>
               <a:t>Second level</a:t>
             </a:r>
           </a:p>
           <a:p>
             <a:pPr lvl="2"/>
             <a:r>
-              <a:rPr lang="en-US" smtClean="0"/>
+              <a:rPr lang="en-US"/>
               <a:t>Third level</a:t>
             </a:r>
           </a:p>
           <a:p>
             <a:pPr lvl="3"/>
             <a:r>
-              <a:rPr lang="en-US" smtClean="0"/>
+              <a:rPr lang="en-US"/>
               <a:t>Fourth level</a:t>
             </a:r>
           </a:p>
           <a:p>
             <a:pPr lvl="4"/>
             <a:r>
-              <a:rPr lang="en-US" smtClean="0"/>
+              <a:rPr lang="en-US"/>
               <a:t>Fifth level</a:t>
             </a:r>
             <a:endParaRPr lang="it-IT"/>
@@ -917,7 +1003,7 @@
             <a:fld id="{4633ECFB-6927-4181-8532-1ECC482329AC}" type="datetimeFigureOut">
               <a:rPr lang="it-IT" smtClean="0"/>
               <a:pPr/>
-              <a:t>19/03/2019</a:t>
+              <a:t>25/05/2020</a:t>
             </a:fld>
             <a:endParaRPr lang="it-IT"/>
           </a:p>
@@ -1012,7 +1098,7 @@
           <a:lstStyle/>
           <a:p>
             <a:r>
-              <a:rPr lang="en-US" smtClean="0"/>
+              <a:rPr lang="en-US"/>
               <a:t>Click to edit Master title style</a:t>
             </a:r>
             <a:endParaRPr lang="it-IT"/>
@@ -1041,35 +1127,35 @@
           <a:p>
             <a:pPr lvl="0"/>
             <a:r>
-              <a:rPr lang="en-US" smtClean="0"/>
+              <a:rPr lang="en-US"/>
               <a:t>Click to edit Master text styles</a:t>
             </a:r>
           </a:p>
           <a:p>
             <a:pPr lvl="1"/>
             <a:r>
-              <a:rPr lang="en-US" smtClean="0"/>
+              <a:rPr lang="en-US"/>
               <a:t>Second level</a:t>
             </a:r>
           </a:p>
           <a:p>
             <a:pPr lvl="2"/>
             <a:r>
-              <a:rPr lang="en-US" smtClean="0"/>
+              <a:rPr lang="en-US"/>
               <a:t>Third level</a:t>
             </a:r>
           </a:p>
           <a:p>
             <a:pPr lvl="3"/>
             <a:r>
-              <a:rPr lang="en-US" smtClean="0"/>
+              <a:rPr lang="en-US"/>
               <a:t>Fourth level</a:t>
             </a:r>
           </a:p>
           <a:p>
             <a:pPr lvl="4"/>
             <a:r>
-              <a:rPr lang="en-US" smtClean="0"/>
+              <a:rPr lang="en-US"/>
               <a:t>Fifth level</a:t>
             </a:r>
             <a:endParaRPr lang="it-IT" dirty="0"/>
@@ -1094,7 +1180,7 @@
             <a:fld id="{4633ECFB-6927-4181-8532-1ECC482329AC}" type="datetimeFigureOut">
               <a:rPr lang="it-IT" smtClean="0"/>
               <a:pPr/>
-              <a:t>19/03/2019</a:t>
+              <a:t>25/05/2020</a:t>
             </a:fld>
             <a:endParaRPr lang="it-IT"/>
           </a:p>
@@ -1184,7 +1270,7 @@
           <a:lstStyle/>
           <a:p>
             <a:r>
-              <a:rPr lang="en-US" smtClean="0"/>
+              <a:rPr lang="en-US"/>
               <a:t>Click to edit Master title style</a:t>
             </a:r>
             <a:endParaRPr lang="it-IT"/>
@@ -1208,35 +1294,35 @@
           <a:p>
             <a:pPr lvl="0"/>
             <a:r>
-              <a:rPr lang="en-US" smtClean="0"/>
+              <a:rPr lang="en-US"/>
               <a:t>Click to edit Master text styles</a:t>
             </a:r>
           </a:p>
           <a:p>
             <a:pPr lvl="1"/>
             <a:r>
-              <a:rPr lang="en-US" smtClean="0"/>
+              <a:rPr lang="en-US"/>
               <a:t>Second level</a:t>
             </a:r>
           </a:p>
           <a:p>
             <a:pPr lvl="2"/>
             <a:r>
-              <a:rPr lang="en-US" smtClean="0"/>
+              <a:rPr lang="en-US"/>
               <a:t>Third level</a:t>
             </a:r>
           </a:p>
           <a:p>
             <a:pPr lvl="3"/>
             <a:r>
-              <a:rPr lang="en-US" smtClean="0"/>
+              <a:rPr lang="en-US"/>
               <a:t>Fourth level</a:t>
             </a:r>
           </a:p>
           <a:p>
             <a:pPr lvl="4"/>
             <a:r>
-              <a:rPr lang="en-US" smtClean="0"/>
+              <a:rPr lang="en-US"/>
               <a:t>Fifth level</a:t>
             </a:r>
             <a:endParaRPr lang="it-IT"/>
@@ -1261,7 +1347,7 @@
             <a:fld id="{4633ECFB-6927-4181-8532-1ECC482329AC}" type="datetimeFigureOut">
               <a:rPr lang="it-IT" smtClean="0"/>
               <a:pPr/>
-              <a:t>19/03/2019</a:t>
+              <a:t>25/05/2020</a:t>
             </a:fld>
             <a:endParaRPr lang="it-IT"/>
           </a:p>
@@ -1360,7 +1446,7 @@
           </a:lstStyle>
           <a:p>
             <a:r>
-              <a:rPr lang="en-US" smtClean="0"/>
+              <a:rPr lang="en-US"/>
               <a:t>Click to edit Master title style</a:t>
             </a:r>
             <a:endParaRPr lang="it-IT"/>
@@ -1480,7 +1566,7 @@
           <a:p>
             <a:pPr lvl="0"/>
             <a:r>
-              <a:rPr lang="en-US" smtClean="0"/>
+              <a:rPr lang="en-US"/>
               <a:t>Click to edit Master text styles</a:t>
             </a:r>
           </a:p>
@@ -1504,7 +1590,7 @@
             <a:fld id="{4633ECFB-6927-4181-8532-1ECC482329AC}" type="datetimeFigureOut">
               <a:rPr lang="it-IT" smtClean="0"/>
               <a:pPr/>
-              <a:t>19/03/2019</a:t>
+              <a:t>25/05/2020</a:t>
             </a:fld>
             <a:endParaRPr lang="it-IT"/>
           </a:p>
@@ -1594,7 +1680,7 @@
           <a:lstStyle/>
           <a:p>
             <a:r>
-              <a:rPr lang="en-US" smtClean="0"/>
+              <a:rPr lang="en-US"/>
               <a:t>Click to edit Master title style</a:t>
             </a:r>
             <a:endParaRPr lang="it-IT"/>
@@ -1651,35 +1737,35 @@
           <a:p>
             <a:pPr lvl="0"/>
             <a:r>
-              <a:rPr lang="en-US" smtClean="0"/>
+              <a:rPr lang="en-US"/>
               <a:t>Click to edit Master text styles</a:t>
             </a:r>
           </a:p>
           <a:p>
             <a:pPr lvl="1"/>
             <a:r>
-              <a:rPr lang="en-US" smtClean="0"/>
+              <a:rPr lang="en-US"/>
               <a:t>Second level</a:t>
             </a:r>
           </a:p>
           <a:p>
             <a:pPr lvl="2"/>
             <a:r>
-              <a:rPr lang="en-US" smtClean="0"/>
+              <a:rPr lang="en-US"/>
               <a:t>Third level</a:t>
             </a:r>
           </a:p>
           <a:p>
             <a:pPr lvl="3"/>
             <a:r>
-              <a:rPr lang="en-US" smtClean="0"/>
+              <a:rPr lang="en-US"/>
               <a:t>Fourth level</a:t>
             </a:r>
           </a:p>
           <a:p>
             <a:pPr lvl="4"/>
             <a:r>
-              <a:rPr lang="en-US" smtClean="0"/>
+              <a:rPr lang="en-US"/>
               <a:t>Fifth level</a:t>
             </a:r>
             <a:endParaRPr lang="it-IT"/>
@@ -1736,35 +1822,35 @@
           <a:p>
             <a:pPr lvl="0"/>
             <a:r>
-              <a:rPr lang="en-US" smtClean="0"/>
+              <a:rPr lang="en-US"/>
               <a:t>Click to edit Master text styles</a:t>
             </a:r>
           </a:p>
           <a:p>
             <a:pPr lvl="1"/>
             <a:r>
-              <a:rPr lang="en-US" smtClean="0"/>
+              <a:rPr lang="en-US"/>
               <a:t>Second level</a:t>
             </a:r>
           </a:p>
           <a:p>
             <a:pPr lvl="2"/>
             <a:r>
-              <a:rPr lang="en-US" smtClean="0"/>
+              <a:rPr lang="en-US"/>
               <a:t>Third level</a:t>
             </a:r>
           </a:p>
           <a:p>
             <a:pPr lvl="3"/>
             <a:r>
-              <a:rPr lang="en-US" smtClean="0"/>
+              <a:rPr lang="en-US"/>
               <a:t>Fourth level</a:t>
             </a:r>
           </a:p>
           <a:p>
             <a:pPr lvl="4"/>
             <a:r>
-              <a:rPr lang="en-US" smtClean="0"/>
+              <a:rPr lang="en-US"/>
               <a:t>Fifth level</a:t>
             </a:r>
             <a:endParaRPr lang="it-IT"/>
@@ -1789,7 +1875,7 @@
             <a:fld id="{4633ECFB-6927-4181-8532-1ECC482329AC}" type="datetimeFigureOut">
               <a:rPr lang="it-IT" smtClean="0"/>
               <a:pPr/>
-              <a:t>19/03/2019</a:t>
+              <a:t>25/05/2020</a:t>
             </a:fld>
             <a:endParaRPr lang="it-IT"/>
           </a:p>
@@ -1883,7 +1969,7 @@
           </a:lstStyle>
           <a:p>
             <a:r>
-              <a:rPr lang="en-US" smtClean="0"/>
+              <a:rPr lang="en-US"/>
               <a:t>Click to edit Master title style</a:t>
             </a:r>
             <a:endParaRPr lang="it-IT"/>
@@ -1949,7 +2035,7 @@
           <a:p>
             <a:pPr lvl="0"/>
             <a:r>
-              <a:rPr lang="en-US" smtClean="0"/>
+              <a:rPr lang="en-US"/>
               <a:t>Click to edit Master text styles</a:t>
             </a:r>
           </a:p>
@@ -2005,35 +2091,35 @@
           <a:p>
             <a:pPr lvl="0"/>
             <a:r>
-              <a:rPr lang="en-US" smtClean="0"/>
+              <a:rPr lang="en-US"/>
               <a:t>Click to edit Master text styles</a:t>
             </a:r>
           </a:p>
           <a:p>
             <a:pPr lvl="1"/>
             <a:r>
-              <a:rPr lang="en-US" smtClean="0"/>
+              <a:rPr lang="en-US"/>
               <a:t>Second level</a:t>
             </a:r>
           </a:p>
           <a:p>
             <a:pPr lvl="2"/>
             <a:r>
-              <a:rPr lang="en-US" smtClean="0"/>
+              <a:rPr lang="en-US"/>
               <a:t>Third level</a:t>
             </a:r>
           </a:p>
           <a:p>
             <a:pPr lvl="3"/>
             <a:r>
-              <a:rPr lang="en-US" smtClean="0"/>
+              <a:rPr lang="en-US"/>
               <a:t>Fourth level</a:t>
             </a:r>
           </a:p>
           <a:p>
             <a:pPr lvl="4"/>
             <a:r>
-              <a:rPr lang="en-US" smtClean="0"/>
+              <a:rPr lang="en-US"/>
               <a:t>Fifth level</a:t>
             </a:r>
             <a:endParaRPr lang="it-IT"/>
@@ -2099,7 +2185,7 @@
           <a:p>
             <a:pPr lvl="0"/>
             <a:r>
-              <a:rPr lang="en-US" smtClean="0"/>
+              <a:rPr lang="en-US"/>
               <a:t>Click to edit Master text styles</a:t>
             </a:r>
           </a:p>
@@ -2155,35 +2241,35 @@
           <a:p>
             <a:pPr lvl="0"/>
             <a:r>
-              <a:rPr lang="en-US" smtClean="0"/>
+              <a:rPr lang="en-US"/>
               <a:t>Click to edit Master text styles</a:t>
             </a:r>
           </a:p>
           <a:p>
             <a:pPr lvl="1"/>
             <a:r>
-              <a:rPr lang="en-US" smtClean="0"/>
+              <a:rPr lang="en-US"/>
               <a:t>Second level</a:t>
             </a:r>
           </a:p>
           <a:p>
             <a:pPr lvl="2"/>
             <a:r>
-              <a:rPr lang="en-US" smtClean="0"/>
+              <a:rPr lang="en-US"/>
               <a:t>Third level</a:t>
             </a:r>
           </a:p>
           <a:p>
             <a:pPr lvl="3"/>
             <a:r>
-              <a:rPr lang="en-US" smtClean="0"/>
+              <a:rPr lang="en-US"/>
               <a:t>Fourth level</a:t>
             </a:r>
           </a:p>
           <a:p>
             <a:pPr lvl="4"/>
             <a:r>
-              <a:rPr lang="en-US" smtClean="0"/>
+              <a:rPr lang="en-US"/>
               <a:t>Fifth level</a:t>
             </a:r>
             <a:endParaRPr lang="it-IT"/>
@@ -2208,7 +2294,7 @@
             <a:fld id="{4633ECFB-6927-4181-8532-1ECC482329AC}" type="datetimeFigureOut">
               <a:rPr lang="it-IT" smtClean="0"/>
               <a:pPr/>
-              <a:t>19/03/2019</a:t>
+              <a:t>25/05/2020</a:t>
             </a:fld>
             <a:endParaRPr lang="it-IT"/>
           </a:p>
@@ -2298,7 +2384,7 @@
           <a:lstStyle/>
           <a:p>
             <a:r>
-              <a:rPr lang="en-US" smtClean="0"/>
+              <a:rPr lang="en-US"/>
               <a:t>Click to edit Master title style</a:t>
             </a:r>
             <a:endParaRPr lang="it-IT"/>
@@ -2323,7 +2409,7 @@
             <a:fld id="{4633ECFB-6927-4181-8532-1ECC482329AC}" type="datetimeFigureOut">
               <a:rPr lang="it-IT" smtClean="0"/>
               <a:pPr/>
-              <a:t>19/03/2019</a:t>
+              <a:t>25/05/2020</a:t>
             </a:fld>
             <a:endParaRPr lang="it-IT"/>
           </a:p>
@@ -2415,7 +2501,7 @@
             <a:fld id="{4633ECFB-6927-4181-8532-1ECC482329AC}" type="datetimeFigureOut">
               <a:rPr lang="it-IT" smtClean="0"/>
               <a:pPr/>
-              <a:t>19/03/2019</a:t>
+              <a:t>25/05/2020</a:t>
             </a:fld>
             <a:endParaRPr lang="it-IT"/>
           </a:p>
@@ -2514,7 +2600,7 @@
           </a:lstStyle>
           <a:p>
             <a:r>
-              <a:rPr lang="en-US" smtClean="0"/>
+              <a:rPr lang="en-US"/>
               <a:t>Click to edit Master title style</a:t>
             </a:r>
             <a:endParaRPr lang="it-IT" dirty="0"/>
@@ -2571,35 +2657,35 @@
           <a:p>
             <a:pPr lvl="0"/>
             <a:r>
-              <a:rPr lang="en-US" smtClean="0"/>
+              <a:rPr lang="en-US"/>
               <a:t>Click to edit Master text styles</a:t>
             </a:r>
           </a:p>
           <a:p>
             <a:pPr lvl="1"/>
             <a:r>
-              <a:rPr lang="en-US" smtClean="0"/>
+              <a:rPr lang="en-US"/>
               <a:t>Second level</a:t>
             </a:r>
           </a:p>
           <a:p>
             <a:pPr lvl="2"/>
             <a:r>
-              <a:rPr lang="en-US" smtClean="0"/>
+              <a:rPr lang="en-US"/>
               <a:t>Third level</a:t>
             </a:r>
           </a:p>
           <a:p>
             <a:pPr lvl="3"/>
             <a:r>
-              <a:rPr lang="en-US" smtClean="0"/>
+              <a:rPr lang="en-US"/>
               <a:t>Fourth level</a:t>
             </a:r>
           </a:p>
           <a:p>
             <a:pPr lvl="4"/>
             <a:r>
-              <a:rPr lang="en-US" smtClean="0"/>
+              <a:rPr lang="en-US"/>
               <a:t>Fifth level</a:t>
             </a:r>
             <a:endParaRPr lang="it-IT"/>
@@ -2665,7 +2751,7 @@
           <a:p>
             <a:pPr lvl="0"/>
             <a:r>
-              <a:rPr lang="en-US" smtClean="0"/>
+              <a:rPr lang="en-US"/>
               <a:t>Click to edit Master text styles</a:t>
             </a:r>
           </a:p>
@@ -2689,7 +2775,7 @@
             <a:fld id="{4633ECFB-6927-4181-8532-1ECC482329AC}" type="datetimeFigureOut">
               <a:rPr lang="it-IT" smtClean="0"/>
               <a:pPr/>
-              <a:t>19/03/2019</a:t>
+              <a:t>25/05/2020</a:t>
             </a:fld>
             <a:endParaRPr lang="it-IT"/>
           </a:p>
@@ -2788,7 +2874,7 @@
           </a:lstStyle>
           <a:p>
             <a:r>
-              <a:rPr lang="en-US" smtClean="0"/>
+              <a:rPr lang="en-US"/>
               <a:t>Click to edit Master title style</a:t>
             </a:r>
             <a:endParaRPr lang="it-IT"/>
@@ -2853,7 +2939,7 @@
           </a:lstStyle>
           <a:p>
             <a:r>
-              <a:rPr lang="en-US" smtClean="0"/>
+              <a:rPr lang="en-US"/>
               <a:t>Click icon to add picture</a:t>
             </a:r>
             <a:endParaRPr lang="it-IT"/>
@@ -2919,7 +3005,7 @@
           <a:p>
             <a:pPr lvl="0"/>
             <a:r>
-              <a:rPr lang="en-US" smtClean="0"/>
+              <a:rPr lang="en-US"/>
               <a:t>Click to edit Master text styles</a:t>
             </a:r>
           </a:p>
@@ -2943,7 +3029,7 @@
             <a:fld id="{4633ECFB-6927-4181-8532-1ECC482329AC}" type="datetimeFigureOut">
               <a:rPr lang="it-IT" smtClean="0"/>
               <a:pPr/>
-              <a:t>19/03/2019</a:t>
+              <a:t>25/05/2020</a:t>
             </a:fld>
             <a:endParaRPr lang="it-IT"/>
           </a:p>
@@ -3134,7 +3220,7 @@
           <a:lstStyle/>
           <a:p>
             <a:r>
-              <a:rPr lang="en-US" smtClean="0"/>
+              <a:rPr lang="en-US"/>
               <a:t>Click to edit Master title style</a:t>
             </a:r>
             <a:endParaRPr lang="it-IT"/>
@@ -3168,35 +3254,35 @@
           <a:p>
             <a:pPr lvl="0"/>
             <a:r>
-              <a:rPr lang="en-US" smtClean="0"/>
+              <a:rPr lang="en-US"/>
               <a:t>Click to edit Master text styles</a:t>
             </a:r>
           </a:p>
           <a:p>
             <a:pPr lvl="1"/>
             <a:r>
-              <a:rPr lang="en-US" smtClean="0"/>
+              <a:rPr lang="en-US"/>
               <a:t>Second level</a:t>
             </a:r>
           </a:p>
           <a:p>
             <a:pPr lvl="2"/>
             <a:r>
-              <a:rPr lang="en-US" smtClean="0"/>
+              <a:rPr lang="en-US"/>
               <a:t>Third level</a:t>
             </a:r>
           </a:p>
           <a:p>
             <a:pPr lvl="3"/>
             <a:r>
-              <a:rPr lang="en-US" smtClean="0"/>
+              <a:rPr lang="en-US"/>
               <a:t>Fourth level</a:t>
             </a:r>
           </a:p>
           <a:p>
             <a:pPr lvl="4"/>
             <a:r>
-              <a:rPr lang="en-US" smtClean="0"/>
+              <a:rPr lang="en-US"/>
               <a:t>Fifth level</a:t>
             </a:r>
             <a:endParaRPr lang="it-IT" dirty="0"/>
@@ -3239,7 +3325,7 @@
             <a:fld id="{4633ECFB-6927-4181-8532-1ECC482329AC}" type="datetimeFigureOut">
               <a:rPr lang="it-IT" smtClean="0"/>
               <a:pPr/>
-              <a:t>19/03/2019</a:t>
+              <a:t>25/05/2020</a:t>
             </a:fld>
             <a:endParaRPr lang="it-IT" dirty="0"/>
           </a:p>
@@ -3373,7 +3459,7 @@
           <a:lstStyle/>
           <a:p>
             <a:r>
-              <a:rPr lang="it-IT" sz="3600" b="1" dirty="0" smtClean="0">
+              <a:rPr lang="it-IT" sz="3600" b="1" dirty="0">
                 <a:solidFill>
                   <a:schemeClr val="bg1"/>
                 </a:solidFill>
@@ -3381,12 +3467,6 @@
               </a:rPr>
               <a:t>GIM</a:t>
             </a:r>
-            <a:endParaRPr lang="it-IT" sz="3600" b="1" dirty="0">
-              <a:solidFill>
-                <a:schemeClr val="bg1"/>
-              </a:solidFill>
-              <a:latin typeface="Myriad Pro" pitchFamily="34" charset="0"/>
-            </a:endParaRPr>
           </a:p>
         </p:txBody>
       </p:sp>
@@ -3413,7 +3493,7 @@
           <a:lstStyle/>
           <a:p>
             <a:r>
-              <a:rPr lang="it-IT" sz="2400" dirty="0" smtClean="0">
+              <a:rPr lang="it-IT" sz="2400" dirty="0">
                 <a:solidFill>
                   <a:schemeClr val="bg1"/>
                 </a:solidFill>
@@ -3421,12 +3501,6 @@
               </a:rPr>
               <a:t>Global</a:t>
             </a:r>
-            <a:endParaRPr lang="it-IT" sz="2400" dirty="0">
-              <a:solidFill>
-                <a:schemeClr val="bg1"/>
-              </a:solidFill>
-              <a:latin typeface="Myriad Pro" pitchFamily="34" charset="0"/>
-            </a:endParaRPr>
           </a:p>
         </p:txBody>
       </p:sp>
@@ -3547,7 +3621,7 @@
           </a:lstStyle>
           <a:p>
             <a:r>
-              <a:rPr lang="it-IT" sz="2400" dirty="0" smtClean="0">
+              <a:rPr lang="it-IT" sz="2400" dirty="0">
                 <a:solidFill>
                   <a:schemeClr val="bg1"/>
                 </a:solidFill>
@@ -3555,12 +3629,6 @@
               </a:rPr>
               <a:t>Information</a:t>
             </a:r>
-            <a:endParaRPr lang="it-IT" sz="2400" dirty="0">
-              <a:solidFill>
-                <a:schemeClr val="bg1"/>
-              </a:solidFill>
-              <a:latin typeface="Myriad Pro" pitchFamily="34" charset="0"/>
-            </a:endParaRPr>
           </a:p>
         </p:txBody>
       </p:sp>
@@ -3681,7 +3749,7 @@
           </a:lstStyle>
           <a:p>
             <a:r>
-              <a:rPr lang="it-IT" sz="2400" dirty="0" smtClean="0">
+              <a:rPr lang="it-IT" sz="2400" dirty="0">
                 <a:solidFill>
                   <a:schemeClr val="bg1"/>
                 </a:solidFill>
@@ -3689,12 +3757,6 @@
               </a:rPr>
               <a:t>Management</a:t>
             </a:r>
-            <a:endParaRPr lang="it-IT" sz="2400" dirty="0">
-              <a:solidFill>
-                <a:schemeClr val="bg1"/>
-              </a:solidFill>
-              <a:latin typeface="Myriad Pro" pitchFamily="34" charset="0"/>
-            </a:endParaRPr>
           </a:p>
         </p:txBody>
       </p:sp>
@@ -4014,14 +4076,16 @@
         </p:spPr>
         <p:txBody>
           <a:bodyPr>
-            <a:normAutofit fontScale="90000"/>
+            <a:normAutofit/>
           </a:bodyPr>
           <a:lstStyle/>
           <a:p>
             <a:r>
-              <a:rPr lang="it-IT" sz="12200" u="sng" dirty="0" smtClean="0">
+              <a:rPr lang="it-IT" sz="6000" u="sng" dirty="0" err="1">
                 <a:solidFill>
-                  <a:srgbClr val="FFC000"/>
+                  <a:schemeClr val="accent2">
+                    <a:lumMod val="75000"/>
+                  </a:schemeClr>
                 </a:solidFill>
                 <a:effectLst>
                   <a:outerShdw blurRad="38100" dist="38100" dir="2700000" algn="tl">
@@ -4034,7 +4098,7 @@
               <a:t>ARX</a:t>
             </a:r>
             <a:r>
-              <a:rPr lang="it-IT" sz="12200" u="sng" dirty="0" smtClean="0">
+              <a:rPr lang="it-IT" sz="6000" u="sng" dirty="0" err="1">
                 <a:effectLst>
                   <a:outerShdw blurRad="38100" dist="38100" dir="2700000" algn="tl">
                     <a:srgbClr val="000000">
@@ -4043,56 +4107,45 @@
                   </a:outerShdw>
                 </a:effectLst>
               </a:rPr>
-              <a:t>Dev</a:t>
-            </a:r>
-            <a:r>
-              <a:rPr lang="it-IT" sz="12200" dirty="0" smtClean="0"/>
+              <a:t>ivar</a:t>
+            </a:r>
+            <a:r>
+              <a:rPr lang="it-IT" sz="6000" u="sng" dirty="0">
+                <a:effectLst>
+                  <a:outerShdw blurRad="38100" dist="38100" dir="2700000" algn="tl">
+                    <a:srgbClr val="000000">
+                      <a:alpha val="43137"/>
+                    </a:srgbClr>
+                  </a:outerShdw>
+                </a:effectLst>
+              </a:rPr>
               <a:t> </a:t>
             </a:r>
-            <a:br>
-              <a:rPr lang="it-IT" sz="12200" dirty="0" smtClean="0"/>
-            </a:br>
-            <a:r>
-              <a:rPr lang="it-IT" sz="1200" dirty="0"/>
-              <a:t>Guida tecnica allo sviluppo di </a:t>
-            </a:r>
-            <a:r>
-              <a:rPr lang="it-IT" sz="1200" dirty="0" err="1"/>
-              <a:t>plugin</a:t>
-            </a:r>
-            <a:r>
-              <a:rPr lang="it-IT" sz="1200" dirty="0"/>
-              <a:t> WCF e </a:t>
-            </a:r>
-            <a:r>
-              <a:rPr lang="it-IT" sz="1200" dirty="0" err="1"/>
-              <a:t>plugin</a:t>
-            </a:r>
-            <a:r>
-              <a:rPr lang="it-IT" sz="1200" dirty="0"/>
-              <a:t> </a:t>
-            </a:r>
-            <a:r>
-              <a:rPr lang="it-IT" sz="1200" dirty="0" err="1"/>
-              <a:t>Workflow</a:t>
-            </a:r>
-            <a:r>
-              <a:rPr lang="it-IT" sz="1200" dirty="0"/>
-              <a:t> per </a:t>
-            </a:r>
-            <a:r>
-              <a:rPr lang="it-IT" sz="1200" dirty="0" err="1"/>
-              <a:t>ARXivar</a:t>
-            </a:r>
-            <a:r>
-              <a:rPr lang="it-IT" sz="1200" dirty="0"/>
-              <a:t> </a:t>
-            </a:r>
-            <a:r>
-              <a:rPr lang="it-IT" sz="1200" dirty="0" err="1"/>
+            <a:r>
+              <a:rPr lang="it-IT" sz="6000" i="1" u="sng" dirty="0">
+                <a:effectLst>
+                  <a:outerShdw blurRad="38100" dist="38100" dir="2700000" algn="tl">
+                    <a:srgbClr val="000000">
+                      <a:alpha val="43137"/>
+                    </a:srgbClr>
+                  </a:outerShdw>
+                </a:effectLst>
+              </a:rPr>
               <a:t>Next</a:t>
             </a:r>
-            <a:endParaRPr lang="it-IT" sz="1400" i="1" dirty="0">
+            <a:r>
+              <a:rPr lang="it-IT" sz="6000" u="sng" dirty="0">
+                <a:effectLst>
+                  <a:outerShdw blurRad="38100" dist="38100" dir="2700000" algn="tl">
+                    <a:srgbClr val="000000">
+                      <a:alpha val="43137"/>
+                    </a:srgbClr>
+                  </a:outerShdw>
+                </a:effectLst>
+              </a:rPr>
+              <a:t> Dev 4</a:t>
+            </a:r>
+            <a:endParaRPr lang="it-IT" sz="6000" i="1" dirty="0">
               <a:effectLst>
                 <a:outerShdw blurRad="38100" dist="38100" dir="2700000" algn="tl">
                   <a:srgbClr val="000000">
@@ -4120,7 +4173,7 @@
           <a:lstStyle/>
           <a:p>
             <a:r>
-              <a:rPr lang="it-IT" i="1" dirty="0" smtClean="0"/>
+              <a:rPr lang="it-IT" i="1" dirty="0"/>
               <a:t>Yari Melzani</a:t>
             </a:r>
           </a:p>
@@ -4134,13 +4187,6 @@
   <p:clrMapOvr>
     <a:masterClrMapping/>
   </p:clrMapOvr>
-  <p:timing>
-    <p:tnLst>
-      <p:par>
-        <p:cTn id="1" dur="indefinite" restart="never" nodeType="tmRoot"/>
-      </p:par>
-    </p:tnLst>
-  </p:timing>
 </p:sld>
 </file>
 
@@ -4184,7 +4230,7 @@
           <a:lstStyle/>
           <a:p>
             <a:r>
-              <a:rPr lang="it-IT" dirty="0" smtClean="0">
+              <a:rPr lang="it-IT" dirty="0">
                 <a:solidFill>
                   <a:srgbClr val="FFC000"/>
                 </a:solidFill>
@@ -4198,18 +4244,6 @@
               </a:rPr>
               <a:t>Programma della giornata</a:t>
             </a:r>
-            <a:endParaRPr lang="it-IT" dirty="0">
-              <a:solidFill>
-                <a:srgbClr val="FFC000"/>
-              </a:solidFill>
-              <a:effectLst>
-                <a:outerShdw blurRad="38100" dist="38100" dir="2700000" algn="tl">
-                  <a:srgbClr val="000000">
-                    <a:alpha val="43137"/>
-                  </a:srgbClr>
-                </a:outerShdw>
-              </a:effectLst>
-            </a:endParaRPr>
           </a:p>
         </p:txBody>
       </p:sp>
@@ -4236,18 +4270,14 @@
           <a:lstStyle/>
           <a:p>
             <a:r>
-              <a:rPr lang="it-IT" sz="1600" b="1" dirty="0" smtClean="0"/>
-              <a:t>Prefazione architettura orientata ai servizi</a:t>
-            </a:r>
-          </a:p>
-          <a:p>
-            <a:r>
-              <a:rPr lang="it-IT" sz="1600" b="1" dirty="0" smtClean="0"/>
-              <a:t>Manuale </a:t>
-            </a:r>
-            <a:r>
-              <a:rPr lang="it-IT" sz="1600" b="1" dirty="0" smtClean="0"/>
-              <a:t>online</a:t>
+              <a:rPr lang="it-IT" sz="1600" b="1" dirty="0"/>
+              <a:t>Architettura orientata ai servizi</a:t>
+            </a:r>
+          </a:p>
+          <a:p>
+            <a:r>
+              <a:rPr lang="it-IT" sz="1600" b="1" dirty="0"/>
+              <a:t>Manuale online</a:t>
             </a:r>
           </a:p>
           <a:p>
@@ -4256,28 +4286,18 @@
               <a:rPr lang="it-IT" sz="1200" b="1" dirty="0">
                 <a:hlinkClick r:id="rId2"/>
               </a:rPr>
-              <a:t>http://</a:t>
-            </a:r>
-            <a:r>
-              <a:rPr lang="it-IT" sz="1200" b="1" dirty="0" smtClean="0">
-                <a:hlinkClick r:id="rId2"/>
-              </a:rPr>
-              <a:t>dev.arxivar.it</a:t>
-            </a:r>
-            <a:endParaRPr lang="it-IT" sz="1200" b="1" dirty="0" smtClean="0"/>
-          </a:p>
-          <a:p>
-            <a:r>
-              <a:rPr lang="it-IT" sz="1600" b="1" dirty="0" err="1" smtClean="0"/>
+              <a:t>http://dev.arxivar.it</a:t>
+            </a:r>
+            <a:endParaRPr lang="it-IT" sz="1200" b="1" dirty="0"/>
+          </a:p>
+          <a:p>
+            <a:r>
+              <a:rPr lang="it-IT" sz="1600" b="1" dirty="0" err="1"/>
               <a:t>Plugin</a:t>
             </a:r>
             <a:r>
-              <a:rPr lang="it-IT" sz="1600" b="1" dirty="0" smtClean="0"/>
-              <a:t> </a:t>
-            </a:r>
-            <a:r>
-              <a:rPr lang="it-IT" sz="1600" b="1" dirty="0" smtClean="0"/>
-              <a:t>server</a:t>
+              <a:rPr lang="it-IT" sz="1600" b="1" dirty="0"/>
+              <a:t> server</a:t>
             </a:r>
           </a:p>
           <a:p>
@@ -4295,7 +4315,7 @@
               <a:t> caricati: console servizio </a:t>
             </a:r>
             <a:r>
-              <a:rPr lang="it-IT" sz="1100" b="1" dirty="0" err="1" smtClean="0"/>
+              <a:rPr lang="it-IT" sz="1100" b="1" dirty="0" err="1"/>
               <a:t>Wcf</a:t>
             </a:r>
             <a:r>
@@ -4303,7 +4323,7 @@
               <a:t>, </a:t>
             </a:r>
             <a:r>
-              <a:rPr lang="it-IT" sz="1100" b="1" dirty="0" err="1" smtClean="0"/>
+              <a:rPr lang="it-IT" sz="1100" b="1" dirty="0" err="1"/>
               <a:t>Rest</a:t>
             </a:r>
             <a:r>
@@ -4311,18 +4331,18 @@
               <a:t>, </a:t>
             </a:r>
             <a:r>
-              <a:rPr lang="it-IT" sz="1100" b="1" dirty="0" err="1" smtClean="0"/>
+              <a:rPr lang="it-IT" sz="1100" b="1" dirty="0" err="1"/>
               <a:t>WCFConnectorManager</a:t>
             </a:r>
             <a:r>
-              <a:rPr lang="it-IT" sz="1100" b="1" dirty="0" smtClean="0"/>
+              <a:rPr lang="it-IT" sz="1100" b="1" dirty="0"/>
               <a:t>, </a:t>
             </a:r>
             <a:r>
-              <a:rPr lang="it-IT" sz="1100" b="1" dirty="0" err="1" smtClean="0"/>
+              <a:rPr lang="it-IT" sz="1100" b="1" dirty="0" err="1"/>
               <a:t>WebApi</a:t>
             </a:r>
-            <a:endParaRPr lang="it-IT" sz="1100" b="1" dirty="0" smtClean="0"/>
+            <a:endParaRPr lang="it-IT" sz="1100" b="1" dirty="0"/>
           </a:p>
           <a:p>
             <a:pPr lvl="1"/>
@@ -4354,7 +4374,6 @@
               <a:rPr lang="it-IT" sz="1100" b="1" dirty="0"/>
               <a:t>, configurazione </a:t>
             </a:r>
-            <a:endParaRPr lang="it-IT" sz="1100" b="1" dirty="0" smtClean="0"/>
           </a:p>
           <a:p>
             <a:pPr lvl="1"/>
@@ -4371,97 +4390,76 @@
               <a:t> </a:t>
             </a:r>
             <a:r>
-              <a:rPr lang="it-IT" sz="1100" b="1" dirty="0" err="1" smtClean="0"/>
+              <a:rPr lang="it-IT" sz="1100" b="1" dirty="0" err="1"/>
               <a:t>rest</a:t>
             </a:r>
-            <a:endParaRPr lang="it-IT" sz="1100" b="1" dirty="0" smtClean="0"/>
+            <a:endParaRPr lang="it-IT" sz="1100" b="1" dirty="0"/>
           </a:p>
           <a:p>
             <a:pPr lvl="1"/>
             <a:r>
-              <a:rPr lang="it-IT" sz="1100" b="1" dirty="0" smtClean="0"/>
-              <a:t>Gli eventi di </a:t>
-            </a:r>
-            <a:r>
-              <a:rPr lang="it-IT" sz="1100" b="1" dirty="0" smtClean="0"/>
-              <a:t>«</a:t>
-            </a:r>
-            <a:r>
-              <a:rPr lang="it-IT" sz="1100" b="1" dirty="0" err="1" smtClean="0"/>
+              <a:rPr lang="it-IT" sz="1100" b="1" dirty="0"/>
+              <a:t>Gli eventi di «</a:t>
+            </a:r>
+            <a:r>
+              <a:rPr lang="it-IT" sz="1100" b="1" dirty="0" err="1"/>
               <a:t>Before</a:t>
             </a:r>
             <a:r>
-              <a:rPr lang="it-IT" sz="1100" b="1" dirty="0" smtClean="0"/>
-              <a:t>» </a:t>
-            </a:r>
-            <a:r>
-              <a:rPr lang="it-IT" sz="1100" b="1" dirty="0" smtClean="0"/>
-              <a:t>e </a:t>
-            </a:r>
-            <a:r>
-              <a:rPr lang="it-IT" sz="1100" b="1" dirty="0" smtClean="0"/>
-              <a:t>«</a:t>
-            </a:r>
-            <a:r>
-              <a:rPr lang="it-IT" sz="1100" b="1" dirty="0" err="1" smtClean="0"/>
+              <a:rPr lang="it-IT" sz="1100" b="1" dirty="0"/>
+              <a:t>» e «</a:t>
+            </a:r>
+            <a:r>
+              <a:rPr lang="it-IT" sz="1100" b="1" dirty="0" err="1"/>
               <a:t>After</a:t>
             </a:r>
             <a:r>
-              <a:rPr lang="it-IT" sz="1100" b="1" dirty="0" smtClean="0"/>
+              <a:rPr lang="it-IT" sz="1100" b="1" dirty="0"/>
               <a:t>»</a:t>
             </a:r>
-            <a:endParaRPr lang="it-IT" sz="1100" b="1" dirty="0" smtClean="0"/>
           </a:p>
           <a:p>
             <a:pPr lvl="1"/>
             <a:r>
-              <a:rPr lang="it-IT" sz="1100" b="1" dirty="0" smtClean="0"/>
+              <a:rPr lang="it-IT" sz="1100" b="1" dirty="0"/>
               <a:t>Gestione della configurazione dei </a:t>
             </a:r>
             <a:r>
-              <a:rPr lang="it-IT" sz="1100" b="1" dirty="0" err="1" smtClean="0"/>
+              <a:rPr lang="it-IT" sz="1100" b="1" dirty="0" err="1"/>
               <a:t>plugin</a:t>
             </a:r>
             <a:r>
               <a:rPr lang="it-IT" sz="1100" b="1" dirty="0"/>
-              <a:t> </a:t>
-            </a:r>
-            <a:r>
-              <a:rPr lang="it-IT" sz="1100" b="1" dirty="0" smtClean="0"/>
-              <a:t>server</a:t>
+              <a:t> server</a:t>
             </a:r>
           </a:p>
           <a:p>
             <a:pPr lvl="1"/>
             <a:r>
-              <a:rPr lang="it-IT" sz="1100" b="1" dirty="0" smtClean="0"/>
-              <a:t>Deployment </a:t>
-            </a:r>
-            <a:r>
               <a:rPr lang="it-IT" sz="1100" b="1" dirty="0"/>
-              <a:t>e </a:t>
-            </a:r>
-            <a:r>
-              <a:rPr lang="it-IT" sz="1100" b="1" dirty="0" err="1" smtClean="0"/>
+              <a:t>Deployment e </a:t>
+            </a:r>
+            <a:r>
+              <a:rPr lang="it-IT" sz="1100" b="1" dirty="0" err="1"/>
               <a:t>debug</a:t>
             </a:r>
             <a:r>
-              <a:rPr lang="it-IT" sz="1100" b="1" dirty="0" smtClean="0"/>
+              <a:rPr lang="it-IT" sz="1100" b="1" dirty="0"/>
               <a:t>: </a:t>
             </a:r>
             <a:r>
-              <a:rPr lang="it-IT" sz="1100" b="1" dirty="0" err="1" smtClean="0"/>
+              <a:rPr lang="it-IT" sz="1100" b="1" dirty="0" err="1"/>
               <a:t>Wcf</a:t>
             </a:r>
             <a:r>
-              <a:rPr lang="it-IT" sz="1100" b="1" dirty="0" smtClean="0"/>
+              <a:rPr lang="it-IT" sz="1100" b="1" dirty="0"/>
               <a:t>, </a:t>
             </a:r>
             <a:r>
-              <a:rPr lang="it-IT" sz="1100" b="1" dirty="0" err="1" smtClean="0"/>
+              <a:rPr lang="it-IT" sz="1100" b="1" dirty="0" err="1"/>
               <a:t>WebApi</a:t>
             </a:r>
-            <a:endParaRPr lang="it-IT" sz="1100" b="1" dirty="0" smtClean="0"/>
+            <a:endParaRPr lang="it-IT" sz="1100" b="1" dirty="0"/>
           </a:p>
           <a:p>
             <a:pPr lvl="1"/>
@@ -4477,13 +4475,13 @@
             <a:pPr marL="457200" lvl="1" indent="0">
               <a:buNone/>
             </a:pPr>
-            <a:endParaRPr lang="it-IT" sz="600" b="1" dirty="0" smtClean="0"/>
-          </a:p>
-          <a:p>
-            <a:endParaRPr lang="it-IT" sz="1000" b="1" dirty="0" smtClean="0"/>
-          </a:p>
-          <a:p>
-            <a:endParaRPr lang="it-IT" sz="1000" b="1" dirty="0" smtClean="0"/>
+            <a:endParaRPr lang="it-IT" sz="600" b="1" dirty="0"/>
+          </a:p>
+          <a:p>
+            <a:endParaRPr lang="it-IT" sz="1000" b="1" dirty="0"/>
+          </a:p>
+          <a:p>
+            <a:endParaRPr lang="it-IT" sz="1000" b="1" dirty="0"/>
           </a:p>
         </p:txBody>
       </p:sp>
@@ -4497,13 +4495,6 @@
   <p:clrMapOvr>
     <a:masterClrMapping/>
   </p:clrMapOvr>
-  <p:timing>
-    <p:tnLst>
-      <p:par>
-        <p:cTn id="1" dur="indefinite" restart="never" nodeType="tmRoot"/>
-      </p:par>
-    </p:tnLst>
-  </p:timing>
 </p:sld>
 </file>
 
@@ -4547,7 +4538,7 @@
           <a:lstStyle/>
           <a:p>
             <a:r>
-              <a:rPr lang="it-IT" dirty="0" smtClean="0">
+              <a:rPr lang="it-IT" dirty="0">
                 <a:solidFill>
                   <a:srgbClr val="FFC000"/>
                 </a:solidFill>
@@ -4561,18 +4552,6 @@
               </a:rPr>
               <a:t>Programma della giornata</a:t>
             </a:r>
-            <a:endParaRPr lang="it-IT" dirty="0">
-              <a:solidFill>
-                <a:srgbClr val="FFC000"/>
-              </a:solidFill>
-              <a:effectLst>
-                <a:outerShdw blurRad="38100" dist="38100" dir="2700000" algn="tl">
-                  <a:srgbClr val="000000">
-                    <a:alpha val="43137"/>
-                  </a:srgbClr>
-                </a:outerShdw>
-              </a:effectLst>
-            </a:endParaRPr>
           </a:p>
         </p:txBody>
       </p:sp>
@@ -4601,101 +4580,50 @@
             <a:pPr marL="457200" lvl="1" indent="0">
               <a:buNone/>
             </a:pPr>
-            <a:endParaRPr lang="it-IT" sz="1000" b="1" dirty="0" smtClean="0"/>
-          </a:p>
-          <a:p>
-            <a:r>
-              <a:rPr lang="it-IT" sz="1600" b="1" dirty="0" err="1" smtClean="0"/>
+            <a:endParaRPr lang="it-IT" sz="1000" b="1" dirty="0"/>
+          </a:p>
+          <a:p>
+            <a:r>
+              <a:rPr lang="it-IT" sz="1600" b="1" dirty="0" err="1"/>
               <a:t>Plugin</a:t>
             </a:r>
             <a:r>
-              <a:rPr lang="it-IT" sz="1600" b="1" dirty="0" smtClean="0"/>
+              <a:rPr lang="it-IT" sz="1600" b="1" dirty="0"/>
               <a:t> client</a:t>
             </a:r>
-            <a:endParaRPr lang="it-IT" sz="1050" b="1" dirty="0" smtClean="0"/>
+            <a:endParaRPr lang="it-IT" sz="1050" b="1" dirty="0"/>
           </a:p>
           <a:p>
             <a:pPr lvl="1"/>
             <a:r>
-              <a:rPr lang="it-IT" sz="1100" b="1" dirty="0" err="1" smtClean="0"/>
-              <a:t>Ribbon</a:t>
-            </a:r>
-            <a:r>
-              <a:rPr lang="it-IT" sz="1100" b="1" dirty="0" smtClean="0"/>
-              <a:t> </a:t>
+              <a:rPr lang="it-IT" sz="1100" b="1" dirty="0"/>
+              <a:t>Ribbon </a:t>
             </a:r>
             <a:r>
               <a:rPr lang="it-IT" sz="1100" b="1" dirty="0" err="1"/>
               <a:t>main</a:t>
             </a:r>
+            <a:endParaRPr lang="it-IT" sz="1100" b="1" dirty="0"/>
+          </a:p>
+          <a:p>
+            <a:pPr lvl="1"/>
             <a:r>
               <a:rPr lang="it-IT" sz="1100" b="1" dirty="0"/>
-              <a:t> </a:t>
-            </a:r>
-            <a:r>
-              <a:rPr lang="it-IT" sz="1050" b="1" dirty="0"/>
-              <a:t>(</a:t>
-            </a:r>
-            <a:r>
-              <a:rPr lang="it-IT" sz="1050" b="1" i="1" dirty="0" err="1"/>
-              <a:t>Abletech.Arxivar.Client.PlugIn.AbstractPluginRibbonMain</a:t>
-            </a:r>
-            <a:r>
-              <a:rPr lang="it-IT" sz="1050" b="1" dirty="0"/>
-              <a:t>)</a:t>
+              <a:t>Archiviazione</a:t>
             </a:r>
           </a:p>
           <a:p>
             <a:pPr lvl="1"/>
             <a:r>
               <a:rPr lang="it-IT" sz="1100" b="1" dirty="0"/>
-              <a:t>Archiviazione </a:t>
-            </a:r>
-            <a:r>
-              <a:rPr lang="it-IT" sz="1100" b="1" dirty="0" smtClean="0"/>
-              <a:t>(</a:t>
-            </a:r>
-            <a:r>
-              <a:rPr lang="it-IT" sz="1050" b="1" i="1" dirty="0"/>
-              <a:t>Abletech.Arxivar.Client.PlugIn.AbstractPluginRibbonArchiviazione</a:t>
-            </a:r>
-            <a:r>
-              <a:rPr lang="it-IT" sz="1100" b="1" dirty="0" smtClean="0"/>
-              <a:t>)</a:t>
+              <a:t>Comandi profili</a:t>
             </a:r>
           </a:p>
           <a:p>
             <a:pPr lvl="1"/>
             <a:r>
-              <a:rPr lang="it-IT" sz="1100" b="1" dirty="0" smtClean="0"/>
-              <a:t>Comandi profili (</a:t>
-            </a:r>
-            <a:r>
-              <a:rPr lang="it-IT" sz="1050" b="1" i="1" dirty="0" err="1"/>
-              <a:t>Abletech.Arxivar.Client.PlugIn.AbstractPluginTaskPanelDocuments</a:t>
-            </a:r>
-            <a:r>
-              <a:rPr lang="it-IT" sz="1100" b="1" dirty="0" smtClean="0"/>
-              <a:t>)</a:t>
-            </a:r>
-          </a:p>
-          <a:p>
-            <a:pPr lvl="1"/>
-            <a:r>
-              <a:rPr lang="it-IT" sz="1100" b="1" dirty="0" smtClean="0"/>
-              <a:t>Comandi </a:t>
-            </a:r>
-            <a:r>
               <a:rPr lang="it-IT" sz="1100" b="1" dirty="0"/>
-              <a:t>fascicoli (</a:t>
-            </a:r>
-            <a:r>
-              <a:rPr lang="it-IT" sz="1050" b="1" i="1" dirty="0" err="1"/>
-              <a:t>Abletech.Arxivar.Client.PlugIn.AbstractPluginTaskPanelFolders</a:t>
-            </a:r>
-            <a:r>
-              <a:rPr lang="it-IT" sz="1100" b="1" dirty="0"/>
-              <a:t>)</a:t>
+              <a:t>Comandi fascicoli</a:t>
             </a:r>
           </a:p>
           <a:p>
@@ -4710,76 +4638,55 @@
             </a:r>
             <a:r>
               <a:rPr lang="it-IT" sz="1100" b="1" dirty="0"/>
-              <a:t>/modelli (</a:t>
-            </a:r>
-            <a:r>
-              <a:rPr lang="it-IT" sz="1050" b="1" i="1" dirty="0" err="1"/>
-              <a:t>Abletech.Arxivar.Client.PlugIn.AbstractPluginEvents</a:t>
-            </a:r>
+              <a:t>/modelli</a:t>
+            </a:r>
+          </a:p>
+          <a:p>
+            <a:pPr lvl="1"/>
             <a:r>
               <a:rPr lang="it-IT" sz="1100" b="1" dirty="0"/>
-              <a:t>)</a:t>
+              <a:t>Deployment manuale di un plugin</a:t>
             </a:r>
           </a:p>
           <a:p>
             <a:pPr lvl="1"/>
             <a:r>
-              <a:rPr lang="it-IT" sz="1100" b="1" dirty="0" smtClean="0"/>
-              <a:t>Deployment manuale di un </a:t>
-            </a:r>
-            <a:r>
-              <a:rPr lang="it-IT" sz="1100" b="1" dirty="0" err="1" smtClean="0"/>
+              <a:rPr lang="it-IT" sz="1100" b="1" dirty="0"/>
+              <a:t>Deployment automatico tramite </a:t>
+            </a:r>
+            <a:r>
+              <a:rPr lang="it-IT" sz="1100" b="1" dirty="0" err="1"/>
+              <a:t>ARXivar</a:t>
+            </a:r>
+            <a:r>
+              <a:rPr lang="it-IT" sz="1100" b="1" dirty="0"/>
+              <a:t> Server</a:t>
+            </a:r>
+          </a:p>
+          <a:p>
+            <a:pPr lvl="1"/>
+            <a:r>
+              <a:rPr lang="it-IT" sz="1100" b="1" dirty="0" err="1"/>
+              <a:t>Debug</a:t>
+            </a:r>
+            <a:r>
+              <a:rPr lang="it-IT" sz="1100" b="1" dirty="0"/>
+              <a:t> di un </a:t>
+            </a:r>
+            <a:r>
+              <a:rPr lang="it-IT" sz="1100" b="1" dirty="0" err="1"/>
               <a:t>plugin</a:t>
             </a:r>
-            <a:endParaRPr lang="it-IT" sz="1100" b="1" dirty="0" smtClean="0"/>
-          </a:p>
-          <a:p>
-            <a:pPr lvl="1"/>
-            <a:r>
-              <a:rPr lang="it-IT" sz="1100" b="1" dirty="0" smtClean="0"/>
-              <a:t>Deployment automatico tramite </a:t>
-            </a:r>
-            <a:r>
-              <a:rPr lang="it-IT" sz="1100" b="1" dirty="0" err="1" smtClean="0"/>
-              <a:t>ARXivar</a:t>
-            </a:r>
-            <a:r>
-              <a:rPr lang="it-IT" sz="1100" b="1" dirty="0" smtClean="0"/>
-              <a:t> Server</a:t>
-            </a:r>
-          </a:p>
-          <a:p>
-            <a:pPr lvl="1"/>
-            <a:r>
-              <a:rPr lang="it-IT" sz="1100" b="1" dirty="0" err="1" smtClean="0"/>
-              <a:t>Debug</a:t>
-            </a:r>
             <a:r>
               <a:rPr lang="it-IT" sz="1100" b="1" dirty="0"/>
-              <a:t> </a:t>
-            </a:r>
-            <a:r>
-              <a:rPr lang="it-IT" sz="1100" b="1" dirty="0" smtClean="0"/>
-              <a:t>di un </a:t>
-            </a:r>
-            <a:r>
-              <a:rPr lang="it-IT" sz="1100" b="1" dirty="0" err="1" smtClean="0"/>
-              <a:t>plugin</a:t>
-            </a:r>
-            <a:r>
-              <a:rPr lang="it-IT" sz="1100" b="1" dirty="0" smtClean="0"/>
-              <a:t> </a:t>
-            </a:r>
-            <a:r>
-              <a:rPr lang="it-IT" sz="1100" b="1" dirty="0" smtClean="0"/>
-              <a:t>client</a:t>
+              <a:t> client</a:t>
             </a:r>
           </a:p>
           <a:p>
             <a:pPr marL="457200" lvl="1" indent="0">
               <a:buNone/>
             </a:pPr>
-            <a:endParaRPr lang="it-IT" sz="1100" b="1" dirty="0" smtClean="0"/>
+            <a:endParaRPr lang="it-IT" sz="1100" b="1" dirty="0"/>
           </a:p>
           <a:p>
             <a:r>
@@ -4800,83 +4707,22 @@
             <a:pPr lvl="1"/>
             <a:r>
               <a:rPr lang="it-IT" sz="1200" b="1" dirty="0"/>
-              <a:t>Task </a:t>
-            </a:r>
-            <a:r>
-              <a:rPr lang="it-IT" sz="1200" b="1" dirty="0" err="1"/>
-              <a:t>workflow</a:t>
-            </a:r>
-            <a:r>
-              <a:rPr lang="it-IT" sz="1200" b="1" dirty="0"/>
-              <a:t> (</a:t>
-            </a:r>
-            <a:r>
-              <a:rPr lang="it-IT" sz="1100" b="1" i="1" dirty="0" err="1"/>
-              <a:t>Abletech.Arxivar.Client.PlugIn.AbstractPluginCmdFrmTask</a:t>
-            </a:r>
-            <a:r>
-              <a:rPr lang="it-IT" sz="1200" b="1" dirty="0" smtClean="0"/>
-              <a:t>)</a:t>
-            </a:r>
-            <a:endParaRPr lang="it-IT" sz="1100" b="1" dirty="0" smtClean="0"/>
+              <a:t>Task workflow</a:t>
+            </a:r>
           </a:p>
           <a:p>
             <a:pPr lvl="1"/>
             <a:r>
-              <a:rPr lang="it-IT" sz="1100" b="1" dirty="0" err="1" smtClean="0"/>
-              <a:t>Plugin</a:t>
-            </a:r>
-            <a:r>
-              <a:rPr lang="it-IT" sz="1100" b="1" dirty="0" smtClean="0"/>
-              <a:t> </a:t>
-            </a:r>
-            <a:r>
-              <a:rPr lang="it-IT" sz="1100" b="1" dirty="0" err="1"/>
-              <a:t>Workflow</a:t>
-            </a:r>
-            <a:r>
               <a:rPr lang="it-IT" sz="1100" b="1" dirty="0"/>
-              <a:t> Link (</a:t>
-            </a:r>
-            <a:r>
-              <a:rPr lang="it-IT" sz="1050" b="1" i="1" dirty="0"/>
-              <a:t>Abletech.Arxivar.Client.PlugIn.Workflow.AbstractPluginOperationLink</a:t>
-            </a:r>
+              <a:t>Plugin Workflow</a:t>
+            </a:r>
+          </a:p>
+          <a:p>
+            <a:pPr lvl="1"/>
             <a:r>
               <a:rPr lang="it-IT" sz="1100" b="1" dirty="0"/>
-              <a:t>)</a:t>
-            </a:r>
-          </a:p>
-          <a:p>
-            <a:pPr lvl="1"/>
-            <a:r>
-              <a:rPr lang="it-IT" sz="1100" b="1" dirty="0" err="1"/>
-              <a:t>Plugin</a:t>
-            </a:r>
-            <a:r>
-              <a:rPr lang="it-IT" sz="1100" b="1" dirty="0"/>
-              <a:t> </a:t>
-            </a:r>
-            <a:r>
-              <a:rPr lang="it-IT" sz="1100" b="1" dirty="0" err="1"/>
-              <a:t>Workflow</a:t>
-            </a:r>
-            <a:r>
-              <a:rPr lang="it-IT" sz="1100" b="1" dirty="0"/>
-              <a:t> Task (</a:t>
-            </a:r>
-            <a:r>
-              <a:rPr lang="it-IT" sz="1050" b="1" i="1" dirty="0"/>
-              <a:t>Abletech.Arxivar.Client.PlugIn.Workflow.AbstractPluginOperationTask</a:t>
-            </a:r>
-            <a:r>
-              <a:rPr lang="it-IT" sz="1100" b="1" dirty="0" smtClean="0"/>
-              <a:t>)</a:t>
-            </a:r>
-          </a:p>
-          <a:p>
-            <a:pPr lvl="1"/>
-            <a:endParaRPr lang="it-IT" sz="1100" b="1" dirty="0" smtClean="0"/>
+              <a:t>Plugin Workflow</a:t>
+            </a:r>
           </a:p>
           <a:p>
             <a:pPr marL="457200" lvl="1" indent="0">
@@ -4886,13 +4732,13 @@
           </a:p>
           <a:p>
             <a:pPr lvl="1"/>
-            <a:endParaRPr lang="it-IT" sz="200" b="1" dirty="0" smtClean="0"/>
-          </a:p>
-          <a:p>
-            <a:endParaRPr lang="it-IT" sz="1000" b="1" dirty="0" smtClean="0"/>
-          </a:p>
-          <a:p>
-            <a:endParaRPr lang="it-IT" sz="1000" b="1" dirty="0" smtClean="0"/>
+            <a:endParaRPr lang="it-IT" sz="200" b="1" dirty="0"/>
+          </a:p>
+          <a:p>
+            <a:endParaRPr lang="it-IT" sz="1000" b="1" dirty="0"/>
+          </a:p>
+          <a:p>
+            <a:endParaRPr lang="it-IT" sz="1000" b="1" dirty="0"/>
           </a:p>
         </p:txBody>
       </p:sp>
@@ -4906,13 +4752,6 @@
   <p:clrMapOvr>
     <a:masterClrMapping/>
   </p:clrMapOvr>
-  <p:timing>
-    <p:tnLst>
-      <p:par>
-        <p:cTn id="1" dur="indefinite" restart="never" nodeType="tmRoot"/>
-      </p:par>
-    </p:tnLst>
-  </p:timing>
 </p:sld>
 </file>
 
@@ -4964,7 +4803,7 @@
           <a:lstStyle/>
           <a:p>
             <a:r>
-              <a:rPr lang="it-IT" sz="4000" dirty="0" smtClean="0">
+              <a:rPr lang="it-IT" sz="4000" dirty="0">
                 <a:ln w="10541" cmpd="sng">
                   <a:noFill/>
                   <a:prstDash val="solid"/>
@@ -4984,7 +4823,7 @@
               <a:t>Architettura </a:t>
             </a:r>
             <a:r>
-              <a:rPr lang="it-IT" sz="4000" dirty="0" err="1" smtClean="0">
+              <a:rPr lang="it-IT" sz="4000" dirty="0" err="1">
                 <a:ln w="10541" cmpd="sng">
                   <a:noFill/>
                   <a:prstDash val="solid"/>
@@ -5057,13 +4896,715 @@
   <p:clrMapOvr>
     <a:masterClrMapping/>
   </p:clrMapOvr>
-  <p:timing>
-    <p:tnLst>
-      <p:par>
-        <p:cTn id="1" dur="indefinite" restart="never" nodeType="tmRoot"/>
-      </p:par>
-    </p:tnLst>
-  </p:timing>
+</p:sld>
+</file>
+
+<file path=ppt/slides/slide5.xml><?xml version="1.0" encoding="utf-8"?>
+<p:sld xmlns:a="http://schemas.openxmlformats.org/drawingml/2006/main" xmlns:r="http://schemas.openxmlformats.org/officeDocument/2006/relationships" xmlns:p="http://schemas.openxmlformats.org/presentationml/2006/main">
+  <p:cSld>
+    <p:bg>
+      <p:bgPr>
+        <a:solidFill>
+          <a:schemeClr val="bg1"/>
+        </a:solidFill>
+        <a:effectLst/>
+      </p:bgPr>
+    </p:bg>
+    <p:spTree>
+      <p:nvGrpSpPr>
+        <p:cNvPr id="1" name=""/>
+        <p:cNvGrpSpPr/>
+        <p:nvPr/>
+      </p:nvGrpSpPr>
+      <p:grpSpPr>
+        <a:xfrm>
+          <a:off x="0" y="0"/>
+          <a:ext cx="0" cy="0"/>
+          <a:chOff x="0" y="0"/>
+          <a:chExt cx="0" cy="0"/>
+        </a:xfrm>
+      </p:grpSpPr>
+      <p:sp>
+        <p:nvSpPr>
+          <p:cNvPr id="2" name="Titolo 1"/>
+          <p:cNvSpPr>
+            <a:spLocks noGrp="1"/>
+          </p:cNvSpPr>
+          <p:nvPr>
+            <p:ph type="title"/>
+          </p:nvPr>
+        </p:nvSpPr>
+        <p:spPr>
+          <a:xfrm>
+            <a:off x="467544" y="195486"/>
+            <a:ext cx="6131024" cy="864096"/>
+          </a:xfrm>
+        </p:spPr>
+        <p:txBody>
+          <a:bodyPr>
+            <a:normAutofit/>
+          </a:bodyPr>
+          <a:lstStyle/>
+          <a:p>
+            <a:r>
+              <a:rPr lang="it-IT" sz="2400" dirty="0">
+                <a:ln w="10541" cmpd="sng">
+                  <a:noFill/>
+                  <a:prstDash val="solid"/>
+                </a:ln>
+                <a:solidFill>
+                  <a:srgbClr val="FFC000"/>
+                </a:solidFill>
+                <a:effectLst>
+                  <a:outerShdw blurRad="50800" dist="38100" dir="2700000" algn="tl" rotWithShape="0">
+                    <a:prstClr val="black">
+                      <a:alpha val="40000"/>
+                    </a:prstClr>
+                  </a:outerShdw>
+                </a:effectLst>
+                <a:latin typeface="+mn-lt"/>
+              </a:rPr>
+              <a:t>Esempio flusso eventi plugin server</a:t>
+            </a:r>
+          </a:p>
+        </p:txBody>
+      </p:sp>
+      <p:sp>
+        <p:nvSpPr>
+          <p:cNvPr id="3" name="Rettangolo con angoli arrotondati 2">
+            <a:extLst>
+              <a:ext uri="{FF2B5EF4-FFF2-40B4-BE49-F238E27FC236}">
+                <a16:creationId xmlns:a16="http://schemas.microsoft.com/office/drawing/2014/main" id="{4A573111-F929-44F5-A41A-778569661B3D}"/>
+              </a:ext>
+            </a:extLst>
+          </p:cNvPr>
+          <p:cNvSpPr/>
+          <p:nvPr/>
+        </p:nvSpPr>
+        <p:spPr>
+          <a:xfrm>
+            <a:off x="894899" y="1213966"/>
+            <a:ext cx="3600400" cy="360040"/>
+          </a:xfrm>
+          <a:prstGeom prst="roundRect">
+            <a:avLst/>
+          </a:prstGeom>
+        </p:spPr>
+        <p:style>
+          <a:lnRef idx="2">
+            <a:schemeClr val="accent1">
+              <a:shade val="50000"/>
+            </a:schemeClr>
+          </a:lnRef>
+          <a:fillRef idx="1">
+            <a:schemeClr val="accent1"/>
+          </a:fillRef>
+          <a:effectRef idx="0">
+            <a:schemeClr val="accent1"/>
+          </a:effectRef>
+          <a:fontRef idx="minor">
+            <a:schemeClr val="lt1"/>
+          </a:fontRef>
+        </p:style>
+        <p:txBody>
+          <a:bodyPr rtlCol="0" anchor="ctr"/>
+          <a:lstStyle/>
+          <a:p>
+            <a:pPr algn="ctr"/>
+            <a:r>
+              <a:rPr lang="it-IT" dirty="0" err="1"/>
+              <a:t>On_Invoke_Dm_Profile_Update</a:t>
+            </a:r>
+            <a:endParaRPr lang="it-IT" dirty="0"/>
+          </a:p>
+        </p:txBody>
+      </p:sp>
+      <p:sp>
+        <p:nvSpPr>
+          <p:cNvPr id="5" name="Rettangolo con angoli arrotondati 4">
+            <a:extLst>
+              <a:ext uri="{FF2B5EF4-FFF2-40B4-BE49-F238E27FC236}">
+                <a16:creationId xmlns:a16="http://schemas.microsoft.com/office/drawing/2014/main" id="{FFACDE9D-3291-4AF1-B263-752BD9331C62}"/>
+              </a:ext>
+            </a:extLst>
+          </p:cNvPr>
+          <p:cNvSpPr/>
+          <p:nvPr/>
+        </p:nvSpPr>
+        <p:spPr>
+          <a:xfrm>
+            <a:off x="894899" y="2673085"/>
+            <a:ext cx="3600400" cy="360040"/>
+          </a:xfrm>
+          <a:prstGeom prst="roundRect">
+            <a:avLst/>
+          </a:prstGeom>
+        </p:spPr>
+        <p:style>
+          <a:lnRef idx="2">
+            <a:schemeClr val="accent1">
+              <a:shade val="50000"/>
+            </a:schemeClr>
+          </a:lnRef>
+          <a:fillRef idx="1">
+            <a:schemeClr val="accent1"/>
+          </a:fillRef>
+          <a:effectRef idx="0">
+            <a:schemeClr val="accent1"/>
+          </a:effectRef>
+          <a:fontRef idx="minor">
+            <a:schemeClr val="lt1"/>
+          </a:fontRef>
+        </p:style>
+        <p:txBody>
+          <a:bodyPr rtlCol="0" anchor="ctr"/>
+          <a:lstStyle/>
+          <a:p>
+            <a:pPr algn="ctr"/>
+            <a:r>
+              <a:rPr lang="it-IT" dirty="0" err="1"/>
+              <a:t>On_Before_Dm_Profile_Update</a:t>
+            </a:r>
+            <a:endParaRPr lang="it-IT" dirty="0"/>
+          </a:p>
+        </p:txBody>
+      </p:sp>
+      <p:sp>
+        <p:nvSpPr>
+          <p:cNvPr id="6" name="Rettangolo con angoli arrotondati 5">
+            <a:extLst>
+              <a:ext uri="{FF2B5EF4-FFF2-40B4-BE49-F238E27FC236}">
+                <a16:creationId xmlns:a16="http://schemas.microsoft.com/office/drawing/2014/main" id="{C8774B01-958C-4AF9-80AD-880ADBF506D5}"/>
+              </a:ext>
+            </a:extLst>
+          </p:cNvPr>
+          <p:cNvSpPr/>
+          <p:nvPr/>
+        </p:nvSpPr>
+        <p:spPr>
+          <a:xfrm>
+            <a:off x="894899" y="4075812"/>
+            <a:ext cx="3600400" cy="360040"/>
+          </a:xfrm>
+          <a:prstGeom prst="roundRect">
+            <a:avLst/>
+          </a:prstGeom>
+        </p:spPr>
+        <p:style>
+          <a:lnRef idx="2">
+            <a:schemeClr val="accent1">
+              <a:shade val="50000"/>
+            </a:schemeClr>
+          </a:lnRef>
+          <a:fillRef idx="1">
+            <a:schemeClr val="accent1"/>
+          </a:fillRef>
+          <a:effectRef idx="0">
+            <a:schemeClr val="accent1"/>
+          </a:effectRef>
+          <a:fontRef idx="minor">
+            <a:schemeClr val="lt1"/>
+          </a:fontRef>
+        </p:style>
+        <p:txBody>
+          <a:bodyPr rtlCol="0" anchor="ctr"/>
+          <a:lstStyle/>
+          <a:p>
+            <a:pPr algn="ctr"/>
+            <a:r>
+              <a:rPr lang="en-US" dirty="0" err="1"/>
+              <a:t>On_After_Dm_Profile_Update</a:t>
+            </a:r>
+            <a:endParaRPr lang="it-IT" dirty="0"/>
+          </a:p>
+        </p:txBody>
+      </p:sp>
+      <p:sp>
+        <p:nvSpPr>
+          <p:cNvPr id="8" name="Rettangolo con un angolo ritagliato 7">
+            <a:extLst>
+              <a:ext uri="{FF2B5EF4-FFF2-40B4-BE49-F238E27FC236}">
+                <a16:creationId xmlns:a16="http://schemas.microsoft.com/office/drawing/2014/main" id="{1C90C993-71F6-4F98-857D-CCCEBE813272}"/>
+              </a:ext>
+            </a:extLst>
+          </p:cNvPr>
+          <p:cNvSpPr/>
+          <p:nvPr/>
+        </p:nvSpPr>
+        <p:spPr>
+          <a:xfrm>
+            <a:off x="1403648" y="2303806"/>
+            <a:ext cx="2808312" cy="288032"/>
+          </a:xfrm>
+          <a:prstGeom prst="snip1Rect">
+            <a:avLst/>
+          </a:prstGeom>
+          <a:solidFill>
+            <a:srgbClr val="00B0F0"/>
+          </a:solidFill>
+        </p:spPr>
+        <p:style>
+          <a:lnRef idx="2">
+            <a:schemeClr val="accent1">
+              <a:shade val="50000"/>
+            </a:schemeClr>
+          </a:lnRef>
+          <a:fillRef idx="1">
+            <a:schemeClr val="accent1"/>
+          </a:fillRef>
+          <a:effectRef idx="0">
+            <a:schemeClr val="accent1"/>
+          </a:effectRef>
+          <a:fontRef idx="minor">
+            <a:schemeClr val="lt1"/>
+          </a:fontRef>
+        </p:style>
+        <p:txBody>
+          <a:bodyPr rtlCol="0" anchor="ctr"/>
+          <a:lstStyle/>
+          <a:p>
+            <a:pPr algn="ctr"/>
+            <a:r>
+              <a:rPr lang="it-IT" dirty="0" err="1"/>
+              <a:t>BeginTransaction</a:t>
+            </a:r>
+            <a:endParaRPr lang="it-IT" dirty="0"/>
+          </a:p>
+        </p:txBody>
+      </p:sp>
+      <p:sp>
+        <p:nvSpPr>
+          <p:cNvPr id="9" name="Rettangolo con un angolo ritagliato 8">
+            <a:extLst>
+              <a:ext uri="{FF2B5EF4-FFF2-40B4-BE49-F238E27FC236}">
+                <a16:creationId xmlns:a16="http://schemas.microsoft.com/office/drawing/2014/main" id="{784519E2-5A51-4391-AA7A-0768C5D1C063}"/>
+              </a:ext>
+            </a:extLst>
+          </p:cNvPr>
+          <p:cNvSpPr/>
+          <p:nvPr/>
+        </p:nvSpPr>
+        <p:spPr>
+          <a:xfrm>
+            <a:off x="1403648" y="3719670"/>
+            <a:ext cx="2808312" cy="288032"/>
+          </a:xfrm>
+          <a:prstGeom prst="snip1Rect">
+            <a:avLst/>
+          </a:prstGeom>
+          <a:solidFill>
+            <a:srgbClr val="00B0F0"/>
+          </a:solidFill>
+        </p:spPr>
+        <p:style>
+          <a:lnRef idx="2">
+            <a:schemeClr val="accent1">
+              <a:shade val="50000"/>
+            </a:schemeClr>
+          </a:lnRef>
+          <a:fillRef idx="1">
+            <a:schemeClr val="accent1"/>
+          </a:fillRef>
+          <a:effectRef idx="0">
+            <a:schemeClr val="accent1"/>
+          </a:effectRef>
+          <a:fontRef idx="minor">
+            <a:schemeClr val="lt1"/>
+          </a:fontRef>
+        </p:style>
+        <p:txBody>
+          <a:bodyPr rtlCol="0" anchor="ctr"/>
+          <a:lstStyle/>
+          <a:p>
+            <a:pPr algn="ctr"/>
+            <a:r>
+              <a:rPr lang="it-IT" dirty="0" err="1"/>
+              <a:t>Transaction</a:t>
+            </a:r>
+            <a:r>
+              <a:rPr lang="it-IT" dirty="0"/>
+              <a:t> </a:t>
+            </a:r>
+            <a:r>
+              <a:rPr lang="it-IT" dirty="0" err="1"/>
+              <a:t>commit</a:t>
+            </a:r>
+            <a:endParaRPr lang="it-IT" dirty="0"/>
+          </a:p>
+        </p:txBody>
+      </p:sp>
+      <p:sp>
+        <p:nvSpPr>
+          <p:cNvPr id="10" name="Rettangolo 9">
+            <a:extLst>
+              <a:ext uri="{FF2B5EF4-FFF2-40B4-BE49-F238E27FC236}">
+                <a16:creationId xmlns:a16="http://schemas.microsoft.com/office/drawing/2014/main" id="{066D6BC2-1186-439F-BF27-5E179E48BAC5}"/>
+              </a:ext>
+            </a:extLst>
+          </p:cNvPr>
+          <p:cNvSpPr/>
+          <p:nvPr/>
+        </p:nvSpPr>
+        <p:spPr>
+          <a:xfrm>
+            <a:off x="992716" y="1659632"/>
+            <a:ext cx="3312368" cy="576064"/>
+          </a:xfrm>
+          <a:prstGeom prst="rect">
+            <a:avLst/>
+          </a:prstGeom>
+        </p:spPr>
+        <p:style>
+          <a:lnRef idx="2">
+            <a:schemeClr val="accent3"/>
+          </a:lnRef>
+          <a:fillRef idx="1">
+            <a:schemeClr val="lt1"/>
+          </a:fillRef>
+          <a:effectRef idx="0">
+            <a:schemeClr val="accent3"/>
+          </a:effectRef>
+          <a:fontRef idx="minor">
+            <a:schemeClr val="dk1"/>
+          </a:fontRef>
+        </p:style>
+        <p:txBody>
+          <a:bodyPr rtlCol="0" anchor="ctr"/>
+          <a:lstStyle/>
+          <a:p>
+            <a:pPr marL="285750" indent="-285750">
+              <a:buFont typeface="Arial" panose="020B0604020202020204" pitchFamily="34" charset="0"/>
+              <a:buChar char="•"/>
+            </a:pPr>
+            <a:r>
+              <a:rPr lang="it-IT" sz="1400" dirty="0"/>
+              <a:t>Validazione argomenti</a:t>
+            </a:r>
+          </a:p>
+          <a:p>
+            <a:pPr marL="285750" indent="-285750">
+              <a:buFont typeface="Arial" panose="020B0604020202020204" pitchFamily="34" charset="0"/>
+              <a:buChar char="•"/>
+            </a:pPr>
+            <a:r>
+              <a:rPr lang="it-IT" sz="1400" dirty="0"/>
+              <a:t>Preparazione contesto della chiamata</a:t>
+            </a:r>
+          </a:p>
+        </p:txBody>
+      </p:sp>
+      <p:sp>
+        <p:nvSpPr>
+          <p:cNvPr id="11" name="Rettangolo con un angolo ritagliato 10">
+            <a:extLst>
+              <a:ext uri="{FF2B5EF4-FFF2-40B4-BE49-F238E27FC236}">
+                <a16:creationId xmlns:a16="http://schemas.microsoft.com/office/drawing/2014/main" id="{92001107-4108-4038-906C-1F83371A55B1}"/>
+              </a:ext>
+            </a:extLst>
+          </p:cNvPr>
+          <p:cNvSpPr/>
+          <p:nvPr/>
+        </p:nvSpPr>
+        <p:spPr>
+          <a:xfrm>
+            <a:off x="4994638" y="3077147"/>
+            <a:ext cx="2802398" cy="288032"/>
+          </a:xfrm>
+          <a:prstGeom prst="snip1Rect">
+            <a:avLst/>
+          </a:prstGeom>
+          <a:solidFill>
+            <a:srgbClr val="FF0000"/>
+          </a:solidFill>
+        </p:spPr>
+        <p:style>
+          <a:lnRef idx="2">
+            <a:schemeClr val="accent1">
+              <a:shade val="50000"/>
+            </a:schemeClr>
+          </a:lnRef>
+          <a:fillRef idx="1">
+            <a:schemeClr val="accent1"/>
+          </a:fillRef>
+          <a:effectRef idx="0">
+            <a:schemeClr val="accent1"/>
+          </a:effectRef>
+          <a:fontRef idx="minor">
+            <a:schemeClr val="lt1"/>
+          </a:fontRef>
+        </p:style>
+        <p:txBody>
+          <a:bodyPr rtlCol="0" anchor="ctr"/>
+          <a:lstStyle/>
+          <a:p>
+            <a:pPr algn="ctr"/>
+            <a:r>
+              <a:rPr lang="it-IT" dirty="0" err="1"/>
+              <a:t>Transaction</a:t>
+            </a:r>
+            <a:r>
+              <a:rPr lang="it-IT" dirty="0"/>
+              <a:t> </a:t>
+            </a:r>
+            <a:r>
+              <a:rPr lang="it-IT" dirty="0" err="1"/>
+              <a:t>Rollback</a:t>
+            </a:r>
+            <a:endParaRPr lang="it-IT" dirty="0"/>
+          </a:p>
+        </p:txBody>
+      </p:sp>
+      <p:sp>
+        <p:nvSpPr>
+          <p:cNvPr id="12" name="Rettangolo 11">
+            <a:extLst>
+              <a:ext uri="{FF2B5EF4-FFF2-40B4-BE49-F238E27FC236}">
+                <a16:creationId xmlns:a16="http://schemas.microsoft.com/office/drawing/2014/main" id="{84EB5C18-0F41-446F-B432-3BF194A6842B}"/>
+              </a:ext>
+            </a:extLst>
+          </p:cNvPr>
+          <p:cNvSpPr/>
+          <p:nvPr/>
+        </p:nvSpPr>
+        <p:spPr>
+          <a:xfrm>
+            <a:off x="993145" y="3107816"/>
+            <a:ext cx="3312368" cy="226695"/>
+          </a:xfrm>
+          <a:prstGeom prst="rect">
+            <a:avLst/>
+          </a:prstGeom>
+        </p:spPr>
+        <p:style>
+          <a:lnRef idx="2">
+            <a:schemeClr val="accent3"/>
+          </a:lnRef>
+          <a:fillRef idx="1">
+            <a:schemeClr val="lt1"/>
+          </a:fillRef>
+          <a:effectRef idx="0">
+            <a:schemeClr val="accent3"/>
+          </a:effectRef>
+          <a:fontRef idx="minor">
+            <a:schemeClr val="dk1"/>
+          </a:fontRef>
+        </p:style>
+        <p:txBody>
+          <a:bodyPr rtlCol="0" anchor="ctr"/>
+          <a:lstStyle/>
+          <a:p>
+            <a:pPr marL="285750" indent="-285750">
+              <a:buFont typeface="Arial" panose="020B0604020202020204" pitchFamily="34" charset="0"/>
+              <a:buChar char="•"/>
+            </a:pPr>
+            <a:r>
+              <a:rPr lang="it-IT" sz="1400" dirty="0"/>
+              <a:t>Annullamento operazione</a:t>
+            </a:r>
+          </a:p>
+        </p:txBody>
+      </p:sp>
+      <p:cxnSp>
+        <p:nvCxnSpPr>
+          <p:cNvPr id="14" name="Connettore 2 13">
+            <a:extLst>
+              <a:ext uri="{FF2B5EF4-FFF2-40B4-BE49-F238E27FC236}">
+                <a16:creationId xmlns:a16="http://schemas.microsoft.com/office/drawing/2014/main" id="{B8EC52A0-7C2F-4152-B25A-EAB6DFFE07D1}"/>
+              </a:ext>
+            </a:extLst>
+          </p:cNvPr>
+          <p:cNvCxnSpPr>
+            <a:stCxn id="12" idx="3"/>
+          </p:cNvCxnSpPr>
+          <p:nvPr/>
+        </p:nvCxnSpPr>
+        <p:spPr>
+          <a:xfrm flipV="1">
+            <a:off x="4305513" y="3221163"/>
+            <a:ext cx="532976" cy="1"/>
+          </a:xfrm>
+          <a:prstGeom prst="straightConnector1">
+            <a:avLst/>
+          </a:prstGeom>
+          <a:ln>
+            <a:tailEnd type="triangle"/>
+          </a:ln>
+        </p:spPr>
+        <p:style>
+          <a:lnRef idx="1">
+            <a:schemeClr val="accent1"/>
+          </a:lnRef>
+          <a:fillRef idx="0">
+            <a:schemeClr val="accent1"/>
+          </a:fillRef>
+          <a:effectRef idx="0">
+            <a:schemeClr val="accent1"/>
+          </a:effectRef>
+          <a:fontRef idx="minor">
+            <a:schemeClr val="tx1"/>
+          </a:fontRef>
+        </p:style>
+      </p:cxnSp>
+      <p:sp>
+        <p:nvSpPr>
+          <p:cNvPr id="15" name="Rettangolo 14">
+            <a:extLst>
+              <a:ext uri="{FF2B5EF4-FFF2-40B4-BE49-F238E27FC236}">
+                <a16:creationId xmlns:a16="http://schemas.microsoft.com/office/drawing/2014/main" id="{1EADF53D-EA0E-4ED0-87A3-3B03D2B327D4}"/>
+              </a:ext>
+            </a:extLst>
+          </p:cNvPr>
+          <p:cNvSpPr/>
+          <p:nvPr/>
+        </p:nvSpPr>
+        <p:spPr>
+          <a:xfrm>
+            <a:off x="992716" y="3412465"/>
+            <a:ext cx="3312368" cy="226695"/>
+          </a:xfrm>
+          <a:prstGeom prst="rect">
+            <a:avLst/>
+          </a:prstGeom>
+        </p:spPr>
+        <p:style>
+          <a:lnRef idx="2">
+            <a:schemeClr val="accent3"/>
+          </a:lnRef>
+          <a:fillRef idx="1">
+            <a:schemeClr val="lt1"/>
+          </a:fillRef>
+          <a:effectRef idx="0">
+            <a:schemeClr val="accent3"/>
+          </a:effectRef>
+          <a:fontRef idx="minor">
+            <a:schemeClr val="dk1"/>
+          </a:fontRef>
+        </p:style>
+        <p:txBody>
+          <a:bodyPr rtlCol="0" anchor="ctr"/>
+          <a:lstStyle/>
+          <a:p>
+            <a:pPr marL="285750" indent="-285750">
+              <a:buFont typeface="Arial" panose="020B0604020202020204" pitchFamily="34" charset="0"/>
+              <a:buChar char="•"/>
+            </a:pPr>
+            <a:r>
+              <a:rPr lang="it-IT" sz="1400" dirty="0"/>
+              <a:t>Modifica profilo</a:t>
+            </a:r>
+          </a:p>
+        </p:txBody>
+      </p:sp>
+      <p:sp>
+        <p:nvSpPr>
+          <p:cNvPr id="16" name="Rettangolo 15">
+            <a:extLst>
+              <a:ext uri="{FF2B5EF4-FFF2-40B4-BE49-F238E27FC236}">
+                <a16:creationId xmlns:a16="http://schemas.microsoft.com/office/drawing/2014/main" id="{24B031BE-D756-4EE8-BCBD-704FB6628C9B}"/>
+              </a:ext>
+            </a:extLst>
+          </p:cNvPr>
+          <p:cNvSpPr/>
+          <p:nvPr/>
+        </p:nvSpPr>
+        <p:spPr>
+          <a:xfrm>
+            <a:off x="992716" y="4499873"/>
+            <a:ext cx="3312368" cy="226695"/>
+          </a:xfrm>
+          <a:prstGeom prst="rect">
+            <a:avLst/>
+          </a:prstGeom>
+        </p:spPr>
+        <p:style>
+          <a:lnRef idx="2">
+            <a:schemeClr val="accent3"/>
+          </a:lnRef>
+          <a:fillRef idx="1">
+            <a:schemeClr val="lt1"/>
+          </a:fillRef>
+          <a:effectRef idx="0">
+            <a:schemeClr val="accent3"/>
+          </a:effectRef>
+          <a:fontRef idx="minor">
+            <a:schemeClr val="dk1"/>
+          </a:fontRef>
+        </p:style>
+        <p:txBody>
+          <a:bodyPr rtlCol="0" anchor="ctr"/>
+          <a:lstStyle/>
+          <a:p>
+            <a:pPr marL="285750" indent="-285750">
+              <a:buFont typeface="Arial" panose="020B0604020202020204" pitchFamily="34" charset="0"/>
+              <a:buChar char="•"/>
+            </a:pPr>
+            <a:r>
+              <a:rPr lang="it-IT" sz="1400" dirty="0"/>
+              <a:t>Profilo persistito</a:t>
+            </a:r>
+          </a:p>
+        </p:txBody>
+      </p:sp>
+      <p:sp>
+        <p:nvSpPr>
+          <p:cNvPr id="17" name="Rettangolo 16">
+            <a:extLst>
+              <a:ext uri="{FF2B5EF4-FFF2-40B4-BE49-F238E27FC236}">
+                <a16:creationId xmlns:a16="http://schemas.microsoft.com/office/drawing/2014/main" id="{D82F090C-1D49-4613-9453-92852C087995}"/>
+              </a:ext>
+            </a:extLst>
+          </p:cNvPr>
+          <p:cNvSpPr/>
+          <p:nvPr/>
+        </p:nvSpPr>
+        <p:spPr>
+          <a:xfrm>
+            <a:off x="4994638" y="3447955"/>
+            <a:ext cx="2952326" cy="226695"/>
+          </a:xfrm>
+          <a:prstGeom prst="rect">
+            <a:avLst/>
+          </a:prstGeom>
+        </p:spPr>
+        <p:style>
+          <a:lnRef idx="2">
+            <a:schemeClr val="accent3"/>
+          </a:lnRef>
+          <a:fillRef idx="1">
+            <a:schemeClr val="lt1"/>
+          </a:fillRef>
+          <a:effectRef idx="0">
+            <a:schemeClr val="accent3"/>
+          </a:effectRef>
+          <a:fontRef idx="minor">
+            <a:schemeClr val="dk1"/>
+          </a:fontRef>
+        </p:style>
+        <p:txBody>
+          <a:bodyPr rtlCol="0" anchor="ctr"/>
+          <a:lstStyle/>
+          <a:p>
+            <a:pPr marL="285750" indent="-285750">
+              <a:buFont typeface="Arial" panose="020B0604020202020204" pitchFamily="34" charset="0"/>
+              <a:buChar char="•"/>
+            </a:pPr>
+            <a:r>
+              <a:rPr lang="it-IT" sz="1400" dirty="0"/>
+              <a:t>Eccezione con messaggio di errore</a:t>
+            </a:r>
+          </a:p>
+        </p:txBody>
+      </p:sp>
+    </p:spTree>
+    <p:extLst>
+      <p:ext uri="{BB962C8B-B14F-4D97-AF65-F5344CB8AC3E}">
+        <p14:creationId xmlns:p14="http://schemas.microsoft.com/office/powerpoint/2010/main" val="3522730347"/>
+      </p:ext>
+    </p:extLst>
+  </p:cSld>
+  <p:clrMapOvr>
+    <a:masterClrMapping/>
+  </p:clrMapOvr>
 </p:sld>
 </file>
 

--- a/doc/ARXDev4.pptx
+++ b/doc/ARXDev4.pptx
@@ -5,14 +5,16 @@
     <p:sldMasterId id="2147483648" r:id="rId1"/>
   </p:sldMasterIdLst>
   <p:notesMasterIdLst>
-    <p:notesMasterId r:id="rId7"/>
+    <p:notesMasterId r:id="rId9"/>
   </p:notesMasterIdLst>
   <p:sldIdLst>
     <p:sldId id="256" r:id="rId2"/>
     <p:sldId id="257" r:id="rId3"/>
-    <p:sldId id="264" r:id="rId4"/>
+    <p:sldId id="266" r:id="rId4"/>
     <p:sldId id="261" r:id="rId5"/>
     <p:sldId id="265" r:id="rId6"/>
+    <p:sldId id="267" r:id="rId7"/>
+    <p:sldId id="268" r:id="rId8"/>
   </p:sldIdLst>
   <p:sldSz cx="9144000" cy="5143500" type="screen16x9"/>
   <p:notesSz cx="6858000" cy="9144000"/>
@@ -213,7 +215,7 @@
             <a:fld id="{00C895A6-56DD-4B18-B404-54899C94D855}" type="datetimeFigureOut">
               <a:rPr lang="it-IT" smtClean="0"/>
               <a:pPr/>
-              <a:t>25/05/2020</a:t>
+              <a:t>24/05/2021</a:t>
             </a:fld>
             <a:endParaRPr lang="it-IT"/>
           </a:p>
@@ -836,7 +838,7 @@
             <a:fld id="{4633ECFB-6927-4181-8532-1ECC482329AC}" type="datetimeFigureOut">
               <a:rPr lang="it-IT" smtClean="0"/>
               <a:pPr/>
-              <a:t>25/05/2020</a:t>
+              <a:t>24/05/2021</a:t>
             </a:fld>
             <a:endParaRPr lang="it-IT"/>
           </a:p>
@@ -1003,7 +1005,7 @@
             <a:fld id="{4633ECFB-6927-4181-8532-1ECC482329AC}" type="datetimeFigureOut">
               <a:rPr lang="it-IT" smtClean="0"/>
               <a:pPr/>
-              <a:t>25/05/2020</a:t>
+              <a:t>24/05/2021</a:t>
             </a:fld>
             <a:endParaRPr lang="it-IT"/>
           </a:p>
@@ -1180,7 +1182,7 @@
             <a:fld id="{4633ECFB-6927-4181-8532-1ECC482329AC}" type="datetimeFigureOut">
               <a:rPr lang="it-IT" smtClean="0"/>
               <a:pPr/>
-              <a:t>25/05/2020</a:t>
+              <a:t>24/05/2021</a:t>
             </a:fld>
             <a:endParaRPr lang="it-IT"/>
           </a:p>
@@ -1347,7 +1349,7 @@
             <a:fld id="{4633ECFB-6927-4181-8532-1ECC482329AC}" type="datetimeFigureOut">
               <a:rPr lang="it-IT" smtClean="0"/>
               <a:pPr/>
-              <a:t>25/05/2020</a:t>
+              <a:t>24/05/2021</a:t>
             </a:fld>
             <a:endParaRPr lang="it-IT"/>
           </a:p>
@@ -1590,7 +1592,7 @@
             <a:fld id="{4633ECFB-6927-4181-8532-1ECC482329AC}" type="datetimeFigureOut">
               <a:rPr lang="it-IT" smtClean="0"/>
               <a:pPr/>
-              <a:t>25/05/2020</a:t>
+              <a:t>24/05/2021</a:t>
             </a:fld>
             <a:endParaRPr lang="it-IT"/>
           </a:p>
@@ -1875,7 +1877,7 @@
             <a:fld id="{4633ECFB-6927-4181-8532-1ECC482329AC}" type="datetimeFigureOut">
               <a:rPr lang="it-IT" smtClean="0"/>
               <a:pPr/>
-              <a:t>25/05/2020</a:t>
+              <a:t>24/05/2021</a:t>
             </a:fld>
             <a:endParaRPr lang="it-IT"/>
           </a:p>
@@ -2294,7 +2296,7 @@
             <a:fld id="{4633ECFB-6927-4181-8532-1ECC482329AC}" type="datetimeFigureOut">
               <a:rPr lang="it-IT" smtClean="0"/>
               <a:pPr/>
-              <a:t>25/05/2020</a:t>
+              <a:t>24/05/2021</a:t>
             </a:fld>
             <a:endParaRPr lang="it-IT"/>
           </a:p>
@@ -2409,7 +2411,7 @@
             <a:fld id="{4633ECFB-6927-4181-8532-1ECC482329AC}" type="datetimeFigureOut">
               <a:rPr lang="it-IT" smtClean="0"/>
               <a:pPr/>
-              <a:t>25/05/2020</a:t>
+              <a:t>24/05/2021</a:t>
             </a:fld>
             <a:endParaRPr lang="it-IT"/>
           </a:p>
@@ -2501,7 +2503,7 @@
             <a:fld id="{4633ECFB-6927-4181-8532-1ECC482329AC}" type="datetimeFigureOut">
               <a:rPr lang="it-IT" smtClean="0"/>
               <a:pPr/>
-              <a:t>25/05/2020</a:t>
+              <a:t>24/05/2021</a:t>
             </a:fld>
             <a:endParaRPr lang="it-IT"/>
           </a:p>
@@ -2775,7 +2777,7 @@
             <a:fld id="{4633ECFB-6927-4181-8532-1ECC482329AC}" type="datetimeFigureOut">
               <a:rPr lang="it-IT" smtClean="0"/>
               <a:pPr/>
-              <a:t>25/05/2020</a:t>
+              <a:t>24/05/2021</a:t>
             </a:fld>
             <a:endParaRPr lang="it-IT"/>
           </a:p>
@@ -3029,7 +3031,7 @@
             <a:fld id="{4633ECFB-6927-4181-8532-1ECC482329AC}" type="datetimeFigureOut">
               <a:rPr lang="it-IT" smtClean="0"/>
               <a:pPr/>
-              <a:t>25/05/2020</a:t>
+              <a:t>24/05/2021</a:t>
             </a:fld>
             <a:endParaRPr lang="it-IT"/>
           </a:p>
@@ -3325,7 +3327,7 @@
             <a:fld id="{4633ECFB-6927-4181-8532-1ECC482329AC}" type="datetimeFigureOut">
               <a:rPr lang="it-IT" smtClean="0"/>
               <a:pPr/>
-              <a:t>25/05/2020</a:t>
+              <a:t>24/05/2021</a:t>
             </a:fld>
             <a:endParaRPr lang="it-IT" dirty="0"/>
           </a:p>
@@ -4225,12 +4227,12 @@
         </p:spPr>
         <p:txBody>
           <a:bodyPr>
-            <a:normAutofit fontScale="90000"/>
+            <a:normAutofit/>
           </a:bodyPr>
           <a:lstStyle/>
           <a:p>
             <a:r>
-              <a:rPr lang="it-IT" dirty="0">
+              <a:rPr lang="it-IT" sz="3600" dirty="0">
                 <a:solidFill>
                   <a:srgbClr val="FFC000"/>
                 </a:solidFill>
@@ -4270,218 +4272,203 @@
           <a:lstStyle/>
           <a:p>
             <a:r>
-              <a:rPr lang="it-IT" sz="1600" b="1" dirty="0"/>
+              <a:rPr lang="it-IT" sz="2000" b="1" dirty="0"/>
               <a:t>Architettura orientata ai servizi</a:t>
             </a:r>
           </a:p>
           <a:p>
             <a:r>
-              <a:rPr lang="it-IT" sz="1600" b="1" dirty="0"/>
-              <a:t>Manuale online</a:t>
+              <a:rPr lang="it-IT" sz="2000" b="1" dirty="0"/>
+              <a:t>Plugin server</a:t>
             </a:r>
           </a:p>
           <a:p>
             <a:pPr lvl="1"/>
             <a:r>
-              <a:rPr lang="it-IT" sz="1200" b="1" dirty="0">
-                <a:hlinkClick r:id="rId2"/>
-              </a:rPr>
-              <a:t>http://dev.arxivar.it</a:t>
-            </a:r>
-            <a:endParaRPr lang="it-IT" sz="1200" b="1" dirty="0"/>
-          </a:p>
-          <a:p>
-            <a:r>
-              <a:rPr lang="it-IT" sz="1600" b="1" dirty="0" err="1"/>
-              <a:t>Plugin</a:t>
-            </a:r>
-            <a:r>
-              <a:rPr lang="it-IT" sz="1600" b="1" dirty="0"/>
+              <a:rPr lang="it-IT" sz="1400" b="1" dirty="0"/>
+              <a:t>Come vedere i </a:t>
+            </a:r>
+            <a:r>
+              <a:rPr lang="it-IT" sz="1400" b="1" dirty="0" err="1"/>
+              <a:t>plugin</a:t>
+            </a:r>
+            <a:r>
+              <a:rPr lang="it-IT" sz="1400" b="1" dirty="0"/>
+              <a:t> caricati: console servizio </a:t>
+            </a:r>
+            <a:r>
+              <a:rPr lang="it-IT" sz="1400" b="1" dirty="0" err="1"/>
+              <a:t>Wcf</a:t>
+            </a:r>
+            <a:r>
+              <a:rPr lang="it-IT" sz="1400" b="1" dirty="0"/>
+              <a:t>, </a:t>
+            </a:r>
+            <a:r>
+              <a:rPr lang="it-IT" sz="1400" b="1" dirty="0" err="1"/>
+              <a:t>Rest</a:t>
+            </a:r>
+            <a:r>
+              <a:rPr lang="it-IT" sz="1400" b="1" dirty="0"/>
+              <a:t>, </a:t>
+            </a:r>
+            <a:r>
+              <a:rPr lang="it-IT" sz="1400" b="1" dirty="0" err="1"/>
+              <a:t>WCFConnectorManager</a:t>
+            </a:r>
+            <a:r>
+              <a:rPr lang="it-IT" sz="1400" b="1" dirty="0"/>
+              <a:t>, </a:t>
+            </a:r>
+            <a:r>
+              <a:rPr lang="it-IT" sz="1400" b="1" dirty="0" err="1"/>
+              <a:t>WebApi</a:t>
+            </a:r>
+            <a:endParaRPr lang="it-IT" sz="1400" b="1" dirty="0"/>
+          </a:p>
+          <a:p>
+            <a:pPr lvl="1"/>
+            <a:r>
+              <a:rPr lang="it-IT" sz="1400" b="1" dirty="0"/>
+              <a:t>I </a:t>
+            </a:r>
+            <a:r>
+              <a:rPr lang="it-IT" sz="1400" b="1" dirty="0" err="1"/>
+              <a:t>plugin</a:t>
+            </a:r>
+            <a:r>
+              <a:rPr lang="it-IT" sz="1400" b="1" dirty="0"/>
+              <a:t> </a:t>
+            </a:r>
+            <a:r>
+              <a:rPr lang="it-IT" sz="1400" b="1" dirty="0" err="1"/>
+              <a:t>rest</a:t>
+            </a:r>
+            <a:r>
+              <a:rPr lang="it-IT" sz="1400" b="1" dirty="0"/>
+              <a:t>: </a:t>
+            </a:r>
+            <a:r>
+              <a:rPr lang="it-IT" sz="1400" b="1" dirty="0" err="1"/>
+              <a:t>endpoint</a:t>
+            </a:r>
+            <a:r>
+              <a:rPr lang="it-IT" sz="1400" b="1" dirty="0"/>
+              <a:t>, configurazione </a:t>
+            </a:r>
+          </a:p>
+          <a:p>
+            <a:pPr lvl="1"/>
+            <a:r>
+              <a:rPr lang="it-IT" sz="1400" b="1" dirty="0"/>
+              <a:t>Scrittura di un </a:t>
+            </a:r>
+            <a:r>
+              <a:rPr lang="it-IT" sz="1400" b="1" dirty="0" err="1"/>
+              <a:t>plugin</a:t>
+            </a:r>
+            <a:r>
+              <a:rPr lang="it-IT" sz="1400" b="1" dirty="0"/>
+              <a:t> </a:t>
+            </a:r>
+            <a:r>
+              <a:rPr lang="it-IT" sz="1400" b="1" dirty="0" err="1"/>
+              <a:t>rest</a:t>
+            </a:r>
+            <a:endParaRPr lang="it-IT" sz="1400" b="1" dirty="0"/>
+          </a:p>
+          <a:p>
+            <a:pPr lvl="1"/>
+            <a:r>
+              <a:rPr lang="it-IT" sz="1400" b="1" dirty="0"/>
+              <a:t>Gli eventi di «</a:t>
+            </a:r>
+            <a:r>
+              <a:rPr lang="it-IT" sz="1400" b="1" dirty="0" err="1"/>
+              <a:t>Before</a:t>
+            </a:r>
+            <a:r>
+              <a:rPr lang="it-IT" sz="1400" b="1" dirty="0"/>
+              <a:t>» e «</a:t>
+            </a:r>
+            <a:r>
+              <a:rPr lang="it-IT" sz="1400" b="1" dirty="0" err="1"/>
+              <a:t>After</a:t>
+            </a:r>
+            <a:r>
+              <a:rPr lang="it-IT" sz="1400" b="1" dirty="0"/>
+              <a:t>»</a:t>
+            </a:r>
+          </a:p>
+          <a:p>
+            <a:pPr lvl="1"/>
+            <a:r>
+              <a:rPr lang="it-IT" sz="1400" b="1" dirty="0"/>
+              <a:t>Gestione della configurazione dei </a:t>
+            </a:r>
+            <a:r>
+              <a:rPr lang="it-IT" sz="1400" b="1" dirty="0" err="1"/>
+              <a:t>plugin</a:t>
+            </a:r>
+            <a:r>
+              <a:rPr lang="it-IT" sz="1400" b="1" dirty="0"/>
               <a:t> server</a:t>
             </a:r>
           </a:p>
           <a:p>
             <a:pPr lvl="1"/>
             <a:r>
-              <a:rPr lang="it-IT" sz="1100" b="1" dirty="0"/>
-              <a:t>Come vedere i </a:t>
-            </a:r>
-            <a:r>
-              <a:rPr lang="it-IT" sz="1100" b="1" dirty="0" err="1"/>
-              <a:t>plugin</a:t>
-            </a:r>
-            <a:r>
-              <a:rPr lang="it-IT" sz="1100" b="1" dirty="0"/>
-              <a:t> caricati: console servizio </a:t>
-            </a:r>
-            <a:r>
-              <a:rPr lang="it-IT" sz="1100" b="1" dirty="0" err="1"/>
+              <a:rPr lang="it-IT" sz="1400" b="1" dirty="0"/>
+              <a:t>Deployment e </a:t>
+            </a:r>
+            <a:r>
+              <a:rPr lang="it-IT" sz="1400" b="1" dirty="0" err="1"/>
+              <a:t>debug</a:t>
+            </a:r>
+            <a:r>
+              <a:rPr lang="it-IT" sz="1400" b="1" dirty="0"/>
+              <a:t>: </a:t>
+            </a:r>
+            <a:r>
+              <a:rPr lang="it-IT" sz="1400" b="1" dirty="0" err="1"/>
               <a:t>Wcf</a:t>
             </a:r>
             <a:r>
-              <a:rPr lang="it-IT" sz="1100" b="1" dirty="0"/>
+              <a:rPr lang="it-IT" sz="1400" b="1" dirty="0"/>
               <a:t>, </a:t>
             </a:r>
             <a:r>
-              <a:rPr lang="it-IT" sz="1100" b="1" dirty="0" err="1"/>
-              <a:t>Rest</a:t>
-            </a:r>
-            <a:r>
-              <a:rPr lang="it-IT" sz="1100" b="1" dirty="0"/>
-              <a:t>, </a:t>
-            </a:r>
-            <a:r>
-              <a:rPr lang="it-IT" sz="1100" b="1" dirty="0" err="1"/>
-              <a:t>WCFConnectorManager</a:t>
-            </a:r>
-            <a:r>
-              <a:rPr lang="it-IT" sz="1100" b="1" dirty="0"/>
-              <a:t>, </a:t>
-            </a:r>
-            <a:r>
-              <a:rPr lang="it-IT" sz="1100" b="1" dirty="0" err="1"/>
+              <a:rPr lang="it-IT" sz="1400" b="1" dirty="0" err="1"/>
               <a:t>WebApi</a:t>
             </a:r>
+            <a:endParaRPr lang="it-IT" sz="1400" b="1" dirty="0"/>
+          </a:p>
+          <a:p>
+            <a:pPr marL="457200" lvl="1" indent="0">
+              <a:buNone/>
+            </a:pPr>
+            <a:endParaRPr lang="it-IT" sz="1400" b="1" dirty="0"/>
+          </a:p>
+          <a:p>
+            <a:r>
+              <a:rPr lang="it-IT" sz="2000" b="1" dirty="0"/>
+              <a:t>Plugin Workflow V1</a:t>
+            </a:r>
+          </a:p>
+          <a:p>
+            <a:pPr lvl="1"/>
+            <a:r>
+              <a:rPr lang="it-IT" sz="1400" b="1" dirty="0"/>
+              <a:t>Plugin Workflow Link</a:t>
+            </a:r>
+          </a:p>
+          <a:p>
+            <a:pPr lvl="1"/>
+            <a:r>
+              <a:rPr lang="it-IT" sz="1400" b="1" dirty="0"/>
+              <a:t>Plugin Workflow Task</a:t>
+            </a:r>
             <a:endParaRPr lang="it-IT" sz="1100" b="1" dirty="0"/>
-          </a:p>
-          <a:p>
-            <a:pPr lvl="1"/>
-            <a:r>
-              <a:rPr lang="it-IT" sz="1100" b="1" dirty="0"/>
-              <a:t>I </a:t>
-            </a:r>
-            <a:r>
-              <a:rPr lang="it-IT" sz="1100" b="1" dirty="0" err="1"/>
-              <a:t>plugin</a:t>
-            </a:r>
-            <a:r>
-              <a:rPr lang="it-IT" sz="1100" b="1" dirty="0"/>
-              <a:t> </a:t>
-            </a:r>
-            <a:r>
-              <a:rPr lang="it-IT" sz="1100" b="1" dirty="0" err="1"/>
-              <a:t>rest</a:t>
-            </a:r>
-            <a:r>
-              <a:rPr lang="it-IT" sz="1100" b="1" dirty="0"/>
-              <a:t>: </a:t>
-            </a:r>
-            <a:r>
-              <a:rPr lang="it-IT" sz="1100" b="1" dirty="0" err="1"/>
-              <a:t>endpoint</a:t>
-            </a:r>
-            <a:r>
-              <a:rPr lang="it-IT" sz="1100" b="1" dirty="0"/>
-              <a:t>, configurazione </a:t>
-            </a:r>
-          </a:p>
-          <a:p>
-            <a:pPr lvl="1"/>
-            <a:r>
-              <a:rPr lang="it-IT" sz="1100" b="1" dirty="0"/>
-              <a:t>Scrittura di un </a:t>
-            </a:r>
-            <a:r>
-              <a:rPr lang="it-IT" sz="1100" b="1" dirty="0" err="1"/>
-              <a:t>plugin</a:t>
-            </a:r>
-            <a:r>
-              <a:rPr lang="it-IT" sz="1100" b="1" dirty="0"/>
-              <a:t> </a:t>
-            </a:r>
-            <a:r>
-              <a:rPr lang="it-IT" sz="1100" b="1" dirty="0" err="1"/>
-              <a:t>rest</a:t>
-            </a:r>
-            <a:endParaRPr lang="it-IT" sz="1100" b="1" dirty="0"/>
-          </a:p>
-          <a:p>
-            <a:pPr lvl="1"/>
-            <a:r>
-              <a:rPr lang="it-IT" sz="1100" b="1" dirty="0"/>
-              <a:t>Gli eventi di «</a:t>
-            </a:r>
-            <a:r>
-              <a:rPr lang="it-IT" sz="1100" b="1" dirty="0" err="1"/>
-              <a:t>Before</a:t>
-            </a:r>
-            <a:r>
-              <a:rPr lang="it-IT" sz="1100" b="1" dirty="0"/>
-              <a:t>» e «</a:t>
-            </a:r>
-            <a:r>
-              <a:rPr lang="it-IT" sz="1100" b="1" dirty="0" err="1"/>
-              <a:t>After</a:t>
-            </a:r>
-            <a:r>
-              <a:rPr lang="it-IT" sz="1100" b="1" dirty="0"/>
-              <a:t>»</a:t>
-            </a:r>
-          </a:p>
-          <a:p>
-            <a:pPr lvl="1"/>
-            <a:r>
-              <a:rPr lang="it-IT" sz="1100" b="1" dirty="0"/>
-              <a:t>Gestione della configurazione dei </a:t>
-            </a:r>
-            <a:r>
-              <a:rPr lang="it-IT" sz="1100" b="1" dirty="0" err="1"/>
-              <a:t>plugin</a:t>
-            </a:r>
-            <a:r>
-              <a:rPr lang="it-IT" sz="1100" b="1" dirty="0"/>
-              <a:t> server</a:t>
-            </a:r>
-          </a:p>
-          <a:p>
-            <a:pPr lvl="1"/>
-            <a:r>
-              <a:rPr lang="it-IT" sz="1100" b="1" dirty="0"/>
-              <a:t>Deployment e </a:t>
-            </a:r>
-            <a:r>
-              <a:rPr lang="it-IT" sz="1100" b="1" dirty="0" err="1"/>
-              <a:t>debug</a:t>
-            </a:r>
-            <a:r>
-              <a:rPr lang="it-IT" sz="1100" b="1" dirty="0"/>
-              <a:t>: </a:t>
-            </a:r>
-            <a:r>
-              <a:rPr lang="it-IT" sz="1100" b="1" dirty="0" err="1"/>
-              <a:t>Wcf</a:t>
-            </a:r>
-            <a:r>
-              <a:rPr lang="it-IT" sz="1100" b="1" dirty="0"/>
-              <a:t>, </a:t>
-            </a:r>
-            <a:r>
-              <a:rPr lang="it-IT" sz="1100" b="1" dirty="0" err="1"/>
-              <a:t>WebApi</a:t>
-            </a:r>
-            <a:endParaRPr lang="it-IT" sz="1100" b="1" dirty="0"/>
-          </a:p>
-          <a:p>
-            <a:pPr lvl="1"/>
-            <a:endParaRPr lang="it-IT" sz="1100" b="1" dirty="0"/>
-          </a:p>
-          <a:p>
-            <a:pPr marL="457200" lvl="1" indent="0">
-              <a:buNone/>
-            </a:pPr>
-            <a:endParaRPr lang="it-IT" sz="1100" b="1" dirty="0"/>
-          </a:p>
-          <a:p>
-            <a:pPr marL="457200" lvl="1" indent="0">
-              <a:buNone/>
-            </a:pPr>
-            <a:endParaRPr lang="it-IT" sz="600" b="1" dirty="0"/>
-          </a:p>
-          <a:p>
-            <a:endParaRPr lang="it-IT" sz="1000" b="1" dirty="0"/>
-          </a:p>
-          <a:p>
-            <a:endParaRPr lang="it-IT" sz="1000" b="1" dirty="0"/>
           </a:p>
         </p:txBody>
       </p:sp>
@@ -4533,12 +4520,12 @@
         </p:spPr>
         <p:txBody>
           <a:bodyPr>
-            <a:normAutofit fontScale="90000"/>
+            <a:normAutofit/>
           </a:bodyPr>
           <a:lstStyle/>
           <a:p>
             <a:r>
-              <a:rPr lang="it-IT" dirty="0">
+              <a:rPr lang="it-IT" sz="3600" dirty="0">
                 <a:solidFill>
                   <a:srgbClr val="FFC000"/>
                 </a:solidFill>
@@ -4577,175 +4564,243 @@
           </a:bodyPr>
           <a:lstStyle/>
           <a:p>
+            <a:r>
+              <a:rPr lang="it-IT" sz="1800" b="1" dirty="0"/>
+              <a:t>Logon Provider «</a:t>
+            </a:r>
+            <a:r>
+              <a:rPr lang="it-IT" sz="1800" b="1" dirty="0" err="1"/>
+              <a:t>Credentials</a:t>
+            </a:r>
+            <a:r>
+              <a:rPr lang="it-IT" sz="1800" b="1" dirty="0"/>
+              <a:t>»</a:t>
+            </a:r>
+          </a:p>
+          <a:p>
+            <a:pPr lvl="1"/>
+            <a:r>
+              <a:rPr lang="it-IT" sz="1400" b="1" dirty="0"/>
+              <a:t>Il plugin ha il compito di validare le credenziali dell’utente.</a:t>
+            </a:r>
+          </a:p>
+          <a:p>
+            <a:pPr lvl="1"/>
+            <a:r>
+              <a:rPr lang="it-IT" sz="1400" b="1" dirty="0"/>
+              <a:t>Viene loggato l’utente </a:t>
+            </a:r>
+            <a:r>
+              <a:rPr lang="it-IT" sz="1400" b="1" dirty="0" err="1"/>
+              <a:t>ARXivar</a:t>
+            </a:r>
+            <a:r>
+              <a:rPr lang="it-IT" sz="1400" b="1" dirty="0"/>
+              <a:t> associato allo username specificato</a:t>
+            </a:r>
+            <a:endParaRPr lang="it-IT" sz="800" b="1" dirty="0"/>
+          </a:p>
+          <a:p>
+            <a:endParaRPr lang="it-IT" sz="1100" b="1" dirty="0"/>
+          </a:p>
+          <a:p>
+            <a:r>
+              <a:rPr lang="it-IT" sz="1800" b="1" dirty="0"/>
+              <a:t>Logon Provider Single </a:t>
+            </a:r>
+            <a:r>
+              <a:rPr lang="it-IT" sz="1800" b="1" dirty="0" err="1"/>
+              <a:t>Sign</a:t>
+            </a:r>
+            <a:r>
+              <a:rPr lang="it-IT" sz="1800" b="1" dirty="0"/>
+              <a:t>-On (SSO) </a:t>
+            </a:r>
+          </a:p>
+          <a:p>
+            <a:pPr lvl="1"/>
+            <a:r>
+              <a:rPr lang="it-IT" sz="1400" b="1" dirty="0"/>
+              <a:t>La fase di autenticazione viene demandata ad un attore esterno</a:t>
+            </a:r>
+          </a:p>
+          <a:p>
+            <a:pPr lvl="1"/>
+            <a:r>
+              <a:rPr lang="it-IT" sz="1400" b="1" dirty="0"/>
+              <a:t>Vengono utilizzati dei flussi di autorizzazione che fanno parte di standard:</a:t>
+            </a:r>
+          </a:p>
+          <a:p>
+            <a:pPr lvl="2"/>
+            <a:r>
+              <a:rPr lang="it-IT" sz="1100" b="1" dirty="0"/>
+              <a:t>OAUTH 2 (</a:t>
+            </a:r>
+            <a:r>
+              <a:rPr lang="it-IT" sz="1100" b="1" dirty="0">
+                <a:hlinkClick r:id="rId2"/>
+              </a:rPr>
+              <a:t>https://oauth.net/2/</a:t>
+            </a:r>
+            <a:r>
+              <a:rPr lang="it-IT" sz="1100" b="1" dirty="0"/>
+              <a:t>) RFC </a:t>
+            </a:r>
+            <a:r>
+              <a:rPr lang="it-IT" sz="1100" b="1" dirty="0">
+                <a:hlinkClick r:id="rId3"/>
+              </a:rPr>
+              <a:t>https://datatracker.ietf.org/doc/html/rfc6749</a:t>
+            </a:r>
+            <a:endParaRPr lang="it-IT" sz="1100" b="1" dirty="0"/>
+          </a:p>
+          <a:p>
+            <a:pPr lvl="2"/>
+            <a:r>
+              <a:rPr lang="it-IT" sz="1100" b="1" dirty="0" err="1"/>
+              <a:t>OpenID</a:t>
+            </a:r>
+            <a:r>
+              <a:rPr lang="it-IT" sz="1100" b="1" dirty="0"/>
+              <a:t> Connect (</a:t>
+            </a:r>
+            <a:r>
+              <a:rPr lang="it-IT" sz="1100" b="1" dirty="0">
+                <a:hlinkClick r:id="rId4"/>
+              </a:rPr>
+              <a:t>https://openid.net/specs</a:t>
+            </a:r>
+            <a:r>
+              <a:rPr lang="it-IT" sz="1100" b="1" dirty="0"/>
+              <a:t>)</a:t>
+            </a:r>
+            <a:endParaRPr lang="it-IT" sz="700" b="1" dirty="0"/>
+          </a:p>
+          <a:p>
+            <a:pPr lvl="1"/>
+            <a:r>
+              <a:rPr lang="it-IT" sz="1400" b="1" dirty="0"/>
+              <a:t>Viene loggato l’utente </a:t>
+            </a:r>
+            <a:r>
+              <a:rPr lang="it-IT" sz="1400" b="1" dirty="0" err="1"/>
+              <a:t>ARXivar</a:t>
+            </a:r>
+            <a:r>
+              <a:rPr lang="it-IT" sz="1400" b="1" dirty="0"/>
+              <a:t> associato allo username specificato </a:t>
+            </a:r>
+          </a:p>
+          <a:p>
             <a:pPr marL="457200" lvl="1" indent="0">
               <a:buNone/>
             </a:pPr>
-            <a:endParaRPr lang="it-IT" sz="1000" b="1" dirty="0"/>
-          </a:p>
-          <a:p>
-            <a:r>
-              <a:rPr lang="it-IT" sz="1600" b="1" dirty="0" err="1"/>
-              <a:t>Plugin</a:t>
-            </a:r>
-            <a:r>
-              <a:rPr lang="it-IT" sz="1600" b="1" dirty="0"/>
-              <a:t> client</a:t>
-            </a:r>
-            <a:endParaRPr lang="it-IT" sz="1050" b="1" dirty="0"/>
-          </a:p>
-          <a:p>
-            <a:pPr lvl="1"/>
-            <a:r>
-              <a:rPr lang="it-IT" sz="1100" b="1" dirty="0"/>
-              <a:t>Ribbon </a:t>
-            </a:r>
-            <a:r>
-              <a:rPr lang="it-IT" sz="1100" b="1" dirty="0" err="1"/>
-              <a:t>main</a:t>
-            </a:r>
+            <a:endParaRPr lang="it-IT" sz="800" b="1" dirty="0"/>
+          </a:p>
+          <a:p>
             <a:endParaRPr lang="it-IT" sz="1100" b="1" dirty="0"/>
           </a:p>
-          <a:p>
-            <a:pPr lvl="1"/>
-            <a:r>
-              <a:rPr lang="it-IT" sz="1100" b="1" dirty="0"/>
-              <a:t>Archiviazione</a:t>
-            </a:r>
-          </a:p>
-          <a:p>
-            <a:pPr lvl="1"/>
-            <a:r>
-              <a:rPr lang="it-IT" sz="1100" b="1" dirty="0"/>
-              <a:t>Comandi profili</a:t>
-            </a:r>
-          </a:p>
-          <a:p>
-            <a:pPr lvl="1"/>
-            <a:r>
-              <a:rPr lang="it-IT" sz="1100" b="1" dirty="0"/>
-              <a:t>Comandi fascicoli</a:t>
-            </a:r>
-          </a:p>
-          <a:p>
-            <a:pPr lvl="1"/>
-            <a:r>
-              <a:rPr lang="it-IT" sz="1100" b="1" dirty="0"/>
-              <a:t>Eventi </a:t>
-            </a:r>
-            <a:r>
-              <a:rPr lang="it-IT" sz="1100" b="1" dirty="0" err="1"/>
-              <a:t>barcode</a:t>
-            </a:r>
-            <a:r>
-              <a:rPr lang="it-IT" sz="1100" b="1" dirty="0"/>
-              <a:t>/modelli</a:t>
-            </a:r>
-          </a:p>
-          <a:p>
-            <a:pPr lvl="1"/>
-            <a:r>
-              <a:rPr lang="it-IT" sz="1100" b="1" dirty="0"/>
-              <a:t>Deployment manuale di un plugin</a:t>
-            </a:r>
-          </a:p>
-          <a:p>
-            <a:pPr lvl="1"/>
-            <a:r>
-              <a:rPr lang="it-IT" sz="1100" b="1" dirty="0"/>
-              <a:t>Deployment automatico tramite </a:t>
-            </a:r>
-            <a:r>
-              <a:rPr lang="it-IT" sz="1100" b="1" dirty="0" err="1"/>
-              <a:t>ARXivar</a:t>
-            </a:r>
-            <a:r>
-              <a:rPr lang="it-IT" sz="1100" b="1" dirty="0"/>
-              <a:t> Server</a:t>
-            </a:r>
-          </a:p>
-          <a:p>
-            <a:pPr lvl="1"/>
-            <a:r>
-              <a:rPr lang="it-IT" sz="1100" b="1" dirty="0" err="1"/>
-              <a:t>Debug</a:t>
-            </a:r>
-            <a:r>
-              <a:rPr lang="it-IT" sz="1100" b="1" dirty="0"/>
-              <a:t> di un </a:t>
-            </a:r>
-            <a:r>
-              <a:rPr lang="it-IT" sz="1100" b="1" dirty="0" err="1"/>
-              <a:t>plugin</a:t>
-            </a:r>
-            <a:r>
-              <a:rPr lang="it-IT" sz="1100" b="1" dirty="0"/>
-              <a:t> client</a:t>
-            </a:r>
-          </a:p>
-          <a:p>
-            <a:pPr marL="457200" lvl="1" indent="0">
-              <a:buNone/>
-            </a:pPr>
-            <a:endParaRPr lang="it-IT" sz="1100" b="1" dirty="0"/>
-          </a:p>
-          <a:p>
-            <a:r>
-              <a:rPr lang="it-IT" sz="1600" b="1" dirty="0" err="1"/>
-              <a:t>Plugin</a:t>
-            </a:r>
-            <a:r>
-              <a:rPr lang="it-IT" sz="1600" b="1" dirty="0"/>
-              <a:t> </a:t>
-            </a:r>
-            <a:r>
-              <a:rPr lang="it-IT" sz="1600" b="1" dirty="0" err="1"/>
-              <a:t>Workflow</a:t>
-            </a:r>
-            <a:endParaRPr lang="it-IT" sz="1600" b="1" dirty="0"/>
-          </a:p>
-          <a:p>
-            <a:pPr lvl="1"/>
-            <a:r>
-              <a:rPr lang="it-IT" sz="1200" b="1" dirty="0"/>
-              <a:t>Task workflow</a:t>
-            </a:r>
-          </a:p>
-          <a:p>
-            <a:pPr lvl="1"/>
-            <a:r>
-              <a:rPr lang="it-IT" sz="1100" b="1" dirty="0"/>
-              <a:t>Plugin Workflow</a:t>
-            </a:r>
-          </a:p>
-          <a:p>
-            <a:pPr lvl="1"/>
-            <a:r>
-              <a:rPr lang="it-IT" sz="1100" b="1" dirty="0"/>
-              <a:t>Plugin Workflow</a:t>
-            </a:r>
-          </a:p>
-          <a:p>
-            <a:pPr marL="457200" lvl="1" indent="0">
-              <a:buNone/>
-            </a:pPr>
-            <a:endParaRPr lang="it-IT" sz="1100" b="1" dirty="0"/>
-          </a:p>
-          <a:p>
-            <a:pPr lvl="1"/>
-            <a:endParaRPr lang="it-IT" sz="200" b="1" dirty="0"/>
-          </a:p>
-          <a:p>
-            <a:endParaRPr lang="it-IT" sz="1000" b="1" dirty="0"/>
-          </a:p>
-          <a:p>
-            <a:endParaRPr lang="it-IT" sz="1000" b="1" dirty="0"/>
-          </a:p>
-        </p:txBody>
-      </p:sp>
+        </p:txBody>
+      </p:sp>
+      <p:pic>
+        <p:nvPicPr>
+          <p:cNvPr id="1030" name="Picture 6" descr="Back Home">
+            <a:extLst>
+              <a:ext uri="{FF2B5EF4-FFF2-40B4-BE49-F238E27FC236}">
+                <a16:creationId xmlns:a16="http://schemas.microsoft.com/office/drawing/2014/main" id="{CCBE0D95-8CC8-40CE-871C-12672E0CE932}"/>
+              </a:ext>
+            </a:extLst>
+          </p:cNvPr>
+          <p:cNvPicPr>
+            <a:picLocks noChangeAspect="1" noChangeArrowheads="1"/>
+          </p:cNvPicPr>
+          <p:nvPr/>
+        </p:nvPicPr>
+        <p:blipFill>
+          <a:blip r:embed="rId5" cstate="print">
+            <a:extLst>
+              <a:ext uri="{28A0092B-C50C-407E-A947-70E740481C1C}">
+                <a14:useLocalDpi xmlns:a14="http://schemas.microsoft.com/office/drawing/2010/main" val="0"/>
+              </a:ext>
+            </a:extLst>
+          </a:blip>
+          <a:srcRect/>
+          <a:stretch>
+            <a:fillRect/>
+          </a:stretch>
+        </p:blipFill>
+        <p:spPr bwMode="auto">
+          <a:xfrm>
+            <a:off x="4139952" y="3075806"/>
+            <a:ext cx="576064" cy="230426"/>
+          </a:xfrm>
+          <a:prstGeom prst="rect">
+            <a:avLst/>
+          </a:prstGeom>
+          <a:noFill/>
+          <a:extLst>
+            <a:ext uri="{909E8E84-426E-40DD-AFC4-6F175D3DCCD1}">
+              <a14:hiddenFill xmlns:a14="http://schemas.microsoft.com/office/drawing/2010/main">
+                <a:solidFill>
+                  <a:srgbClr val="FFFFFF"/>
+                </a:solidFill>
+              </a14:hiddenFill>
+            </a:ext>
+          </a:extLst>
+        </p:spPr>
+      </p:pic>
+      <p:pic>
+        <p:nvPicPr>
+          <p:cNvPr id="1032" name="Picture 8" descr="OAuth - Wikipedia">
+            <a:extLst>
+              <a:ext uri="{FF2B5EF4-FFF2-40B4-BE49-F238E27FC236}">
+                <a16:creationId xmlns:a16="http://schemas.microsoft.com/office/drawing/2014/main" id="{188DB98C-A08E-4E09-B36E-AD22862D4886}"/>
+              </a:ext>
+            </a:extLst>
+          </p:cNvPr>
+          <p:cNvPicPr>
+            <a:picLocks noChangeAspect="1" noChangeArrowheads="1"/>
+          </p:cNvPicPr>
+          <p:nvPr/>
+        </p:nvPicPr>
+        <p:blipFill>
+          <a:blip r:embed="rId6" cstate="print">
+            <a:extLst>
+              <a:ext uri="{28A0092B-C50C-407E-A947-70E740481C1C}">
+                <a14:useLocalDpi xmlns:a14="http://schemas.microsoft.com/office/drawing/2010/main" val="0"/>
+              </a:ext>
+            </a:extLst>
+          </a:blip>
+          <a:srcRect/>
+          <a:stretch>
+            <a:fillRect/>
+          </a:stretch>
+        </p:blipFill>
+        <p:spPr bwMode="auto">
+          <a:xfrm>
+            <a:off x="6516216" y="2845380"/>
+            <a:ext cx="230426" cy="230426"/>
+          </a:xfrm>
+          <a:prstGeom prst="rect">
+            <a:avLst/>
+          </a:prstGeom>
+          <a:noFill/>
+          <a:extLst>
+            <a:ext uri="{909E8E84-426E-40DD-AFC4-6F175D3DCCD1}">
+              <a14:hiddenFill xmlns:a14="http://schemas.microsoft.com/office/drawing/2010/main">
+                <a:solidFill>
+                  <a:srgbClr val="FFFFFF"/>
+                </a:solidFill>
+              </a14:hiddenFill>
+            </a:ext>
+          </a:extLst>
+        </p:spPr>
+      </p:pic>
     </p:spTree>
     <p:extLst>
       <p:ext uri="{BB962C8B-B14F-4D97-AF65-F5344CB8AC3E}">
-        <p14:creationId xmlns:p14="http://schemas.microsoft.com/office/powerpoint/2010/main" val="2264352339"/>
+        <p14:creationId xmlns:p14="http://schemas.microsoft.com/office/powerpoint/2010/main" val="303823409"/>
       </p:ext>
     </p:extLst>
   </p:cSld>
@@ -4803,7 +4858,7 @@
           <a:lstStyle/>
           <a:p>
             <a:r>
-              <a:rPr lang="it-IT" sz="4000" dirty="0">
+              <a:rPr lang="it-IT" sz="3600" dirty="0">
                 <a:ln w="10541" cmpd="sng">
                   <a:noFill/>
                   <a:prstDash val="solid"/>
@@ -4823,7 +4878,7 @@
               <a:t>Architettura </a:t>
             </a:r>
             <a:r>
-              <a:rPr lang="it-IT" sz="4000" dirty="0" err="1">
+              <a:rPr lang="it-IT" sz="3600" dirty="0" err="1">
                 <a:ln w="10541" cmpd="sng">
                   <a:noFill/>
                   <a:prstDash val="solid"/>
@@ -4842,7 +4897,7 @@
               </a:rPr>
               <a:t>Wcf</a:t>
             </a:r>
-            <a:endParaRPr lang="it-IT" sz="4000" dirty="0">
+            <a:endParaRPr lang="it-IT" sz="3600" dirty="0">
               <a:ln w="10541" cmpd="sng">
                 <a:noFill/>
                 <a:prstDash val="solid"/>
@@ -4878,7 +4933,7 @@
         </p:blipFill>
         <p:spPr>
           <a:xfrm>
-            <a:off x="833720" y="915566"/>
+            <a:off x="832331" y="915566"/>
             <a:ext cx="5251837" cy="3856721"/>
           </a:xfrm>
           <a:prstGeom prst="rect">
@@ -4947,7 +5002,7 @@
           <a:lstStyle/>
           <a:p>
             <a:r>
-              <a:rPr lang="it-IT" sz="2400" dirty="0">
+              <a:rPr lang="it-IT" sz="3200" dirty="0">
                 <a:ln w="10541" cmpd="sng">
                   <a:noFill/>
                   <a:prstDash val="solid"/>
@@ -5599,6 +5654,703 @@
     <p:extLst>
       <p:ext uri="{BB962C8B-B14F-4D97-AF65-F5344CB8AC3E}">
         <p14:creationId xmlns:p14="http://schemas.microsoft.com/office/powerpoint/2010/main" val="3522730347"/>
+      </p:ext>
+    </p:extLst>
+  </p:cSld>
+  <p:clrMapOvr>
+    <a:masterClrMapping/>
+  </p:clrMapOvr>
+</p:sld>
+</file>
+
+<file path=ppt/slides/slide6.xml><?xml version="1.0" encoding="utf-8"?>
+<p:sld xmlns:a="http://schemas.openxmlformats.org/drawingml/2006/main" xmlns:r="http://schemas.openxmlformats.org/officeDocument/2006/relationships" xmlns:p="http://schemas.openxmlformats.org/presentationml/2006/main">
+  <p:cSld>
+    <p:spTree>
+      <p:nvGrpSpPr>
+        <p:cNvPr id="1" name=""/>
+        <p:cNvGrpSpPr/>
+        <p:nvPr/>
+      </p:nvGrpSpPr>
+      <p:grpSpPr>
+        <a:xfrm>
+          <a:off x="0" y="0"/>
+          <a:ext cx="0" cy="0"/>
+          <a:chOff x="0" y="0"/>
+          <a:chExt cx="0" cy="0"/>
+        </a:xfrm>
+      </p:grpSpPr>
+      <p:sp>
+        <p:nvSpPr>
+          <p:cNvPr id="2" name="Title 1"/>
+          <p:cNvSpPr>
+            <a:spLocks noGrp="1"/>
+          </p:cNvSpPr>
+          <p:nvPr>
+            <p:ph type="title"/>
+          </p:nvPr>
+        </p:nvSpPr>
+        <p:spPr>
+          <a:xfrm>
+            <a:off x="457200" y="205979"/>
+            <a:ext cx="6563072" cy="709587"/>
+          </a:xfrm>
+        </p:spPr>
+        <p:txBody>
+          <a:bodyPr>
+            <a:normAutofit fontScale="90000"/>
+          </a:bodyPr>
+          <a:lstStyle/>
+          <a:p>
+            <a:r>
+              <a:rPr lang="it-IT" sz="3200" dirty="0">
+                <a:solidFill>
+                  <a:srgbClr val="FFC000"/>
+                </a:solidFill>
+                <a:effectLst>
+                  <a:outerShdw blurRad="38100" dist="38100" dir="2700000" algn="tl">
+                    <a:srgbClr val="000000">
+                      <a:alpha val="43137"/>
+                    </a:srgbClr>
+                  </a:outerShdw>
+                </a:effectLst>
+              </a:rPr>
+              <a:t>Esempio: Logon Provider «</a:t>
+            </a:r>
+            <a:r>
+              <a:rPr lang="it-IT" sz="3200" dirty="0" err="1">
+                <a:solidFill>
+                  <a:srgbClr val="FFC000"/>
+                </a:solidFill>
+                <a:effectLst>
+                  <a:outerShdw blurRad="38100" dist="38100" dir="2700000" algn="tl">
+                    <a:srgbClr val="000000">
+                      <a:alpha val="43137"/>
+                    </a:srgbClr>
+                  </a:outerShdw>
+                </a:effectLst>
+              </a:rPr>
+              <a:t>Credentials</a:t>
+            </a:r>
+            <a:r>
+              <a:rPr lang="it-IT" sz="3200" dirty="0">
+                <a:solidFill>
+                  <a:srgbClr val="FFC000"/>
+                </a:solidFill>
+                <a:effectLst>
+                  <a:outerShdw blurRad="38100" dist="38100" dir="2700000" algn="tl">
+                    <a:srgbClr val="000000">
+                      <a:alpha val="43137"/>
+                    </a:srgbClr>
+                  </a:outerShdw>
+                </a:effectLst>
+              </a:rPr>
+              <a:t>»</a:t>
+            </a:r>
+          </a:p>
+        </p:txBody>
+      </p:sp>
+      <p:sp>
+        <p:nvSpPr>
+          <p:cNvPr id="3" name="Content Placeholder 2"/>
+          <p:cNvSpPr>
+            <a:spLocks noGrp="1"/>
+          </p:cNvSpPr>
+          <p:nvPr>
+            <p:ph idx="1"/>
+          </p:nvPr>
+        </p:nvSpPr>
+        <p:spPr>
+          <a:xfrm>
+            <a:off x="323528" y="987575"/>
+            <a:ext cx="6696744" cy="3607048"/>
+          </a:xfrm>
+        </p:spPr>
+        <p:txBody>
+          <a:bodyPr>
+            <a:noAutofit/>
+          </a:bodyPr>
+          <a:lstStyle/>
+          <a:p>
+            <a:pPr marL="457200" lvl="1" indent="0">
+              <a:buNone/>
+            </a:pPr>
+            <a:r>
+              <a:rPr lang="it-IT" sz="1400" b="1" dirty="0"/>
+              <a:t>Le credenziali fornite (username, password) vengono verificate da un Identity Server </a:t>
+            </a:r>
+            <a:r>
+              <a:rPr lang="it-IT" sz="900" b="1" dirty="0"/>
+              <a:t>(</a:t>
+            </a:r>
+            <a:r>
+              <a:rPr lang="it-IT" sz="900" b="1" dirty="0">
+                <a:hlinkClick r:id="rId2"/>
+              </a:rPr>
+              <a:t>https://github.com/identityserver/IdentityServer4</a:t>
+            </a:r>
+            <a:r>
+              <a:rPr lang="it-IT" sz="900" b="1" dirty="0"/>
+              <a:t>)</a:t>
+            </a:r>
+            <a:endParaRPr lang="it-IT" sz="1100" b="1" dirty="0"/>
+          </a:p>
+          <a:p>
+            <a:pPr marL="457200" lvl="1" indent="0">
+              <a:buNone/>
+            </a:pPr>
+            <a:r>
+              <a:rPr lang="it-IT" sz="1400" b="1" dirty="0"/>
+              <a:t>Flusso OAUTH2: </a:t>
+            </a:r>
+            <a:r>
+              <a:rPr lang="en-US" sz="1400" b="1" dirty="0"/>
+              <a:t>Resource Owner Password Credentials Grant</a:t>
+            </a:r>
+          </a:p>
+          <a:p>
+            <a:pPr lvl="1"/>
+            <a:r>
+              <a:rPr lang="it-IT" sz="900" b="1" dirty="0">
+                <a:hlinkClick r:id="rId3"/>
+              </a:rPr>
+              <a:t>https://datatracker.ietf.org/doc/html/rfc6749#section-4.3</a:t>
+            </a:r>
+            <a:endParaRPr lang="it-IT" sz="900" b="1" dirty="0"/>
+          </a:p>
+          <a:p>
+            <a:pPr lvl="1"/>
+            <a:r>
+              <a:rPr lang="it-IT" sz="900" b="1" dirty="0">
+                <a:hlinkClick r:id="rId4"/>
+              </a:rPr>
+              <a:t>http://www.bubblecode.net/en/2016/01/22/understanding-oauth2/#Resource_Owner_Password_Credentials_Grant</a:t>
+            </a:r>
+            <a:endParaRPr lang="it-IT" sz="900" b="1" dirty="0"/>
+          </a:p>
+          <a:p>
+            <a:pPr marL="457200" lvl="1" indent="0">
+              <a:buNone/>
+            </a:pPr>
+            <a:endParaRPr lang="it-IT" sz="1400" b="1" dirty="0"/>
+          </a:p>
+          <a:p>
+            <a:pPr marL="457200" lvl="1" indent="0">
+              <a:buNone/>
+            </a:pPr>
+            <a:endParaRPr lang="it-IT" sz="800" b="1" dirty="0"/>
+          </a:p>
+          <a:p>
+            <a:endParaRPr lang="it-IT" sz="1100" b="1" dirty="0"/>
+          </a:p>
+          <a:p>
+            <a:pPr marL="457200" lvl="1" indent="0">
+              <a:buNone/>
+            </a:pPr>
+            <a:endParaRPr lang="it-IT" sz="800" b="1" dirty="0"/>
+          </a:p>
+          <a:p>
+            <a:endParaRPr lang="it-IT" sz="1100" b="1" dirty="0"/>
+          </a:p>
+        </p:txBody>
+      </p:sp>
+      <p:pic>
+        <p:nvPicPr>
+          <p:cNvPr id="1032" name="Picture 8" descr="OAuth - Wikipedia">
+            <a:extLst>
+              <a:ext uri="{FF2B5EF4-FFF2-40B4-BE49-F238E27FC236}">
+                <a16:creationId xmlns:a16="http://schemas.microsoft.com/office/drawing/2014/main" id="{188DB98C-A08E-4E09-B36E-AD22862D4886}"/>
+              </a:ext>
+            </a:extLst>
+          </p:cNvPr>
+          <p:cNvPicPr>
+            <a:picLocks noChangeAspect="1" noChangeArrowheads="1"/>
+          </p:cNvPicPr>
+          <p:nvPr/>
+        </p:nvPicPr>
+        <p:blipFill>
+          <a:blip r:embed="rId5" cstate="print">
+            <a:extLst>
+              <a:ext uri="{28A0092B-C50C-407E-A947-70E740481C1C}">
+                <a14:useLocalDpi xmlns:a14="http://schemas.microsoft.com/office/drawing/2010/main" val="0"/>
+              </a:ext>
+            </a:extLst>
+          </a:blip>
+          <a:srcRect/>
+          <a:stretch>
+            <a:fillRect/>
+          </a:stretch>
+        </p:blipFill>
+        <p:spPr bwMode="auto">
+          <a:xfrm>
+            <a:off x="539552" y="1851670"/>
+            <a:ext cx="230426" cy="230426"/>
+          </a:xfrm>
+          <a:prstGeom prst="rect">
+            <a:avLst/>
+          </a:prstGeom>
+          <a:noFill/>
+          <a:extLst>
+            <a:ext uri="{909E8E84-426E-40DD-AFC4-6F175D3DCCD1}">
+              <a14:hiddenFill xmlns:a14="http://schemas.microsoft.com/office/drawing/2010/main">
+                <a:solidFill>
+                  <a:srgbClr val="FFFFFF"/>
+                </a:solidFill>
+              </a14:hiddenFill>
+            </a:ext>
+          </a:extLst>
+        </p:spPr>
+      </p:pic>
+      <p:pic>
+        <p:nvPicPr>
+          <p:cNvPr id="2052" name="Picture 4" descr="Resource Owner Password Credentials Grant Flow">
+            <a:extLst>
+              <a:ext uri="{FF2B5EF4-FFF2-40B4-BE49-F238E27FC236}">
+                <a16:creationId xmlns:a16="http://schemas.microsoft.com/office/drawing/2014/main" id="{D6531B25-01FA-44C8-A616-2C2B4037D2BC}"/>
+              </a:ext>
+            </a:extLst>
+          </p:cNvPr>
+          <p:cNvPicPr>
+            <a:picLocks noChangeAspect="1" noChangeArrowheads="1"/>
+          </p:cNvPicPr>
+          <p:nvPr/>
+        </p:nvPicPr>
+        <p:blipFill>
+          <a:blip r:embed="rId6">
+            <a:extLst>
+              <a:ext uri="{28A0092B-C50C-407E-A947-70E740481C1C}">
+                <a14:useLocalDpi xmlns:a14="http://schemas.microsoft.com/office/drawing/2010/main" val="0"/>
+              </a:ext>
+            </a:extLst>
+          </a:blip>
+          <a:srcRect/>
+          <a:stretch>
+            <a:fillRect/>
+          </a:stretch>
+        </p:blipFill>
+        <p:spPr bwMode="auto">
+          <a:xfrm>
+            <a:off x="1021546" y="2082096"/>
+            <a:ext cx="4846598" cy="2654738"/>
+          </a:xfrm>
+          <a:prstGeom prst="rect">
+            <a:avLst/>
+          </a:prstGeom>
+          <a:noFill/>
+          <a:extLst>
+            <a:ext uri="{909E8E84-426E-40DD-AFC4-6F175D3DCCD1}">
+              <a14:hiddenFill xmlns:a14="http://schemas.microsoft.com/office/drawing/2010/main">
+                <a:solidFill>
+                  <a:srgbClr val="FFFFFF"/>
+                </a:solidFill>
+              </a14:hiddenFill>
+            </a:ext>
+          </a:extLst>
+        </p:spPr>
+      </p:pic>
+    </p:spTree>
+    <p:extLst>
+      <p:ext uri="{BB962C8B-B14F-4D97-AF65-F5344CB8AC3E}">
+        <p14:creationId xmlns:p14="http://schemas.microsoft.com/office/powerpoint/2010/main" val="1994167255"/>
+      </p:ext>
+    </p:extLst>
+  </p:cSld>
+  <p:clrMapOvr>
+    <a:masterClrMapping/>
+  </p:clrMapOvr>
+</p:sld>
+</file>
+
+<file path=ppt/slides/slide7.xml><?xml version="1.0" encoding="utf-8"?>
+<p:sld xmlns:a="http://schemas.openxmlformats.org/drawingml/2006/main" xmlns:r="http://schemas.openxmlformats.org/officeDocument/2006/relationships" xmlns:p="http://schemas.openxmlformats.org/presentationml/2006/main">
+  <p:cSld>
+    <p:spTree>
+      <p:nvGrpSpPr>
+        <p:cNvPr id="1" name=""/>
+        <p:cNvGrpSpPr/>
+        <p:nvPr/>
+      </p:nvGrpSpPr>
+      <p:grpSpPr>
+        <a:xfrm>
+          <a:off x="0" y="0"/>
+          <a:ext cx="0" cy="0"/>
+          <a:chOff x="0" y="0"/>
+          <a:chExt cx="0" cy="0"/>
+        </a:xfrm>
+      </p:grpSpPr>
+      <p:sp>
+        <p:nvSpPr>
+          <p:cNvPr id="2" name="Title 1"/>
+          <p:cNvSpPr>
+            <a:spLocks noGrp="1"/>
+          </p:cNvSpPr>
+          <p:nvPr>
+            <p:ph type="title"/>
+          </p:nvPr>
+        </p:nvSpPr>
+        <p:spPr>
+          <a:xfrm>
+            <a:off x="457200" y="205979"/>
+            <a:ext cx="6563072" cy="709587"/>
+          </a:xfrm>
+        </p:spPr>
+        <p:txBody>
+          <a:bodyPr>
+            <a:normAutofit fontScale="90000"/>
+          </a:bodyPr>
+          <a:lstStyle/>
+          <a:p>
+            <a:r>
+              <a:rPr lang="it-IT" sz="3200" dirty="0">
+                <a:solidFill>
+                  <a:srgbClr val="FFC000"/>
+                </a:solidFill>
+                <a:effectLst>
+                  <a:outerShdw blurRad="38100" dist="38100" dir="2700000" algn="tl">
+                    <a:srgbClr val="000000">
+                      <a:alpha val="43137"/>
+                    </a:srgbClr>
+                  </a:outerShdw>
+                </a:effectLst>
+              </a:rPr>
+              <a:t>Esempio: Logon Provider Single </a:t>
+            </a:r>
+            <a:r>
+              <a:rPr lang="it-IT" sz="3200" dirty="0" err="1">
+                <a:solidFill>
+                  <a:srgbClr val="FFC000"/>
+                </a:solidFill>
+                <a:effectLst>
+                  <a:outerShdw blurRad="38100" dist="38100" dir="2700000" algn="tl">
+                    <a:srgbClr val="000000">
+                      <a:alpha val="43137"/>
+                    </a:srgbClr>
+                  </a:outerShdw>
+                </a:effectLst>
+              </a:rPr>
+              <a:t>Sign</a:t>
+            </a:r>
+            <a:r>
+              <a:rPr lang="it-IT" sz="3200" dirty="0">
+                <a:solidFill>
+                  <a:srgbClr val="FFC000"/>
+                </a:solidFill>
+                <a:effectLst>
+                  <a:outerShdw blurRad="38100" dist="38100" dir="2700000" algn="tl">
+                    <a:srgbClr val="000000">
+                      <a:alpha val="43137"/>
+                    </a:srgbClr>
+                  </a:outerShdw>
+                </a:effectLst>
+              </a:rPr>
+              <a:t>-On</a:t>
+            </a:r>
+          </a:p>
+        </p:txBody>
+      </p:sp>
+      <p:sp>
+        <p:nvSpPr>
+          <p:cNvPr id="3" name="Content Placeholder 2"/>
+          <p:cNvSpPr>
+            <a:spLocks noGrp="1"/>
+          </p:cNvSpPr>
+          <p:nvPr>
+            <p:ph idx="1"/>
+          </p:nvPr>
+        </p:nvSpPr>
+        <p:spPr>
+          <a:xfrm>
+            <a:off x="323528" y="931492"/>
+            <a:ext cx="6696744" cy="3607048"/>
+          </a:xfrm>
+        </p:spPr>
+        <p:txBody>
+          <a:bodyPr>
+            <a:noAutofit/>
+          </a:bodyPr>
+          <a:lstStyle/>
+          <a:p>
+            <a:r>
+              <a:rPr lang="it-IT" sz="1400" b="1" dirty="0"/>
+              <a:t>Autenticazione demandata a Identity Server</a:t>
+            </a:r>
+            <a:br>
+              <a:rPr lang="it-IT" sz="1400" b="1" dirty="0"/>
+            </a:br>
+            <a:r>
+              <a:rPr lang="it-IT" sz="1400" b="1" dirty="0"/>
+              <a:t>L’utente acconsente al rilascio di alcune autorizzazioni per l’applicazione a cui si sta loggando (</a:t>
+            </a:r>
+            <a:r>
+              <a:rPr lang="it-IT" sz="1400" b="1" dirty="0" err="1"/>
+              <a:t>ClientId</a:t>
+            </a:r>
+            <a:r>
+              <a:rPr lang="it-IT" sz="1400" b="1" dirty="0"/>
+              <a:t>: </a:t>
+            </a:r>
+            <a:r>
+              <a:rPr lang="it-IT" sz="1400" b="1" dirty="0" err="1"/>
+              <a:t>ARXivar</a:t>
+            </a:r>
+            <a:r>
+              <a:rPr lang="it-IT" sz="1400" b="1" dirty="0"/>
+              <a:t>)</a:t>
+            </a:r>
+          </a:p>
+          <a:p>
+            <a:pPr marL="457200" lvl="1" indent="0">
+              <a:buNone/>
+            </a:pPr>
+            <a:endParaRPr lang="it-IT" sz="1400" b="1" dirty="0"/>
+          </a:p>
+          <a:p>
+            <a:r>
+              <a:rPr lang="it-IT" sz="1400" b="1" dirty="0"/>
+              <a:t>Il flusso autorizzativo continua redirigendo l’utente verso il servizio </a:t>
+            </a:r>
+            <a:r>
+              <a:rPr lang="it-IT" sz="1400" b="1" dirty="0" err="1"/>
+              <a:t>Auth</a:t>
+            </a:r>
+            <a:r>
+              <a:rPr lang="it-IT" sz="1400" b="1" dirty="0"/>
+              <a:t> di </a:t>
+            </a:r>
+            <a:r>
+              <a:rPr lang="it-IT" sz="1400" b="1" dirty="0" err="1"/>
+              <a:t>ARXivar</a:t>
+            </a:r>
+            <a:r>
+              <a:rPr lang="it-IT" sz="1400" b="1" dirty="0"/>
+              <a:t> con </a:t>
+            </a:r>
+            <a:r>
+              <a:rPr lang="it-IT" sz="1400" b="1" i="1" dirty="0">
+                <a:solidFill>
+                  <a:schemeClr val="bg1">
+                    <a:lumMod val="50000"/>
+                  </a:schemeClr>
+                </a:solidFill>
+              </a:rPr>
+              <a:t>code + </a:t>
+            </a:r>
+            <a:r>
+              <a:rPr lang="it-IT" sz="1400" b="1" i="1" dirty="0" err="1">
+                <a:solidFill>
+                  <a:schemeClr val="bg1">
+                    <a:lumMod val="50000"/>
+                  </a:schemeClr>
+                </a:solidFill>
+              </a:rPr>
+              <a:t>token_id</a:t>
+            </a:r>
+            <a:r>
+              <a:rPr lang="it-IT" sz="1600" b="1" i="1" dirty="0">
+                <a:solidFill>
+                  <a:schemeClr val="bg1">
+                    <a:lumMod val="50000"/>
+                  </a:schemeClr>
+                </a:solidFill>
+              </a:rPr>
+              <a:t> </a:t>
+            </a:r>
+            <a:r>
+              <a:rPr lang="it-IT" sz="1200" b="1" i="1" dirty="0"/>
+              <a:t>(</a:t>
+            </a:r>
+            <a:r>
+              <a:rPr lang="it-IT" sz="1200" b="1" i="1" dirty="0">
+                <a:solidFill>
+                  <a:schemeClr val="bg1">
+                    <a:lumMod val="50000"/>
+                  </a:schemeClr>
+                </a:solidFill>
+                <a:hlinkClick r:id="rId2"/>
+              </a:rPr>
+              <a:t>https://openid.net/specs/openid-connect-core-1_0.html#code-id_tokenExample</a:t>
+            </a:r>
+            <a:r>
+              <a:rPr lang="it-IT" sz="1200" b="1" i="1" dirty="0">
+                <a:solidFill>
+                  <a:schemeClr val="bg1">
+                    <a:lumMod val="50000"/>
+                  </a:schemeClr>
+                </a:solidFill>
+              </a:rPr>
+              <a:t>, </a:t>
+            </a:r>
+            <a:r>
+              <a:rPr lang="it-IT" sz="1200" b="1" i="1" dirty="0">
+                <a:solidFill>
+                  <a:schemeClr val="bg1">
+                    <a:lumMod val="50000"/>
+                  </a:schemeClr>
+                </a:solidFill>
+                <a:hlinkClick r:id="rId3"/>
+              </a:rPr>
+              <a:t>http://www.bubblecode.net/en/2016/01/22/understanding-oauth2/#Authorization_Code_Grant</a:t>
+            </a:r>
+            <a:r>
+              <a:rPr lang="it-IT" sz="1200" b="1" i="1" dirty="0"/>
+              <a:t>)</a:t>
+            </a:r>
+          </a:p>
+          <a:p>
+            <a:pPr marL="457200" lvl="1" indent="0">
+              <a:buNone/>
+            </a:pPr>
+            <a:endParaRPr lang="it-IT" sz="700" b="1" dirty="0"/>
+          </a:p>
+          <a:p>
+            <a:pPr lvl="1"/>
+            <a:r>
+              <a:rPr lang="it-IT" sz="1200" b="1" dirty="0"/>
+              <a:t>Il code è un «buono» che può essere utilizzato per richiedere un </a:t>
+            </a:r>
+            <a:r>
+              <a:rPr lang="it-IT" sz="1200" b="1" dirty="0" err="1"/>
+              <a:t>bearer</a:t>
+            </a:r>
+            <a:r>
+              <a:rPr lang="it-IT" sz="1200" b="1" dirty="0"/>
+              <a:t> token che contiene le autorizzazioni approvate dall’utente. </a:t>
+            </a:r>
+          </a:p>
+          <a:p>
+            <a:pPr lvl="1"/>
+            <a:r>
+              <a:rPr lang="it-IT" sz="1200" b="1" dirty="0"/>
+              <a:t>Il </a:t>
+            </a:r>
+            <a:r>
+              <a:rPr lang="it-IT" sz="1200" b="1" dirty="0" err="1"/>
+              <a:t>token_id</a:t>
+            </a:r>
+            <a:r>
+              <a:rPr lang="it-IT" sz="1200" b="1" dirty="0"/>
+              <a:t> è un token JWT che contiene l’identità dell’utente </a:t>
+            </a:r>
+            <a:r>
+              <a:rPr lang="it-IT" sz="900" b="1" dirty="0"/>
+              <a:t>(</a:t>
+            </a:r>
+            <a:r>
+              <a:rPr lang="it-IT" sz="900" b="1" dirty="0">
+                <a:hlinkClick r:id="rId4"/>
+              </a:rPr>
+              <a:t>https://en.wikipedia.org/wiki/JSON_Web_Token</a:t>
+            </a:r>
+            <a:r>
+              <a:rPr lang="it-IT" sz="900" b="1" dirty="0"/>
+              <a:t>, </a:t>
+            </a:r>
+            <a:r>
+              <a:rPr lang="it-IT" sz="900" b="1" dirty="0">
+                <a:hlinkClick r:id="rId5"/>
+              </a:rPr>
+              <a:t>https://jwt.io/</a:t>
+            </a:r>
+            <a:r>
+              <a:rPr lang="it-IT" sz="900" b="1" dirty="0"/>
+              <a:t>)</a:t>
+            </a:r>
+            <a:endParaRPr lang="it-IT" sz="1200" b="1" dirty="0"/>
+          </a:p>
+          <a:p>
+            <a:pPr marL="457200" lvl="1" indent="0">
+              <a:buNone/>
+            </a:pPr>
+            <a:endParaRPr lang="it-IT" sz="700" b="1" dirty="0"/>
+          </a:p>
+          <a:p>
+            <a:pPr indent="-285750"/>
+            <a:r>
+              <a:rPr lang="it-IT" sz="1400" b="1" dirty="0"/>
+              <a:t>Sulla base di code + </a:t>
+            </a:r>
+            <a:r>
+              <a:rPr lang="it-IT" sz="1400" b="1" dirty="0" err="1"/>
+              <a:t>token_id</a:t>
+            </a:r>
+            <a:r>
+              <a:rPr lang="it-IT" sz="1400" b="1" dirty="0"/>
+              <a:t> il logon provider determina l’utente che deve essere autorizzato</a:t>
+            </a:r>
+          </a:p>
+          <a:p>
+            <a:pPr indent="-285750"/>
+            <a:r>
+              <a:rPr lang="it-IT" sz="1400" b="1" dirty="0"/>
+              <a:t>Il processo di autorizzazione termina atterrando sul Web Portal con il </a:t>
+            </a:r>
+            <a:r>
+              <a:rPr lang="it-IT" sz="1400" b="1" dirty="0" err="1"/>
+              <a:t>bearer</a:t>
+            </a:r>
+            <a:r>
+              <a:rPr lang="it-IT" sz="1400" b="1" dirty="0"/>
+              <a:t> token di </a:t>
+            </a:r>
+            <a:r>
+              <a:rPr lang="it-IT" sz="1400" b="1" dirty="0" err="1"/>
+              <a:t>ARXivar</a:t>
+            </a:r>
+            <a:endParaRPr lang="it-IT" sz="1400" b="1" dirty="0"/>
+          </a:p>
+        </p:txBody>
+      </p:sp>
+      <p:pic>
+        <p:nvPicPr>
+          <p:cNvPr id="7" name="Picture 6" descr="Back Home">
+            <a:extLst>
+              <a:ext uri="{FF2B5EF4-FFF2-40B4-BE49-F238E27FC236}">
+                <a16:creationId xmlns:a16="http://schemas.microsoft.com/office/drawing/2014/main" id="{28C957C0-DF06-4D20-A7EF-4DF7D8C4F7DF}"/>
+              </a:ext>
+            </a:extLst>
+          </p:cNvPr>
+          <p:cNvPicPr>
+            <a:picLocks noChangeAspect="1" noChangeArrowheads="1"/>
+          </p:cNvPicPr>
+          <p:nvPr/>
+        </p:nvPicPr>
+        <p:blipFill>
+          <a:blip r:embed="rId6" cstate="print">
+            <a:extLst>
+              <a:ext uri="{28A0092B-C50C-407E-A947-70E740481C1C}">
+                <a14:useLocalDpi xmlns:a14="http://schemas.microsoft.com/office/drawing/2010/main" val="0"/>
+              </a:ext>
+            </a:extLst>
+          </a:blip>
+          <a:srcRect/>
+          <a:stretch>
+            <a:fillRect/>
+          </a:stretch>
+        </p:blipFill>
+        <p:spPr bwMode="auto">
+          <a:xfrm>
+            <a:off x="683568" y="1707654"/>
+            <a:ext cx="576064" cy="230426"/>
+          </a:xfrm>
+          <a:prstGeom prst="rect">
+            <a:avLst/>
+          </a:prstGeom>
+          <a:noFill/>
+          <a:extLst>
+            <a:ext uri="{909E8E84-426E-40DD-AFC4-6F175D3DCCD1}">
+              <a14:hiddenFill xmlns:a14="http://schemas.microsoft.com/office/drawing/2010/main">
+                <a:solidFill>
+                  <a:srgbClr val="FFFFFF"/>
+                </a:solidFill>
+              </a14:hiddenFill>
+            </a:ext>
+          </a:extLst>
+        </p:spPr>
+      </p:pic>
+    </p:spTree>
+    <p:extLst>
+      <p:ext uri="{BB962C8B-B14F-4D97-AF65-F5344CB8AC3E}">
+        <p14:creationId xmlns:p14="http://schemas.microsoft.com/office/powerpoint/2010/main" val="3830133614"/>
       </p:ext>
     </p:extLst>
   </p:cSld>

--- a/doc/ARXDev4.pptx
+++ b/doc/ARXDev4.pptx
@@ -4169,21 +4169,111 @@
             <p:ph type="subTitle" idx="1"/>
           </p:nvPr>
         </p:nvSpPr>
-        <p:spPr/>
-        <p:txBody>
-          <a:bodyPr/>
+        <p:spPr>
+          <a:xfrm>
+            <a:off x="1371600" y="2914650"/>
+            <a:ext cx="4784576" cy="521196"/>
+          </a:xfrm>
+        </p:spPr>
+        <p:txBody>
+          <a:bodyPr>
+            <a:normAutofit fontScale="92500" lnSpcReduction="10000"/>
+          </a:bodyPr>
           <a:lstStyle/>
           <a:p>
             <a:r>
               <a:rPr lang="it-IT" i="1" dirty="0"/>
               <a:t>Yari Melzani</a:t>
             </a:r>
-          </a:p>
-          <a:p>
             <a:endParaRPr lang="it-IT" dirty="0"/>
           </a:p>
         </p:txBody>
       </p:sp>
+      <p:sp>
+        <p:nvSpPr>
+          <p:cNvPr id="3" name="CasellaDiTesto 2">
+            <a:extLst>
+              <a:ext uri="{FF2B5EF4-FFF2-40B4-BE49-F238E27FC236}">
+                <a16:creationId xmlns:a16="http://schemas.microsoft.com/office/drawing/2014/main" id="{80AFCFF8-DAFC-4B93-8F97-654961ED5DC6}"/>
+              </a:ext>
+            </a:extLst>
+          </p:cNvPr>
+          <p:cNvSpPr txBox="1"/>
+          <p:nvPr/>
+        </p:nvSpPr>
+        <p:spPr>
+          <a:xfrm>
+            <a:off x="1565428" y="4360393"/>
+            <a:ext cx="4572983" cy="369332"/>
+          </a:xfrm>
+          <a:prstGeom prst="rect">
+            <a:avLst/>
+          </a:prstGeom>
+          <a:noFill/>
+        </p:spPr>
+        <p:txBody>
+          <a:bodyPr wrap="none" rtlCol="0">
+            <a:spAutoFit/>
+          </a:bodyPr>
+          <a:lstStyle/>
+          <a:p>
+            <a:r>
+              <a:rPr lang="it-IT" dirty="0">
+                <a:hlinkClick r:id="rId2"/>
+              </a:rPr>
+              <a:t>https://github.com/Arxivar/Arxivar-Next-Dev-4</a:t>
+            </a:r>
+            <a:endParaRPr lang="it-IT" dirty="0"/>
+          </a:p>
+        </p:txBody>
+      </p:sp>
+      <p:pic>
+        <p:nvPicPr>
+          <p:cNvPr id="4098" name="Picture 2" descr="GitHub Logos and Usage · GitHub">
+            <a:extLst>
+              <a:ext uri="{FF2B5EF4-FFF2-40B4-BE49-F238E27FC236}">
+                <a16:creationId xmlns:a16="http://schemas.microsoft.com/office/drawing/2014/main" id="{8E487BEB-23F3-4C0B-A508-4A96BB56412A}"/>
+              </a:ext>
+            </a:extLst>
+          </p:cNvPr>
+          <p:cNvPicPr>
+            <a:picLocks noChangeAspect="1" noChangeArrowheads="1"/>
+          </p:cNvPicPr>
+          <p:nvPr/>
+        </p:nvPicPr>
+        <p:blipFill>
+          <a:blip r:embed="rId3" cstate="print">
+            <a:extLst>
+              <a:ext uri="{28A0092B-C50C-407E-A947-70E740481C1C}">
+                <a14:useLocalDpi xmlns:a14="http://schemas.microsoft.com/office/drawing/2010/main" val="0"/>
+              </a:ext>
+            </a:extLst>
+          </a:blip>
+          <a:srcRect/>
+          <a:stretch>
+            <a:fillRect/>
+          </a:stretch>
+        </p:blipFill>
+        <p:spPr bwMode="auto">
+          <a:xfrm>
+            <a:off x="936749" y="4192968"/>
+            <a:ext cx="645765" cy="536757"/>
+          </a:xfrm>
+          <a:prstGeom prst="rect">
+            <a:avLst/>
+          </a:prstGeom>
+          <a:noFill/>
+          <a:extLst>
+            <a:ext uri="{909E8E84-426E-40DD-AFC4-6F175D3DCCD1}">
+              <a14:hiddenFill xmlns:a14="http://schemas.microsoft.com/office/drawing/2010/main">
+                <a:solidFill>
+                  <a:srgbClr val="FFFFFF"/>
+                </a:solidFill>
+              </a14:hiddenFill>
+            </a:ext>
+          </a:extLst>
+        </p:spPr>
+      </p:pic>
     </p:spTree>
   </p:cSld>
   <p:clrMapOvr>
@@ -6267,10 +6357,26 @@
             <a:pPr indent="-285750"/>
             <a:r>
               <a:rPr lang="it-IT" sz="1400" b="1" dirty="0"/>
-              <a:t>Sulla base di code + </a:t>
-            </a:r>
-            <a:r>
-              <a:rPr lang="it-IT" sz="1400" b="1" dirty="0" err="1"/>
+              <a:t>Sulla base di </a:t>
+            </a:r>
+            <a:r>
+              <a:rPr lang="it-IT" sz="1400" b="1" dirty="0">
+                <a:solidFill>
+                  <a:schemeClr val="bg1">
+                    <a:lumMod val="50000"/>
+                  </a:schemeClr>
+                </a:solidFill>
+              </a:rPr>
+              <a:t>code + </a:t>
+            </a:r>
+            <a:r>
+              <a:rPr lang="it-IT" sz="1400" b="1" dirty="0" err="1">
+                <a:solidFill>
+                  <a:schemeClr val="bg1">
+                    <a:lumMod val="50000"/>
+                  </a:schemeClr>
+                </a:solidFill>
+              </a:rPr>
               <a:t>token_id</a:t>
             </a:r>
             <a:r>
@@ -6282,7 +6388,7 @@
             <a:pPr indent="-285750"/>
             <a:r>
               <a:rPr lang="it-IT" sz="1400" b="1" dirty="0"/>
-              <a:t>Il processo di autorizzazione termina atterrando sul Web Portal con il </a:t>
+              <a:t>Il processo di autorizzazione termina sul Web Portal con il </a:t>
             </a:r>
             <a:r>
               <a:rPr lang="it-IT" sz="1400" b="1" dirty="0" err="1"/>

--- a/doc/ARXDev4.pptx
+++ b/doc/ARXDev4.pptx
@@ -5,7 +5,7 @@
     <p:sldMasterId id="2147483648" r:id="rId1"/>
   </p:sldMasterIdLst>
   <p:notesMasterIdLst>
-    <p:notesMasterId r:id="rId9"/>
+    <p:notesMasterId r:id="rId10"/>
   </p:notesMasterIdLst>
   <p:sldIdLst>
     <p:sldId id="256" r:id="rId2"/>
@@ -15,6 +15,7 @@
     <p:sldId id="265" r:id="rId6"/>
     <p:sldId id="267" r:id="rId7"/>
     <p:sldId id="268" r:id="rId8"/>
+    <p:sldId id="269" r:id="rId9"/>
   </p:sldIdLst>
   <p:sldSz cx="9144000" cy="5143500" type="screen16x9"/>
   <p:notesSz cx="6858000" cy="9144000"/>
@@ -4681,8 +4682,16 @@
               <a:t>Viene loggato l’utente </a:t>
             </a:r>
             <a:r>
+              <a:rPr lang="it-IT" sz="1400" b="1" dirty="0" err="1">
+                <a:solidFill>
+                  <a:schemeClr val="accent1"/>
+                </a:solidFill>
+              </a:rPr>
+              <a:t>ARX</a:t>
+            </a:r>
+            <a:r>
               <a:rPr lang="it-IT" sz="1400" b="1" dirty="0" err="1"/>
-              <a:t>ARXivar</a:t>
+              <a:t>ivar</a:t>
             </a:r>
             <a:r>
               <a:rPr lang="it-IT" sz="1400" b="1" dirty="0"/>
@@ -4696,15 +4705,71 @@
           <a:p>
             <a:r>
               <a:rPr lang="it-IT" sz="1800" b="1" dirty="0"/>
-              <a:t>Logon Provider Single </a:t>
+              <a:t>Logon Provider </a:t>
+            </a:r>
+            <a:r>
+              <a:rPr lang="it-IT" sz="1800" b="1" dirty="0">
+                <a:solidFill>
+                  <a:schemeClr val="tx1">
+                    <a:lumMod val="50000"/>
+                    <a:lumOff val="50000"/>
+                  </a:schemeClr>
+                </a:solidFill>
+              </a:rPr>
+              <a:t>S</a:t>
+            </a:r>
+            <a:r>
+              <a:rPr lang="it-IT" sz="1800" b="1" dirty="0"/>
+              <a:t>ingle </a:t>
+            </a:r>
+            <a:r>
+              <a:rPr lang="it-IT" sz="1800" b="1" dirty="0" err="1">
+                <a:solidFill>
+                  <a:schemeClr val="tx1">
+                    <a:lumMod val="50000"/>
+                    <a:lumOff val="50000"/>
+                  </a:schemeClr>
+                </a:solidFill>
+              </a:rPr>
+              <a:t>S</a:t>
             </a:r>
             <a:r>
               <a:rPr lang="it-IT" sz="1800" b="1" dirty="0" err="1"/>
-              <a:t>Sign</a:t>
+              <a:t>ign</a:t>
             </a:r>
             <a:r>
               <a:rPr lang="it-IT" sz="1800" b="1" dirty="0"/>
-              <a:t>-On (SSO) </a:t>
+              <a:t>-</a:t>
+            </a:r>
+            <a:r>
+              <a:rPr lang="it-IT" sz="1800" b="1" dirty="0">
+                <a:solidFill>
+                  <a:schemeClr val="tx1">
+                    <a:lumMod val="50000"/>
+                    <a:lumOff val="50000"/>
+                  </a:schemeClr>
+                </a:solidFill>
+              </a:rPr>
+              <a:t>O</a:t>
+            </a:r>
+            <a:r>
+              <a:rPr lang="it-IT" sz="1800" b="1" dirty="0"/>
+              <a:t>n (</a:t>
+            </a:r>
+            <a:r>
+              <a:rPr lang="it-IT" sz="1800" b="1" dirty="0">
+                <a:solidFill>
+                  <a:schemeClr val="tx1">
+                    <a:lumMod val="50000"/>
+                    <a:lumOff val="50000"/>
+                  </a:schemeClr>
+                </a:solidFill>
+              </a:rPr>
+              <a:t>SSO</a:t>
+            </a:r>
+            <a:r>
+              <a:rPr lang="it-IT" sz="1800" b="1" dirty="0"/>
+              <a:t>) </a:t>
             </a:r>
           </a:p>
           <a:p>
@@ -4718,7 +4783,7 @@
             <a:pPr lvl="1"/>
             <a:r>
               <a:rPr lang="it-IT" sz="1400" b="1" dirty="0"/>
-              <a:t>Vengono utilizzati dei flussi di autorizzazione che fanno parte di standard:</a:t>
+              <a:t>Vengono utilizzati flussi di autenticazione e autorizzazione che fanno parte di standard:</a:t>
             </a:r>
           </a:p>
           <a:p>
@@ -4774,21 +4839,21 @@
               <a:t>Viene loggato l’utente </a:t>
             </a:r>
             <a:r>
+              <a:rPr lang="it-IT" sz="1400" b="1" dirty="0" err="1">
+                <a:solidFill>
+                  <a:srgbClr val="F18D2C"/>
+                </a:solidFill>
+              </a:rPr>
+              <a:t>ARX</a:t>
+            </a:r>
+            <a:r>
               <a:rPr lang="it-IT" sz="1400" b="1" dirty="0" err="1"/>
-              <a:t>ARXivar</a:t>
+              <a:t>ivar</a:t>
             </a:r>
             <a:r>
               <a:rPr lang="it-IT" sz="1400" b="1" dirty="0"/>
-              <a:t> associato allo username specificato </a:t>
-            </a:r>
-          </a:p>
-          <a:p>
-            <a:pPr marL="457200" lvl="1" indent="0">
-              <a:buNone/>
-            </a:pPr>
-            <a:endParaRPr lang="it-IT" sz="800" b="1" dirty="0"/>
-          </a:p>
-          <a:p>
+              <a:t> associato allo username specificato</a:t>
+            </a:r>
             <a:endParaRPr lang="it-IT" sz="1100" b="1" dirty="0"/>
           </a:p>
         </p:txBody>
@@ -4822,7 +4887,7 @@
         </p:blipFill>
         <p:spPr bwMode="auto">
           <a:xfrm>
-            <a:off x="4139952" y="3075806"/>
+            <a:off x="4211960" y="3291830"/>
             <a:ext cx="576064" cy="230426"/>
           </a:xfrm>
           <a:prstGeom prst="rect">
@@ -4869,7 +4934,7 @@
         </p:blipFill>
         <p:spPr bwMode="auto">
           <a:xfrm>
-            <a:off x="6516216" y="2845380"/>
+            <a:off x="6516216" y="3061404"/>
             <a:ext cx="230426" cy="230426"/>
           </a:xfrm>
           <a:prstGeom prst="rect">
@@ -6151,7 +6216,7 @@
         <p:spPr>
           <a:xfrm>
             <a:off x="323528" y="931492"/>
-            <a:ext cx="6696744" cy="3607048"/>
+            <a:ext cx="6696744" cy="3872506"/>
           </a:xfrm>
         </p:spPr>
         <p:txBody>
@@ -6162,7 +6227,7 @@
           <a:p>
             <a:r>
               <a:rPr lang="it-IT" sz="1400" b="1" dirty="0"/>
-              <a:t>Autenticazione demandata a Identity Server</a:t>
+              <a:t>Autenticazione è demandata a Identity Server.</a:t>
             </a:r>
             <a:br>
               <a:rPr lang="it-IT" sz="1400" b="1" dirty="0"/>
@@ -6180,8 +6245,16 @@
               <a:t>: </a:t>
             </a:r>
             <a:r>
+              <a:rPr lang="it-IT" sz="1400" b="1" dirty="0" err="1">
+                <a:solidFill>
+                  <a:schemeClr val="accent1"/>
+                </a:solidFill>
+              </a:rPr>
+              <a:t>ARX</a:t>
+            </a:r>
+            <a:r>
               <a:rPr lang="it-IT" sz="1400" b="1" dirty="0" err="1"/>
-              <a:t>ARXivar</a:t>
+              <a:t>ivar</a:t>
             </a:r>
             <a:r>
               <a:rPr lang="it-IT" sz="1400" b="1" dirty="0"/>
@@ -6197,19 +6270,19 @@
           <a:p>
             <a:r>
               <a:rPr lang="it-IT" sz="1400" b="1" dirty="0"/>
-              <a:t>Il flusso autorizzativo continua redirigendo l’utente verso il servizio </a:t>
+              <a:t>Il flusso autorizzativo continua redirigendo l’utente verso il servizio Authentication di </a:t>
+            </a:r>
+            <a:r>
+              <a:rPr lang="it-IT" sz="1400" b="1" dirty="0" err="1">
+                <a:solidFill>
+                  <a:schemeClr val="accent1"/>
+                </a:solidFill>
+              </a:rPr>
+              <a:t>ARX</a:t>
             </a:r>
             <a:r>
               <a:rPr lang="it-IT" sz="1400" b="1" dirty="0" err="1"/>
-              <a:t>Auth</a:t>
-            </a:r>
-            <a:r>
-              <a:rPr lang="it-IT" sz="1400" b="1" dirty="0"/>
-              <a:t> di </a:t>
-            </a:r>
-            <a:r>
-              <a:rPr lang="it-IT" sz="1400" b="1" dirty="0" err="1"/>
-              <a:t>ARXivar</a:t>
+              <a:t>ivar</a:t>
             </a:r>
             <a:r>
               <a:rPr lang="it-IT" sz="1400" b="1" dirty="0"/>
@@ -6246,11 +6319,11 @@
               <a:t> </a:t>
             </a:r>
             <a:r>
-              <a:rPr lang="it-IT" sz="1200" b="1" i="1" dirty="0"/>
+              <a:rPr lang="it-IT" sz="900" b="1" i="1" dirty="0"/>
               <a:t>(</a:t>
             </a:r>
             <a:r>
-              <a:rPr lang="it-IT" sz="1200" b="1" i="1" dirty="0">
+              <a:rPr lang="it-IT" sz="900" b="1" i="1" dirty="0">
                 <a:solidFill>
                   <a:schemeClr val="bg1">
                     <a:lumMod val="50000"/>
@@ -6261,7 +6334,7 @@
               <a:t>https://openid.net/specs/openid-connect-core-1_0.html#code-id_tokenExample</a:t>
             </a:r>
             <a:r>
-              <a:rPr lang="it-IT" sz="1200" b="1" i="1" dirty="0">
+              <a:rPr lang="it-IT" sz="900" b="1" i="1" dirty="0">
                 <a:solidFill>
                   <a:schemeClr val="bg1">
                     <a:lumMod val="50000"/>
@@ -6271,7 +6344,7 @@
               <a:t>, </a:t>
             </a:r>
             <a:r>
-              <a:rPr lang="it-IT" sz="1200" b="1" i="1" dirty="0">
+              <a:rPr lang="it-IT" sz="900" b="1" i="1" dirty="0">
                 <a:solidFill>
                   <a:schemeClr val="bg1">
                     <a:lumMod val="50000"/>
@@ -6282,7 +6355,7 @@
               <a:t>http://www.bubblecode.net/en/2016/01/22/understanding-oauth2/#Authorization_Code_Grant</a:t>
             </a:r>
             <a:r>
-              <a:rPr lang="it-IT" sz="1200" b="1" i="1" dirty="0"/>
+              <a:rPr lang="it-IT" sz="900" b="1" i="1" dirty="0"/>
               <a:t>)</a:t>
             </a:r>
           </a:p>
@@ -6304,8 +6377,23 @@
             </a:r>
             <a:r>
               <a:rPr lang="it-IT" sz="1200" b="1" dirty="0"/>
-              <a:t> token che contiene le autorizzazioni approvate dall’utente. </a:t>
-            </a:r>
+              <a:t> token che contiene le autorizzazioni approvate dall’utente </a:t>
+            </a:r>
+            <a:r>
+              <a:rPr lang="it-IT" sz="1000" b="1" dirty="0"/>
+              <a:t>(</a:t>
+            </a:r>
+            <a:r>
+              <a:rPr lang="it-IT" sz="1000" b="1" dirty="0">
+                <a:hlinkClick r:id="rId4"/>
+              </a:rPr>
+              <a:t>https://www.oauth.com/oauth2-servers/access-tokens/authorization-code-request/</a:t>
+            </a:r>
+            <a:r>
+              <a:rPr lang="it-IT" sz="1000" b="1" dirty="0"/>
+              <a:t>)</a:t>
+            </a:r>
+            <a:endParaRPr lang="it-IT" sz="1200" b="1" dirty="0"/>
           </a:p>
           <a:p>
             <a:pPr lvl="1"/>
@@ -6324,21 +6412,21 @@
             <a:r>
               <a:rPr lang="it-IT" sz="900" b="1" dirty="0"/>
               <a:t>(</a:t>
-            </a:r>
-            <a:r>
-              <a:rPr lang="it-IT" sz="900" b="1" dirty="0">
-                <a:hlinkClick r:id="rId4"/>
-              </a:rPr>
-              <a:t>https://en.wikipedia.org/wiki/JSON_Web_Token</a:t>
-            </a:r>
-            <a:r>
-              <a:rPr lang="it-IT" sz="900" b="1" dirty="0"/>
-              <a:t>, </a:t>
             </a:r>
             <a:r>
               <a:rPr lang="it-IT" sz="900" b="1" dirty="0">
                 <a:hlinkClick r:id="rId5"/>
               </a:rPr>
+              <a:t>https://en.wikipedia.org/wiki/JSON_Web_Token</a:t>
+            </a:r>
+            <a:r>
+              <a:rPr lang="it-IT" sz="900" b="1" dirty="0"/>
+              <a:t>, </a:t>
+            </a:r>
+            <a:r>
+              <a:rPr lang="it-IT" sz="900" b="1" dirty="0">
+                <a:hlinkClick r:id="rId6"/>
+              </a:rPr>
               <a:t>https://jwt.io/</a:t>
             </a:r>
             <a:r>
@@ -6381,7 +6469,7 @@
             </a:r>
             <a:r>
               <a:rPr lang="it-IT" sz="1400" b="1" dirty="0"/>
-              <a:t> il logon provider determina l’utente che deve essere autorizzato</a:t>
+              <a:t> il logon provider determina l’utente che deve essere autorizzato.</a:t>
             </a:r>
           </a:p>
           <a:p>
@@ -6399,10 +6487,21 @@
               <a:t> token di </a:t>
             </a:r>
             <a:r>
+              <a:rPr lang="it-IT" sz="1400" b="1" dirty="0" err="1">
+                <a:solidFill>
+                  <a:schemeClr val="accent1"/>
+                </a:solidFill>
+              </a:rPr>
+              <a:t>ARX</a:t>
+            </a:r>
+            <a:r>
               <a:rPr lang="it-IT" sz="1400" b="1" dirty="0" err="1"/>
-              <a:t>ARXivar</a:t>
-            </a:r>
-            <a:endParaRPr lang="it-IT" sz="1400" b="1" dirty="0"/>
+              <a:t>ivar</a:t>
+            </a:r>
+            <a:r>
+              <a:rPr lang="it-IT" sz="1400" b="1" dirty="0"/>
+              <a:t>.</a:t>
+            </a:r>
           </a:p>
         </p:txBody>
       </p:sp>
@@ -6421,7 +6520,7 @@
           <p:nvPr/>
         </p:nvPicPr>
         <p:blipFill>
-          <a:blip r:embed="rId6" cstate="print">
+          <a:blip r:embed="rId7" cstate="print">
             <a:extLst>
               <a:ext uri="{28A0092B-C50C-407E-A947-70E740481C1C}">
                 <a14:useLocalDpi xmlns:a14="http://schemas.microsoft.com/office/drawing/2010/main" val="0"/>
@@ -6457,6 +6556,622 @@
     <p:extLst>
       <p:ext uri="{BB962C8B-B14F-4D97-AF65-F5344CB8AC3E}">
         <p14:creationId xmlns:p14="http://schemas.microsoft.com/office/powerpoint/2010/main" val="3830133614"/>
+      </p:ext>
+    </p:extLst>
+  </p:cSld>
+  <p:clrMapOvr>
+    <a:masterClrMapping/>
+  </p:clrMapOvr>
+</p:sld>
+</file>
+
+<file path=ppt/slides/slide8.xml><?xml version="1.0" encoding="utf-8"?>
+<p:sld xmlns:a="http://schemas.openxmlformats.org/drawingml/2006/main" xmlns:r="http://schemas.openxmlformats.org/officeDocument/2006/relationships" xmlns:p="http://schemas.openxmlformats.org/presentationml/2006/main">
+  <p:cSld>
+    <p:spTree>
+      <p:nvGrpSpPr>
+        <p:cNvPr id="1" name=""/>
+        <p:cNvGrpSpPr/>
+        <p:nvPr/>
+      </p:nvGrpSpPr>
+      <p:grpSpPr>
+        <a:xfrm>
+          <a:off x="0" y="0"/>
+          <a:ext cx="0" cy="0"/>
+          <a:chOff x="0" y="0"/>
+          <a:chExt cx="0" cy="0"/>
+        </a:xfrm>
+      </p:grpSpPr>
+      <p:sp>
+        <p:nvSpPr>
+          <p:cNvPr id="2" name="Title 1"/>
+          <p:cNvSpPr>
+            <a:spLocks noGrp="1"/>
+          </p:cNvSpPr>
+          <p:nvPr>
+            <p:ph type="title"/>
+          </p:nvPr>
+        </p:nvSpPr>
+        <p:spPr>
+          <a:xfrm>
+            <a:off x="457200" y="205979"/>
+            <a:ext cx="6563072" cy="709587"/>
+          </a:xfrm>
+        </p:spPr>
+        <p:txBody>
+          <a:bodyPr>
+            <a:normAutofit/>
+          </a:bodyPr>
+          <a:lstStyle/>
+          <a:p>
+            <a:r>
+              <a:rPr lang="it-IT" sz="3200" dirty="0" err="1">
+                <a:solidFill>
+                  <a:srgbClr val="FFC000"/>
+                </a:solidFill>
+                <a:effectLst>
+                  <a:outerShdw blurRad="38100" dist="38100" dir="2700000" algn="tl">
+                    <a:srgbClr val="000000">
+                      <a:alpha val="43137"/>
+                    </a:srgbClr>
+                  </a:outerShdw>
+                </a:effectLst>
+              </a:rPr>
+              <a:t>Tip</a:t>
+            </a:r>
+            <a:r>
+              <a:rPr lang="it-IT" sz="3200" dirty="0">
+                <a:solidFill>
+                  <a:srgbClr val="FFC000"/>
+                </a:solidFill>
+                <a:effectLst>
+                  <a:outerShdw blurRad="38100" dist="38100" dir="2700000" algn="tl">
+                    <a:srgbClr val="000000">
+                      <a:alpha val="43137"/>
+                    </a:srgbClr>
+                  </a:outerShdw>
+                </a:effectLst>
+              </a:rPr>
+              <a:t> &amp; </a:t>
+            </a:r>
+            <a:r>
+              <a:rPr lang="it-IT" sz="3200" dirty="0" err="1">
+                <a:solidFill>
+                  <a:srgbClr val="FFC000"/>
+                </a:solidFill>
+                <a:effectLst>
+                  <a:outerShdw blurRad="38100" dist="38100" dir="2700000" algn="tl">
+                    <a:srgbClr val="000000">
+                      <a:alpha val="43137"/>
+                    </a:srgbClr>
+                  </a:outerShdw>
+                </a:effectLst>
+              </a:rPr>
+              <a:t>Tricks</a:t>
+            </a:r>
+            <a:endParaRPr lang="it-IT" sz="3200" dirty="0">
+              <a:solidFill>
+                <a:srgbClr val="FFC000"/>
+              </a:solidFill>
+              <a:effectLst>
+                <a:outerShdw blurRad="38100" dist="38100" dir="2700000" algn="tl">
+                  <a:srgbClr val="000000">
+                    <a:alpha val="43137"/>
+                  </a:srgbClr>
+                </a:outerShdw>
+              </a:effectLst>
+            </a:endParaRPr>
+          </a:p>
+        </p:txBody>
+      </p:sp>
+      <p:sp>
+        <p:nvSpPr>
+          <p:cNvPr id="3" name="Content Placeholder 2"/>
+          <p:cNvSpPr>
+            <a:spLocks noGrp="1"/>
+          </p:cNvSpPr>
+          <p:nvPr>
+            <p:ph idx="1"/>
+          </p:nvPr>
+        </p:nvSpPr>
+        <p:spPr>
+          <a:xfrm>
+            <a:off x="323528" y="931492"/>
+            <a:ext cx="6696744" cy="3607048"/>
+          </a:xfrm>
+        </p:spPr>
+        <p:txBody>
+          <a:bodyPr>
+            <a:noAutofit/>
+          </a:bodyPr>
+          <a:lstStyle/>
+          <a:p>
+            <a:r>
+              <a:rPr lang="it-IT" sz="1400" b="1" dirty="0"/>
+              <a:t>I logon provider di tipo </a:t>
+            </a:r>
+            <a:r>
+              <a:rPr lang="it-IT" sz="1400" b="1" dirty="0">
+                <a:solidFill>
+                  <a:schemeClr val="tx1">
+                    <a:lumMod val="50000"/>
+                    <a:lumOff val="50000"/>
+                  </a:schemeClr>
+                </a:solidFill>
+              </a:rPr>
+              <a:t>S</a:t>
+            </a:r>
+            <a:r>
+              <a:rPr lang="it-IT" sz="1400" b="1" dirty="0"/>
+              <a:t>ingle </a:t>
+            </a:r>
+            <a:r>
+              <a:rPr lang="it-IT" sz="1400" b="1" dirty="0" err="1">
+                <a:solidFill>
+                  <a:schemeClr val="tx1">
+                    <a:lumMod val="50000"/>
+                    <a:lumOff val="50000"/>
+                  </a:schemeClr>
+                </a:solidFill>
+              </a:rPr>
+              <a:t>S</a:t>
+            </a:r>
+            <a:r>
+              <a:rPr lang="it-IT" sz="1400" b="1" dirty="0" err="1"/>
+              <a:t>ign</a:t>
+            </a:r>
+            <a:r>
+              <a:rPr lang="it-IT" sz="1400" b="1" dirty="0"/>
+              <a:t>-</a:t>
+            </a:r>
+            <a:r>
+              <a:rPr lang="it-IT" sz="1400" b="1" dirty="0">
+                <a:solidFill>
+                  <a:schemeClr val="tx1">
+                    <a:lumMod val="50000"/>
+                    <a:lumOff val="50000"/>
+                  </a:schemeClr>
+                </a:solidFill>
+              </a:rPr>
+              <a:t>O</a:t>
+            </a:r>
+            <a:r>
+              <a:rPr lang="it-IT" sz="1400" b="1" dirty="0"/>
+              <a:t>n richiedono che tutto il flusso delle chiamate Web sia in </a:t>
+            </a:r>
+            <a:r>
+              <a:rPr lang="it-IT" sz="1400" b="1" i="1" dirty="0">
+                <a:solidFill>
+                  <a:schemeClr val="tx1">
+                    <a:lumMod val="50000"/>
+                    <a:lumOff val="50000"/>
+                  </a:schemeClr>
+                </a:solidFill>
+              </a:rPr>
+              <a:t>HTTPS</a:t>
+            </a:r>
+            <a:r>
+              <a:rPr lang="it-IT" sz="1400" b="1" dirty="0"/>
+              <a:t>. Gli attori web di </a:t>
+            </a:r>
+            <a:r>
+              <a:rPr lang="it-IT" sz="1400" b="1" dirty="0" err="1">
+                <a:solidFill>
+                  <a:srgbClr val="F18D2C"/>
+                </a:solidFill>
+              </a:rPr>
+              <a:t>ARX</a:t>
+            </a:r>
+            <a:r>
+              <a:rPr lang="it-IT" sz="1400" b="1" dirty="0" err="1"/>
+              <a:t>ivar</a:t>
+            </a:r>
+            <a:r>
+              <a:rPr lang="it-IT" sz="1400" b="1" dirty="0"/>
+              <a:t>: </a:t>
+            </a:r>
+            <a:r>
+              <a:rPr lang="it-IT" sz="1400" b="1" dirty="0" err="1"/>
+              <a:t>WebPortal</a:t>
+            </a:r>
+            <a:r>
+              <a:rPr lang="it-IT" sz="1400" b="1" dirty="0"/>
+              <a:t>, </a:t>
+            </a:r>
+            <a:r>
+              <a:rPr lang="it-IT" sz="1400" b="1" dirty="0" err="1"/>
+              <a:t>WebApi</a:t>
+            </a:r>
+            <a:r>
+              <a:rPr lang="it-IT" sz="1400" b="1" dirty="0"/>
+              <a:t>, Authentication devono avere i riferimenti in </a:t>
+            </a:r>
+            <a:r>
+              <a:rPr lang="it-IT" sz="1400" b="1" i="1" dirty="0">
+                <a:solidFill>
+                  <a:schemeClr val="tx1">
+                    <a:lumMod val="50000"/>
+                    <a:lumOff val="50000"/>
+                  </a:schemeClr>
+                </a:solidFill>
+              </a:rPr>
+              <a:t>HTTPS</a:t>
+            </a:r>
+            <a:r>
+              <a:rPr lang="it-IT" sz="1400" b="1" dirty="0"/>
+              <a:t>.</a:t>
+            </a:r>
+          </a:p>
+          <a:p>
+            <a:pPr marL="400050" lvl="1" indent="0">
+              <a:buNone/>
+            </a:pPr>
+            <a:endParaRPr lang="it-IT" sz="600" b="1" dirty="0"/>
+          </a:p>
+          <a:p>
+            <a:pPr marL="400050" lvl="1" indent="0">
+              <a:buNone/>
+            </a:pPr>
+            <a:r>
+              <a:rPr lang="it-IT" sz="1100" b="1" dirty="0"/>
+              <a:t>Per creare un contesto valido e </a:t>
+            </a:r>
+            <a:r>
+              <a:rPr lang="it-IT" sz="1100" b="1" dirty="0" err="1"/>
+              <a:t>trusted</a:t>
+            </a:r>
+            <a:r>
+              <a:rPr lang="it-IT" sz="1100" b="1" dirty="0"/>
+              <a:t> (!</a:t>
+            </a:r>
+            <a:r>
+              <a:rPr lang="it-IT" sz="1100" b="1" u="sng" dirty="0">
+                <a:solidFill>
+                  <a:srgbClr val="C00000"/>
+                </a:solidFill>
+              </a:rPr>
+              <a:t>solo eventualmente in ambiente di sviluppo</a:t>
+            </a:r>
+            <a:r>
+              <a:rPr lang="it-IT" sz="1100" b="1" u="sng" dirty="0"/>
+              <a:t>!</a:t>
+            </a:r>
+            <a:r>
+              <a:rPr lang="it-IT" sz="1100" b="1" dirty="0"/>
+              <a:t>)</a:t>
+            </a:r>
+          </a:p>
+          <a:p>
+            <a:pPr marL="400050" lvl="1" indent="0">
+              <a:buNone/>
+            </a:pPr>
+            <a:r>
+              <a:rPr lang="it-IT" sz="1100" b="1" dirty="0"/>
+              <a:t>Tool installato con IIS Express: C:\Program Files\IIS Express</a:t>
+            </a:r>
+          </a:p>
+          <a:p>
+            <a:pPr marL="400050" lvl="1" indent="0">
+              <a:buNone/>
+            </a:pPr>
+            <a:r>
+              <a:rPr lang="it-IT" sz="1100" b="1" i="1" dirty="0" err="1">
+                <a:solidFill>
+                  <a:schemeClr val="tx1">
+                    <a:lumMod val="50000"/>
+                    <a:lumOff val="50000"/>
+                  </a:schemeClr>
+                </a:solidFill>
+              </a:rPr>
+              <a:t>dotnet</a:t>
+            </a:r>
+            <a:r>
+              <a:rPr lang="it-IT" sz="1100" b="1" i="1" dirty="0">
+                <a:solidFill>
+                  <a:schemeClr val="tx1">
+                    <a:lumMod val="50000"/>
+                    <a:lumOff val="50000"/>
+                  </a:schemeClr>
+                </a:solidFill>
+              </a:rPr>
+              <a:t> </a:t>
+            </a:r>
+            <a:r>
+              <a:rPr lang="it-IT" sz="1100" b="1" i="1" dirty="0" err="1">
+                <a:solidFill>
+                  <a:schemeClr val="tx1">
+                    <a:lumMod val="50000"/>
+                    <a:lumOff val="50000"/>
+                  </a:schemeClr>
+                </a:solidFill>
+              </a:rPr>
+              <a:t>dev-certs</a:t>
+            </a:r>
+            <a:r>
+              <a:rPr lang="it-IT" sz="1100" b="1" i="1" dirty="0">
+                <a:solidFill>
+                  <a:schemeClr val="tx1">
+                    <a:lumMod val="50000"/>
+                    <a:lumOff val="50000"/>
+                  </a:schemeClr>
+                </a:solidFill>
+              </a:rPr>
+              <a:t> </a:t>
+            </a:r>
+            <a:r>
+              <a:rPr lang="it-IT" sz="1100" b="1" i="1" dirty="0" err="1">
+                <a:solidFill>
+                  <a:schemeClr val="tx1">
+                    <a:lumMod val="50000"/>
+                    <a:lumOff val="50000"/>
+                  </a:schemeClr>
+                </a:solidFill>
+              </a:rPr>
+              <a:t>https</a:t>
+            </a:r>
+            <a:r>
+              <a:rPr lang="it-IT" sz="1100" b="1" i="1" dirty="0">
+                <a:solidFill>
+                  <a:schemeClr val="tx1">
+                    <a:lumMod val="50000"/>
+                    <a:lumOff val="50000"/>
+                  </a:schemeClr>
+                </a:solidFill>
+              </a:rPr>
+              <a:t> --trust</a:t>
+            </a:r>
+          </a:p>
+          <a:p>
+            <a:pPr marL="400050" lvl="1" indent="0">
+              <a:buNone/>
+            </a:pPr>
+            <a:endParaRPr lang="it-IT" sz="1100" b="1" dirty="0"/>
+          </a:p>
+          <a:p>
+            <a:pPr marL="400050" lvl="1" indent="0">
+              <a:buNone/>
+            </a:pPr>
+            <a:r>
+              <a:rPr lang="it-IT" sz="1100" b="1" dirty="0"/>
+              <a:t>Assicurarsi che il certificato generato per </a:t>
+            </a:r>
+            <a:r>
+              <a:rPr lang="it-IT" sz="1100" b="1" dirty="0" err="1"/>
+              <a:t>localhost</a:t>
+            </a:r>
+            <a:r>
+              <a:rPr lang="it-IT" sz="1100" b="1" dirty="0"/>
+              <a:t> sia posizionato in:</a:t>
+            </a:r>
+          </a:p>
+          <a:p>
+            <a:pPr marL="400050" lvl="1" indent="0">
+              <a:buNone/>
+            </a:pPr>
+            <a:r>
+              <a:rPr lang="it-IT" sz="1100" b="1" dirty="0"/>
+              <a:t>personal + </a:t>
+            </a:r>
+            <a:r>
+              <a:rPr lang="it-IT" sz="1100" b="1" dirty="0" err="1"/>
+              <a:t>trusted</a:t>
+            </a:r>
+            <a:r>
+              <a:rPr lang="it-IT" sz="1100" b="1" dirty="0"/>
+              <a:t> root  di </a:t>
+            </a:r>
+            <a:r>
+              <a:rPr lang="it-IT" sz="1100" b="1" dirty="0" err="1"/>
+              <a:t>local</a:t>
+            </a:r>
+            <a:r>
+              <a:rPr lang="it-IT" sz="1100" b="1" dirty="0"/>
+              <a:t> user  (</a:t>
+            </a:r>
+            <a:r>
+              <a:rPr lang="it-IT" sz="1100" b="1" dirty="0" err="1"/>
+              <a:t>IdentityServer</a:t>
+            </a:r>
+            <a:r>
+              <a:rPr lang="it-IT" sz="1100" b="1" dirty="0"/>
+              <a:t>)</a:t>
+            </a:r>
+          </a:p>
+          <a:p>
+            <a:pPr marL="400050" lvl="1" indent="0">
+              <a:buNone/>
+            </a:pPr>
+            <a:r>
+              <a:rPr lang="it-IT" sz="1100" b="1" dirty="0"/>
+              <a:t>personal + </a:t>
+            </a:r>
+            <a:r>
+              <a:rPr lang="it-IT" sz="1100" b="1" dirty="0" err="1"/>
+              <a:t>trusted</a:t>
+            </a:r>
+            <a:r>
+              <a:rPr lang="it-IT" sz="1100" b="1" dirty="0"/>
+              <a:t> root  di </a:t>
+            </a:r>
+            <a:r>
+              <a:rPr lang="it-IT" sz="1100" b="1" dirty="0" err="1"/>
+              <a:t>local</a:t>
+            </a:r>
+            <a:r>
+              <a:rPr lang="it-IT" sz="1100" b="1" dirty="0"/>
+              <a:t> machine  (IIS)</a:t>
+            </a:r>
+          </a:p>
+          <a:p>
+            <a:pPr marL="0" indent="0">
+              <a:buNone/>
+            </a:pPr>
+            <a:endParaRPr lang="it-IT" sz="1400" b="1" dirty="0"/>
+          </a:p>
+          <a:p>
+            <a:r>
+              <a:rPr lang="it-IT" sz="1400" b="1" dirty="0"/>
+              <a:t>Logon automatico con un logon provider di tipo </a:t>
+            </a:r>
+            <a:r>
+              <a:rPr lang="it-IT" sz="1400" b="1" dirty="0">
+                <a:solidFill>
+                  <a:schemeClr val="tx1">
+                    <a:lumMod val="50000"/>
+                    <a:lumOff val="50000"/>
+                  </a:schemeClr>
+                </a:solidFill>
+              </a:rPr>
+              <a:t>S</a:t>
+            </a:r>
+            <a:r>
+              <a:rPr lang="it-IT" sz="1400" b="1" dirty="0"/>
+              <a:t>ingle </a:t>
+            </a:r>
+            <a:r>
+              <a:rPr lang="it-IT" sz="1400" b="1" dirty="0" err="1">
+                <a:solidFill>
+                  <a:schemeClr val="tx1">
+                    <a:lumMod val="50000"/>
+                    <a:lumOff val="50000"/>
+                  </a:schemeClr>
+                </a:solidFill>
+              </a:rPr>
+              <a:t>S</a:t>
+            </a:r>
+            <a:r>
+              <a:rPr lang="it-IT" sz="1400" b="1" dirty="0" err="1"/>
+              <a:t>ign</a:t>
+            </a:r>
+            <a:r>
+              <a:rPr lang="it-IT" sz="1400" b="1" dirty="0"/>
+              <a:t>-</a:t>
+            </a:r>
+            <a:r>
+              <a:rPr lang="it-IT" sz="1400" b="1" dirty="0">
+                <a:solidFill>
+                  <a:schemeClr val="tx1">
+                    <a:lumMod val="50000"/>
+                    <a:lumOff val="50000"/>
+                  </a:schemeClr>
+                </a:solidFill>
+              </a:rPr>
+              <a:t>O</a:t>
+            </a:r>
+            <a:r>
+              <a:rPr lang="it-IT" sz="1400" b="1" dirty="0"/>
+              <a:t>n in </a:t>
+            </a:r>
+            <a:r>
+              <a:rPr lang="it-IT" sz="1400" b="1" dirty="0" err="1">
+                <a:solidFill>
+                  <a:srgbClr val="F18D2C"/>
+                </a:solidFill>
+              </a:rPr>
+              <a:t>ARX</a:t>
+            </a:r>
+            <a:r>
+              <a:rPr lang="it-IT" sz="1400" b="1" dirty="0" err="1"/>
+              <a:t>ivar</a:t>
+            </a:r>
+            <a:r>
+              <a:rPr lang="it-IT" sz="1400" b="1" dirty="0"/>
+              <a:t> Web Portal. </a:t>
+            </a:r>
+          </a:p>
+          <a:p>
+            <a:pPr marL="457200" lvl="1" indent="0">
+              <a:buNone/>
+            </a:pPr>
+            <a:r>
+              <a:rPr lang="it-IT" sz="1000" b="1" dirty="0"/>
+              <a:t> </a:t>
+            </a:r>
+            <a:r>
+              <a:rPr lang="it-IT" sz="1000" b="1" dirty="0" err="1"/>
+              <a:t>Web.config</a:t>
+            </a:r>
+            <a:r>
+              <a:rPr lang="it-IT" sz="1000" b="1" dirty="0"/>
+              <a:t>:</a:t>
+            </a:r>
+          </a:p>
+          <a:p>
+            <a:pPr marL="0" indent="0">
+              <a:buNone/>
+            </a:pPr>
+            <a:r>
+              <a:rPr lang="it-IT" sz="1100" b="1" dirty="0"/>
+              <a:t>	&lt;</a:t>
+            </a:r>
+            <a:r>
+              <a:rPr lang="it-IT" sz="1100" b="1" dirty="0" err="1"/>
+              <a:t>add</a:t>
+            </a:r>
+            <a:r>
+              <a:rPr lang="it-IT" sz="1100" b="1" dirty="0"/>
+              <a:t> key="</a:t>
+            </a:r>
+            <a:r>
+              <a:rPr lang="it-IT" sz="1100" b="1" dirty="0" err="1"/>
+              <a:t>LogonProviderId</a:t>
+            </a:r>
+            <a:r>
+              <a:rPr lang="it-IT" sz="1100" b="1" dirty="0"/>
+              <a:t>" </a:t>
+            </a:r>
+            <a:r>
+              <a:rPr lang="it-IT" sz="1100" b="1" dirty="0" err="1"/>
+              <a:t>value</a:t>
+            </a:r>
+            <a:r>
+              <a:rPr lang="it-IT" sz="1100" b="1" dirty="0"/>
+              <a:t>="</a:t>
+            </a:r>
+            <a:r>
+              <a:rPr lang="it-IT" sz="1100" b="1" i="1" dirty="0">
+                <a:solidFill>
+                  <a:schemeClr val="tx1">
+                    <a:lumMod val="50000"/>
+                    <a:lumOff val="50000"/>
+                  </a:schemeClr>
+                </a:solidFill>
+              </a:rPr>
+              <a:t>&lt;</a:t>
+            </a:r>
+            <a:r>
+              <a:rPr lang="it-IT" sz="1100" b="1" i="1" dirty="0" err="1">
+                <a:solidFill>
+                  <a:schemeClr val="tx1">
+                    <a:lumMod val="50000"/>
+                    <a:lumOff val="50000"/>
+                  </a:schemeClr>
+                </a:solidFill>
+              </a:rPr>
+              <a:t>LogonProviderId</a:t>
+            </a:r>
+            <a:r>
+              <a:rPr lang="it-IT" sz="1100" b="1" i="1" dirty="0">
+                <a:solidFill>
+                  <a:schemeClr val="tx1">
+                    <a:lumMod val="50000"/>
+                    <a:lumOff val="50000"/>
+                  </a:schemeClr>
+                </a:solidFill>
+              </a:rPr>
+              <a:t>&gt;</a:t>
+            </a:r>
+            <a:r>
+              <a:rPr lang="it-IT" sz="1100" b="1" dirty="0"/>
+              <a:t>"/&gt;</a:t>
+            </a:r>
+          </a:p>
+        </p:txBody>
+      </p:sp>
+    </p:spTree>
+    <p:extLst>
+      <p:ext uri="{BB962C8B-B14F-4D97-AF65-F5344CB8AC3E}">
+        <p14:creationId xmlns:p14="http://schemas.microsoft.com/office/powerpoint/2010/main" val="3633445696"/>
       </p:ext>
     </p:extLst>
   </p:cSld>

--- a/doc/ARXDev4.pptx
+++ b/doc/ARXDev4.pptx
@@ -5,17 +5,14 @@
     <p:sldMasterId id="2147483648" r:id="rId1"/>
   </p:sldMasterIdLst>
   <p:notesMasterIdLst>
-    <p:notesMasterId r:id="rId10"/>
+    <p:notesMasterId r:id="rId7"/>
   </p:notesMasterIdLst>
   <p:sldIdLst>
     <p:sldId id="256" r:id="rId2"/>
     <p:sldId id="257" r:id="rId3"/>
     <p:sldId id="266" r:id="rId4"/>
-    <p:sldId id="261" r:id="rId5"/>
+    <p:sldId id="271" r:id="rId5"/>
     <p:sldId id="265" r:id="rId6"/>
-    <p:sldId id="267" r:id="rId7"/>
-    <p:sldId id="268" r:id="rId8"/>
-    <p:sldId id="269" r:id="rId9"/>
   </p:sldIdLst>
   <p:sldSz cx="9144000" cy="5143500" type="screen16x9"/>
   <p:notesSz cx="6858000" cy="9144000"/>
@@ -216,7 +213,7 @@
             <a:fld id="{00C895A6-56DD-4B18-B404-54899C94D855}" type="datetimeFigureOut">
               <a:rPr lang="it-IT" smtClean="0"/>
               <a:pPr/>
-              <a:t>24/05/2021</a:t>
+              <a:t>27/01/2022</a:t>
             </a:fld>
             <a:endParaRPr lang="it-IT"/>
           </a:p>
@@ -553,91 +550,6 @@
             <a:fld id="{3CF3775E-9C01-4A92-BB01-B68E47CD8D8D}" type="slidenum">
               <a:rPr lang="it-IT" smtClean="0"/>
               <a:pPr/>
-              <a:t>4</a:t>
-            </a:fld>
-            <a:endParaRPr lang="it-IT"/>
-          </a:p>
-        </p:txBody>
-      </p:sp>
-    </p:spTree>
-    <p:extLst>
-      <p:ext uri="{BB962C8B-B14F-4D97-AF65-F5344CB8AC3E}">
-        <p14:creationId xmlns:p14="http://schemas.microsoft.com/office/powerpoint/2010/main" val="147968671"/>
-      </p:ext>
-    </p:extLst>
-  </p:cSld>
-  <p:clrMapOvr>
-    <a:masterClrMapping/>
-  </p:clrMapOvr>
-</p:notes>
-</file>
-
-<file path=ppt/notesSlides/notesSlide2.xml><?xml version="1.0" encoding="utf-8"?>
-<p:notes xmlns:a="http://schemas.openxmlformats.org/drawingml/2006/main" xmlns:r="http://schemas.openxmlformats.org/officeDocument/2006/relationships" xmlns:p="http://schemas.openxmlformats.org/presentationml/2006/main">
-  <p:cSld>
-    <p:spTree>
-      <p:nvGrpSpPr>
-        <p:cNvPr id="1" name=""/>
-        <p:cNvGrpSpPr/>
-        <p:nvPr/>
-      </p:nvGrpSpPr>
-      <p:grpSpPr>
-        <a:xfrm>
-          <a:off x="0" y="0"/>
-          <a:ext cx="0" cy="0"/>
-          <a:chOff x="0" y="0"/>
-          <a:chExt cx="0" cy="0"/>
-        </a:xfrm>
-      </p:grpSpPr>
-      <p:sp>
-        <p:nvSpPr>
-          <p:cNvPr id="2" name="Slide Image Placeholder 1"/>
-          <p:cNvSpPr>
-            <a:spLocks noGrp="1" noRot="1" noChangeAspect="1"/>
-          </p:cNvSpPr>
-          <p:nvPr>
-            <p:ph type="sldImg"/>
-          </p:nvPr>
-        </p:nvSpPr>
-        <p:spPr/>
-      </p:sp>
-      <p:sp>
-        <p:nvSpPr>
-          <p:cNvPr id="3" name="Notes Placeholder 2"/>
-          <p:cNvSpPr>
-            <a:spLocks noGrp="1"/>
-          </p:cNvSpPr>
-          <p:nvPr>
-            <p:ph type="body" idx="1"/>
-          </p:nvPr>
-        </p:nvSpPr>
-        <p:spPr/>
-        <p:txBody>
-          <a:bodyPr/>
-          <a:lstStyle/>
-          <a:p>
-            <a:endParaRPr lang="it-IT" dirty="0"/>
-          </a:p>
-        </p:txBody>
-      </p:sp>
-      <p:sp>
-        <p:nvSpPr>
-          <p:cNvPr id="4" name="Slide Number Placeholder 3"/>
-          <p:cNvSpPr>
-            <a:spLocks noGrp="1"/>
-          </p:cNvSpPr>
-          <p:nvPr>
-            <p:ph type="sldNum" sz="quarter" idx="10"/>
-          </p:nvPr>
-        </p:nvSpPr>
-        <p:spPr/>
-        <p:txBody>
-          <a:bodyPr/>
-          <a:lstStyle/>
-          <a:p>
-            <a:fld id="{3CF3775E-9C01-4A92-BB01-B68E47CD8D8D}" type="slidenum">
-              <a:rPr lang="it-IT" smtClean="0"/>
-              <a:pPr/>
               <a:t>5</a:t>
             </a:fld>
             <a:endParaRPr lang="it-IT"/>
@@ -839,7 +751,7 @@
             <a:fld id="{4633ECFB-6927-4181-8532-1ECC482329AC}" type="datetimeFigureOut">
               <a:rPr lang="it-IT" smtClean="0"/>
               <a:pPr/>
-              <a:t>24/05/2021</a:t>
+              <a:t>27/01/2022</a:t>
             </a:fld>
             <a:endParaRPr lang="it-IT"/>
           </a:p>
@@ -1006,7 +918,7 @@
             <a:fld id="{4633ECFB-6927-4181-8532-1ECC482329AC}" type="datetimeFigureOut">
               <a:rPr lang="it-IT" smtClean="0"/>
               <a:pPr/>
-              <a:t>24/05/2021</a:t>
+              <a:t>27/01/2022</a:t>
             </a:fld>
             <a:endParaRPr lang="it-IT"/>
           </a:p>
@@ -1183,7 +1095,7 @@
             <a:fld id="{4633ECFB-6927-4181-8532-1ECC482329AC}" type="datetimeFigureOut">
               <a:rPr lang="it-IT" smtClean="0"/>
               <a:pPr/>
-              <a:t>24/05/2021</a:t>
+              <a:t>27/01/2022</a:t>
             </a:fld>
             <a:endParaRPr lang="it-IT"/>
           </a:p>
@@ -1350,7 +1262,7 @@
             <a:fld id="{4633ECFB-6927-4181-8532-1ECC482329AC}" type="datetimeFigureOut">
               <a:rPr lang="it-IT" smtClean="0"/>
               <a:pPr/>
-              <a:t>24/05/2021</a:t>
+              <a:t>27/01/2022</a:t>
             </a:fld>
             <a:endParaRPr lang="it-IT"/>
           </a:p>
@@ -1593,7 +1505,7 @@
             <a:fld id="{4633ECFB-6927-4181-8532-1ECC482329AC}" type="datetimeFigureOut">
               <a:rPr lang="it-IT" smtClean="0"/>
               <a:pPr/>
-              <a:t>24/05/2021</a:t>
+              <a:t>27/01/2022</a:t>
             </a:fld>
             <a:endParaRPr lang="it-IT"/>
           </a:p>
@@ -1878,7 +1790,7 @@
             <a:fld id="{4633ECFB-6927-4181-8532-1ECC482329AC}" type="datetimeFigureOut">
               <a:rPr lang="it-IT" smtClean="0"/>
               <a:pPr/>
-              <a:t>24/05/2021</a:t>
+              <a:t>27/01/2022</a:t>
             </a:fld>
             <a:endParaRPr lang="it-IT"/>
           </a:p>
@@ -2297,7 +2209,7 @@
             <a:fld id="{4633ECFB-6927-4181-8532-1ECC482329AC}" type="datetimeFigureOut">
               <a:rPr lang="it-IT" smtClean="0"/>
               <a:pPr/>
-              <a:t>24/05/2021</a:t>
+              <a:t>27/01/2022</a:t>
             </a:fld>
             <a:endParaRPr lang="it-IT"/>
           </a:p>
@@ -2412,7 +2324,7 @@
             <a:fld id="{4633ECFB-6927-4181-8532-1ECC482329AC}" type="datetimeFigureOut">
               <a:rPr lang="it-IT" smtClean="0"/>
               <a:pPr/>
-              <a:t>24/05/2021</a:t>
+              <a:t>27/01/2022</a:t>
             </a:fld>
             <a:endParaRPr lang="it-IT"/>
           </a:p>
@@ -2504,7 +2416,7 @@
             <a:fld id="{4633ECFB-6927-4181-8532-1ECC482329AC}" type="datetimeFigureOut">
               <a:rPr lang="it-IT" smtClean="0"/>
               <a:pPr/>
-              <a:t>24/05/2021</a:t>
+              <a:t>27/01/2022</a:t>
             </a:fld>
             <a:endParaRPr lang="it-IT"/>
           </a:p>
@@ -2778,7 +2690,7 @@
             <a:fld id="{4633ECFB-6927-4181-8532-1ECC482329AC}" type="datetimeFigureOut">
               <a:rPr lang="it-IT" smtClean="0"/>
               <a:pPr/>
-              <a:t>24/05/2021</a:t>
+              <a:t>27/01/2022</a:t>
             </a:fld>
             <a:endParaRPr lang="it-IT"/>
           </a:p>
@@ -3032,7 +2944,7 @@
             <a:fld id="{4633ECFB-6927-4181-8532-1ECC482329AC}" type="datetimeFigureOut">
               <a:rPr lang="it-IT" smtClean="0"/>
               <a:pPr/>
-              <a:t>24/05/2021</a:t>
+              <a:t>27/01/2022</a:t>
             </a:fld>
             <a:endParaRPr lang="it-IT"/>
           </a:p>
@@ -3328,7 +3240,7 @@
             <a:fld id="{4633ECFB-6927-4181-8532-1ECC482329AC}" type="datetimeFigureOut">
               <a:rPr lang="it-IT" smtClean="0"/>
               <a:pPr/>
-              <a:t>24/05/2021</a:t>
+              <a:t>27/01/2022</a:t>
             </a:fld>
             <a:endParaRPr lang="it-IT" dirty="0"/>
           </a:p>
@@ -4364,12 +4276,6 @@
           <a:p>
             <a:r>
               <a:rPr lang="it-IT" sz="2000" b="1" dirty="0"/>
-              <a:t>Architettura orientata ai servizi</a:t>
-            </a:r>
-          </a:p>
-          <a:p>
-            <a:r>
-              <a:rPr lang="it-IT" sz="2000" b="1" dirty="0"/>
               <a:t>Plugin server</a:t>
             </a:r>
           </a:p>
@@ -4377,7 +4283,22 @@
             <a:pPr lvl="1"/>
             <a:r>
               <a:rPr lang="it-IT" sz="1400" b="1" dirty="0"/>
-              <a:t>Come vedere i </a:t>
+              <a:t>I plugin </a:t>
+            </a:r>
+            <a:r>
+              <a:rPr lang="it-IT" sz="1400" b="1" dirty="0" err="1"/>
+              <a:t>rest</a:t>
+            </a:r>
+            <a:r>
+              <a:rPr lang="it-IT" sz="1400" b="1" dirty="0"/>
+              <a:t>: endpoint, configurazione </a:t>
+            </a:r>
+          </a:p>
+          <a:p>
+            <a:pPr lvl="1"/>
+            <a:r>
+              <a:rPr lang="it-IT" sz="1400" b="1" dirty="0"/>
+              <a:t>Scrittura di un </a:t>
             </a:r>
             <a:r>
               <a:rPr lang="it-IT" sz="1400" b="1" dirty="0" err="1"/>
@@ -4385,7 +4306,62 @@
             </a:r>
             <a:r>
               <a:rPr lang="it-IT" sz="1400" b="1" dirty="0"/>
-              <a:t> caricati: console servizio </a:t>
+              <a:t> </a:t>
+            </a:r>
+            <a:r>
+              <a:rPr lang="it-IT" sz="1400" b="1" dirty="0" err="1"/>
+              <a:t>rest</a:t>
+            </a:r>
+            <a:endParaRPr lang="it-IT" sz="1400" b="1" dirty="0"/>
+          </a:p>
+          <a:p>
+            <a:pPr lvl="1"/>
+            <a:r>
+              <a:rPr lang="it-IT" sz="1400" b="1" dirty="0"/>
+              <a:t>Gli eventi di «</a:t>
+            </a:r>
+            <a:r>
+              <a:rPr lang="it-IT" sz="1400" b="1" dirty="0" err="1"/>
+              <a:t>OnBefore</a:t>
+            </a:r>
+            <a:r>
+              <a:rPr lang="it-IT" sz="1400" b="1" dirty="0"/>
+              <a:t>» e «</a:t>
+            </a:r>
+            <a:r>
+              <a:rPr lang="it-IT" sz="1400" b="1" dirty="0" err="1"/>
+              <a:t>OnAfter</a:t>
+            </a:r>
+            <a:r>
+              <a:rPr lang="it-IT" sz="1400" b="1" dirty="0"/>
+              <a:t>»</a:t>
+            </a:r>
+          </a:p>
+          <a:p>
+            <a:pPr lvl="1"/>
+            <a:r>
+              <a:rPr lang="it-IT" sz="1400" b="1" dirty="0"/>
+              <a:t>Come raggiungere un plugin server dal </a:t>
+            </a:r>
+            <a:r>
+              <a:rPr lang="it-IT" sz="1400" b="1" i="1" dirty="0" err="1"/>
+              <a:t>WcfConnectorManager</a:t>
+            </a:r>
+            <a:r>
+              <a:rPr lang="it-IT" sz="1400" b="1" dirty="0"/>
+              <a:t>/</a:t>
+            </a:r>
+            <a:r>
+              <a:rPr lang="it-IT" sz="1400" b="1" i="1" dirty="0" err="1"/>
+              <a:t>WebApi</a:t>
+            </a:r>
+            <a:endParaRPr lang="it-IT" sz="1400" b="1" i="1" dirty="0"/>
+          </a:p>
+          <a:p>
+            <a:pPr lvl="1"/>
+            <a:r>
+              <a:rPr lang="it-IT" sz="1400" b="1" dirty="0"/>
+              <a:t>Deployment e debug: </a:t>
             </a:r>
             <a:r>
               <a:rPr lang="it-IT" sz="1400" b="1" dirty="0" err="1"/>
@@ -4397,139 +4373,6 @@
             </a:r>
             <a:r>
               <a:rPr lang="it-IT" sz="1400" b="1" dirty="0" err="1"/>
-              <a:t>Rest</a:t>
-            </a:r>
-            <a:r>
-              <a:rPr lang="it-IT" sz="1400" b="1" dirty="0"/>
-              <a:t>, </a:t>
-            </a:r>
-            <a:r>
-              <a:rPr lang="it-IT" sz="1400" b="1" dirty="0" err="1"/>
-              <a:t>WCFConnectorManager</a:t>
-            </a:r>
-            <a:r>
-              <a:rPr lang="it-IT" sz="1400" b="1" dirty="0"/>
-              <a:t>, </a:t>
-            </a:r>
-            <a:r>
-              <a:rPr lang="it-IT" sz="1400" b="1" dirty="0" err="1"/>
-              <a:t>WebApi</a:t>
-            </a:r>
-            <a:endParaRPr lang="it-IT" sz="1400" b="1" dirty="0"/>
-          </a:p>
-          <a:p>
-            <a:pPr lvl="1"/>
-            <a:r>
-              <a:rPr lang="it-IT" sz="1400" b="1" dirty="0"/>
-              <a:t>I </a:t>
-            </a:r>
-            <a:r>
-              <a:rPr lang="it-IT" sz="1400" b="1" dirty="0" err="1"/>
-              <a:t>plugin</a:t>
-            </a:r>
-            <a:r>
-              <a:rPr lang="it-IT" sz="1400" b="1" dirty="0"/>
-              <a:t> </a:t>
-            </a:r>
-            <a:r>
-              <a:rPr lang="it-IT" sz="1400" b="1" dirty="0" err="1"/>
-              <a:t>rest</a:t>
-            </a:r>
-            <a:r>
-              <a:rPr lang="it-IT" sz="1400" b="1" dirty="0"/>
-              <a:t>: </a:t>
-            </a:r>
-            <a:r>
-              <a:rPr lang="it-IT" sz="1400" b="1" dirty="0" err="1"/>
-              <a:t>endpoint</a:t>
-            </a:r>
-            <a:r>
-              <a:rPr lang="it-IT" sz="1400" b="1" dirty="0"/>
-              <a:t>, configurazione </a:t>
-            </a:r>
-          </a:p>
-          <a:p>
-            <a:pPr lvl="1"/>
-            <a:r>
-              <a:rPr lang="it-IT" sz="1400" b="1" dirty="0"/>
-              <a:t>Scrittura di un </a:t>
-            </a:r>
-            <a:r>
-              <a:rPr lang="it-IT" sz="1400" b="1" dirty="0" err="1"/>
-              <a:t>plugin</a:t>
-            </a:r>
-            <a:r>
-              <a:rPr lang="it-IT" sz="1400" b="1" dirty="0"/>
-              <a:t> </a:t>
-            </a:r>
-            <a:r>
-              <a:rPr lang="it-IT" sz="1400" b="1" dirty="0" err="1"/>
-              <a:t>rest</a:t>
-            </a:r>
-            <a:endParaRPr lang="it-IT" sz="1400" b="1" dirty="0"/>
-          </a:p>
-          <a:p>
-            <a:pPr lvl="1"/>
-            <a:r>
-              <a:rPr lang="it-IT" sz="1400" b="1" dirty="0"/>
-              <a:t>Gli eventi di «</a:t>
-            </a:r>
-            <a:r>
-              <a:rPr lang="it-IT" sz="1400" b="1" dirty="0" err="1"/>
-              <a:t>Before</a:t>
-            </a:r>
-            <a:r>
-              <a:rPr lang="it-IT" sz="1400" b="1" dirty="0"/>
-              <a:t>» e «</a:t>
-            </a:r>
-            <a:r>
-              <a:rPr lang="it-IT" sz="1400" b="1" dirty="0" err="1"/>
-              <a:t>After</a:t>
-            </a:r>
-            <a:r>
-              <a:rPr lang="it-IT" sz="1400" b="1" dirty="0"/>
-              <a:t>»</a:t>
-            </a:r>
-          </a:p>
-          <a:p>
-            <a:pPr lvl="1"/>
-            <a:r>
-              <a:rPr lang="it-IT" sz="1400" b="1" dirty="0"/>
-              <a:t>Gestione della configurazione dei </a:t>
-            </a:r>
-            <a:r>
-              <a:rPr lang="it-IT" sz="1400" b="1" dirty="0" err="1"/>
-              <a:t>plugin</a:t>
-            </a:r>
-            <a:r>
-              <a:rPr lang="it-IT" sz="1400" b="1" dirty="0"/>
-              <a:t> server</a:t>
-            </a:r>
-          </a:p>
-          <a:p>
-            <a:pPr lvl="1"/>
-            <a:r>
-              <a:rPr lang="it-IT" sz="1400" b="1" dirty="0"/>
-              <a:t>Deployment e </a:t>
-            </a:r>
-            <a:r>
-              <a:rPr lang="it-IT" sz="1400" b="1" dirty="0" err="1"/>
-              <a:t>debug</a:t>
-            </a:r>
-            <a:r>
-              <a:rPr lang="it-IT" sz="1400" b="1" dirty="0"/>
-              <a:t>: </a:t>
-            </a:r>
-            <a:r>
-              <a:rPr lang="it-IT" sz="1400" b="1" dirty="0" err="1"/>
-              <a:t>Wcf</a:t>
-            </a:r>
-            <a:r>
-              <a:rPr lang="it-IT" sz="1400" b="1" dirty="0"/>
-              <a:t>, </a:t>
-            </a:r>
-            <a:r>
-              <a:rPr lang="it-IT" sz="1400" b="1" dirty="0" err="1"/>
               <a:t>WebApi</a:t>
             </a:r>
             <a:endParaRPr lang="it-IT" sz="1400" b="1" dirty="0"/>
@@ -4550,14 +4393,22 @@
             <a:pPr lvl="1"/>
             <a:r>
               <a:rPr lang="it-IT" sz="1400" b="1" dirty="0"/>
-              <a:t>Plugin Workflow Link</a:t>
-            </a:r>
+              <a:t>Plugin Workflow  Link</a:t>
+            </a:r>
+            <a:endParaRPr lang="it-IT" sz="1000" b="1" dirty="0"/>
           </a:p>
           <a:p>
             <a:pPr lvl="1"/>
             <a:r>
               <a:rPr lang="it-IT" sz="1400" b="1" dirty="0"/>
               <a:t>Plugin Workflow Task</a:t>
+            </a:r>
+          </a:p>
+          <a:p>
+            <a:pPr lvl="1"/>
+            <a:r>
+              <a:rPr lang="it-IT" sz="1400" b="1" dirty="0"/>
+              <a:t>Deployment e Debug</a:t>
             </a:r>
             <a:endParaRPr lang="it-IT" sz="1100" b="1" dirty="0"/>
           </a:p>
@@ -4656,302 +4507,150 @@
           <a:lstStyle/>
           <a:p>
             <a:r>
+              <a:rPr lang="it-IT" sz="2000" b="1" dirty="0"/>
+              <a:t>Preparazione</a:t>
+            </a:r>
+            <a:r>
               <a:rPr lang="it-IT" sz="1800" b="1" dirty="0"/>
-              <a:t>Logon Provider «</a:t>
-            </a:r>
-            <a:r>
-              <a:rPr lang="it-IT" sz="1800" b="1" dirty="0" err="1"/>
-              <a:t>Credentials</a:t>
-            </a:r>
-            <a:r>
-              <a:rPr lang="it-IT" sz="1800" b="1" dirty="0"/>
-              <a:t>»</a:t>
+              <a:t> di un Plugin Workflow V2 link</a:t>
             </a:r>
           </a:p>
           <a:p>
             <a:pPr lvl="1"/>
             <a:r>
               <a:rPr lang="it-IT" sz="1400" b="1" dirty="0"/>
-              <a:t>Il plugin ha il compito di validare le credenziali dell’utente.</a:t>
-            </a:r>
-          </a:p>
-          <a:p>
-            <a:pPr lvl="1"/>
+              <a:t>Utilizzo di </a:t>
+            </a:r>
+            <a:r>
+              <a:rPr lang="it-IT" sz="1400" b="1" i="1" dirty="0" err="1"/>
+              <a:t>yo</a:t>
+            </a:r>
+            <a:r>
+              <a:rPr lang="it-IT" sz="1400" b="1" i="1" dirty="0"/>
+              <a:t> man </a:t>
+            </a:r>
             <a:r>
               <a:rPr lang="it-IT" sz="1400" b="1" dirty="0"/>
-              <a:t>Viene loggato l’utente </a:t>
-            </a:r>
-            <a:r>
-              <a:rPr lang="it-IT" sz="1400" b="1" dirty="0" err="1">
+              <a:t>per creare il plugin </a:t>
+            </a:r>
+          </a:p>
+          <a:p>
+            <a:pPr lvl="2"/>
+            <a:r>
+              <a:rPr lang="it-IT" sz="1000" b="1" dirty="0"/>
+              <a:t>Plugin generator: </a:t>
+            </a:r>
+            <a:r>
+              <a:rPr lang="it-IT" sz="1000" b="1" dirty="0">
+                <a:hlinkClick r:id="rId2"/>
+              </a:rPr>
+              <a:t>https://github.com/Arxivar/PluginGenerator</a:t>
+            </a:r>
+            <a:endParaRPr lang="it-IT" sz="1000" b="1" dirty="0"/>
+          </a:p>
+          <a:p>
+            <a:pPr lvl="2"/>
+            <a:r>
+              <a:rPr lang="it-IT" sz="1000" b="1" i="1" dirty="0" err="1">
                 <a:solidFill>
-                  <a:schemeClr val="accent1"/>
+                  <a:schemeClr val="accent3"/>
                 </a:solidFill>
               </a:rPr>
-              <a:t>ARX</a:t>
-            </a:r>
-            <a:r>
-              <a:rPr lang="it-IT" sz="1400" b="1" dirty="0" err="1"/>
-              <a:t>ivar</a:t>
-            </a:r>
-            <a:r>
-              <a:rPr lang="it-IT" sz="1400" b="1" dirty="0"/>
-              <a:t> associato allo username specificato</a:t>
-            </a:r>
-            <a:endParaRPr lang="it-IT" sz="800" b="1" dirty="0"/>
-          </a:p>
-          <a:p>
-            <a:endParaRPr lang="it-IT" sz="1100" b="1" dirty="0"/>
-          </a:p>
-          <a:p>
-            <a:r>
-              <a:rPr lang="it-IT" sz="1800" b="1" dirty="0"/>
-              <a:t>Logon Provider </a:t>
-            </a:r>
-            <a:r>
-              <a:rPr lang="it-IT" sz="1800" b="1" dirty="0">
+              <a:t>yo</a:t>
+            </a:r>
+            <a:r>
+              <a:rPr lang="it-IT" sz="1000" b="1" i="1" dirty="0">
                 <a:solidFill>
-                  <a:schemeClr val="tx1">
-                    <a:lumMod val="50000"/>
-                    <a:lumOff val="50000"/>
-                  </a:schemeClr>
+                  <a:schemeClr val="accent3"/>
                 </a:solidFill>
               </a:rPr>
-              <a:t>S</a:t>
-            </a:r>
-            <a:r>
-              <a:rPr lang="it-IT" sz="1800" b="1" dirty="0"/>
-              <a:t>ingle </a:t>
-            </a:r>
-            <a:r>
-              <a:rPr lang="it-IT" sz="1800" b="1" dirty="0" err="1">
-                <a:solidFill>
-                  <a:schemeClr val="tx1">
-                    <a:lumMod val="50000"/>
-                    <a:lumOff val="50000"/>
-                  </a:schemeClr>
-                </a:solidFill>
-              </a:rPr>
-              <a:t>S</a:t>
-            </a:r>
-            <a:r>
-              <a:rPr lang="it-IT" sz="1800" b="1" dirty="0" err="1"/>
-              <a:t>ign</a:t>
-            </a:r>
-            <a:r>
-              <a:rPr lang="it-IT" sz="1800" b="1" dirty="0"/>
-              <a:t>-</a:t>
-            </a:r>
-            <a:r>
-              <a:rPr lang="it-IT" sz="1800" b="1" dirty="0">
-                <a:solidFill>
-                  <a:schemeClr val="tx1">
-                    <a:lumMod val="50000"/>
-                    <a:lumOff val="50000"/>
-                  </a:schemeClr>
-                </a:solidFill>
-              </a:rPr>
-              <a:t>O</a:t>
-            </a:r>
-            <a:r>
-              <a:rPr lang="it-IT" sz="1800" b="1" dirty="0"/>
-              <a:t>n (</a:t>
-            </a:r>
-            <a:r>
-              <a:rPr lang="it-IT" sz="1800" b="1" dirty="0">
-                <a:solidFill>
-                  <a:schemeClr val="tx1">
-                    <a:lumMod val="50000"/>
-                    <a:lumOff val="50000"/>
-                  </a:schemeClr>
-                </a:solidFill>
-              </a:rPr>
-              <a:t>SSO</a:t>
-            </a:r>
-            <a:r>
-              <a:rPr lang="it-IT" sz="1800" b="1" dirty="0"/>
-              <a:t>) </a:t>
+              <a:t> arxivar-plugins:link-workflow-v2</a:t>
             </a:r>
           </a:p>
           <a:p>
             <a:pPr lvl="1"/>
             <a:r>
               <a:rPr lang="it-IT" sz="1400" b="1" dirty="0"/>
-              <a:t>La fase di autenticazione viene demandata ad un attore esterno</a:t>
+              <a:t>Parametri per il mapping con le variabili di processo</a:t>
+            </a:r>
+          </a:p>
+          <a:p>
+            <a:pPr lvl="2"/>
+            <a:r>
+              <a:rPr lang="it-IT" sz="1000" b="1" dirty="0"/>
+              <a:t>input </a:t>
+            </a:r>
+          </a:p>
+          <a:p>
+            <a:pPr lvl="2"/>
+            <a:r>
+              <a:rPr lang="it-IT" sz="1000" b="1" dirty="0"/>
+              <a:t>output</a:t>
             </a:r>
           </a:p>
           <a:p>
             <a:pPr lvl="1"/>
             <a:r>
               <a:rPr lang="it-IT" sz="1400" b="1" dirty="0"/>
-              <a:t>Vengono utilizzati flussi di autenticazione e autorizzazione che fanno parte di standard:</a:t>
+              <a:t>Iniezione dei servizi (lato server)</a:t>
+            </a:r>
+            <a:endParaRPr lang="it-IT" sz="1000" b="1" dirty="0"/>
+          </a:p>
+          <a:p>
+            <a:pPr lvl="1"/>
+            <a:r>
+              <a:rPr lang="it-IT" sz="1400" b="1" dirty="0"/>
+              <a:t>Configurazione avanzata</a:t>
             </a:r>
           </a:p>
           <a:p>
             <a:pPr lvl="2"/>
             <a:r>
-              <a:rPr lang="it-IT" sz="1100" b="1" dirty="0"/>
-              <a:t>OAUTH 2 (</a:t>
-            </a:r>
-            <a:r>
-              <a:rPr lang="it-IT" sz="1100" b="1" dirty="0">
-                <a:hlinkClick r:id="rId2"/>
-              </a:rPr>
-              <a:t>https://oauth.net/2/</a:t>
-            </a:r>
-            <a:r>
-              <a:rPr lang="it-IT" sz="1100" b="1" dirty="0"/>
-              <a:t>) RFC </a:t>
-            </a:r>
-            <a:r>
-              <a:rPr lang="it-IT" sz="1100" b="1" dirty="0">
-                <a:hlinkClick r:id="rId3"/>
-              </a:rPr>
-              <a:t>https://datatracker.ietf.org/doc/html/rfc6749</a:t>
-            </a:r>
-            <a:endParaRPr lang="it-IT" sz="1100" b="1" dirty="0"/>
+              <a:rPr lang="it-IT" sz="1000" b="1" dirty="0" err="1"/>
+              <a:t>Angular</a:t>
+            </a:r>
+            <a:r>
+              <a:rPr lang="it-IT" sz="1000" b="1" dirty="0"/>
+              <a:t> JS/ </a:t>
+            </a:r>
+            <a:r>
+              <a:rPr lang="it-IT" sz="1000" b="1" dirty="0" err="1"/>
+              <a:t>Typescript</a:t>
+            </a:r>
+            <a:endParaRPr lang="it-IT" sz="1000" b="1" dirty="0"/>
           </a:p>
           <a:p>
             <a:pPr lvl="2"/>
             <a:r>
-              <a:rPr lang="it-IT" sz="1100" b="1" dirty="0" err="1"/>
-              <a:t>OpenID</a:t>
-            </a:r>
-            <a:r>
-              <a:rPr lang="it-IT" sz="1100" b="1" dirty="0"/>
-              <a:t> Connect (</a:t>
-            </a:r>
-            <a:r>
-              <a:rPr lang="it-IT" sz="1100" b="1" dirty="0">
-                <a:hlinkClick r:id="rId4"/>
-              </a:rPr>
-              <a:t>https://openid.net/specs</a:t>
-            </a:r>
-            <a:r>
-              <a:rPr lang="it-IT" sz="1100" b="1" dirty="0"/>
-              <a:t>)</a:t>
-            </a:r>
-            <a:endParaRPr lang="it-IT" sz="700" b="1" dirty="0"/>
-          </a:p>
-          <a:p>
-            <a:pPr lvl="1"/>
-            <a:r>
-              <a:rPr lang="it-IT" sz="1400" b="1" dirty="0"/>
-              <a:t>Viene loggato l’utente </a:t>
-            </a:r>
-            <a:r>
-              <a:rPr lang="it-IT" sz="1400" b="1" dirty="0" err="1">
-                <a:solidFill>
-                  <a:srgbClr val="F18D2C"/>
-                </a:solidFill>
-              </a:rPr>
-              <a:t>ARX</a:t>
-            </a:r>
-            <a:r>
-              <a:rPr lang="it-IT" sz="1400" b="1" dirty="0" err="1"/>
-              <a:t>ivar</a:t>
-            </a:r>
-            <a:r>
-              <a:rPr lang="it-IT" sz="1400" b="1" dirty="0"/>
-              <a:t> associato allo username specificato</a:t>
-            </a:r>
-            <a:endParaRPr lang="it-IT" sz="1100" b="1" dirty="0"/>
-          </a:p>
-        </p:txBody>
-      </p:sp>
-      <p:pic>
-        <p:nvPicPr>
-          <p:cNvPr id="1030" name="Picture 6" descr="Back Home">
-            <a:extLst>
-              <a:ext uri="{FF2B5EF4-FFF2-40B4-BE49-F238E27FC236}">
-                <a16:creationId xmlns:a16="http://schemas.microsoft.com/office/drawing/2014/main" id="{CCBE0D95-8CC8-40CE-871C-12672E0CE932}"/>
-              </a:ext>
-            </a:extLst>
-          </p:cNvPr>
-          <p:cNvPicPr>
-            <a:picLocks noChangeAspect="1" noChangeArrowheads="1"/>
-          </p:cNvPicPr>
-          <p:nvPr/>
-        </p:nvPicPr>
-        <p:blipFill>
-          <a:blip r:embed="rId5" cstate="print">
-            <a:extLst>
-              <a:ext uri="{28A0092B-C50C-407E-A947-70E740481C1C}">
-                <a14:useLocalDpi xmlns:a14="http://schemas.microsoft.com/office/drawing/2010/main" val="0"/>
-              </a:ext>
-            </a:extLst>
-          </a:blip>
-          <a:srcRect/>
-          <a:stretch>
-            <a:fillRect/>
-          </a:stretch>
-        </p:blipFill>
-        <p:spPr bwMode="auto">
-          <a:xfrm>
-            <a:off x="4211960" y="3291830"/>
-            <a:ext cx="576064" cy="230426"/>
-          </a:xfrm>
-          <a:prstGeom prst="rect">
-            <a:avLst/>
-          </a:prstGeom>
-          <a:noFill/>
-          <a:extLst>
-            <a:ext uri="{909E8E84-426E-40DD-AFC4-6F175D3DCCD1}">
-              <a14:hiddenFill xmlns:a14="http://schemas.microsoft.com/office/drawing/2010/main">
-                <a:solidFill>
-                  <a:srgbClr val="FFFFFF"/>
-                </a:solidFill>
-              </a14:hiddenFill>
-            </a:ext>
-          </a:extLst>
-        </p:spPr>
-      </p:pic>
-      <p:pic>
-        <p:nvPicPr>
-          <p:cNvPr id="1032" name="Picture 8" descr="OAuth - Wikipedia">
-            <a:extLst>
-              <a:ext uri="{FF2B5EF4-FFF2-40B4-BE49-F238E27FC236}">
-                <a16:creationId xmlns:a16="http://schemas.microsoft.com/office/drawing/2014/main" id="{188DB98C-A08E-4E09-B36E-AD22862D4886}"/>
-              </a:ext>
-            </a:extLst>
-          </p:cNvPr>
-          <p:cNvPicPr>
-            <a:picLocks noChangeAspect="1" noChangeArrowheads="1"/>
-          </p:cNvPicPr>
-          <p:nvPr/>
-        </p:nvPicPr>
-        <p:blipFill>
-          <a:blip r:embed="rId6" cstate="print">
-            <a:extLst>
-              <a:ext uri="{28A0092B-C50C-407E-A947-70E740481C1C}">
-                <a14:useLocalDpi xmlns:a14="http://schemas.microsoft.com/office/drawing/2010/main" val="0"/>
-              </a:ext>
-            </a:extLst>
-          </a:blip>
-          <a:srcRect/>
-          <a:stretch>
-            <a:fillRect/>
-          </a:stretch>
-        </p:blipFill>
-        <p:spPr bwMode="auto">
-          <a:xfrm>
-            <a:off x="6516216" y="3061404"/>
-            <a:ext cx="230426" cy="230426"/>
-          </a:xfrm>
-          <a:prstGeom prst="rect">
-            <a:avLst/>
-          </a:prstGeom>
-          <a:noFill/>
-          <a:extLst>
-            <a:ext uri="{909E8E84-426E-40DD-AFC4-6F175D3DCCD1}">
-              <a14:hiddenFill xmlns:a14="http://schemas.microsoft.com/office/drawing/2010/main">
-                <a:solidFill>
-                  <a:srgbClr val="FFFFFF"/>
-                </a:solidFill>
-              </a14:hiddenFill>
-            </a:ext>
-          </a:extLst>
-        </p:spPr>
-      </p:pic>
+              <a:rPr lang="it-IT" sz="1000" b="1" dirty="0"/>
+              <a:t>Iniezione di servizi lato </a:t>
+            </a:r>
+            <a:r>
+              <a:rPr lang="it-IT" sz="1000" b="1" dirty="0" err="1"/>
+              <a:t>frontend</a:t>
+            </a:r>
+            <a:endParaRPr lang="it-IT" sz="1000" b="1" dirty="0"/>
+          </a:p>
+          <a:p>
+            <a:pPr marL="514350" lvl="1" indent="0">
+              <a:buNone/>
+            </a:pPr>
+            <a:endParaRPr lang="it-IT" sz="1400" b="1" dirty="0"/>
+          </a:p>
+          <a:p>
+            <a:pPr marL="457200" lvl="1" indent="0">
+              <a:buNone/>
+            </a:pPr>
+            <a:endParaRPr lang="it-IT" sz="1400" b="1" dirty="0"/>
+          </a:p>
+          <a:p>
+            <a:pPr marL="457200" lvl="1" indent="0">
+              <a:buNone/>
+            </a:pPr>
+            <a:endParaRPr lang="it-IT" sz="1400" b="1" dirty="0"/>
+          </a:p>
+        </p:txBody>
+      </p:sp>
     </p:spTree>
     <p:extLst>
       <p:ext uri="{BB962C8B-B14F-4D97-AF65-F5344CB8AC3E}">
@@ -4968,14 +4667,6 @@
 <file path=ppt/slides/slide4.xml><?xml version="1.0" encoding="utf-8"?>
 <p:sld xmlns:a="http://schemas.openxmlformats.org/drawingml/2006/main" xmlns:r="http://schemas.openxmlformats.org/officeDocument/2006/relationships" xmlns:p="http://schemas.openxmlformats.org/presentationml/2006/main">
   <p:cSld>
-    <p:bg>
-      <p:bgPr>
-        <a:solidFill>
-          <a:schemeClr val="bg1"/>
-        </a:solidFill>
-        <a:effectLst/>
-      </p:bgPr>
-    </p:bg>
     <p:spTree>
       <p:nvGrpSpPr>
         <p:cNvPr id="1" name=""/>
@@ -4992,7 +4683,7 @@
       </p:grpSpPr>
       <p:sp>
         <p:nvSpPr>
-          <p:cNvPr id="2" name="Titolo 1"/>
+          <p:cNvPr id="2" name="Title 1"/>
           <p:cNvSpPr>
             <a:spLocks noGrp="1"/>
           </p:cNvSpPr>
@@ -5002,8 +4693,8 @@
         </p:nvSpPr>
         <p:spPr>
           <a:xfrm>
-            <a:off x="467544" y="195486"/>
-            <a:ext cx="6131024" cy="864096"/>
+            <a:off x="457200" y="205979"/>
+            <a:ext cx="6563072" cy="709587"/>
           </a:xfrm>
         </p:spPr>
         <p:txBody>
@@ -5014,92 +4705,260 @@
           <a:p>
             <a:r>
               <a:rPr lang="it-IT" sz="3600" dirty="0">
-                <a:ln w="10541" cmpd="sng">
-                  <a:noFill/>
-                  <a:prstDash val="solid"/>
-                </a:ln>
                 <a:solidFill>
                   <a:srgbClr val="FFC000"/>
                 </a:solidFill>
                 <a:effectLst>
-                  <a:outerShdw blurRad="50800" dist="38100" dir="2700000" algn="tl" rotWithShape="0">
-                    <a:prstClr val="black">
-                      <a:alpha val="40000"/>
-                    </a:prstClr>
+                  <a:outerShdw blurRad="38100" dist="38100" dir="2700000" algn="tl">
+                    <a:srgbClr val="000000">
+                      <a:alpha val="43137"/>
+                    </a:srgbClr>
                   </a:outerShdw>
                 </a:effectLst>
-                <a:latin typeface="+mn-lt"/>
               </a:rPr>
-              <a:t>Architettura </a:t>
-            </a:r>
-            <a:r>
-              <a:rPr lang="it-IT" sz="3600" dirty="0" err="1">
-                <a:ln w="10541" cmpd="sng">
-                  <a:noFill/>
-                  <a:prstDash val="solid"/>
-                </a:ln>
-                <a:solidFill>
-                  <a:srgbClr val="FFC000"/>
-                </a:solidFill>
-                <a:effectLst>
-                  <a:outerShdw blurRad="50800" dist="38100" dir="2700000" algn="tl" rotWithShape="0">
-                    <a:prstClr val="black">
-                      <a:alpha val="40000"/>
-                    </a:prstClr>
-                  </a:outerShdw>
-                </a:effectLst>
-                <a:latin typeface="+mn-lt"/>
-              </a:rPr>
-              <a:t>Wcf</a:t>
-            </a:r>
-            <a:endParaRPr lang="it-IT" sz="3600" dirty="0">
-              <a:ln w="10541" cmpd="sng">
-                <a:noFill/>
-                <a:prstDash val="solid"/>
-              </a:ln>
-              <a:solidFill>
-                <a:srgbClr val="FFC000"/>
-              </a:solidFill>
-              <a:effectLst>
-                <a:outerShdw blurRad="50800" dist="38100" dir="2700000" algn="tl" rotWithShape="0">
-                  <a:prstClr val="black">
-                    <a:alpha val="40000"/>
-                  </a:prstClr>
-                </a:outerShdw>
-              </a:effectLst>
-              <a:latin typeface="+mn-lt"/>
-            </a:endParaRPr>
-          </a:p>
-        </p:txBody>
-      </p:sp>
-      <p:pic>
-        <p:nvPicPr>
-          <p:cNvPr id="4" name="Immagine 3"/>
-          <p:cNvPicPr>
-            <a:picLocks noChangeAspect="1"/>
-          </p:cNvPicPr>
-          <p:nvPr/>
-        </p:nvPicPr>
-        <p:blipFill>
-          <a:blip r:embed="rId3"/>
-          <a:stretch>
-            <a:fillRect/>
-          </a:stretch>
-        </p:blipFill>
+              <a:t>Esempio Plugin Workflow V2 Link</a:t>
+            </a:r>
+          </a:p>
+        </p:txBody>
+      </p:sp>
+      <p:sp>
+        <p:nvSpPr>
+          <p:cNvPr id="3" name="Content Placeholder 2"/>
+          <p:cNvSpPr>
+            <a:spLocks noGrp="1"/>
+          </p:cNvSpPr>
+          <p:nvPr>
+            <p:ph idx="1"/>
+          </p:nvPr>
+        </p:nvSpPr>
         <p:spPr>
           <a:xfrm>
-            <a:off x="832331" y="915566"/>
-            <a:ext cx="5251837" cy="3856721"/>
+            <a:off x="323528" y="987575"/>
+            <a:ext cx="6696744" cy="3607048"/>
           </a:xfrm>
-          <a:prstGeom prst="rect">
-            <a:avLst/>
-          </a:prstGeom>
         </p:spPr>
-      </p:pic>
+        <p:txBody>
+          <a:bodyPr>
+            <a:noAutofit/>
+          </a:bodyPr>
+          <a:lstStyle/>
+          <a:p>
+            <a:r>
+              <a:rPr lang="it-IT" sz="2000" b="1" dirty="0"/>
+              <a:t>Lifecycle</a:t>
+            </a:r>
+          </a:p>
+          <a:p>
+            <a:pPr lvl="1"/>
+            <a:r>
+              <a:rPr lang="it-IT" sz="1400" b="1" dirty="0"/>
+              <a:t>Eventi: </a:t>
+            </a:r>
+            <a:r>
+              <a:rPr lang="it-IT" sz="1400" b="1" i="1" dirty="0" err="1">
+                <a:solidFill>
+                  <a:srgbClr val="00B0F0"/>
+                </a:solidFill>
+              </a:rPr>
+              <a:t>OnInitializeAsync</a:t>
+            </a:r>
+            <a:r>
+              <a:rPr lang="it-IT" sz="1400" b="1" dirty="0"/>
+              <a:t>, </a:t>
+            </a:r>
+            <a:r>
+              <a:rPr lang="it-IT" sz="1400" b="1" i="1" dirty="0" err="1">
+                <a:solidFill>
+                  <a:srgbClr val="00B0F0"/>
+                </a:solidFill>
+              </a:rPr>
+              <a:t>OnValidate</a:t>
+            </a:r>
+            <a:r>
+              <a:rPr lang="it-IT" sz="1400" b="1" dirty="0"/>
+              <a:t>, </a:t>
+            </a:r>
+            <a:r>
+              <a:rPr lang="it-IT" sz="1400" b="1" i="1" dirty="0" err="1">
+                <a:solidFill>
+                  <a:srgbClr val="00B0F0"/>
+                </a:solidFill>
+              </a:rPr>
+              <a:t>ExecuteAsync</a:t>
+            </a:r>
+            <a:r>
+              <a:rPr lang="it-IT" sz="1400" b="1" dirty="0"/>
+              <a:t>, </a:t>
+            </a:r>
+            <a:r>
+              <a:rPr lang="it-IT" sz="1400" b="1" i="1" dirty="0" err="1">
+                <a:solidFill>
+                  <a:srgbClr val="00B0F0"/>
+                </a:solidFill>
+              </a:rPr>
+              <a:t>OnDisposing</a:t>
+            </a:r>
+            <a:endParaRPr lang="it-IT" sz="1400" b="1" i="1" dirty="0">
+              <a:solidFill>
+                <a:srgbClr val="00B0F0"/>
+              </a:solidFill>
+            </a:endParaRPr>
+          </a:p>
+          <a:p>
+            <a:pPr lvl="1"/>
+            <a:r>
+              <a:rPr lang="it-IT" sz="1400" b="1" dirty="0"/>
+              <a:t>Configurazione avanzata</a:t>
+            </a:r>
+          </a:p>
+          <a:p>
+            <a:pPr lvl="2"/>
+            <a:r>
+              <a:rPr lang="it-IT" sz="1000" b="1" dirty="0" err="1"/>
+              <a:t>EnableAdvancedConfiguration</a:t>
+            </a:r>
+            <a:endParaRPr lang="it-IT" sz="1000" b="1" dirty="0"/>
+          </a:p>
+          <a:p>
+            <a:pPr lvl="2"/>
+            <a:r>
+              <a:rPr lang="it-IT" sz="1000" b="1" dirty="0" err="1"/>
+              <a:t>ExecuteAdvancedConfigurationAsync</a:t>
+            </a:r>
+            <a:endParaRPr lang="it-IT" sz="1000" b="1" dirty="0"/>
+          </a:p>
+          <a:p>
+            <a:r>
+              <a:rPr lang="it-IT" sz="2000" b="1" dirty="0"/>
+              <a:t>Deployment</a:t>
+            </a:r>
+          </a:p>
+          <a:p>
+            <a:pPr lvl="1"/>
+            <a:r>
+              <a:rPr lang="it-IT" sz="1400" b="1" dirty="0"/>
+              <a:t>Esempio: </a:t>
+            </a:r>
+            <a:r>
+              <a:rPr lang="it-IT" sz="1200" b="1" dirty="0">
+                <a:hlinkClick r:id="rId2"/>
+              </a:rPr>
+              <a:t>https://github.com/Arxivar/SamplePlugins/tree/master/LinkWorkflowV2</a:t>
+            </a:r>
+            <a:endParaRPr lang="it-IT" sz="1200" b="1" dirty="0"/>
+          </a:p>
+          <a:p>
+            <a:pPr lvl="1"/>
+            <a:r>
+              <a:rPr lang="en-US" sz="1200" b="1" dirty="0">
+                <a:latin typeface="ui-monospace"/>
+              </a:rPr>
+              <a:t>Tool per </a:t>
+            </a:r>
+            <a:r>
+              <a:rPr lang="en-US" sz="1200" b="1" dirty="0" err="1">
+                <a:latin typeface="ui-monospace"/>
+              </a:rPr>
+              <a:t>gestire</a:t>
+            </a:r>
+            <a:r>
+              <a:rPr lang="en-US" sz="1200" b="1" dirty="0">
+                <a:latin typeface="ui-monospace"/>
+              </a:rPr>
+              <a:t> </a:t>
+            </a:r>
+            <a:r>
+              <a:rPr lang="en-US" sz="1200" b="1" dirty="0" err="1">
+                <a:latin typeface="ui-monospace"/>
+              </a:rPr>
+              <a:t>l’amministrazione</a:t>
+            </a:r>
+            <a:r>
+              <a:rPr lang="en-US" sz="1200" b="1" dirty="0">
+                <a:latin typeface="ui-monospace"/>
+              </a:rPr>
+              <a:t> </a:t>
+            </a:r>
+            <a:r>
+              <a:rPr lang="en-US" sz="1200" b="1" dirty="0" err="1">
+                <a:latin typeface="ui-monospace"/>
+              </a:rPr>
+              <a:t>dei</a:t>
+            </a:r>
+            <a:r>
+              <a:rPr lang="en-US" sz="1200" b="1" dirty="0">
+                <a:latin typeface="ui-monospace"/>
+              </a:rPr>
+              <a:t> plugin: </a:t>
+            </a:r>
+            <a:r>
+              <a:rPr lang="en-US" sz="1200" b="1" i="0" dirty="0" err="1">
+                <a:solidFill>
+                  <a:srgbClr val="00B0F0"/>
+                </a:solidFill>
+                <a:effectLst/>
+                <a:latin typeface="ui-monospace"/>
+              </a:rPr>
+              <a:t>ARXivarNext</a:t>
+            </a:r>
+            <a:r>
+              <a:rPr lang="en-US" sz="1200" b="1" i="0" dirty="0">
+                <a:solidFill>
+                  <a:srgbClr val="00B0F0"/>
+                </a:solidFill>
+                <a:effectLst/>
+                <a:latin typeface="ui-monospace"/>
+              </a:rPr>
+              <a:t> Workflow Service\wf-plugin.exe </a:t>
+            </a:r>
+            <a:endParaRPr lang="it-IT" sz="1400" b="1" dirty="0">
+              <a:solidFill>
+                <a:srgbClr val="00B0F0"/>
+              </a:solidFill>
+            </a:endParaRPr>
+          </a:p>
+          <a:p>
+            <a:r>
+              <a:rPr lang="it-IT" sz="2000" b="1" dirty="0"/>
+              <a:t>Configurazione</a:t>
+            </a:r>
+          </a:p>
+          <a:p>
+            <a:pPr lvl="1"/>
+            <a:r>
+              <a:rPr lang="it-IT" sz="1400" b="1" dirty="0"/>
+              <a:t>Base </a:t>
+            </a:r>
+          </a:p>
+          <a:p>
+            <a:pPr lvl="1"/>
+            <a:r>
+              <a:rPr lang="it-IT" sz="1400" b="1" dirty="0"/>
+              <a:t>Avanzata</a:t>
+            </a:r>
+          </a:p>
+          <a:p>
+            <a:r>
+              <a:rPr lang="it-IT" sz="2000" b="1" dirty="0"/>
+              <a:t>Debug</a:t>
+            </a:r>
+          </a:p>
+          <a:p>
+            <a:pPr lvl="1"/>
+            <a:endParaRPr lang="it-IT" sz="1400" b="1" dirty="0"/>
+          </a:p>
+          <a:p>
+            <a:pPr marL="457200" lvl="1" indent="0">
+              <a:buNone/>
+            </a:pPr>
+            <a:endParaRPr lang="it-IT" sz="1400" b="1" dirty="0"/>
+          </a:p>
+        </p:txBody>
+      </p:sp>
     </p:spTree>
     <p:extLst>
       <p:ext uri="{BB962C8B-B14F-4D97-AF65-F5344CB8AC3E}">
-        <p14:creationId xmlns:p14="http://schemas.microsoft.com/office/powerpoint/2010/main" val="1630986727"/>
+        <p14:creationId xmlns:p14="http://schemas.microsoft.com/office/powerpoint/2010/main" val="3398027812"/>
       </p:ext>
     </p:extLst>
   </p:cSld>
@@ -5174,7 +5033,7 @@
                 </a:effectLst>
                 <a:latin typeface="+mn-lt"/>
               </a:rPr>
-              <a:t>Esempio flusso eventi plugin server</a:t>
+              <a:t>Esempio flusso eventi Plugin Server</a:t>
             </a:r>
           </a:p>
         </p:txBody>
@@ -5809,1369 +5668,6 @@
     <p:extLst>
       <p:ext uri="{BB962C8B-B14F-4D97-AF65-F5344CB8AC3E}">
         <p14:creationId xmlns:p14="http://schemas.microsoft.com/office/powerpoint/2010/main" val="3522730347"/>
-      </p:ext>
-    </p:extLst>
-  </p:cSld>
-  <p:clrMapOvr>
-    <a:masterClrMapping/>
-  </p:clrMapOvr>
-</p:sld>
-</file>
-
-<file path=ppt/slides/slide6.xml><?xml version="1.0" encoding="utf-8"?>
-<p:sld xmlns:a="http://schemas.openxmlformats.org/drawingml/2006/main" xmlns:r="http://schemas.openxmlformats.org/officeDocument/2006/relationships" xmlns:p="http://schemas.openxmlformats.org/presentationml/2006/main">
-  <p:cSld>
-    <p:spTree>
-      <p:nvGrpSpPr>
-        <p:cNvPr id="1" name=""/>
-        <p:cNvGrpSpPr/>
-        <p:nvPr/>
-      </p:nvGrpSpPr>
-      <p:grpSpPr>
-        <a:xfrm>
-          <a:off x="0" y="0"/>
-          <a:ext cx="0" cy="0"/>
-          <a:chOff x="0" y="0"/>
-          <a:chExt cx="0" cy="0"/>
-        </a:xfrm>
-      </p:grpSpPr>
-      <p:sp>
-        <p:nvSpPr>
-          <p:cNvPr id="2" name="Title 1"/>
-          <p:cNvSpPr>
-            <a:spLocks noGrp="1"/>
-          </p:cNvSpPr>
-          <p:nvPr>
-            <p:ph type="title"/>
-          </p:nvPr>
-        </p:nvSpPr>
-        <p:spPr>
-          <a:xfrm>
-            <a:off x="457200" y="205979"/>
-            <a:ext cx="6563072" cy="709587"/>
-          </a:xfrm>
-        </p:spPr>
-        <p:txBody>
-          <a:bodyPr>
-            <a:normAutofit fontScale="90000"/>
-          </a:bodyPr>
-          <a:lstStyle/>
-          <a:p>
-            <a:r>
-              <a:rPr lang="it-IT" sz="3200" dirty="0">
-                <a:solidFill>
-                  <a:srgbClr val="FFC000"/>
-                </a:solidFill>
-                <a:effectLst>
-                  <a:outerShdw blurRad="38100" dist="38100" dir="2700000" algn="tl">
-                    <a:srgbClr val="000000">
-                      <a:alpha val="43137"/>
-                    </a:srgbClr>
-                  </a:outerShdw>
-                </a:effectLst>
-              </a:rPr>
-              <a:t>Esempio: Logon Provider «</a:t>
-            </a:r>
-            <a:r>
-              <a:rPr lang="it-IT" sz="3200" dirty="0" err="1">
-                <a:solidFill>
-                  <a:srgbClr val="FFC000"/>
-                </a:solidFill>
-                <a:effectLst>
-                  <a:outerShdw blurRad="38100" dist="38100" dir="2700000" algn="tl">
-                    <a:srgbClr val="000000">
-                      <a:alpha val="43137"/>
-                    </a:srgbClr>
-                  </a:outerShdw>
-                </a:effectLst>
-              </a:rPr>
-              <a:t>Credentials</a:t>
-            </a:r>
-            <a:r>
-              <a:rPr lang="it-IT" sz="3200" dirty="0">
-                <a:solidFill>
-                  <a:srgbClr val="FFC000"/>
-                </a:solidFill>
-                <a:effectLst>
-                  <a:outerShdw blurRad="38100" dist="38100" dir="2700000" algn="tl">
-                    <a:srgbClr val="000000">
-                      <a:alpha val="43137"/>
-                    </a:srgbClr>
-                  </a:outerShdw>
-                </a:effectLst>
-              </a:rPr>
-              <a:t>»</a:t>
-            </a:r>
-          </a:p>
-        </p:txBody>
-      </p:sp>
-      <p:sp>
-        <p:nvSpPr>
-          <p:cNvPr id="3" name="Content Placeholder 2"/>
-          <p:cNvSpPr>
-            <a:spLocks noGrp="1"/>
-          </p:cNvSpPr>
-          <p:nvPr>
-            <p:ph idx="1"/>
-          </p:nvPr>
-        </p:nvSpPr>
-        <p:spPr>
-          <a:xfrm>
-            <a:off x="323528" y="987575"/>
-            <a:ext cx="6696744" cy="3607048"/>
-          </a:xfrm>
-        </p:spPr>
-        <p:txBody>
-          <a:bodyPr>
-            <a:noAutofit/>
-          </a:bodyPr>
-          <a:lstStyle/>
-          <a:p>
-            <a:pPr marL="457200" lvl="1" indent="0">
-              <a:buNone/>
-            </a:pPr>
-            <a:r>
-              <a:rPr lang="it-IT" sz="1400" b="1" dirty="0"/>
-              <a:t>Le credenziali fornite (username, password) vengono verificate da un Identity Server </a:t>
-            </a:r>
-            <a:r>
-              <a:rPr lang="it-IT" sz="900" b="1" dirty="0"/>
-              <a:t>(</a:t>
-            </a:r>
-            <a:r>
-              <a:rPr lang="it-IT" sz="900" b="1" dirty="0">
-                <a:hlinkClick r:id="rId2"/>
-              </a:rPr>
-              <a:t>https://github.com/identityserver/IdentityServer4</a:t>
-            </a:r>
-            <a:r>
-              <a:rPr lang="it-IT" sz="900" b="1" dirty="0"/>
-              <a:t>)</a:t>
-            </a:r>
-            <a:endParaRPr lang="it-IT" sz="1100" b="1" dirty="0"/>
-          </a:p>
-          <a:p>
-            <a:pPr marL="457200" lvl="1" indent="0">
-              <a:buNone/>
-            </a:pPr>
-            <a:r>
-              <a:rPr lang="it-IT" sz="1400" b="1" dirty="0"/>
-              <a:t>Flusso OAUTH2: </a:t>
-            </a:r>
-            <a:r>
-              <a:rPr lang="en-US" sz="1400" b="1" dirty="0"/>
-              <a:t>Resource Owner Password Credentials Grant</a:t>
-            </a:r>
-          </a:p>
-          <a:p>
-            <a:pPr lvl="1"/>
-            <a:r>
-              <a:rPr lang="it-IT" sz="900" b="1" dirty="0">
-                <a:hlinkClick r:id="rId3"/>
-              </a:rPr>
-              <a:t>https://datatracker.ietf.org/doc/html/rfc6749#section-4.3</a:t>
-            </a:r>
-            <a:endParaRPr lang="it-IT" sz="900" b="1" dirty="0"/>
-          </a:p>
-          <a:p>
-            <a:pPr lvl="1"/>
-            <a:r>
-              <a:rPr lang="it-IT" sz="900" b="1" dirty="0">
-                <a:hlinkClick r:id="rId4"/>
-              </a:rPr>
-              <a:t>http://www.bubblecode.net/en/2016/01/22/understanding-oauth2/#Resource_Owner_Password_Credentials_Grant</a:t>
-            </a:r>
-            <a:endParaRPr lang="it-IT" sz="900" b="1" dirty="0"/>
-          </a:p>
-          <a:p>
-            <a:pPr marL="457200" lvl="1" indent="0">
-              <a:buNone/>
-            </a:pPr>
-            <a:endParaRPr lang="it-IT" sz="1400" b="1" dirty="0"/>
-          </a:p>
-          <a:p>
-            <a:pPr marL="457200" lvl="1" indent="0">
-              <a:buNone/>
-            </a:pPr>
-            <a:endParaRPr lang="it-IT" sz="800" b="1" dirty="0"/>
-          </a:p>
-          <a:p>
-            <a:endParaRPr lang="it-IT" sz="1100" b="1" dirty="0"/>
-          </a:p>
-          <a:p>
-            <a:pPr marL="457200" lvl="1" indent="0">
-              <a:buNone/>
-            </a:pPr>
-            <a:endParaRPr lang="it-IT" sz="800" b="1" dirty="0"/>
-          </a:p>
-          <a:p>
-            <a:endParaRPr lang="it-IT" sz="1100" b="1" dirty="0"/>
-          </a:p>
-        </p:txBody>
-      </p:sp>
-      <p:pic>
-        <p:nvPicPr>
-          <p:cNvPr id="1032" name="Picture 8" descr="OAuth - Wikipedia">
-            <a:extLst>
-              <a:ext uri="{FF2B5EF4-FFF2-40B4-BE49-F238E27FC236}">
-                <a16:creationId xmlns:a16="http://schemas.microsoft.com/office/drawing/2014/main" id="{188DB98C-A08E-4E09-B36E-AD22862D4886}"/>
-              </a:ext>
-            </a:extLst>
-          </p:cNvPr>
-          <p:cNvPicPr>
-            <a:picLocks noChangeAspect="1" noChangeArrowheads="1"/>
-          </p:cNvPicPr>
-          <p:nvPr/>
-        </p:nvPicPr>
-        <p:blipFill>
-          <a:blip r:embed="rId5" cstate="print">
-            <a:extLst>
-              <a:ext uri="{28A0092B-C50C-407E-A947-70E740481C1C}">
-                <a14:useLocalDpi xmlns:a14="http://schemas.microsoft.com/office/drawing/2010/main" val="0"/>
-              </a:ext>
-            </a:extLst>
-          </a:blip>
-          <a:srcRect/>
-          <a:stretch>
-            <a:fillRect/>
-          </a:stretch>
-        </p:blipFill>
-        <p:spPr bwMode="auto">
-          <a:xfrm>
-            <a:off x="539552" y="1851670"/>
-            <a:ext cx="230426" cy="230426"/>
-          </a:xfrm>
-          <a:prstGeom prst="rect">
-            <a:avLst/>
-          </a:prstGeom>
-          <a:noFill/>
-          <a:extLst>
-            <a:ext uri="{909E8E84-426E-40DD-AFC4-6F175D3DCCD1}">
-              <a14:hiddenFill xmlns:a14="http://schemas.microsoft.com/office/drawing/2010/main">
-                <a:solidFill>
-                  <a:srgbClr val="FFFFFF"/>
-                </a:solidFill>
-              </a14:hiddenFill>
-            </a:ext>
-          </a:extLst>
-        </p:spPr>
-      </p:pic>
-      <p:pic>
-        <p:nvPicPr>
-          <p:cNvPr id="2052" name="Picture 4" descr="Resource Owner Password Credentials Grant Flow">
-            <a:extLst>
-              <a:ext uri="{FF2B5EF4-FFF2-40B4-BE49-F238E27FC236}">
-                <a16:creationId xmlns:a16="http://schemas.microsoft.com/office/drawing/2014/main" id="{D6531B25-01FA-44C8-A616-2C2B4037D2BC}"/>
-              </a:ext>
-            </a:extLst>
-          </p:cNvPr>
-          <p:cNvPicPr>
-            <a:picLocks noChangeAspect="1" noChangeArrowheads="1"/>
-          </p:cNvPicPr>
-          <p:nvPr/>
-        </p:nvPicPr>
-        <p:blipFill>
-          <a:blip r:embed="rId6">
-            <a:extLst>
-              <a:ext uri="{28A0092B-C50C-407E-A947-70E740481C1C}">
-                <a14:useLocalDpi xmlns:a14="http://schemas.microsoft.com/office/drawing/2010/main" val="0"/>
-              </a:ext>
-            </a:extLst>
-          </a:blip>
-          <a:srcRect/>
-          <a:stretch>
-            <a:fillRect/>
-          </a:stretch>
-        </p:blipFill>
-        <p:spPr bwMode="auto">
-          <a:xfrm>
-            <a:off x="1021546" y="2082096"/>
-            <a:ext cx="4846598" cy="2654738"/>
-          </a:xfrm>
-          <a:prstGeom prst="rect">
-            <a:avLst/>
-          </a:prstGeom>
-          <a:noFill/>
-          <a:extLst>
-            <a:ext uri="{909E8E84-426E-40DD-AFC4-6F175D3DCCD1}">
-              <a14:hiddenFill xmlns:a14="http://schemas.microsoft.com/office/drawing/2010/main">
-                <a:solidFill>
-                  <a:srgbClr val="FFFFFF"/>
-                </a:solidFill>
-              </a14:hiddenFill>
-            </a:ext>
-          </a:extLst>
-        </p:spPr>
-      </p:pic>
-    </p:spTree>
-    <p:extLst>
-      <p:ext uri="{BB962C8B-B14F-4D97-AF65-F5344CB8AC3E}">
-        <p14:creationId xmlns:p14="http://schemas.microsoft.com/office/powerpoint/2010/main" val="1994167255"/>
-      </p:ext>
-    </p:extLst>
-  </p:cSld>
-  <p:clrMapOvr>
-    <a:masterClrMapping/>
-  </p:clrMapOvr>
-</p:sld>
-</file>
-
-<file path=ppt/slides/slide7.xml><?xml version="1.0" encoding="utf-8"?>
-<p:sld xmlns:a="http://schemas.openxmlformats.org/drawingml/2006/main" xmlns:r="http://schemas.openxmlformats.org/officeDocument/2006/relationships" xmlns:p="http://schemas.openxmlformats.org/presentationml/2006/main">
-  <p:cSld>
-    <p:spTree>
-      <p:nvGrpSpPr>
-        <p:cNvPr id="1" name=""/>
-        <p:cNvGrpSpPr/>
-        <p:nvPr/>
-      </p:nvGrpSpPr>
-      <p:grpSpPr>
-        <a:xfrm>
-          <a:off x="0" y="0"/>
-          <a:ext cx="0" cy="0"/>
-          <a:chOff x="0" y="0"/>
-          <a:chExt cx="0" cy="0"/>
-        </a:xfrm>
-      </p:grpSpPr>
-      <p:sp>
-        <p:nvSpPr>
-          <p:cNvPr id="2" name="Title 1"/>
-          <p:cNvSpPr>
-            <a:spLocks noGrp="1"/>
-          </p:cNvSpPr>
-          <p:nvPr>
-            <p:ph type="title"/>
-          </p:nvPr>
-        </p:nvSpPr>
-        <p:spPr>
-          <a:xfrm>
-            <a:off x="457200" y="205979"/>
-            <a:ext cx="6563072" cy="709587"/>
-          </a:xfrm>
-        </p:spPr>
-        <p:txBody>
-          <a:bodyPr>
-            <a:normAutofit fontScale="90000"/>
-          </a:bodyPr>
-          <a:lstStyle/>
-          <a:p>
-            <a:r>
-              <a:rPr lang="it-IT" sz="3200" dirty="0">
-                <a:solidFill>
-                  <a:srgbClr val="FFC000"/>
-                </a:solidFill>
-                <a:effectLst>
-                  <a:outerShdw blurRad="38100" dist="38100" dir="2700000" algn="tl">
-                    <a:srgbClr val="000000">
-                      <a:alpha val="43137"/>
-                    </a:srgbClr>
-                  </a:outerShdw>
-                </a:effectLst>
-              </a:rPr>
-              <a:t>Esempio: Logon Provider Single </a:t>
-            </a:r>
-            <a:r>
-              <a:rPr lang="it-IT" sz="3200" dirty="0" err="1">
-                <a:solidFill>
-                  <a:srgbClr val="FFC000"/>
-                </a:solidFill>
-                <a:effectLst>
-                  <a:outerShdw blurRad="38100" dist="38100" dir="2700000" algn="tl">
-                    <a:srgbClr val="000000">
-                      <a:alpha val="43137"/>
-                    </a:srgbClr>
-                  </a:outerShdw>
-                </a:effectLst>
-              </a:rPr>
-              <a:t>Sign</a:t>
-            </a:r>
-            <a:r>
-              <a:rPr lang="it-IT" sz="3200" dirty="0">
-                <a:solidFill>
-                  <a:srgbClr val="FFC000"/>
-                </a:solidFill>
-                <a:effectLst>
-                  <a:outerShdw blurRad="38100" dist="38100" dir="2700000" algn="tl">
-                    <a:srgbClr val="000000">
-                      <a:alpha val="43137"/>
-                    </a:srgbClr>
-                  </a:outerShdw>
-                </a:effectLst>
-              </a:rPr>
-              <a:t>-On</a:t>
-            </a:r>
-          </a:p>
-        </p:txBody>
-      </p:sp>
-      <p:sp>
-        <p:nvSpPr>
-          <p:cNvPr id="3" name="Content Placeholder 2"/>
-          <p:cNvSpPr>
-            <a:spLocks noGrp="1"/>
-          </p:cNvSpPr>
-          <p:nvPr>
-            <p:ph idx="1"/>
-          </p:nvPr>
-        </p:nvSpPr>
-        <p:spPr>
-          <a:xfrm>
-            <a:off x="323528" y="931492"/>
-            <a:ext cx="6696744" cy="3872506"/>
-          </a:xfrm>
-        </p:spPr>
-        <p:txBody>
-          <a:bodyPr>
-            <a:noAutofit/>
-          </a:bodyPr>
-          <a:lstStyle/>
-          <a:p>
-            <a:r>
-              <a:rPr lang="it-IT" sz="1400" b="1" dirty="0"/>
-              <a:t>Autenticazione è demandata a Identity Server.</a:t>
-            </a:r>
-            <a:br>
-              <a:rPr lang="it-IT" sz="1400" b="1" dirty="0"/>
-            </a:br>
-            <a:r>
-              <a:rPr lang="it-IT" sz="1400" b="1" dirty="0"/>
-              <a:t>L’utente acconsente al rilascio di alcune autorizzazioni per l’applicazione a cui si sta loggando (</a:t>
-            </a:r>
-            <a:r>
-              <a:rPr lang="it-IT" sz="1400" b="1" dirty="0" err="1"/>
-              <a:t>ClientId</a:t>
-            </a:r>
-            <a:r>
-              <a:rPr lang="it-IT" sz="1400" b="1" dirty="0"/>
-              <a:t>: </a:t>
-            </a:r>
-            <a:r>
-              <a:rPr lang="it-IT" sz="1400" b="1" dirty="0" err="1">
-                <a:solidFill>
-                  <a:schemeClr val="accent1"/>
-                </a:solidFill>
-              </a:rPr>
-              <a:t>ARX</a:t>
-            </a:r>
-            <a:r>
-              <a:rPr lang="it-IT" sz="1400" b="1" dirty="0" err="1"/>
-              <a:t>ivar</a:t>
-            </a:r>
-            <a:r>
-              <a:rPr lang="it-IT" sz="1400" b="1" dirty="0"/>
-              <a:t>)</a:t>
-            </a:r>
-          </a:p>
-          <a:p>
-            <a:pPr marL="457200" lvl="1" indent="0">
-              <a:buNone/>
-            </a:pPr>
-            <a:endParaRPr lang="it-IT" sz="1400" b="1" dirty="0"/>
-          </a:p>
-          <a:p>
-            <a:r>
-              <a:rPr lang="it-IT" sz="1400" b="1" dirty="0"/>
-              <a:t>Il flusso autorizzativo continua redirigendo l’utente verso il servizio Authentication di </a:t>
-            </a:r>
-            <a:r>
-              <a:rPr lang="it-IT" sz="1400" b="1" dirty="0" err="1">
-                <a:solidFill>
-                  <a:schemeClr val="accent1"/>
-                </a:solidFill>
-              </a:rPr>
-              <a:t>ARX</a:t>
-            </a:r>
-            <a:r>
-              <a:rPr lang="it-IT" sz="1400" b="1" dirty="0" err="1"/>
-              <a:t>ivar</a:t>
-            </a:r>
-            <a:r>
-              <a:rPr lang="it-IT" sz="1400" b="1" dirty="0"/>
-              <a:t> con </a:t>
-            </a:r>
-            <a:r>
-              <a:rPr lang="it-IT" sz="1400" b="1" i="1" dirty="0">
-                <a:solidFill>
-                  <a:schemeClr val="bg1">
-                    <a:lumMod val="50000"/>
-                  </a:schemeClr>
-                </a:solidFill>
-              </a:rPr>
-              <a:t>code + </a:t>
-            </a:r>
-            <a:r>
-              <a:rPr lang="it-IT" sz="1400" b="1" i="1" dirty="0" err="1">
-                <a:solidFill>
-                  <a:schemeClr val="bg1">
-                    <a:lumMod val="50000"/>
-                  </a:schemeClr>
-                </a:solidFill>
-              </a:rPr>
-              <a:t>token_id</a:t>
-            </a:r>
-            <a:r>
-              <a:rPr lang="it-IT" sz="1600" b="1" i="1" dirty="0">
-                <a:solidFill>
-                  <a:schemeClr val="bg1">
-                    <a:lumMod val="50000"/>
-                  </a:schemeClr>
-                </a:solidFill>
-              </a:rPr>
-              <a:t> </a:t>
-            </a:r>
-            <a:r>
-              <a:rPr lang="it-IT" sz="900" b="1" i="1" dirty="0"/>
-              <a:t>(</a:t>
-            </a:r>
-            <a:r>
-              <a:rPr lang="it-IT" sz="900" b="1" i="1" dirty="0">
-                <a:solidFill>
-                  <a:schemeClr val="bg1">
-                    <a:lumMod val="50000"/>
-                  </a:schemeClr>
-                </a:solidFill>
-                <a:hlinkClick r:id="rId2"/>
-              </a:rPr>
-              <a:t>https://openid.net/specs/openid-connect-core-1_0.html#code-id_tokenExample</a:t>
-            </a:r>
-            <a:r>
-              <a:rPr lang="it-IT" sz="900" b="1" i="1" dirty="0">
-                <a:solidFill>
-                  <a:schemeClr val="bg1">
-                    <a:lumMod val="50000"/>
-                  </a:schemeClr>
-                </a:solidFill>
-              </a:rPr>
-              <a:t>, </a:t>
-            </a:r>
-            <a:r>
-              <a:rPr lang="it-IT" sz="900" b="1" i="1" dirty="0">
-                <a:solidFill>
-                  <a:schemeClr val="bg1">
-                    <a:lumMod val="50000"/>
-                  </a:schemeClr>
-                </a:solidFill>
-                <a:hlinkClick r:id="rId3"/>
-              </a:rPr>
-              <a:t>http://www.bubblecode.net/en/2016/01/22/understanding-oauth2/#Authorization_Code_Grant</a:t>
-            </a:r>
-            <a:r>
-              <a:rPr lang="it-IT" sz="900" b="1" i="1" dirty="0"/>
-              <a:t>)</a:t>
-            </a:r>
-          </a:p>
-          <a:p>
-            <a:pPr marL="457200" lvl="1" indent="0">
-              <a:buNone/>
-            </a:pPr>
-            <a:endParaRPr lang="it-IT" sz="700" b="1" dirty="0"/>
-          </a:p>
-          <a:p>
-            <a:pPr lvl="1"/>
-            <a:r>
-              <a:rPr lang="it-IT" sz="1200" b="1" dirty="0"/>
-              <a:t>Il code è un «buono» che può essere utilizzato per richiedere un </a:t>
-            </a:r>
-            <a:r>
-              <a:rPr lang="it-IT" sz="1200" b="1" dirty="0" err="1"/>
-              <a:t>bearer</a:t>
-            </a:r>
-            <a:r>
-              <a:rPr lang="it-IT" sz="1200" b="1" dirty="0"/>
-              <a:t> token che contiene le autorizzazioni approvate dall’utente </a:t>
-            </a:r>
-            <a:r>
-              <a:rPr lang="it-IT" sz="1000" b="1" dirty="0"/>
-              <a:t>(</a:t>
-            </a:r>
-            <a:r>
-              <a:rPr lang="it-IT" sz="1000" b="1" dirty="0">
-                <a:hlinkClick r:id="rId4"/>
-              </a:rPr>
-              <a:t>https://www.oauth.com/oauth2-servers/access-tokens/authorization-code-request/</a:t>
-            </a:r>
-            <a:r>
-              <a:rPr lang="it-IT" sz="1000" b="1" dirty="0"/>
-              <a:t>)</a:t>
-            </a:r>
-            <a:endParaRPr lang="it-IT" sz="1200" b="1" dirty="0"/>
-          </a:p>
-          <a:p>
-            <a:pPr lvl="1"/>
-            <a:r>
-              <a:rPr lang="it-IT" sz="1200" b="1" dirty="0"/>
-              <a:t>Il </a:t>
-            </a:r>
-            <a:r>
-              <a:rPr lang="it-IT" sz="1200" b="1" dirty="0" err="1"/>
-              <a:t>token_id</a:t>
-            </a:r>
-            <a:r>
-              <a:rPr lang="it-IT" sz="1200" b="1" dirty="0"/>
-              <a:t> è un token JWT che contiene l’identità dell’utente </a:t>
-            </a:r>
-            <a:r>
-              <a:rPr lang="it-IT" sz="900" b="1" dirty="0"/>
-              <a:t>(</a:t>
-            </a:r>
-            <a:r>
-              <a:rPr lang="it-IT" sz="900" b="1" dirty="0">
-                <a:hlinkClick r:id="rId5"/>
-              </a:rPr>
-              <a:t>https://en.wikipedia.org/wiki/JSON_Web_Token</a:t>
-            </a:r>
-            <a:r>
-              <a:rPr lang="it-IT" sz="900" b="1" dirty="0"/>
-              <a:t>, </a:t>
-            </a:r>
-            <a:r>
-              <a:rPr lang="it-IT" sz="900" b="1" dirty="0">
-                <a:hlinkClick r:id="rId6"/>
-              </a:rPr>
-              <a:t>https://jwt.io/</a:t>
-            </a:r>
-            <a:r>
-              <a:rPr lang="it-IT" sz="900" b="1" dirty="0"/>
-              <a:t>)</a:t>
-            </a:r>
-            <a:endParaRPr lang="it-IT" sz="1200" b="1" dirty="0"/>
-          </a:p>
-          <a:p>
-            <a:pPr marL="457200" lvl="1" indent="0">
-              <a:buNone/>
-            </a:pPr>
-            <a:endParaRPr lang="it-IT" sz="700" b="1" dirty="0"/>
-          </a:p>
-          <a:p>
-            <a:pPr indent="-285750"/>
-            <a:r>
-              <a:rPr lang="it-IT" sz="1400" b="1" dirty="0"/>
-              <a:t>Sulla base di </a:t>
-            </a:r>
-            <a:r>
-              <a:rPr lang="it-IT" sz="1400" b="1" dirty="0">
-                <a:solidFill>
-                  <a:schemeClr val="bg1">
-                    <a:lumMod val="50000"/>
-                  </a:schemeClr>
-                </a:solidFill>
-              </a:rPr>
-              <a:t>code + </a:t>
-            </a:r>
-            <a:r>
-              <a:rPr lang="it-IT" sz="1400" b="1" dirty="0" err="1">
-                <a:solidFill>
-                  <a:schemeClr val="bg1">
-                    <a:lumMod val="50000"/>
-                  </a:schemeClr>
-                </a:solidFill>
-              </a:rPr>
-              <a:t>token_id</a:t>
-            </a:r>
-            <a:r>
-              <a:rPr lang="it-IT" sz="1400" b="1" dirty="0"/>
-              <a:t> il logon provider determina l’utente che deve essere autorizzato.</a:t>
-            </a:r>
-          </a:p>
-          <a:p>
-            <a:pPr indent="-285750"/>
-            <a:r>
-              <a:rPr lang="it-IT" sz="1400" b="1" dirty="0"/>
-              <a:t>Il processo di autorizzazione termina sul Web Portal con il </a:t>
-            </a:r>
-            <a:r>
-              <a:rPr lang="it-IT" sz="1400" b="1" dirty="0" err="1"/>
-              <a:t>bearer</a:t>
-            </a:r>
-            <a:r>
-              <a:rPr lang="it-IT" sz="1400" b="1" dirty="0"/>
-              <a:t> token di </a:t>
-            </a:r>
-            <a:r>
-              <a:rPr lang="it-IT" sz="1400" b="1" dirty="0" err="1">
-                <a:solidFill>
-                  <a:schemeClr val="accent1"/>
-                </a:solidFill>
-              </a:rPr>
-              <a:t>ARX</a:t>
-            </a:r>
-            <a:r>
-              <a:rPr lang="it-IT" sz="1400" b="1" dirty="0" err="1"/>
-              <a:t>ivar</a:t>
-            </a:r>
-            <a:r>
-              <a:rPr lang="it-IT" sz="1400" b="1" dirty="0"/>
-              <a:t>.</a:t>
-            </a:r>
-          </a:p>
-        </p:txBody>
-      </p:sp>
-      <p:pic>
-        <p:nvPicPr>
-          <p:cNvPr id="7" name="Picture 6" descr="Back Home">
-            <a:extLst>
-              <a:ext uri="{FF2B5EF4-FFF2-40B4-BE49-F238E27FC236}">
-                <a16:creationId xmlns:a16="http://schemas.microsoft.com/office/drawing/2014/main" id="{28C957C0-DF06-4D20-A7EF-4DF7D8C4F7DF}"/>
-              </a:ext>
-            </a:extLst>
-          </p:cNvPr>
-          <p:cNvPicPr>
-            <a:picLocks noChangeAspect="1" noChangeArrowheads="1"/>
-          </p:cNvPicPr>
-          <p:nvPr/>
-        </p:nvPicPr>
-        <p:blipFill>
-          <a:blip r:embed="rId7" cstate="print">
-            <a:extLst>
-              <a:ext uri="{28A0092B-C50C-407E-A947-70E740481C1C}">
-                <a14:useLocalDpi xmlns:a14="http://schemas.microsoft.com/office/drawing/2010/main" val="0"/>
-              </a:ext>
-            </a:extLst>
-          </a:blip>
-          <a:srcRect/>
-          <a:stretch>
-            <a:fillRect/>
-          </a:stretch>
-        </p:blipFill>
-        <p:spPr bwMode="auto">
-          <a:xfrm>
-            <a:off x="683568" y="1707654"/>
-            <a:ext cx="576064" cy="230426"/>
-          </a:xfrm>
-          <a:prstGeom prst="rect">
-            <a:avLst/>
-          </a:prstGeom>
-          <a:noFill/>
-          <a:extLst>
-            <a:ext uri="{909E8E84-426E-40DD-AFC4-6F175D3DCCD1}">
-              <a14:hiddenFill xmlns:a14="http://schemas.microsoft.com/office/drawing/2010/main">
-                <a:solidFill>
-                  <a:srgbClr val="FFFFFF"/>
-                </a:solidFill>
-              </a14:hiddenFill>
-            </a:ext>
-          </a:extLst>
-        </p:spPr>
-      </p:pic>
-    </p:spTree>
-    <p:extLst>
-      <p:ext uri="{BB962C8B-B14F-4D97-AF65-F5344CB8AC3E}">
-        <p14:creationId xmlns:p14="http://schemas.microsoft.com/office/powerpoint/2010/main" val="3830133614"/>
-      </p:ext>
-    </p:extLst>
-  </p:cSld>
-  <p:clrMapOvr>
-    <a:masterClrMapping/>
-  </p:clrMapOvr>
-</p:sld>
-</file>
-
-<file path=ppt/slides/slide8.xml><?xml version="1.0" encoding="utf-8"?>
-<p:sld xmlns:a="http://schemas.openxmlformats.org/drawingml/2006/main" xmlns:r="http://schemas.openxmlformats.org/officeDocument/2006/relationships" xmlns:p="http://schemas.openxmlformats.org/presentationml/2006/main">
-  <p:cSld>
-    <p:spTree>
-      <p:nvGrpSpPr>
-        <p:cNvPr id="1" name=""/>
-        <p:cNvGrpSpPr/>
-        <p:nvPr/>
-      </p:nvGrpSpPr>
-      <p:grpSpPr>
-        <a:xfrm>
-          <a:off x="0" y="0"/>
-          <a:ext cx="0" cy="0"/>
-          <a:chOff x="0" y="0"/>
-          <a:chExt cx="0" cy="0"/>
-        </a:xfrm>
-      </p:grpSpPr>
-      <p:sp>
-        <p:nvSpPr>
-          <p:cNvPr id="2" name="Title 1"/>
-          <p:cNvSpPr>
-            <a:spLocks noGrp="1"/>
-          </p:cNvSpPr>
-          <p:nvPr>
-            <p:ph type="title"/>
-          </p:nvPr>
-        </p:nvSpPr>
-        <p:spPr>
-          <a:xfrm>
-            <a:off x="457200" y="205979"/>
-            <a:ext cx="6563072" cy="709587"/>
-          </a:xfrm>
-        </p:spPr>
-        <p:txBody>
-          <a:bodyPr>
-            <a:normAutofit/>
-          </a:bodyPr>
-          <a:lstStyle/>
-          <a:p>
-            <a:r>
-              <a:rPr lang="it-IT" sz="3200" dirty="0" err="1">
-                <a:solidFill>
-                  <a:srgbClr val="FFC000"/>
-                </a:solidFill>
-                <a:effectLst>
-                  <a:outerShdw blurRad="38100" dist="38100" dir="2700000" algn="tl">
-                    <a:srgbClr val="000000">
-                      <a:alpha val="43137"/>
-                    </a:srgbClr>
-                  </a:outerShdw>
-                </a:effectLst>
-              </a:rPr>
-              <a:t>Tip</a:t>
-            </a:r>
-            <a:r>
-              <a:rPr lang="it-IT" sz="3200" dirty="0">
-                <a:solidFill>
-                  <a:srgbClr val="FFC000"/>
-                </a:solidFill>
-                <a:effectLst>
-                  <a:outerShdw blurRad="38100" dist="38100" dir="2700000" algn="tl">
-                    <a:srgbClr val="000000">
-                      <a:alpha val="43137"/>
-                    </a:srgbClr>
-                  </a:outerShdw>
-                </a:effectLst>
-              </a:rPr>
-              <a:t> &amp; </a:t>
-            </a:r>
-            <a:r>
-              <a:rPr lang="it-IT" sz="3200" dirty="0" err="1">
-                <a:solidFill>
-                  <a:srgbClr val="FFC000"/>
-                </a:solidFill>
-                <a:effectLst>
-                  <a:outerShdw blurRad="38100" dist="38100" dir="2700000" algn="tl">
-                    <a:srgbClr val="000000">
-                      <a:alpha val="43137"/>
-                    </a:srgbClr>
-                  </a:outerShdw>
-                </a:effectLst>
-              </a:rPr>
-              <a:t>Tricks</a:t>
-            </a:r>
-            <a:endParaRPr lang="it-IT" sz="3200" dirty="0">
-              <a:solidFill>
-                <a:srgbClr val="FFC000"/>
-              </a:solidFill>
-              <a:effectLst>
-                <a:outerShdw blurRad="38100" dist="38100" dir="2700000" algn="tl">
-                  <a:srgbClr val="000000">
-                    <a:alpha val="43137"/>
-                  </a:srgbClr>
-                </a:outerShdw>
-              </a:effectLst>
-            </a:endParaRPr>
-          </a:p>
-        </p:txBody>
-      </p:sp>
-      <p:sp>
-        <p:nvSpPr>
-          <p:cNvPr id="3" name="Content Placeholder 2"/>
-          <p:cNvSpPr>
-            <a:spLocks noGrp="1"/>
-          </p:cNvSpPr>
-          <p:nvPr>
-            <p:ph idx="1"/>
-          </p:nvPr>
-        </p:nvSpPr>
-        <p:spPr>
-          <a:xfrm>
-            <a:off x="323528" y="931492"/>
-            <a:ext cx="6696744" cy="3607048"/>
-          </a:xfrm>
-        </p:spPr>
-        <p:txBody>
-          <a:bodyPr>
-            <a:noAutofit/>
-          </a:bodyPr>
-          <a:lstStyle/>
-          <a:p>
-            <a:r>
-              <a:rPr lang="it-IT" sz="1400" b="1" dirty="0"/>
-              <a:t>I logon provider di tipo </a:t>
-            </a:r>
-            <a:r>
-              <a:rPr lang="it-IT" sz="1400" b="1" dirty="0">
-                <a:solidFill>
-                  <a:schemeClr val="tx1">
-                    <a:lumMod val="50000"/>
-                    <a:lumOff val="50000"/>
-                  </a:schemeClr>
-                </a:solidFill>
-              </a:rPr>
-              <a:t>S</a:t>
-            </a:r>
-            <a:r>
-              <a:rPr lang="it-IT" sz="1400" b="1" dirty="0"/>
-              <a:t>ingle </a:t>
-            </a:r>
-            <a:r>
-              <a:rPr lang="it-IT" sz="1400" b="1" dirty="0" err="1">
-                <a:solidFill>
-                  <a:schemeClr val="tx1">
-                    <a:lumMod val="50000"/>
-                    <a:lumOff val="50000"/>
-                  </a:schemeClr>
-                </a:solidFill>
-              </a:rPr>
-              <a:t>S</a:t>
-            </a:r>
-            <a:r>
-              <a:rPr lang="it-IT" sz="1400" b="1" dirty="0" err="1"/>
-              <a:t>ign</a:t>
-            </a:r>
-            <a:r>
-              <a:rPr lang="it-IT" sz="1400" b="1" dirty="0"/>
-              <a:t>-</a:t>
-            </a:r>
-            <a:r>
-              <a:rPr lang="it-IT" sz="1400" b="1" dirty="0">
-                <a:solidFill>
-                  <a:schemeClr val="tx1">
-                    <a:lumMod val="50000"/>
-                    <a:lumOff val="50000"/>
-                  </a:schemeClr>
-                </a:solidFill>
-              </a:rPr>
-              <a:t>O</a:t>
-            </a:r>
-            <a:r>
-              <a:rPr lang="it-IT" sz="1400" b="1" dirty="0"/>
-              <a:t>n richiedono che tutto il flusso delle chiamate Web sia in </a:t>
-            </a:r>
-            <a:r>
-              <a:rPr lang="it-IT" sz="1400" b="1" i="1" dirty="0">
-                <a:solidFill>
-                  <a:schemeClr val="tx1">
-                    <a:lumMod val="50000"/>
-                    <a:lumOff val="50000"/>
-                  </a:schemeClr>
-                </a:solidFill>
-              </a:rPr>
-              <a:t>HTTPS</a:t>
-            </a:r>
-            <a:r>
-              <a:rPr lang="it-IT" sz="1400" b="1" dirty="0"/>
-              <a:t>. Gli attori web di </a:t>
-            </a:r>
-            <a:r>
-              <a:rPr lang="it-IT" sz="1400" b="1" dirty="0" err="1">
-                <a:solidFill>
-                  <a:srgbClr val="F18D2C"/>
-                </a:solidFill>
-              </a:rPr>
-              <a:t>ARX</a:t>
-            </a:r>
-            <a:r>
-              <a:rPr lang="it-IT" sz="1400" b="1" dirty="0" err="1"/>
-              <a:t>ivar</a:t>
-            </a:r>
-            <a:r>
-              <a:rPr lang="it-IT" sz="1400" b="1" dirty="0"/>
-              <a:t>: </a:t>
-            </a:r>
-            <a:r>
-              <a:rPr lang="it-IT" sz="1400" b="1" dirty="0" err="1"/>
-              <a:t>WebPortal</a:t>
-            </a:r>
-            <a:r>
-              <a:rPr lang="it-IT" sz="1400" b="1" dirty="0"/>
-              <a:t>, </a:t>
-            </a:r>
-            <a:r>
-              <a:rPr lang="it-IT" sz="1400" b="1" dirty="0" err="1"/>
-              <a:t>WebApi</a:t>
-            </a:r>
-            <a:r>
-              <a:rPr lang="it-IT" sz="1400" b="1" dirty="0"/>
-              <a:t>, Authentication devono avere i riferimenti in </a:t>
-            </a:r>
-            <a:r>
-              <a:rPr lang="it-IT" sz="1400" b="1" i="1" dirty="0">
-                <a:solidFill>
-                  <a:schemeClr val="tx1">
-                    <a:lumMod val="50000"/>
-                    <a:lumOff val="50000"/>
-                  </a:schemeClr>
-                </a:solidFill>
-              </a:rPr>
-              <a:t>HTTPS</a:t>
-            </a:r>
-            <a:r>
-              <a:rPr lang="it-IT" sz="1400" b="1" dirty="0"/>
-              <a:t>.</a:t>
-            </a:r>
-          </a:p>
-          <a:p>
-            <a:pPr marL="400050" lvl="1" indent="0">
-              <a:buNone/>
-            </a:pPr>
-            <a:endParaRPr lang="it-IT" sz="600" b="1" dirty="0"/>
-          </a:p>
-          <a:p>
-            <a:pPr marL="400050" lvl="1" indent="0">
-              <a:buNone/>
-            </a:pPr>
-            <a:r>
-              <a:rPr lang="it-IT" sz="1100" b="1" dirty="0"/>
-              <a:t>Per creare un contesto valido e </a:t>
-            </a:r>
-            <a:r>
-              <a:rPr lang="it-IT" sz="1100" b="1" dirty="0" err="1"/>
-              <a:t>trusted</a:t>
-            </a:r>
-            <a:r>
-              <a:rPr lang="it-IT" sz="1100" b="1" dirty="0"/>
-              <a:t> (!</a:t>
-            </a:r>
-            <a:r>
-              <a:rPr lang="it-IT" sz="1100" b="1" u="sng" dirty="0">
-                <a:solidFill>
-                  <a:srgbClr val="C00000"/>
-                </a:solidFill>
-              </a:rPr>
-              <a:t>solo eventualmente in ambiente di sviluppo</a:t>
-            </a:r>
-            <a:r>
-              <a:rPr lang="it-IT" sz="1100" b="1" u="sng" dirty="0"/>
-              <a:t>!</a:t>
-            </a:r>
-            <a:r>
-              <a:rPr lang="it-IT" sz="1100" b="1" dirty="0"/>
-              <a:t>)</a:t>
-            </a:r>
-          </a:p>
-          <a:p>
-            <a:pPr marL="400050" lvl="1" indent="0">
-              <a:buNone/>
-            </a:pPr>
-            <a:r>
-              <a:rPr lang="it-IT" sz="1100" b="1" dirty="0"/>
-              <a:t>Tool installato con IIS Express: C:\Program Files\IIS Express</a:t>
-            </a:r>
-          </a:p>
-          <a:p>
-            <a:pPr marL="400050" lvl="1" indent="0">
-              <a:buNone/>
-            </a:pPr>
-            <a:r>
-              <a:rPr lang="it-IT" sz="1100" b="1" i="1" dirty="0" err="1">
-                <a:solidFill>
-                  <a:schemeClr val="tx1">
-                    <a:lumMod val="50000"/>
-                    <a:lumOff val="50000"/>
-                  </a:schemeClr>
-                </a:solidFill>
-              </a:rPr>
-              <a:t>dotnet</a:t>
-            </a:r>
-            <a:r>
-              <a:rPr lang="it-IT" sz="1100" b="1" i="1" dirty="0">
-                <a:solidFill>
-                  <a:schemeClr val="tx1">
-                    <a:lumMod val="50000"/>
-                    <a:lumOff val="50000"/>
-                  </a:schemeClr>
-                </a:solidFill>
-              </a:rPr>
-              <a:t> </a:t>
-            </a:r>
-            <a:r>
-              <a:rPr lang="it-IT" sz="1100" b="1" i="1" dirty="0" err="1">
-                <a:solidFill>
-                  <a:schemeClr val="tx1">
-                    <a:lumMod val="50000"/>
-                    <a:lumOff val="50000"/>
-                  </a:schemeClr>
-                </a:solidFill>
-              </a:rPr>
-              <a:t>dev-certs</a:t>
-            </a:r>
-            <a:r>
-              <a:rPr lang="it-IT" sz="1100" b="1" i="1" dirty="0">
-                <a:solidFill>
-                  <a:schemeClr val="tx1">
-                    <a:lumMod val="50000"/>
-                    <a:lumOff val="50000"/>
-                  </a:schemeClr>
-                </a:solidFill>
-              </a:rPr>
-              <a:t> </a:t>
-            </a:r>
-            <a:r>
-              <a:rPr lang="it-IT" sz="1100" b="1" i="1" dirty="0" err="1">
-                <a:solidFill>
-                  <a:schemeClr val="tx1">
-                    <a:lumMod val="50000"/>
-                    <a:lumOff val="50000"/>
-                  </a:schemeClr>
-                </a:solidFill>
-              </a:rPr>
-              <a:t>https</a:t>
-            </a:r>
-            <a:r>
-              <a:rPr lang="it-IT" sz="1100" b="1" i="1" dirty="0">
-                <a:solidFill>
-                  <a:schemeClr val="tx1">
-                    <a:lumMod val="50000"/>
-                    <a:lumOff val="50000"/>
-                  </a:schemeClr>
-                </a:solidFill>
-              </a:rPr>
-              <a:t> --trust</a:t>
-            </a:r>
-          </a:p>
-          <a:p>
-            <a:pPr marL="400050" lvl="1" indent="0">
-              <a:buNone/>
-            </a:pPr>
-            <a:endParaRPr lang="it-IT" sz="1100" b="1" dirty="0"/>
-          </a:p>
-          <a:p>
-            <a:pPr marL="400050" lvl="1" indent="0">
-              <a:buNone/>
-            </a:pPr>
-            <a:r>
-              <a:rPr lang="it-IT" sz="1100" b="1" dirty="0"/>
-              <a:t>Assicurarsi che il certificato generato per </a:t>
-            </a:r>
-            <a:r>
-              <a:rPr lang="it-IT" sz="1100" b="1" dirty="0" err="1"/>
-              <a:t>localhost</a:t>
-            </a:r>
-            <a:r>
-              <a:rPr lang="it-IT" sz="1100" b="1" dirty="0"/>
-              <a:t> sia posizionato in:</a:t>
-            </a:r>
-          </a:p>
-          <a:p>
-            <a:pPr marL="400050" lvl="1" indent="0">
-              <a:buNone/>
-            </a:pPr>
-            <a:r>
-              <a:rPr lang="it-IT" sz="1100" b="1" dirty="0"/>
-              <a:t>personal + </a:t>
-            </a:r>
-            <a:r>
-              <a:rPr lang="it-IT" sz="1100" b="1" dirty="0" err="1"/>
-              <a:t>trusted</a:t>
-            </a:r>
-            <a:r>
-              <a:rPr lang="it-IT" sz="1100" b="1" dirty="0"/>
-              <a:t> root  di </a:t>
-            </a:r>
-            <a:r>
-              <a:rPr lang="it-IT" sz="1100" b="1" dirty="0" err="1"/>
-              <a:t>local</a:t>
-            </a:r>
-            <a:r>
-              <a:rPr lang="it-IT" sz="1100" b="1" dirty="0"/>
-              <a:t> user  (</a:t>
-            </a:r>
-            <a:r>
-              <a:rPr lang="it-IT" sz="1100" b="1" dirty="0" err="1"/>
-              <a:t>IdentityServer</a:t>
-            </a:r>
-            <a:r>
-              <a:rPr lang="it-IT" sz="1100" b="1" dirty="0"/>
-              <a:t>)</a:t>
-            </a:r>
-          </a:p>
-          <a:p>
-            <a:pPr marL="400050" lvl="1" indent="0">
-              <a:buNone/>
-            </a:pPr>
-            <a:r>
-              <a:rPr lang="it-IT" sz="1100" b="1" dirty="0"/>
-              <a:t>personal + </a:t>
-            </a:r>
-            <a:r>
-              <a:rPr lang="it-IT" sz="1100" b="1" dirty="0" err="1"/>
-              <a:t>trusted</a:t>
-            </a:r>
-            <a:r>
-              <a:rPr lang="it-IT" sz="1100" b="1" dirty="0"/>
-              <a:t> root  di </a:t>
-            </a:r>
-            <a:r>
-              <a:rPr lang="it-IT" sz="1100" b="1" dirty="0" err="1"/>
-              <a:t>local</a:t>
-            </a:r>
-            <a:r>
-              <a:rPr lang="it-IT" sz="1100" b="1" dirty="0"/>
-              <a:t> machine  (IIS)</a:t>
-            </a:r>
-          </a:p>
-          <a:p>
-            <a:pPr marL="0" indent="0">
-              <a:buNone/>
-            </a:pPr>
-            <a:endParaRPr lang="it-IT" sz="1400" b="1" dirty="0"/>
-          </a:p>
-          <a:p>
-            <a:r>
-              <a:rPr lang="it-IT" sz="1400" b="1" dirty="0"/>
-              <a:t>Logon automatico con un logon provider di tipo </a:t>
-            </a:r>
-            <a:r>
-              <a:rPr lang="it-IT" sz="1400" b="1" dirty="0">
-                <a:solidFill>
-                  <a:schemeClr val="tx1">
-                    <a:lumMod val="50000"/>
-                    <a:lumOff val="50000"/>
-                  </a:schemeClr>
-                </a:solidFill>
-              </a:rPr>
-              <a:t>S</a:t>
-            </a:r>
-            <a:r>
-              <a:rPr lang="it-IT" sz="1400" b="1" dirty="0"/>
-              <a:t>ingle </a:t>
-            </a:r>
-            <a:r>
-              <a:rPr lang="it-IT" sz="1400" b="1" dirty="0" err="1">
-                <a:solidFill>
-                  <a:schemeClr val="tx1">
-                    <a:lumMod val="50000"/>
-                    <a:lumOff val="50000"/>
-                  </a:schemeClr>
-                </a:solidFill>
-              </a:rPr>
-              <a:t>S</a:t>
-            </a:r>
-            <a:r>
-              <a:rPr lang="it-IT" sz="1400" b="1" dirty="0" err="1"/>
-              <a:t>ign</a:t>
-            </a:r>
-            <a:r>
-              <a:rPr lang="it-IT" sz="1400" b="1" dirty="0"/>
-              <a:t>-</a:t>
-            </a:r>
-            <a:r>
-              <a:rPr lang="it-IT" sz="1400" b="1" dirty="0">
-                <a:solidFill>
-                  <a:schemeClr val="tx1">
-                    <a:lumMod val="50000"/>
-                    <a:lumOff val="50000"/>
-                  </a:schemeClr>
-                </a:solidFill>
-              </a:rPr>
-              <a:t>O</a:t>
-            </a:r>
-            <a:r>
-              <a:rPr lang="it-IT" sz="1400" b="1" dirty="0"/>
-              <a:t>n in </a:t>
-            </a:r>
-            <a:r>
-              <a:rPr lang="it-IT" sz="1400" b="1" dirty="0" err="1">
-                <a:solidFill>
-                  <a:srgbClr val="F18D2C"/>
-                </a:solidFill>
-              </a:rPr>
-              <a:t>ARX</a:t>
-            </a:r>
-            <a:r>
-              <a:rPr lang="it-IT" sz="1400" b="1" dirty="0" err="1"/>
-              <a:t>ivar</a:t>
-            </a:r>
-            <a:r>
-              <a:rPr lang="it-IT" sz="1400" b="1" dirty="0"/>
-              <a:t> Web Portal. </a:t>
-            </a:r>
-          </a:p>
-          <a:p>
-            <a:pPr marL="457200" lvl="1" indent="0">
-              <a:buNone/>
-            </a:pPr>
-            <a:r>
-              <a:rPr lang="it-IT" sz="1000" b="1" dirty="0"/>
-              <a:t> </a:t>
-            </a:r>
-            <a:r>
-              <a:rPr lang="it-IT" sz="1000" b="1" dirty="0" err="1"/>
-              <a:t>Web.config</a:t>
-            </a:r>
-            <a:r>
-              <a:rPr lang="it-IT" sz="1000" b="1" dirty="0"/>
-              <a:t>:</a:t>
-            </a:r>
-          </a:p>
-          <a:p>
-            <a:pPr marL="0" indent="0">
-              <a:buNone/>
-            </a:pPr>
-            <a:r>
-              <a:rPr lang="it-IT" sz="1100" b="1" dirty="0"/>
-              <a:t>	&lt;</a:t>
-            </a:r>
-            <a:r>
-              <a:rPr lang="it-IT" sz="1100" b="1" dirty="0" err="1"/>
-              <a:t>add</a:t>
-            </a:r>
-            <a:r>
-              <a:rPr lang="it-IT" sz="1100" b="1" dirty="0"/>
-              <a:t> key="</a:t>
-            </a:r>
-            <a:r>
-              <a:rPr lang="it-IT" sz="1100" b="1" dirty="0" err="1"/>
-              <a:t>LogonProviderId</a:t>
-            </a:r>
-            <a:r>
-              <a:rPr lang="it-IT" sz="1100" b="1" dirty="0"/>
-              <a:t>" </a:t>
-            </a:r>
-            <a:r>
-              <a:rPr lang="it-IT" sz="1100" b="1" dirty="0" err="1"/>
-              <a:t>value</a:t>
-            </a:r>
-            <a:r>
-              <a:rPr lang="it-IT" sz="1100" b="1" dirty="0"/>
-              <a:t>="</a:t>
-            </a:r>
-            <a:r>
-              <a:rPr lang="it-IT" sz="1100" b="1" i="1" dirty="0">
-                <a:solidFill>
-                  <a:schemeClr val="tx1">
-                    <a:lumMod val="50000"/>
-                    <a:lumOff val="50000"/>
-                  </a:schemeClr>
-                </a:solidFill>
-              </a:rPr>
-              <a:t>&lt;</a:t>
-            </a:r>
-            <a:r>
-              <a:rPr lang="it-IT" sz="1100" b="1" i="1" dirty="0" err="1">
-                <a:solidFill>
-                  <a:schemeClr val="tx1">
-                    <a:lumMod val="50000"/>
-                    <a:lumOff val="50000"/>
-                  </a:schemeClr>
-                </a:solidFill>
-              </a:rPr>
-              <a:t>LogonProviderId</a:t>
-            </a:r>
-            <a:r>
-              <a:rPr lang="it-IT" sz="1100" b="1" i="1" dirty="0">
-                <a:solidFill>
-                  <a:schemeClr val="tx1">
-                    <a:lumMod val="50000"/>
-                    <a:lumOff val="50000"/>
-                  </a:schemeClr>
-                </a:solidFill>
-              </a:rPr>
-              <a:t>&gt;</a:t>
-            </a:r>
-            <a:r>
-              <a:rPr lang="it-IT" sz="1100" b="1" dirty="0"/>
-              <a:t>"/&gt;</a:t>
-            </a:r>
-          </a:p>
-        </p:txBody>
-      </p:sp>
-    </p:spTree>
-    <p:extLst>
-      <p:ext uri="{BB962C8B-B14F-4D97-AF65-F5344CB8AC3E}">
-        <p14:creationId xmlns:p14="http://schemas.microsoft.com/office/powerpoint/2010/main" val="3633445696"/>
       </p:ext>
     </p:extLst>
   </p:cSld>

--- a/doc/ARXDev4.pptx
+++ b/doc/ARXDev4.pptx
@@ -2,17 +2,18 @@
 <file path=ppt/presentation.xml><?xml version="1.0" encoding="utf-8"?>
 <p:presentation xmlns:a="http://schemas.openxmlformats.org/drawingml/2006/main" xmlns:r="http://schemas.openxmlformats.org/officeDocument/2006/relationships" xmlns:p="http://schemas.openxmlformats.org/presentationml/2006/main" saveSubsetFonts="1">
   <p:sldMasterIdLst>
-    <p:sldMasterId id="2147483648" r:id="rId1"/>
+    <p:sldMasterId id="2147483660" r:id="rId1"/>
+    <p:sldMasterId id="2147483674" r:id="rId2"/>
   </p:sldMasterIdLst>
   <p:notesMasterIdLst>
-    <p:notesMasterId r:id="rId7"/>
+    <p:notesMasterId r:id="rId8"/>
   </p:notesMasterIdLst>
   <p:sldIdLst>
-    <p:sldId id="256" r:id="rId2"/>
-    <p:sldId id="257" r:id="rId3"/>
-    <p:sldId id="266" r:id="rId4"/>
-    <p:sldId id="271" r:id="rId5"/>
-    <p:sldId id="265" r:id="rId6"/>
+    <p:sldId id="256" r:id="rId3"/>
+    <p:sldId id="257" r:id="rId4"/>
+    <p:sldId id="266" r:id="rId5"/>
+    <p:sldId id="271" r:id="rId6"/>
+    <p:sldId id="265" r:id="rId7"/>
   </p:sldIdLst>
   <p:sldSz cx="9144000" cy="5143500" type="screen16x9"/>
   <p:notesSz cx="6858000" cy="9144000"/>
@@ -20,92 +21,122 @@
     <a:defPPr>
       <a:defRPr lang="it-IT"/>
     </a:defPPr>
-    <a:lvl1pPr marL="0" algn="l" defTabSz="914400" rtl="0" eaLnBrk="1" latinLnBrk="0" hangingPunct="1">
-      <a:defRPr sz="1800" kern="1200">
+    <a:lvl1pPr algn="l" rtl="0" eaLnBrk="0" fontAlgn="base" hangingPunct="0">
+      <a:spcBef>
+        <a:spcPct val="0"/>
+      </a:spcBef>
+      <a:spcAft>
+        <a:spcPct val="0"/>
+      </a:spcAft>
+      <a:defRPr kern="1200">
         <a:solidFill>
           <a:schemeClr val="tx1"/>
         </a:solidFill>
-        <a:latin typeface="+mn-lt"/>
+        <a:latin typeface="Calibri" panose="020F0502020204030204" pitchFamily="34" charset="0"/>
         <a:ea typeface="+mn-ea"/>
         <a:cs typeface="+mn-cs"/>
       </a:defRPr>
     </a:lvl1pPr>
-    <a:lvl2pPr marL="457200" algn="l" defTabSz="914400" rtl="0" eaLnBrk="1" latinLnBrk="0" hangingPunct="1">
-      <a:defRPr sz="1800" kern="1200">
+    <a:lvl2pPr marL="457200" algn="l" rtl="0" eaLnBrk="0" fontAlgn="base" hangingPunct="0">
+      <a:spcBef>
+        <a:spcPct val="0"/>
+      </a:spcBef>
+      <a:spcAft>
+        <a:spcPct val="0"/>
+      </a:spcAft>
+      <a:defRPr kern="1200">
         <a:solidFill>
           <a:schemeClr val="tx1"/>
         </a:solidFill>
-        <a:latin typeface="+mn-lt"/>
+        <a:latin typeface="Calibri" panose="020F0502020204030204" pitchFamily="34" charset="0"/>
         <a:ea typeface="+mn-ea"/>
         <a:cs typeface="+mn-cs"/>
       </a:defRPr>
     </a:lvl2pPr>
-    <a:lvl3pPr marL="914400" algn="l" defTabSz="914400" rtl="0" eaLnBrk="1" latinLnBrk="0" hangingPunct="1">
-      <a:defRPr sz="1800" kern="1200">
+    <a:lvl3pPr marL="914400" algn="l" rtl="0" eaLnBrk="0" fontAlgn="base" hangingPunct="0">
+      <a:spcBef>
+        <a:spcPct val="0"/>
+      </a:spcBef>
+      <a:spcAft>
+        <a:spcPct val="0"/>
+      </a:spcAft>
+      <a:defRPr kern="1200">
         <a:solidFill>
           <a:schemeClr val="tx1"/>
         </a:solidFill>
-        <a:latin typeface="+mn-lt"/>
+        <a:latin typeface="Calibri" panose="020F0502020204030204" pitchFamily="34" charset="0"/>
         <a:ea typeface="+mn-ea"/>
         <a:cs typeface="+mn-cs"/>
       </a:defRPr>
     </a:lvl3pPr>
-    <a:lvl4pPr marL="1371600" algn="l" defTabSz="914400" rtl="0" eaLnBrk="1" latinLnBrk="0" hangingPunct="1">
-      <a:defRPr sz="1800" kern="1200">
+    <a:lvl4pPr marL="1371600" algn="l" rtl="0" eaLnBrk="0" fontAlgn="base" hangingPunct="0">
+      <a:spcBef>
+        <a:spcPct val="0"/>
+      </a:spcBef>
+      <a:spcAft>
+        <a:spcPct val="0"/>
+      </a:spcAft>
+      <a:defRPr kern="1200">
         <a:solidFill>
           <a:schemeClr val="tx1"/>
         </a:solidFill>
-        <a:latin typeface="+mn-lt"/>
+        <a:latin typeface="Calibri" panose="020F0502020204030204" pitchFamily="34" charset="0"/>
         <a:ea typeface="+mn-ea"/>
         <a:cs typeface="+mn-cs"/>
       </a:defRPr>
     </a:lvl4pPr>
-    <a:lvl5pPr marL="1828800" algn="l" defTabSz="914400" rtl="0" eaLnBrk="1" latinLnBrk="0" hangingPunct="1">
-      <a:defRPr sz="1800" kern="1200">
+    <a:lvl5pPr marL="1828800" algn="l" rtl="0" eaLnBrk="0" fontAlgn="base" hangingPunct="0">
+      <a:spcBef>
+        <a:spcPct val="0"/>
+      </a:spcBef>
+      <a:spcAft>
+        <a:spcPct val="0"/>
+      </a:spcAft>
+      <a:defRPr kern="1200">
         <a:solidFill>
           <a:schemeClr val="tx1"/>
         </a:solidFill>
-        <a:latin typeface="+mn-lt"/>
+        <a:latin typeface="Calibri" panose="020F0502020204030204" pitchFamily="34" charset="0"/>
         <a:ea typeface="+mn-ea"/>
         <a:cs typeface="+mn-cs"/>
       </a:defRPr>
     </a:lvl5pPr>
     <a:lvl6pPr marL="2286000" algn="l" defTabSz="914400" rtl="0" eaLnBrk="1" latinLnBrk="0" hangingPunct="1">
-      <a:defRPr sz="1800" kern="1200">
+      <a:defRPr kern="1200">
         <a:solidFill>
           <a:schemeClr val="tx1"/>
         </a:solidFill>
-        <a:latin typeface="+mn-lt"/>
+        <a:latin typeface="Calibri" panose="020F0502020204030204" pitchFamily="34" charset="0"/>
         <a:ea typeface="+mn-ea"/>
         <a:cs typeface="+mn-cs"/>
       </a:defRPr>
     </a:lvl6pPr>
     <a:lvl7pPr marL="2743200" algn="l" defTabSz="914400" rtl="0" eaLnBrk="1" latinLnBrk="0" hangingPunct="1">
-      <a:defRPr sz="1800" kern="1200">
+      <a:defRPr kern="1200">
         <a:solidFill>
           <a:schemeClr val="tx1"/>
         </a:solidFill>
-        <a:latin typeface="+mn-lt"/>
+        <a:latin typeface="Calibri" panose="020F0502020204030204" pitchFamily="34" charset="0"/>
         <a:ea typeface="+mn-ea"/>
         <a:cs typeface="+mn-cs"/>
       </a:defRPr>
     </a:lvl7pPr>
     <a:lvl8pPr marL="3200400" algn="l" defTabSz="914400" rtl="0" eaLnBrk="1" latinLnBrk="0" hangingPunct="1">
-      <a:defRPr sz="1800" kern="1200">
+      <a:defRPr kern="1200">
         <a:solidFill>
           <a:schemeClr val="tx1"/>
         </a:solidFill>
-        <a:latin typeface="+mn-lt"/>
+        <a:latin typeface="Calibri" panose="020F0502020204030204" pitchFamily="34" charset="0"/>
         <a:ea typeface="+mn-ea"/>
         <a:cs typeface="+mn-cs"/>
       </a:defRPr>
     </a:lvl8pPr>
     <a:lvl9pPr marL="3657600" algn="l" defTabSz="914400" rtl="0" eaLnBrk="1" latinLnBrk="0" hangingPunct="1">
-      <a:defRPr sz="1800" kern="1200">
+      <a:defRPr kern="1200">
         <a:solidFill>
           <a:schemeClr val="tx1"/>
         </a:solidFill>
-        <a:latin typeface="+mn-lt"/>
+        <a:latin typeface="Calibri" panose="020F0502020204030204" pitchFamily="34" charset="0"/>
         <a:ea typeface="+mn-ea"/>
         <a:cs typeface="+mn-cs"/>
       </a:defRPr>
@@ -571,7 +602,7 @@
 
 <file path=ppt/slideLayouts/slideLayout1.xml><?xml version="1.0" encoding="utf-8"?>
 <p:sldLayout xmlns:a="http://schemas.openxmlformats.org/drawingml/2006/main" xmlns:r="http://schemas.openxmlformats.org/officeDocument/2006/relationships" xmlns:p="http://schemas.openxmlformats.org/presentationml/2006/main" type="title" preserve="1">
-  <p:cSld name="Title Slide">
+  <p:cSld name="Diapositiva titolo">
     <p:spTree>
       <p:nvGrpSpPr>
         <p:cNvPr id="1" name=""/>
@@ -598,19 +629,27 @@
         </p:nvSpPr>
         <p:spPr>
           <a:xfrm>
-            <a:off x="685800" y="1597819"/>
-            <a:ext cx="5974432" cy="1102519"/>
+            <a:off x="395536" y="1597823"/>
+            <a:ext cx="7344816" cy="1102519"/>
           </a:xfrm>
         </p:spPr>
         <p:txBody>
           <a:bodyPr/>
-          <a:lstStyle/>
-          <a:p>
-            <a:r>
-              <a:rPr lang="en-US"/>
-              <a:t>Click to edit Master title style</a:t>
-            </a:r>
-            <a:endParaRPr lang="it-IT"/>
+          <a:lstStyle>
+            <a:lvl1pPr>
+              <a:defRPr>
+                <a:solidFill>
+                  <a:schemeClr val="accent2"/>
+                </a:solidFill>
+              </a:defRPr>
+            </a:lvl1pPr>
+          </a:lstStyle>
+          <a:p>
+            <a:r>
+              <a:rPr lang="it-IT"/>
+              <a:t>Fare clic per modificare lo stile del titolo dello schema</a:t>
+            </a:r>
+            <a:endParaRPr lang="it-IT" dirty="0"/>
           </a:p>
         </p:txBody>
       </p:sp>
@@ -626,8 +665,8 @@
         </p:nvSpPr>
         <p:spPr>
           <a:xfrm>
-            <a:off x="1371600" y="2914650"/>
-            <a:ext cx="4784576" cy="1314450"/>
+            <a:off x="1259632" y="2914650"/>
+            <a:ext cx="5760640" cy="1007250"/>
           </a:xfrm>
         </p:spPr>
         <p:txBody>
@@ -726,8 +765,8 @@
           </a:lstStyle>
           <a:p>
             <a:r>
-              <a:rPr lang="en-US"/>
-              <a:t>Click to edit Master subtitle style</a:t>
+              <a:rPr lang="it-IT"/>
+              <a:t>Fare clic per modificare lo stile del sottotitolo dello schema</a:t>
             </a:r>
             <a:endParaRPr lang="it-IT" dirty="0"/>
           </a:p>
@@ -746,14 +785,18 @@
         <p:spPr/>
         <p:txBody>
           <a:bodyPr/>
-          <a:lstStyle/>
+          <a:lstStyle>
+            <a:lvl1pPr>
+              <a:defRPr/>
+            </a:lvl1pPr>
+          </a:lstStyle>
           <a:p>
             <a:fld id="{4633ECFB-6927-4181-8532-1ECC482329AC}" type="datetimeFigureOut">
               <a:rPr lang="it-IT" smtClean="0"/>
               <a:pPr/>
               <a:t>27/01/2022</a:t>
             </a:fld>
-            <a:endParaRPr lang="it-IT"/>
+            <a:endParaRPr lang="it-IT" dirty="0"/>
           </a:p>
         </p:txBody>
       </p:sp>
@@ -770,9 +813,13 @@
         <p:spPr/>
         <p:txBody>
           <a:bodyPr/>
-          <a:lstStyle/>
-          <a:p>
-            <a:endParaRPr lang="it-IT"/>
+          <a:lstStyle>
+            <a:lvl1pPr>
+              <a:defRPr/>
+            </a:lvl1pPr>
+          </a:lstStyle>
+          <a:p>
+            <a:endParaRPr lang="it-IT" dirty="0"/>
           </a:p>
         </p:txBody>
       </p:sp>
@@ -789,7 +836,11 @@
         <p:spPr/>
         <p:txBody>
           <a:bodyPr/>
-          <a:lstStyle/>
+          <a:lstStyle>
+            <a:lvl1pPr>
+              <a:defRPr/>
+            </a:lvl1pPr>
+          </a:lstStyle>
           <a:p>
             <a:fld id="{C2C384BC-F1FE-41A7-AAED-F05271AC1209}" type="slidenum">
               <a:rPr lang="it-IT" smtClean="0"/>
@@ -801,16 +852,24 @@
         </p:txBody>
       </p:sp>
     </p:spTree>
+    <p:extLst>
+      <p:ext uri="{BB962C8B-B14F-4D97-AF65-F5344CB8AC3E}">
+        <p14:creationId xmlns:p14="http://schemas.microsoft.com/office/powerpoint/2010/main" val="3934713450"/>
+      </p:ext>
+    </p:extLst>
   </p:cSld>
   <p:clrMapOvr>
     <a:masterClrMapping/>
   </p:clrMapOvr>
+  <p:transition spd="slow">
+    <p:fade/>
+  </p:transition>
 </p:sldLayout>
 </file>
 
 <file path=ppt/slideLayouts/slideLayout10.xml><?xml version="1.0" encoding="utf-8"?>
-<p:sldLayout xmlns:a="http://schemas.openxmlformats.org/drawingml/2006/main" xmlns:r="http://schemas.openxmlformats.org/officeDocument/2006/relationships" xmlns:p="http://schemas.openxmlformats.org/presentationml/2006/main" type="vertTx" preserve="1">
-  <p:cSld name="Title and Vertical Text">
+<p:sldLayout xmlns:a="http://schemas.openxmlformats.org/drawingml/2006/main" xmlns:r="http://schemas.openxmlformats.org/officeDocument/2006/relationships" xmlns:p="http://schemas.openxmlformats.org/presentationml/2006/main" type="picTx" preserve="1">
+  <p:cSld name="Immagine con didascalia">
     <p:spTree>
       <p:nvGrpSpPr>
         <p:cNvPr id="1" name=""/>
@@ -835,98 +894,190 @@
             <p:ph type="title"/>
           </p:nvPr>
         </p:nvSpPr>
+        <p:spPr>
+          <a:xfrm>
+            <a:off x="827584" y="3606385"/>
+            <a:ext cx="5486400" cy="425054"/>
+          </a:xfrm>
+        </p:spPr>
+        <p:txBody>
+          <a:bodyPr anchor="b"/>
+          <a:lstStyle>
+            <a:lvl1pPr algn="l">
+              <a:defRPr sz="2000" b="1"/>
+            </a:lvl1pPr>
+          </a:lstStyle>
+          <a:p>
+            <a:r>
+              <a:rPr lang="it-IT"/>
+              <a:t>Fare clic per modificare lo stile del titolo dello schema</a:t>
+            </a:r>
+          </a:p>
+        </p:txBody>
+      </p:sp>
+      <p:sp>
+        <p:nvSpPr>
+          <p:cNvPr id="3" name="Picture Placeholder 2"/>
+          <p:cNvSpPr>
+            <a:spLocks noGrp="1"/>
+          </p:cNvSpPr>
+          <p:nvPr>
+            <p:ph type="pic" idx="1"/>
+          </p:nvPr>
+        </p:nvSpPr>
+        <p:spPr>
+          <a:xfrm>
+            <a:off x="827584" y="465516"/>
+            <a:ext cx="5486400" cy="3086100"/>
+          </a:xfrm>
+        </p:spPr>
+        <p:txBody>
+          <a:bodyPr rtlCol="0">
+            <a:normAutofit/>
+          </a:bodyPr>
+          <a:lstStyle>
+            <a:lvl1pPr marL="0" indent="0">
+              <a:buNone/>
+              <a:defRPr sz="3200"/>
+            </a:lvl1pPr>
+            <a:lvl2pPr marL="457200" indent="0">
+              <a:buNone/>
+              <a:defRPr sz="2800"/>
+            </a:lvl2pPr>
+            <a:lvl3pPr marL="914400" indent="0">
+              <a:buNone/>
+              <a:defRPr sz="2400"/>
+            </a:lvl3pPr>
+            <a:lvl4pPr marL="1371600" indent="0">
+              <a:buNone/>
+              <a:defRPr sz="2000"/>
+            </a:lvl4pPr>
+            <a:lvl5pPr marL="1828800" indent="0">
+              <a:buNone/>
+              <a:defRPr sz="2000"/>
+            </a:lvl5pPr>
+            <a:lvl6pPr marL="2286000" indent="0">
+              <a:buNone/>
+              <a:defRPr sz="2000"/>
+            </a:lvl6pPr>
+            <a:lvl7pPr marL="2743200" indent="0">
+              <a:buNone/>
+              <a:defRPr sz="2000"/>
+            </a:lvl7pPr>
+            <a:lvl8pPr marL="3200400" indent="0">
+              <a:buNone/>
+              <a:defRPr sz="2000"/>
+            </a:lvl8pPr>
+            <a:lvl9pPr marL="3657600" indent="0">
+              <a:buNone/>
+              <a:defRPr sz="2000"/>
+            </a:lvl9pPr>
+          </a:lstStyle>
+          <a:p>
+            <a:pPr lvl="0"/>
+            <a:r>
+              <a:rPr lang="it-IT" noProof="0"/>
+              <a:t>Fare clic sull'icona per inserire un'immagine</a:t>
+            </a:r>
+          </a:p>
+        </p:txBody>
+      </p:sp>
+      <p:sp>
+        <p:nvSpPr>
+          <p:cNvPr id="4" name="Text Placeholder 3"/>
+          <p:cNvSpPr>
+            <a:spLocks noGrp="1"/>
+          </p:cNvSpPr>
+          <p:nvPr>
+            <p:ph type="body" sz="half" idx="2"/>
+          </p:nvPr>
+        </p:nvSpPr>
+        <p:spPr>
+          <a:xfrm>
+            <a:off x="827584" y="4031442"/>
+            <a:ext cx="5486400" cy="603647"/>
+          </a:xfrm>
+        </p:spPr>
+        <p:txBody>
+          <a:bodyPr/>
+          <a:lstStyle>
+            <a:lvl1pPr marL="0" indent="0">
+              <a:buNone/>
+              <a:defRPr sz="1400"/>
+            </a:lvl1pPr>
+            <a:lvl2pPr marL="457200" indent="0">
+              <a:buNone/>
+              <a:defRPr sz="1200"/>
+            </a:lvl2pPr>
+            <a:lvl3pPr marL="914400" indent="0">
+              <a:buNone/>
+              <a:defRPr sz="1000"/>
+            </a:lvl3pPr>
+            <a:lvl4pPr marL="1371600" indent="0">
+              <a:buNone/>
+              <a:defRPr sz="900"/>
+            </a:lvl4pPr>
+            <a:lvl5pPr marL="1828800" indent="0">
+              <a:buNone/>
+              <a:defRPr sz="900"/>
+            </a:lvl5pPr>
+            <a:lvl6pPr marL="2286000" indent="0">
+              <a:buNone/>
+              <a:defRPr sz="900"/>
+            </a:lvl6pPr>
+            <a:lvl7pPr marL="2743200" indent="0">
+              <a:buNone/>
+              <a:defRPr sz="900"/>
+            </a:lvl7pPr>
+            <a:lvl8pPr marL="3200400" indent="0">
+              <a:buNone/>
+              <a:defRPr sz="900"/>
+            </a:lvl8pPr>
+            <a:lvl9pPr marL="3657600" indent="0">
+              <a:buNone/>
+              <a:defRPr sz="900"/>
+            </a:lvl9pPr>
+          </a:lstStyle>
+          <a:p>
+            <a:pPr lvl="0"/>
+            <a:r>
+              <a:rPr lang="it-IT"/>
+              <a:t>Fare clic per modificare gli stili del testo dello schema</a:t>
+            </a:r>
+          </a:p>
+        </p:txBody>
+      </p:sp>
+      <p:sp>
+        <p:nvSpPr>
+          <p:cNvPr id="5" name="Date Placeholder 3"/>
+          <p:cNvSpPr>
+            <a:spLocks noGrp="1"/>
+          </p:cNvSpPr>
+          <p:nvPr>
+            <p:ph type="dt" sz="half" idx="10"/>
+          </p:nvPr>
+        </p:nvSpPr>
         <p:spPr/>
         <p:txBody>
           <a:bodyPr/>
-          <a:lstStyle/>
-          <a:p>
-            <a:r>
-              <a:rPr lang="en-US"/>
-              <a:t>Click to edit Master title style</a:t>
-            </a:r>
-            <a:endParaRPr lang="it-IT"/>
-          </a:p>
-        </p:txBody>
-      </p:sp>
-      <p:sp>
-        <p:nvSpPr>
-          <p:cNvPr id="3" name="Vertical Text Placeholder 2"/>
-          <p:cNvSpPr>
-            <a:spLocks noGrp="1"/>
-          </p:cNvSpPr>
-          <p:nvPr>
-            <p:ph type="body" orient="vert" idx="1"/>
-          </p:nvPr>
-        </p:nvSpPr>
-        <p:spPr/>
-        <p:txBody>
-          <a:bodyPr vert="eaVert"/>
-          <a:lstStyle/>
-          <a:p>
-            <a:pPr lvl="0"/>
-            <a:r>
-              <a:rPr lang="en-US"/>
-              <a:t>Click to edit Master text styles</a:t>
-            </a:r>
-          </a:p>
-          <a:p>
-            <a:pPr lvl="1"/>
-            <a:r>
-              <a:rPr lang="en-US"/>
-              <a:t>Second level</a:t>
-            </a:r>
-          </a:p>
-          <a:p>
-            <a:pPr lvl="2"/>
-            <a:r>
-              <a:rPr lang="en-US"/>
-              <a:t>Third level</a:t>
-            </a:r>
-          </a:p>
-          <a:p>
-            <a:pPr lvl="3"/>
-            <a:r>
-              <a:rPr lang="en-US"/>
-              <a:t>Fourth level</a:t>
-            </a:r>
-          </a:p>
-          <a:p>
-            <a:pPr lvl="4"/>
-            <a:r>
-              <a:rPr lang="en-US"/>
-              <a:t>Fifth level</a:t>
-            </a:r>
-            <a:endParaRPr lang="it-IT"/>
-          </a:p>
-        </p:txBody>
-      </p:sp>
-      <p:sp>
-        <p:nvSpPr>
-          <p:cNvPr id="4" name="Date Placeholder 3"/>
-          <p:cNvSpPr>
-            <a:spLocks noGrp="1"/>
-          </p:cNvSpPr>
-          <p:nvPr>
-            <p:ph type="dt" sz="half" idx="10"/>
-          </p:nvPr>
-        </p:nvSpPr>
-        <p:spPr/>
-        <p:txBody>
-          <a:bodyPr/>
-          <a:lstStyle/>
+          <a:lstStyle>
+            <a:lvl1pPr>
+              <a:defRPr/>
+            </a:lvl1pPr>
+          </a:lstStyle>
           <a:p>
             <a:fld id="{4633ECFB-6927-4181-8532-1ECC482329AC}" type="datetimeFigureOut">
               <a:rPr lang="it-IT" smtClean="0"/>
               <a:pPr/>
               <a:t>27/01/2022</a:t>
             </a:fld>
-            <a:endParaRPr lang="it-IT"/>
-          </a:p>
-        </p:txBody>
-      </p:sp>
-      <p:sp>
-        <p:nvSpPr>
-          <p:cNvPr id="5" name="Footer Placeholder 4"/>
+            <a:endParaRPr lang="it-IT" dirty="0"/>
+          </a:p>
+        </p:txBody>
+      </p:sp>
+      <p:sp>
+        <p:nvSpPr>
+          <p:cNvPr id="6" name="Footer Placeholder 4"/>
           <p:cNvSpPr>
             <a:spLocks noGrp="1"/>
           </p:cNvSpPr>
@@ -937,15 +1088,19 @@
         <p:spPr/>
         <p:txBody>
           <a:bodyPr/>
-          <a:lstStyle/>
-          <a:p>
-            <a:endParaRPr lang="it-IT"/>
-          </a:p>
-        </p:txBody>
-      </p:sp>
-      <p:sp>
-        <p:nvSpPr>
-          <p:cNvPr id="6" name="Slide Number Placeholder 5"/>
+          <a:lstStyle>
+            <a:lvl1pPr>
+              <a:defRPr/>
+            </a:lvl1pPr>
+          </a:lstStyle>
+          <a:p>
+            <a:endParaRPr lang="it-IT" dirty="0"/>
+          </a:p>
+        </p:txBody>
+      </p:sp>
+      <p:sp>
+        <p:nvSpPr>
+          <p:cNvPr id="7" name="Slide Number Placeholder 5"/>
           <p:cNvSpPr>
             <a:spLocks noGrp="1"/>
           </p:cNvSpPr>
@@ -956,7 +1111,11 @@
         <p:spPr/>
         <p:txBody>
           <a:bodyPr/>
-          <a:lstStyle/>
+          <a:lstStyle>
+            <a:lvl1pPr>
+              <a:defRPr/>
+            </a:lvl1pPr>
+          </a:lstStyle>
           <a:p>
             <a:fld id="{C2C384BC-F1FE-41A7-AAED-F05271AC1209}" type="slidenum">
               <a:rPr lang="it-IT" smtClean="0"/>
@@ -968,16 +1127,24 @@
         </p:txBody>
       </p:sp>
     </p:spTree>
+    <p:extLst>
+      <p:ext uri="{BB962C8B-B14F-4D97-AF65-F5344CB8AC3E}">
+        <p14:creationId xmlns:p14="http://schemas.microsoft.com/office/powerpoint/2010/main" val="470874966"/>
+      </p:ext>
+    </p:extLst>
   </p:cSld>
   <p:clrMapOvr>
     <a:masterClrMapping/>
   </p:clrMapOvr>
+  <p:transition spd="slow">
+    <p:fade/>
+  </p:transition>
 </p:sldLayout>
 </file>
 
 <file path=ppt/slideLayouts/slideLayout11.xml><?xml version="1.0" encoding="utf-8"?>
-<p:sldLayout xmlns:a="http://schemas.openxmlformats.org/drawingml/2006/main" xmlns:r="http://schemas.openxmlformats.org/officeDocument/2006/relationships" xmlns:p="http://schemas.openxmlformats.org/presentationml/2006/main" type="vertTitleAndTx" preserve="1">
-  <p:cSld name="Vertical Title and Text">
+<p:sldLayout xmlns:a="http://schemas.openxmlformats.org/drawingml/2006/main" xmlns:r="http://schemas.openxmlformats.org/officeDocument/2006/relationships" xmlns:p="http://schemas.openxmlformats.org/presentationml/2006/main" type="vertTx" preserve="1">
+  <p:cSld name="Titolo e testo verticale">
     <p:spTree>
       <p:nvGrpSpPr>
         <p:cNvPr id="1" name=""/>
@@ -994,86 +1161,74 @@
       </p:grpSpPr>
       <p:sp>
         <p:nvSpPr>
-          <p:cNvPr id="2" name="Vertical Title 1"/>
-          <p:cNvSpPr>
-            <a:spLocks noGrp="1"/>
-          </p:cNvSpPr>
-          <p:nvPr>
-            <p:ph type="title" orient="vert"/>
-          </p:nvPr>
-        </p:nvSpPr>
-        <p:spPr>
-          <a:xfrm>
-            <a:off x="5292081" y="195486"/>
-            <a:ext cx="1603207" cy="4388644"/>
-          </a:xfrm>
-        </p:spPr>
+          <p:cNvPr id="2" name="Title 1"/>
+          <p:cNvSpPr>
+            <a:spLocks noGrp="1"/>
+          </p:cNvSpPr>
+          <p:nvPr>
+            <p:ph type="title"/>
+          </p:nvPr>
+        </p:nvSpPr>
+        <p:spPr/>
+        <p:txBody>
+          <a:bodyPr/>
+          <a:lstStyle/>
+          <a:p>
+            <a:r>
+              <a:rPr lang="it-IT"/>
+              <a:t>Fare clic per modificare lo stile del titolo dello schema</a:t>
+            </a:r>
+          </a:p>
+        </p:txBody>
+      </p:sp>
+      <p:sp>
+        <p:nvSpPr>
+          <p:cNvPr id="3" name="Vertical Text Placeholder 2"/>
+          <p:cNvSpPr>
+            <a:spLocks noGrp="1"/>
+          </p:cNvSpPr>
+          <p:nvPr>
+            <p:ph type="body" orient="vert" idx="1"/>
+          </p:nvPr>
+        </p:nvSpPr>
+        <p:spPr/>
         <p:txBody>
           <a:bodyPr vert="eaVert"/>
           <a:lstStyle/>
           <a:p>
-            <a:r>
-              <a:rPr lang="en-US"/>
-              <a:t>Click to edit Master title style</a:t>
-            </a:r>
-            <a:endParaRPr lang="it-IT"/>
-          </a:p>
-        </p:txBody>
-      </p:sp>
-      <p:sp>
-        <p:nvSpPr>
-          <p:cNvPr id="3" name="Vertical Text Placeholder 2"/>
-          <p:cNvSpPr>
-            <a:spLocks noGrp="1"/>
-          </p:cNvSpPr>
-          <p:nvPr>
-            <p:ph type="body" orient="vert" idx="1"/>
-          </p:nvPr>
-        </p:nvSpPr>
-        <p:spPr>
-          <a:xfrm>
-            <a:off x="457200" y="205979"/>
-            <a:ext cx="4690864" cy="4388644"/>
-          </a:xfrm>
-        </p:spPr>
-        <p:txBody>
-          <a:bodyPr vert="eaVert"/>
-          <a:lstStyle/>
-          <a:p>
             <a:pPr lvl="0"/>
             <a:r>
-              <a:rPr lang="en-US"/>
-              <a:t>Click to edit Master text styles</a:t>
+              <a:rPr lang="it-IT"/>
+              <a:t>Fare clic per modificare gli stili del testo dello schema</a:t>
             </a:r>
           </a:p>
           <a:p>
             <a:pPr lvl="1"/>
             <a:r>
-              <a:rPr lang="en-US"/>
-              <a:t>Second level</a:t>
+              <a:rPr lang="it-IT"/>
+              <a:t>Secondo livello</a:t>
             </a:r>
           </a:p>
           <a:p>
             <a:pPr lvl="2"/>
             <a:r>
-              <a:rPr lang="en-US"/>
-              <a:t>Third level</a:t>
+              <a:rPr lang="it-IT"/>
+              <a:t>Terzo livello</a:t>
             </a:r>
           </a:p>
           <a:p>
             <a:pPr lvl="3"/>
             <a:r>
-              <a:rPr lang="en-US"/>
-              <a:t>Fourth level</a:t>
+              <a:rPr lang="it-IT"/>
+              <a:t>Quarto livello</a:t>
             </a:r>
           </a:p>
           <a:p>
             <a:pPr lvl="4"/>
             <a:r>
-              <a:rPr lang="en-US"/>
-              <a:t>Fifth level</a:t>
-            </a:r>
-            <a:endParaRPr lang="it-IT" dirty="0"/>
+              <a:rPr lang="it-IT"/>
+              <a:t>Quinto livello</a:t>
+            </a:r>
           </a:p>
         </p:txBody>
       </p:sp>
@@ -1090,14 +1245,18 @@
         <p:spPr/>
         <p:txBody>
           <a:bodyPr/>
-          <a:lstStyle/>
+          <a:lstStyle>
+            <a:lvl1pPr>
+              <a:defRPr/>
+            </a:lvl1pPr>
+          </a:lstStyle>
           <a:p>
             <a:fld id="{4633ECFB-6927-4181-8532-1ECC482329AC}" type="datetimeFigureOut">
               <a:rPr lang="it-IT" smtClean="0"/>
               <a:pPr/>
               <a:t>27/01/2022</a:t>
             </a:fld>
-            <a:endParaRPr lang="it-IT"/>
+            <a:endParaRPr lang="it-IT" dirty="0"/>
           </a:p>
         </p:txBody>
       </p:sp>
@@ -1114,9 +1273,13 @@
         <p:spPr/>
         <p:txBody>
           <a:bodyPr/>
-          <a:lstStyle/>
-          <a:p>
-            <a:endParaRPr lang="it-IT"/>
+          <a:lstStyle>
+            <a:lvl1pPr>
+              <a:defRPr/>
+            </a:lvl1pPr>
+          </a:lstStyle>
+          <a:p>
+            <a:endParaRPr lang="it-IT" dirty="0"/>
           </a:p>
         </p:txBody>
       </p:sp>
@@ -1133,7 +1296,11 @@
         <p:spPr/>
         <p:txBody>
           <a:bodyPr/>
-          <a:lstStyle/>
+          <a:lstStyle>
+            <a:lvl1pPr>
+              <a:defRPr/>
+            </a:lvl1pPr>
+          </a:lstStyle>
           <a:p>
             <a:fld id="{C2C384BC-F1FE-41A7-AAED-F05271AC1209}" type="slidenum">
               <a:rPr lang="it-IT" smtClean="0"/>
@@ -1145,16 +1312,24 @@
         </p:txBody>
       </p:sp>
     </p:spTree>
+    <p:extLst>
+      <p:ext uri="{BB962C8B-B14F-4D97-AF65-F5344CB8AC3E}">
+        <p14:creationId xmlns:p14="http://schemas.microsoft.com/office/powerpoint/2010/main" val="2304283753"/>
+      </p:ext>
+    </p:extLst>
   </p:cSld>
   <p:clrMapOvr>
     <a:masterClrMapping/>
   </p:clrMapOvr>
+  <p:transition spd="slow">
+    <p:fade/>
+  </p:transition>
 </p:sldLayout>
 </file>
 
-<file path=ppt/slideLayouts/slideLayout2.xml><?xml version="1.0" encoding="utf-8"?>
-<p:sldLayout xmlns:a="http://schemas.openxmlformats.org/drawingml/2006/main" xmlns:r="http://schemas.openxmlformats.org/officeDocument/2006/relationships" xmlns:p="http://schemas.openxmlformats.org/presentationml/2006/main" type="obj" preserve="1">
-  <p:cSld name="Title and Content">
+<file path=ppt/slideLayouts/slideLayout12.xml><?xml version="1.0" encoding="utf-8"?>
+<p:sldLayout xmlns:a="http://schemas.openxmlformats.org/drawingml/2006/main" xmlns:r="http://schemas.openxmlformats.org/officeDocument/2006/relationships" xmlns:p="http://schemas.openxmlformats.org/presentationml/2006/main" type="vertTitleAndTx" preserve="1">
+  <p:cSld name="1_Titolo e testo verticale">
     <p:spTree>
       <p:nvGrpSpPr>
         <p:cNvPr id="1" name=""/>
@@ -1171,100 +1346,113 @@
       </p:grpSpPr>
       <p:sp>
         <p:nvSpPr>
-          <p:cNvPr id="2" name="Title 1"/>
-          <p:cNvSpPr>
-            <a:spLocks noGrp="1"/>
-          </p:cNvSpPr>
-          <p:nvPr>
-            <p:ph type="title"/>
+          <p:cNvPr id="2" name="Vertical Title 1"/>
+          <p:cNvSpPr>
+            <a:spLocks noGrp="1"/>
+          </p:cNvSpPr>
+          <p:nvPr>
+            <p:ph type="title" orient="vert"/>
+          </p:nvPr>
+        </p:nvSpPr>
+        <p:spPr>
+          <a:xfrm>
+            <a:off x="5292089" y="195486"/>
+            <a:ext cx="1603207" cy="4388644"/>
+          </a:xfrm>
+        </p:spPr>
+        <p:txBody>
+          <a:bodyPr vert="eaVert"/>
+          <a:lstStyle/>
+          <a:p>
+            <a:r>
+              <a:rPr lang="it-IT"/>
+              <a:t>Fare clic per modificare lo stile del titolo dello schema</a:t>
+            </a:r>
+          </a:p>
+        </p:txBody>
+      </p:sp>
+      <p:sp>
+        <p:nvSpPr>
+          <p:cNvPr id="3" name="Vertical Text Placeholder 2"/>
+          <p:cNvSpPr>
+            <a:spLocks noGrp="1"/>
+          </p:cNvSpPr>
+          <p:nvPr>
+            <p:ph type="body" orient="vert" idx="1"/>
+          </p:nvPr>
+        </p:nvSpPr>
+        <p:spPr>
+          <a:xfrm>
+            <a:off x="457200" y="205980"/>
+            <a:ext cx="4690864" cy="4388644"/>
+          </a:xfrm>
+        </p:spPr>
+        <p:txBody>
+          <a:bodyPr vert="eaVert"/>
+          <a:lstStyle/>
+          <a:p>
+            <a:pPr lvl="0"/>
+            <a:r>
+              <a:rPr lang="it-IT"/>
+              <a:t>Fare clic per modificare gli stili del testo dello schema</a:t>
+            </a:r>
+          </a:p>
+          <a:p>
+            <a:pPr lvl="1"/>
+            <a:r>
+              <a:rPr lang="it-IT"/>
+              <a:t>Secondo livello</a:t>
+            </a:r>
+          </a:p>
+          <a:p>
+            <a:pPr lvl="2"/>
+            <a:r>
+              <a:rPr lang="it-IT"/>
+              <a:t>Terzo livello</a:t>
+            </a:r>
+          </a:p>
+          <a:p>
+            <a:pPr lvl="3"/>
+            <a:r>
+              <a:rPr lang="it-IT"/>
+              <a:t>Quarto livello</a:t>
+            </a:r>
+          </a:p>
+          <a:p>
+            <a:pPr lvl="4"/>
+            <a:r>
+              <a:rPr lang="it-IT"/>
+              <a:t>Quinto livello</a:t>
+            </a:r>
+            <a:endParaRPr lang="it-IT" dirty="0"/>
+          </a:p>
+        </p:txBody>
+      </p:sp>
+      <p:sp>
+        <p:nvSpPr>
+          <p:cNvPr id="4" name="Date Placeholder 3"/>
+          <p:cNvSpPr>
+            <a:spLocks noGrp="1"/>
+          </p:cNvSpPr>
+          <p:nvPr>
+            <p:ph type="dt" sz="half" idx="10"/>
           </p:nvPr>
         </p:nvSpPr>
         <p:spPr/>
         <p:txBody>
           <a:bodyPr/>
-          <a:lstStyle/>
-          <a:p>
-            <a:r>
-              <a:rPr lang="en-US"/>
-              <a:t>Click to edit Master title style</a:t>
-            </a:r>
-            <a:endParaRPr lang="it-IT"/>
-          </a:p>
-        </p:txBody>
-      </p:sp>
-      <p:sp>
-        <p:nvSpPr>
-          <p:cNvPr id="3" name="Content Placeholder 2"/>
-          <p:cNvSpPr>
-            <a:spLocks noGrp="1"/>
-          </p:cNvSpPr>
-          <p:nvPr>
-            <p:ph idx="1"/>
-          </p:nvPr>
-        </p:nvSpPr>
-        <p:spPr/>
-        <p:txBody>
-          <a:bodyPr/>
-          <a:lstStyle/>
-          <a:p>
-            <a:pPr lvl="0"/>
-            <a:r>
-              <a:rPr lang="en-US"/>
-              <a:t>Click to edit Master text styles</a:t>
-            </a:r>
-          </a:p>
-          <a:p>
-            <a:pPr lvl="1"/>
-            <a:r>
-              <a:rPr lang="en-US"/>
-              <a:t>Second level</a:t>
-            </a:r>
-          </a:p>
-          <a:p>
-            <a:pPr lvl="2"/>
-            <a:r>
-              <a:rPr lang="en-US"/>
-              <a:t>Third level</a:t>
-            </a:r>
-          </a:p>
-          <a:p>
-            <a:pPr lvl="3"/>
-            <a:r>
-              <a:rPr lang="en-US"/>
-              <a:t>Fourth level</a:t>
-            </a:r>
-          </a:p>
-          <a:p>
-            <a:pPr lvl="4"/>
-            <a:r>
-              <a:rPr lang="en-US"/>
-              <a:t>Fifth level</a:t>
-            </a:r>
-            <a:endParaRPr lang="it-IT"/>
-          </a:p>
-        </p:txBody>
-      </p:sp>
-      <p:sp>
-        <p:nvSpPr>
-          <p:cNvPr id="4" name="Date Placeholder 3"/>
-          <p:cNvSpPr>
-            <a:spLocks noGrp="1"/>
-          </p:cNvSpPr>
-          <p:nvPr>
-            <p:ph type="dt" sz="half" idx="10"/>
-          </p:nvPr>
-        </p:nvSpPr>
-        <p:spPr/>
-        <p:txBody>
-          <a:bodyPr/>
-          <a:lstStyle/>
+          <a:lstStyle>
+            <a:lvl1pPr>
+              <a:defRPr/>
+            </a:lvl1pPr>
+          </a:lstStyle>
           <a:p>
             <a:fld id="{4633ECFB-6927-4181-8532-1ECC482329AC}" type="datetimeFigureOut">
               <a:rPr lang="it-IT" smtClean="0"/>
               <a:pPr/>
               <a:t>27/01/2022</a:t>
             </a:fld>
-            <a:endParaRPr lang="it-IT"/>
+            <a:endParaRPr lang="it-IT" dirty="0"/>
           </a:p>
         </p:txBody>
       </p:sp>
@@ -1281,9 +1469,13 @@
         <p:spPr/>
         <p:txBody>
           <a:bodyPr/>
-          <a:lstStyle/>
-          <a:p>
-            <a:endParaRPr lang="it-IT"/>
+          <a:lstStyle>
+            <a:lvl1pPr>
+              <a:defRPr/>
+            </a:lvl1pPr>
+          </a:lstStyle>
+          <a:p>
+            <a:endParaRPr lang="it-IT" dirty="0"/>
           </a:p>
         </p:txBody>
       </p:sp>
@@ -1300,7 +1492,11 @@
         <p:spPr/>
         <p:txBody>
           <a:bodyPr/>
-          <a:lstStyle/>
+          <a:lstStyle>
+            <a:lvl1pPr>
+              <a:defRPr/>
+            </a:lvl1pPr>
+          </a:lstStyle>
           <a:p>
             <a:fld id="{C2C384BC-F1FE-41A7-AAED-F05271AC1209}" type="slidenum">
               <a:rPr lang="it-IT" smtClean="0"/>
@@ -1312,16 +1508,32 @@
         </p:txBody>
       </p:sp>
     </p:spTree>
+    <p:extLst>
+      <p:ext uri="{BB962C8B-B14F-4D97-AF65-F5344CB8AC3E}">
+        <p14:creationId xmlns:p14="http://schemas.microsoft.com/office/powerpoint/2010/main" val="1451555754"/>
+      </p:ext>
+    </p:extLst>
   </p:cSld>
   <p:clrMapOvr>
     <a:masterClrMapping/>
   </p:clrMapOvr>
+  <p:transition spd="slow">
+    <p:fade/>
+  </p:transition>
 </p:sldLayout>
 </file>
 
-<file path=ppt/slideLayouts/slideLayout3.xml><?xml version="1.0" encoding="utf-8"?>
-<p:sldLayout xmlns:a="http://schemas.openxmlformats.org/drawingml/2006/main" xmlns:r="http://schemas.openxmlformats.org/officeDocument/2006/relationships" xmlns:p="http://schemas.openxmlformats.org/presentationml/2006/main" type="secHead" preserve="1">
-  <p:cSld name="Section Header">
+<file path=ppt/slideLayouts/slideLayout13.xml><?xml version="1.0" encoding="utf-8"?>
+<p:sldLayout xmlns:a="http://schemas.openxmlformats.org/drawingml/2006/main" xmlns:r="http://schemas.openxmlformats.org/officeDocument/2006/relationships" xmlns:p="http://schemas.openxmlformats.org/presentationml/2006/main" preserve="1">
+  <p:cSld name="Layout personalizzato">
+    <p:bg>
+      <p:bgPr>
+        <a:solidFill>
+          <a:srgbClr val="A6A6A6"/>
+        </a:solidFill>
+        <a:effectLst/>
+      </p:bgPr>
+    </p:bg>
     <p:spTree>
       <p:nvGrpSpPr>
         <p:cNvPr id="1" name=""/>
@@ -1346,174 +1558,49 @@
             <p:ph type="title"/>
           </p:nvPr>
         </p:nvSpPr>
-        <p:spPr>
-          <a:xfrm>
-            <a:off x="722314" y="3305176"/>
-            <a:ext cx="5865911" cy="1021556"/>
-          </a:xfrm>
-        </p:spPr>
-        <p:txBody>
-          <a:bodyPr anchor="t"/>
-          <a:lstStyle>
-            <a:lvl1pPr algn="l">
-              <a:defRPr sz="4000" b="1" cap="all"/>
-            </a:lvl1pPr>
-          </a:lstStyle>
-          <a:p>
-            <a:r>
-              <a:rPr lang="en-US"/>
-              <a:t>Click to edit Master title style</a:t>
-            </a:r>
-            <a:endParaRPr lang="it-IT"/>
-          </a:p>
-        </p:txBody>
-      </p:sp>
-      <p:sp>
-        <p:nvSpPr>
-          <p:cNvPr id="3" name="Text Placeholder 2"/>
-          <p:cNvSpPr>
-            <a:spLocks noGrp="1"/>
-          </p:cNvSpPr>
-          <p:nvPr>
-            <p:ph type="body" idx="1"/>
-          </p:nvPr>
-        </p:nvSpPr>
-        <p:spPr>
-          <a:xfrm>
-            <a:off x="722314" y="2180035"/>
-            <a:ext cx="5865911" cy="1125140"/>
-          </a:xfrm>
-        </p:spPr>
-        <p:txBody>
-          <a:bodyPr anchor="b"/>
-          <a:lstStyle>
-            <a:lvl1pPr marL="0" indent="0">
-              <a:buNone/>
-              <a:defRPr sz="2000">
-                <a:solidFill>
-                  <a:schemeClr val="tx1">
-                    <a:tint val="75000"/>
-                  </a:schemeClr>
-                </a:solidFill>
-              </a:defRPr>
-            </a:lvl1pPr>
-            <a:lvl2pPr marL="457200" indent="0">
-              <a:buNone/>
-              <a:defRPr sz="1800">
-                <a:solidFill>
-                  <a:schemeClr val="tx1">
-                    <a:tint val="75000"/>
-                  </a:schemeClr>
-                </a:solidFill>
-              </a:defRPr>
-            </a:lvl2pPr>
-            <a:lvl3pPr marL="914400" indent="0">
-              <a:buNone/>
-              <a:defRPr sz="1600">
-                <a:solidFill>
-                  <a:schemeClr val="tx1">
-                    <a:tint val="75000"/>
-                  </a:schemeClr>
-                </a:solidFill>
-              </a:defRPr>
-            </a:lvl3pPr>
-            <a:lvl4pPr marL="1371600" indent="0">
-              <a:buNone/>
-              <a:defRPr sz="1400">
-                <a:solidFill>
-                  <a:schemeClr val="tx1">
-                    <a:tint val="75000"/>
-                  </a:schemeClr>
-                </a:solidFill>
-              </a:defRPr>
-            </a:lvl4pPr>
-            <a:lvl5pPr marL="1828800" indent="0">
-              <a:buNone/>
-              <a:defRPr sz="1400">
-                <a:solidFill>
-                  <a:schemeClr val="tx1">
-                    <a:tint val="75000"/>
-                  </a:schemeClr>
-                </a:solidFill>
-              </a:defRPr>
-            </a:lvl5pPr>
-            <a:lvl6pPr marL="2286000" indent="0">
-              <a:buNone/>
-              <a:defRPr sz="1400">
-                <a:solidFill>
-                  <a:schemeClr val="tx1">
-                    <a:tint val="75000"/>
-                  </a:schemeClr>
-                </a:solidFill>
-              </a:defRPr>
-            </a:lvl6pPr>
-            <a:lvl7pPr marL="2743200" indent="0">
-              <a:buNone/>
-              <a:defRPr sz="1400">
-                <a:solidFill>
-                  <a:schemeClr val="tx1">
-                    <a:tint val="75000"/>
-                  </a:schemeClr>
-                </a:solidFill>
-              </a:defRPr>
-            </a:lvl7pPr>
-            <a:lvl8pPr marL="3200400" indent="0">
-              <a:buNone/>
-              <a:defRPr sz="1400">
-                <a:solidFill>
-                  <a:schemeClr val="tx1">
-                    <a:tint val="75000"/>
-                  </a:schemeClr>
-                </a:solidFill>
-              </a:defRPr>
-            </a:lvl8pPr>
-            <a:lvl9pPr marL="3657600" indent="0">
-              <a:buNone/>
-              <a:defRPr sz="1400">
-                <a:solidFill>
-                  <a:schemeClr val="tx1">
-                    <a:tint val="75000"/>
-                  </a:schemeClr>
-                </a:solidFill>
-              </a:defRPr>
-            </a:lvl9pPr>
-          </a:lstStyle>
-          <a:p>
-            <a:pPr lvl="0"/>
-            <a:r>
-              <a:rPr lang="en-US"/>
-              <a:t>Click to edit Master text styles</a:t>
-            </a:r>
-          </a:p>
-        </p:txBody>
-      </p:sp>
-      <p:sp>
-        <p:nvSpPr>
-          <p:cNvPr id="4" name="Date Placeholder 3"/>
-          <p:cNvSpPr>
-            <a:spLocks noGrp="1"/>
-          </p:cNvSpPr>
-          <p:nvPr>
-            <p:ph type="dt" sz="half" idx="10"/>
-          </p:nvPr>
-        </p:nvSpPr>
         <p:spPr/>
         <p:txBody>
           <a:bodyPr/>
           <a:lstStyle/>
+          <a:p>
+            <a:r>
+              <a:rPr lang="it-IT"/>
+              <a:t>Fare clic per modificare lo stile del titolo dello schema</a:t>
+            </a:r>
+          </a:p>
+        </p:txBody>
+      </p:sp>
+      <p:sp>
+        <p:nvSpPr>
+          <p:cNvPr id="3" name="Date Placeholder 2"/>
+          <p:cNvSpPr>
+            <a:spLocks noGrp="1"/>
+          </p:cNvSpPr>
+          <p:nvPr>
+            <p:ph type="dt" sz="half" idx="10"/>
+          </p:nvPr>
+        </p:nvSpPr>
+        <p:spPr/>
+        <p:txBody>
+          <a:bodyPr/>
+          <a:lstStyle>
+            <a:lvl1pPr>
+              <a:defRPr/>
+            </a:lvl1pPr>
+          </a:lstStyle>
           <a:p>
             <a:fld id="{4633ECFB-6927-4181-8532-1ECC482329AC}" type="datetimeFigureOut">
               <a:rPr lang="it-IT" smtClean="0"/>
               <a:pPr/>
               <a:t>27/01/2022</a:t>
             </a:fld>
-            <a:endParaRPr lang="it-IT"/>
-          </a:p>
-        </p:txBody>
-      </p:sp>
-      <p:sp>
-        <p:nvSpPr>
-          <p:cNvPr id="5" name="Footer Placeholder 4"/>
+            <a:endParaRPr lang="it-IT" dirty="0"/>
+          </a:p>
+        </p:txBody>
+      </p:sp>
+      <p:sp>
+        <p:nvSpPr>
+          <p:cNvPr id="4" name="Footer Placeholder 3"/>
           <p:cNvSpPr>
             <a:spLocks noGrp="1"/>
           </p:cNvSpPr>
@@ -1524,15 +1611,19 @@
         <p:spPr/>
         <p:txBody>
           <a:bodyPr/>
-          <a:lstStyle/>
-          <a:p>
-            <a:endParaRPr lang="it-IT"/>
-          </a:p>
-        </p:txBody>
-      </p:sp>
-      <p:sp>
-        <p:nvSpPr>
-          <p:cNvPr id="6" name="Slide Number Placeholder 5"/>
+          <a:lstStyle>
+            <a:lvl1pPr>
+              <a:defRPr/>
+            </a:lvl1pPr>
+          </a:lstStyle>
+          <a:p>
+            <a:endParaRPr lang="it-IT" dirty="0"/>
+          </a:p>
+        </p:txBody>
+      </p:sp>
+      <p:sp>
+        <p:nvSpPr>
+          <p:cNvPr id="5" name="Slide Number Placeholder 4"/>
           <p:cNvSpPr>
             <a:spLocks noGrp="1"/>
           </p:cNvSpPr>
@@ -1543,7 +1634,11 @@
         <p:spPr/>
         <p:txBody>
           <a:bodyPr/>
-          <a:lstStyle/>
+          <a:lstStyle>
+            <a:lvl1pPr>
+              <a:defRPr/>
+            </a:lvl1pPr>
+          </a:lstStyle>
           <a:p>
             <a:fld id="{C2C384BC-F1FE-41A7-AAED-F05271AC1209}" type="slidenum">
               <a:rPr lang="it-IT" smtClean="0"/>
@@ -1555,16 +1650,24 @@
         </p:txBody>
       </p:sp>
     </p:spTree>
+    <p:extLst>
+      <p:ext uri="{BB962C8B-B14F-4D97-AF65-F5344CB8AC3E}">
+        <p14:creationId xmlns:p14="http://schemas.microsoft.com/office/powerpoint/2010/main" val="771315395"/>
+      </p:ext>
+    </p:extLst>
   </p:cSld>
   <p:clrMapOvr>
     <a:masterClrMapping/>
   </p:clrMapOvr>
+  <p:transition spd="slow">
+    <p:fade/>
+  </p:transition>
 </p:sldLayout>
 </file>
 
-<file path=ppt/slideLayouts/slideLayout4.xml><?xml version="1.0" encoding="utf-8"?>
-<p:sldLayout xmlns:a="http://schemas.openxmlformats.org/drawingml/2006/main" xmlns:r="http://schemas.openxmlformats.org/officeDocument/2006/relationships" xmlns:p="http://schemas.openxmlformats.org/presentationml/2006/main" type="twoObj" preserve="1">
-  <p:cSld name="Two Content">
+<file path=ppt/slideLayouts/slideLayout14.xml><?xml version="1.0" encoding="utf-8"?>
+<p:sldLayout xmlns:a="http://schemas.openxmlformats.org/drawingml/2006/main" xmlns:r="http://schemas.openxmlformats.org/officeDocument/2006/relationships" xmlns:p="http://schemas.openxmlformats.org/presentationml/2006/main" type="title" preserve="1">
+  <p:cSld name="Diapositiva titolo">
     <p:spTree>
       <p:nvGrpSpPr>
         <p:cNvPr id="1" name=""/>
@@ -1579,6 +1682,60 @@
           <a:chExt cx="0" cy="0"/>
         </a:xfrm>
       </p:grpSpPr>
+      <p:pic>
+        <p:nvPicPr>
+          <p:cNvPr id="4" name="Picture 2" descr="C:\Users\L.DiRubbo\Pictures\Blue-Ocean-Strategy-640x416.jpg"/>
+          <p:cNvPicPr>
+            <a:picLocks noChangeArrowheads="1"/>
+          </p:cNvPicPr>
+          <p:nvPr/>
+        </p:nvPicPr>
+        <p:blipFill>
+          <a:blip r:embed="rId2">
+            <a:extLst>
+              <a:ext uri="{28A0092B-C50C-407E-A947-70E740481C1C}">
+                <a14:useLocalDpi xmlns:a14="http://schemas.microsoft.com/office/drawing/2010/main" val="0"/>
+              </a:ext>
+            </a:extLst>
+          </a:blip>
+          <a:srcRect/>
+          <a:stretch>
+            <a:fillRect/>
+          </a:stretch>
+        </p:blipFill>
+        <p:spPr bwMode="auto">
+          <a:xfrm>
+            <a:off x="0" y="0"/>
+            <a:ext cx="9144000" cy="4516438"/>
+          </a:xfrm>
+          <a:prstGeom prst="rect">
+            <a:avLst/>
+          </a:prstGeom>
+          <a:noFill/>
+          <a:ln>
+            <a:noFill/>
+          </a:ln>
+          <a:extLst>
+            <a:ext uri="{909E8E84-426E-40DD-AFC4-6F175D3DCCD1}">
+              <a14:hiddenFill xmlns:a14="http://schemas.microsoft.com/office/drawing/2010/main">
+                <a:solidFill>
+                  <a:srgbClr val="FFFFFF"/>
+                </a:solidFill>
+              </a14:hiddenFill>
+            </a:ext>
+            <a:ext uri="{91240B29-F687-4F45-9708-019B960494DF}">
+              <a14:hiddenLine xmlns:a14="http://schemas.microsoft.com/office/drawing/2010/main" w="9525">
+                <a:solidFill>
+                  <a:srgbClr val="000000"/>
+                </a:solidFill>
+                <a:miter lim="800000"/>
+                <a:headEnd/>
+                <a:tailEnd/>
+              </a14:hiddenLine>
+            </a:ext>
+          </a:extLst>
+        </p:spPr>
+      </p:pic>
       <p:sp>
         <p:nvSpPr>
           <p:cNvPr id="2" name="Title 1"/>
@@ -1586,36 +1743,870 @@
             <a:spLocks noGrp="1"/>
           </p:cNvSpPr>
           <p:nvPr>
-            <p:ph type="title"/>
-          </p:nvPr>
-        </p:nvSpPr>
-        <p:spPr/>
+            <p:ph type="ctrTitle"/>
+          </p:nvPr>
+        </p:nvSpPr>
+        <p:spPr>
+          <a:xfrm>
+            <a:off x="685800" y="87476"/>
+            <a:ext cx="7772400" cy="1102519"/>
+          </a:xfrm>
+        </p:spPr>
         <p:txBody>
           <a:bodyPr/>
           <a:lstStyle/>
           <a:p>
             <a:r>
-              <a:rPr lang="en-US"/>
-              <a:t>Click to edit Master title style</a:t>
-            </a:r>
-            <a:endParaRPr lang="it-IT"/>
-          </a:p>
-        </p:txBody>
-      </p:sp>
-      <p:sp>
-        <p:nvSpPr>
-          <p:cNvPr id="3" name="Content Placeholder 2"/>
-          <p:cNvSpPr>
-            <a:spLocks noGrp="1"/>
-          </p:cNvSpPr>
-          <p:nvPr>
-            <p:ph sz="half" idx="1"/>
+              <a:rPr lang="it-IT"/>
+              <a:t>Fare clic per modificare lo stile del titolo dello schema</a:t>
+            </a:r>
+          </a:p>
+        </p:txBody>
+      </p:sp>
+      <p:sp>
+        <p:nvSpPr>
+          <p:cNvPr id="3" name="Subtitle 2"/>
+          <p:cNvSpPr>
+            <a:spLocks noGrp="1"/>
+          </p:cNvSpPr>
+          <p:nvPr>
+            <p:ph type="subTitle" idx="1"/>
           </p:nvPr>
         </p:nvSpPr>
         <p:spPr>
           <a:xfrm>
-            <a:off x="467544" y="1221600"/>
-            <a:ext cx="3250704" cy="3394472"/>
+            <a:off x="0" y="4569972"/>
+            <a:ext cx="4499992" cy="573528"/>
+          </a:xfrm>
+        </p:spPr>
+        <p:txBody>
+          <a:bodyPr>
+            <a:normAutofit/>
+          </a:bodyPr>
+          <a:lstStyle>
+            <a:lvl1pPr marL="0" indent="0" algn="ctr">
+              <a:buNone/>
+              <a:defRPr sz="1800">
+                <a:solidFill>
+                  <a:schemeClr val="tx1">
+                    <a:tint val="75000"/>
+                  </a:schemeClr>
+                </a:solidFill>
+              </a:defRPr>
+            </a:lvl1pPr>
+            <a:lvl2pPr marL="457200" indent="0" algn="ctr">
+              <a:buNone/>
+              <a:defRPr>
+                <a:solidFill>
+                  <a:schemeClr val="tx1">
+                    <a:tint val="75000"/>
+                  </a:schemeClr>
+                </a:solidFill>
+              </a:defRPr>
+            </a:lvl2pPr>
+            <a:lvl3pPr marL="914400" indent="0" algn="ctr">
+              <a:buNone/>
+              <a:defRPr>
+                <a:solidFill>
+                  <a:schemeClr val="tx1">
+                    <a:tint val="75000"/>
+                  </a:schemeClr>
+                </a:solidFill>
+              </a:defRPr>
+            </a:lvl3pPr>
+            <a:lvl4pPr marL="1371600" indent="0" algn="ctr">
+              <a:buNone/>
+              <a:defRPr>
+                <a:solidFill>
+                  <a:schemeClr val="tx1">
+                    <a:tint val="75000"/>
+                  </a:schemeClr>
+                </a:solidFill>
+              </a:defRPr>
+            </a:lvl4pPr>
+            <a:lvl5pPr marL="1828800" indent="0" algn="ctr">
+              <a:buNone/>
+              <a:defRPr>
+                <a:solidFill>
+                  <a:schemeClr val="tx1">
+                    <a:tint val="75000"/>
+                  </a:schemeClr>
+                </a:solidFill>
+              </a:defRPr>
+            </a:lvl5pPr>
+            <a:lvl6pPr marL="2286000" indent="0" algn="ctr">
+              <a:buNone/>
+              <a:defRPr>
+                <a:solidFill>
+                  <a:schemeClr val="tx1">
+                    <a:tint val="75000"/>
+                  </a:schemeClr>
+                </a:solidFill>
+              </a:defRPr>
+            </a:lvl6pPr>
+            <a:lvl7pPr marL="2743200" indent="0" algn="ctr">
+              <a:buNone/>
+              <a:defRPr>
+                <a:solidFill>
+                  <a:schemeClr val="tx1">
+                    <a:tint val="75000"/>
+                  </a:schemeClr>
+                </a:solidFill>
+              </a:defRPr>
+            </a:lvl7pPr>
+            <a:lvl8pPr marL="3200400" indent="0" algn="ctr">
+              <a:buNone/>
+              <a:defRPr>
+                <a:solidFill>
+                  <a:schemeClr val="tx1">
+                    <a:tint val="75000"/>
+                  </a:schemeClr>
+                </a:solidFill>
+              </a:defRPr>
+            </a:lvl8pPr>
+            <a:lvl9pPr marL="3657600" indent="0" algn="ctr">
+              <a:buNone/>
+              <a:defRPr>
+                <a:solidFill>
+                  <a:schemeClr val="tx1">
+                    <a:tint val="75000"/>
+                  </a:schemeClr>
+                </a:solidFill>
+              </a:defRPr>
+            </a:lvl9pPr>
+          </a:lstStyle>
+          <a:p>
+            <a:r>
+              <a:rPr lang="it-IT"/>
+              <a:t>Fare clic per modificare lo stile del sottotitolo dello schema</a:t>
+            </a:r>
+            <a:endParaRPr lang="it-IT" dirty="0"/>
+          </a:p>
+        </p:txBody>
+      </p:sp>
+    </p:spTree>
+    <p:extLst>
+      <p:ext uri="{BB962C8B-B14F-4D97-AF65-F5344CB8AC3E}">
+        <p14:creationId xmlns:p14="http://schemas.microsoft.com/office/powerpoint/2010/main" val="941089212"/>
+      </p:ext>
+    </p:extLst>
+  </p:cSld>
+  <p:clrMapOvr>
+    <a:masterClrMapping/>
+  </p:clrMapOvr>
+  <p:transition spd="slow">
+    <p:fade/>
+  </p:transition>
+</p:sldLayout>
+</file>
+
+<file path=ppt/slideLayouts/slideLayout15.xml><?xml version="1.0" encoding="utf-8"?>
+<p:sldLayout xmlns:a="http://schemas.openxmlformats.org/drawingml/2006/main" xmlns:r="http://schemas.openxmlformats.org/officeDocument/2006/relationships" xmlns:p="http://schemas.openxmlformats.org/presentationml/2006/main" type="title" preserve="1">
+  <p:cSld name="1_Title Slide">
+    <p:spTree>
+      <p:nvGrpSpPr>
+        <p:cNvPr id="1" name=""/>
+        <p:cNvGrpSpPr/>
+        <p:nvPr/>
+      </p:nvGrpSpPr>
+      <p:grpSpPr>
+        <a:xfrm>
+          <a:off x="0" y="0"/>
+          <a:ext cx="0" cy="0"/>
+          <a:chOff x="0" y="0"/>
+          <a:chExt cx="0" cy="0"/>
+        </a:xfrm>
+      </p:grpSpPr>
+      <p:sp>
+        <p:nvSpPr>
+          <p:cNvPr id="2" name="Title 1"/>
+          <p:cNvSpPr>
+            <a:spLocks noGrp="1"/>
+          </p:cNvSpPr>
+          <p:nvPr>
+            <p:ph type="ctrTitle"/>
+          </p:nvPr>
+        </p:nvSpPr>
+        <p:spPr>
+          <a:xfrm>
+            <a:off x="685800" y="87476"/>
+            <a:ext cx="7772400" cy="1102519"/>
+          </a:xfrm>
+        </p:spPr>
+        <p:txBody>
+          <a:bodyPr/>
+          <a:lstStyle/>
+          <a:p>
+            <a:r>
+              <a:rPr lang="it-IT"/>
+              <a:t>Fare clic per modificare lo stile del titolo dello schema</a:t>
+            </a:r>
+          </a:p>
+        </p:txBody>
+      </p:sp>
+      <p:sp>
+        <p:nvSpPr>
+          <p:cNvPr id="3" name="Subtitle 2"/>
+          <p:cNvSpPr>
+            <a:spLocks noGrp="1"/>
+          </p:cNvSpPr>
+          <p:nvPr>
+            <p:ph type="subTitle" idx="1"/>
+          </p:nvPr>
+        </p:nvSpPr>
+        <p:spPr>
+          <a:xfrm>
+            <a:off x="0" y="4569972"/>
+            <a:ext cx="4499992" cy="573528"/>
+          </a:xfrm>
+        </p:spPr>
+        <p:txBody>
+          <a:bodyPr>
+            <a:normAutofit/>
+          </a:bodyPr>
+          <a:lstStyle>
+            <a:lvl1pPr marL="0" indent="0" algn="ctr">
+              <a:buNone/>
+              <a:defRPr sz="1800">
+                <a:solidFill>
+                  <a:schemeClr val="tx1">
+                    <a:tint val="75000"/>
+                  </a:schemeClr>
+                </a:solidFill>
+              </a:defRPr>
+            </a:lvl1pPr>
+            <a:lvl2pPr marL="457200" indent="0" algn="ctr">
+              <a:buNone/>
+              <a:defRPr>
+                <a:solidFill>
+                  <a:schemeClr val="tx1">
+                    <a:tint val="75000"/>
+                  </a:schemeClr>
+                </a:solidFill>
+              </a:defRPr>
+            </a:lvl2pPr>
+            <a:lvl3pPr marL="914400" indent="0" algn="ctr">
+              <a:buNone/>
+              <a:defRPr>
+                <a:solidFill>
+                  <a:schemeClr val="tx1">
+                    <a:tint val="75000"/>
+                  </a:schemeClr>
+                </a:solidFill>
+              </a:defRPr>
+            </a:lvl3pPr>
+            <a:lvl4pPr marL="1371600" indent="0" algn="ctr">
+              <a:buNone/>
+              <a:defRPr>
+                <a:solidFill>
+                  <a:schemeClr val="tx1">
+                    <a:tint val="75000"/>
+                  </a:schemeClr>
+                </a:solidFill>
+              </a:defRPr>
+            </a:lvl4pPr>
+            <a:lvl5pPr marL="1828800" indent="0" algn="ctr">
+              <a:buNone/>
+              <a:defRPr>
+                <a:solidFill>
+                  <a:schemeClr val="tx1">
+                    <a:tint val="75000"/>
+                  </a:schemeClr>
+                </a:solidFill>
+              </a:defRPr>
+            </a:lvl5pPr>
+            <a:lvl6pPr marL="2286000" indent="0" algn="ctr">
+              <a:buNone/>
+              <a:defRPr>
+                <a:solidFill>
+                  <a:schemeClr val="tx1">
+                    <a:tint val="75000"/>
+                  </a:schemeClr>
+                </a:solidFill>
+              </a:defRPr>
+            </a:lvl6pPr>
+            <a:lvl7pPr marL="2743200" indent="0" algn="ctr">
+              <a:buNone/>
+              <a:defRPr>
+                <a:solidFill>
+                  <a:schemeClr val="tx1">
+                    <a:tint val="75000"/>
+                  </a:schemeClr>
+                </a:solidFill>
+              </a:defRPr>
+            </a:lvl7pPr>
+            <a:lvl8pPr marL="3200400" indent="0" algn="ctr">
+              <a:buNone/>
+              <a:defRPr>
+                <a:solidFill>
+                  <a:schemeClr val="tx1">
+                    <a:tint val="75000"/>
+                  </a:schemeClr>
+                </a:solidFill>
+              </a:defRPr>
+            </a:lvl8pPr>
+            <a:lvl9pPr marL="3657600" indent="0" algn="ctr">
+              <a:buNone/>
+              <a:defRPr>
+                <a:solidFill>
+                  <a:schemeClr val="tx1">
+                    <a:tint val="75000"/>
+                  </a:schemeClr>
+                </a:solidFill>
+              </a:defRPr>
+            </a:lvl9pPr>
+          </a:lstStyle>
+          <a:p>
+            <a:r>
+              <a:rPr lang="it-IT"/>
+              <a:t>Fare clic per modificare lo stile del sottotitolo dello schema</a:t>
+            </a:r>
+            <a:endParaRPr lang="it-IT" dirty="0"/>
+          </a:p>
+        </p:txBody>
+      </p:sp>
+    </p:spTree>
+    <p:extLst>
+      <p:ext uri="{BB962C8B-B14F-4D97-AF65-F5344CB8AC3E}">
+        <p14:creationId xmlns:p14="http://schemas.microsoft.com/office/powerpoint/2010/main" val="12575950"/>
+      </p:ext>
+    </p:extLst>
+  </p:cSld>
+  <p:clrMapOvr>
+    <a:masterClrMapping/>
+  </p:clrMapOvr>
+  <p:transition spd="slow">
+    <p:fade/>
+  </p:transition>
+</p:sldLayout>
+</file>
+
+<file path=ppt/slideLayouts/slideLayout16.xml><?xml version="1.0" encoding="utf-8"?>
+<p:sldLayout xmlns:a="http://schemas.openxmlformats.org/drawingml/2006/main" xmlns:r="http://schemas.openxmlformats.org/officeDocument/2006/relationships" xmlns:p="http://schemas.openxmlformats.org/presentationml/2006/main" type="obj" preserve="1">
+  <p:cSld name="Titolo e contenuto">
+    <p:spTree>
+      <p:nvGrpSpPr>
+        <p:cNvPr id="1" name=""/>
+        <p:cNvGrpSpPr/>
+        <p:nvPr/>
+      </p:nvGrpSpPr>
+      <p:grpSpPr>
+        <a:xfrm>
+          <a:off x="0" y="0"/>
+          <a:ext cx="0" cy="0"/>
+          <a:chOff x="0" y="0"/>
+          <a:chExt cx="0" cy="0"/>
+        </a:xfrm>
+      </p:grpSpPr>
+      <p:sp>
+        <p:nvSpPr>
+          <p:cNvPr id="2" name="Title 1"/>
+          <p:cNvSpPr>
+            <a:spLocks noGrp="1"/>
+          </p:cNvSpPr>
+          <p:nvPr>
+            <p:ph type="title"/>
+          </p:nvPr>
+        </p:nvSpPr>
+        <p:spPr/>
+        <p:txBody>
+          <a:bodyPr/>
+          <a:lstStyle/>
+          <a:p>
+            <a:r>
+              <a:rPr lang="it-IT"/>
+              <a:t>Fare clic per modificare lo stile del titolo dello schema</a:t>
+            </a:r>
+          </a:p>
+        </p:txBody>
+      </p:sp>
+      <p:sp>
+        <p:nvSpPr>
+          <p:cNvPr id="3" name="Content Placeholder 2"/>
+          <p:cNvSpPr>
+            <a:spLocks noGrp="1"/>
+          </p:cNvSpPr>
+          <p:nvPr>
+            <p:ph idx="1"/>
+          </p:nvPr>
+        </p:nvSpPr>
+        <p:spPr/>
+        <p:txBody>
+          <a:bodyPr/>
+          <a:lstStyle/>
+          <a:p>
+            <a:pPr lvl="0"/>
+            <a:r>
+              <a:rPr lang="it-IT"/>
+              <a:t>Fare clic per modificare gli stili del testo dello schema</a:t>
+            </a:r>
+          </a:p>
+          <a:p>
+            <a:pPr lvl="1"/>
+            <a:r>
+              <a:rPr lang="it-IT"/>
+              <a:t>Secondo livello</a:t>
+            </a:r>
+          </a:p>
+          <a:p>
+            <a:pPr lvl="2"/>
+            <a:r>
+              <a:rPr lang="it-IT"/>
+              <a:t>Terzo livello</a:t>
+            </a:r>
+          </a:p>
+          <a:p>
+            <a:pPr lvl="3"/>
+            <a:r>
+              <a:rPr lang="it-IT"/>
+              <a:t>Quarto livello</a:t>
+            </a:r>
+          </a:p>
+          <a:p>
+            <a:pPr lvl="4"/>
+            <a:r>
+              <a:rPr lang="it-IT"/>
+              <a:t>Quinto livello</a:t>
+            </a:r>
+          </a:p>
+        </p:txBody>
+      </p:sp>
+      <p:sp>
+        <p:nvSpPr>
+          <p:cNvPr id="4" name="Date Placeholder 3"/>
+          <p:cNvSpPr>
+            <a:spLocks noGrp="1"/>
+          </p:cNvSpPr>
+          <p:nvPr>
+            <p:ph type="dt" sz="half" idx="10"/>
+          </p:nvPr>
+        </p:nvSpPr>
+        <p:spPr/>
+        <p:txBody>
+          <a:bodyPr/>
+          <a:lstStyle>
+            <a:lvl1pPr>
+              <a:defRPr/>
+            </a:lvl1pPr>
+          </a:lstStyle>
+          <a:p>
+            <a:pPr>
+              <a:defRPr/>
+            </a:pPr>
+            <a:fld id="{CB8E1A16-F944-46E7-859E-42FDC3BC1E8E}" type="datetimeFigureOut">
+              <a:rPr lang="it-IT"/>
+              <a:pPr>
+                <a:defRPr/>
+              </a:pPr>
+              <a:t>27/01/2022</a:t>
+            </a:fld>
+            <a:endParaRPr lang="it-IT"/>
+          </a:p>
+        </p:txBody>
+      </p:sp>
+      <p:sp>
+        <p:nvSpPr>
+          <p:cNvPr id="5" name="Footer Placeholder 4"/>
+          <p:cNvSpPr>
+            <a:spLocks noGrp="1"/>
+          </p:cNvSpPr>
+          <p:nvPr>
+            <p:ph type="ftr" sz="quarter" idx="11"/>
+          </p:nvPr>
+        </p:nvSpPr>
+        <p:spPr/>
+        <p:txBody>
+          <a:bodyPr/>
+          <a:lstStyle>
+            <a:lvl1pPr>
+              <a:defRPr/>
+            </a:lvl1pPr>
+          </a:lstStyle>
+          <a:p>
+            <a:pPr>
+              <a:defRPr/>
+            </a:pPr>
+            <a:endParaRPr lang="it-IT"/>
+          </a:p>
+        </p:txBody>
+      </p:sp>
+      <p:sp>
+        <p:nvSpPr>
+          <p:cNvPr id="6" name="Slide Number Placeholder 5"/>
+          <p:cNvSpPr>
+            <a:spLocks noGrp="1"/>
+          </p:cNvSpPr>
+          <p:nvPr>
+            <p:ph type="sldNum" sz="quarter" idx="12"/>
+          </p:nvPr>
+        </p:nvSpPr>
+        <p:spPr/>
+        <p:txBody>
+          <a:bodyPr/>
+          <a:lstStyle>
+            <a:lvl1pPr>
+              <a:defRPr/>
+            </a:lvl1pPr>
+          </a:lstStyle>
+          <a:p>
+            <a:pPr>
+              <a:defRPr/>
+            </a:pPr>
+            <a:fld id="{BBBC4E52-7E40-4B86-9AE5-E2B23727E611}" type="slidenum">
+              <a:rPr lang="it-IT"/>
+              <a:pPr>
+                <a:defRPr/>
+              </a:pPr>
+              <a:t>‹N›</a:t>
+            </a:fld>
+            <a:endParaRPr lang="it-IT"/>
+          </a:p>
+        </p:txBody>
+      </p:sp>
+    </p:spTree>
+    <p:extLst>
+      <p:ext uri="{BB962C8B-B14F-4D97-AF65-F5344CB8AC3E}">
+        <p14:creationId xmlns:p14="http://schemas.microsoft.com/office/powerpoint/2010/main" val="1276530567"/>
+      </p:ext>
+    </p:extLst>
+  </p:cSld>
+  <p:clrMapOvr>
+    <a:masterClrMapping/>
+  </p:clrMapOvr>
+  <p:transition spd="slow">
+    <p:fade/>
+  </p:transition>
+</p:sldLayout>
+</file>
+
+<file path=ppt/slideLayouts/slideLayout17.xml><?xml version="1.0" encoding="utf-8"?>
+<p:sldLayout xmlns:a="http://schemas.openxmlformats.org/drawingml/2006/main" xmlns:r="http://schemas.openxmlformats.org/officeDocument/2006/relationships" xmlns:p="http://schemas.openxmlformats.org/presentationml/2006/main" type="secHead" preserve="1">
+  <p:cSld name="Intestazione sezione">
+    <p:spTree>
+      <p:nvGrpSpPr>
+        <p:cNvPr id="1" name=""/>
+        <p:cNvGrpSpPr/>
+        <p:nvPr/>
+      </p:nvGrpSpPr>
+      <p:grpSpPr>
+        <a:xfrm>
+          <a:off x="0" y="0"/>
+          <a:ext cx="0" cy="0"/>
+          <a:chOff x="0" y="0"/>
+          <a:chExt cx="0" cy="0"/>
+        </a:xfrm>
+      </p:grpSpPr>
+      <p:sp>
+        <p:nvSpPr>
+          <p:cNvPr id="2" name="Title 1"/>
+          <p:cNvSpPr>
+            <a:spLocks noGrp="1"/>
+          </p:cNvSpPr>
+          <p:nvPr>
+            <p:ph type="title"/>
+          </p:nvPr>
+        </p:nvSpPr>
+        <p:spPr>
+          <a:xfrm>
+            <a:off x="722313" y="3305176"/>
+            <a:ext cx="7772400" cy="1021556"/>
+          </a:xfrm>
+        </p:spPr>
+        <p:txBody>
+          <a:bodyPr anchor="t"/>
+          <a:lstStyle>
+            <a:lvl1pPr algn="l">
+              <a:defRPr sz="4000" b="1" cap="all"/>
+            </a:lvl1pPr>
+          </a:lstStyle>
+          <a:p>
+            <a:r>
+              <a:rPr lang="it-IT"/>
+              <a:t>Fare clic per modificare lo stile del titolo dello schema</a:t>
+            </a:r>
+          </a:p>
+        </p:txBody>
+      </p:sp>
+      <p:sp>
+        <p:nvSpPr>
+          <p:cNvPr id="3" name="Text Placeholder 2"/>
+          <p:cNvSpPr>
+            <a:spLocks noGrp="1"/>
+          </p:cNvSpPr>
+          <p:nvPr>
+            <p:ph type="body" idx="1"/>
+          </p:nvPr>
+        </p:nvSpPr>
+        <p:spPr>
+          <a:xfrm>
+            <a:off x="722313" y="2180035"/>
+            <a:ext cx="7772400" cy="1125140"/>
+          </a:xfrm>
+        </p:spPr>
+        <p:txBody>
+          <a:bodyPr anchor="b"/>
+          <a:lstStyle>
+            <a:lvl1pPr marL="0" indent="0">
+              <a:buNone/>
+              <a:defRPr sz="2000">
+                <a:solidFill>
+                  <a:schemeClr val="tx1">
+                    <a:tint val="75000"/>
+                  </a:schemeClr>
+                </a:solidFill>
+              </a:defRPr>
+            </a:lvl1pPr>
+            <a:lvl2pPr marL="457200" indent="0">
+              <a:buNone/>
+              <a:defRPr sz="1800">
+                <a:solidFill>
+                  <a:schemeClr val="tx1">
+                    <a:tint val="75000"/>
+                  </a:schemeClr>
+                </a:solidFill>
+              </a:defRPr>
+            </a:lvl2pPr>
+            <a:lvl3pPr marL="914400" indent="0">
+              <a:buNone/>
+              <a:defRPr sz="1600">
+                <a:solidFill>
+                  <a:schemeClr val="tx1">
+                    <a:tint val="75000"/>
+                  </a:schemeClr>
+                </a:solidFill>
+              </a:defRPr>
+            </a:lvl3pPr>
+            <a:lvl4pPr marL="1371600" indent="0">
+              <a:buNone/>
+              <a:defRPr sz="1400">
+                <a:solidFill>
+                  <a:schemeClr val="tx1">
+                    <a:tint val="75000"/>
+                  </a:schemeClr>
+                </a:solidFill>
+              </a:defRPr>
+            </a:lvl4pPr>
+            <a:lvl5pPr marL="1828800" indent="0">
+              <a:buNone/>
+              <a:defRPr sz="1400">
+                <a:solidFill>
+                  <a:schemeClr val="tx1">
+                    <a:tint val="75000"/>
+                  </a:schemeClr>
+                </a:solidFill>
+              </a:defRPr>
+            </a:lvl5pPr>
+            <a:lvl6pPr marL="2286000" indent="0">
+              <a:buNone/>
+              <a:defRPr sz="1400">
+                <a:solidFill>
+                  <a:schemeClr val="tx1">
+                    <a:tint val="75000"/>
+                  </a:schemeClr>
+                </a:solidFill>
+              </a:defRPr>
+            </a:lvl6pPr>
+            <a:lvl7pPr marL="2743200" indent="0">
+              <a:buNone/>
+              <a:defRPr sz="1400">
+                <a:solidFill>
+                  <a:schemeClr val="tx1">
+                    <a:tint val="75000"/>
+                  </a:schemeClr>
+                </a:solidFill>
+              </a:defRPr>
+            </a:lvl7pPr>
+            <a:lvl8pPr marL="3200400" indent="0">
+              <a:buNone/>
+              <a:defRPr sz="1400">
+                <a:solidFill>
+                  <a:schemeClr val="tx1">
+                    <a:tint val="75000"/>
+                  </a:schemeClr>
+                </a:solidFill>
+              </a:defRPr>
+            </a:lvl8pPr>
+            <a:lvl9pPr marL="3657600" indent="0">
+              <a:buNone/>
+              <a:defRPr sz="1400">
+                <a:solidFill>
+                  <a:schemeClr val="tx1">
+                    <a:tint val="75000"/>
+                  </a:schemeClr>
+                </a:solidFill>
+              </a:defRPr>
+            </a:lvl9pPr>
+          </a:lstStyle>
+          <a:p>
+            <a:pPr lvl="0"/>
+            <a:r>
+              <a:rPr lang="it-IT"/>
+              <a:t>Fare clic per modificare gli stili del testo dello schema</a:t>
+            </a:r>
+          </a:p>
+        </p:txBody>
+      </p:sp>
+      <p:sp>
+        <p:nvSpPr>
+          <p:cNvPr id="4" name="Date Placeholder 3"/>
+          <p:cNvSpPr>
+            <a:spLocks noGrp="1"/>
+          </p:cNvSpPr>
+          <p:nvPr>
+            <p:ph type="dt" sz="half" idx="10"/>
+          </p:nvPr>
+        </p:nvSpPr>
+        <p:spPr/>
+        <p:txBody>
+          <a:bodyPr/>
+          <a:lstStyle>
+            <a:lvl1pPr>
+              <a:defRPr/>
+            </a:lvl1pPr>
+          </a:lstStyle>
+          <a:p>
+            <a:pPr>
+              <a:defRPr/>
+            </a:pPr>
+            <a:fld id="{79546075-BF21-4921-9345-0E77FAAF898A}" type="datetimeFigureOut">
+              <a:rPr lang="it-IT"/>
+              <a:pPr>
+                <a:defRPr/>
+              </a:pPr>
+              <a:t>27/01/2022</a:t>
+            </a:fld>
+            <a:endParaRPr lang="it-IT"/>
+          </a:p>
+        </p:txBody>
+      </p:sp>
+      <p:sp>
+        <p:nvSpPr>
+          <p:cNvPr id="5" name="Footer Placeholder 4"/>
+          <p:cNvSpPr>
+            <a:spLocks noGrp="1"/>
+          </p:cNvSpPr>
+          <p:nvPr>
+            <p:ph type="ftr" sz="quarter" idx="11"/>
+          </p:nvPr>
+        </p:nvSpPr>
+        <p:spPr/>
+        <p:txBody>
+          <a:bodyPr/>
+          <a:lstStyle>
+            <a:lvl1pPr>
+              <a:defRPr/>
+            </a:lvl1pPr>
+          </a:lstStyle>
+          <a:p>
+            <a:pPr>
+              <a:defRPr/>
+            </a:pPr>
+            <a:endParaRPr lang="it-IT"/>
+          </a:p>
+        </p:txBody>
+      </p:sp>
+      <p:sp>
+        <p:nvSpPr>
+          <p:cNvPr id="6" name="Slide Number Placeholder 5"/>
+          <p:cNvSpPr>
+            <a:spLocks noGrp="1"/>
+          </p:cNvSpPr>
+          <p:nvPr>
+            <p:ph type="sldNum" sz="quarter" idx="12"/>
+          </p:nvPr>
+        </p:nvSpPr>
+        <p:spPr/>
+        <p:txBody>
+          <a:bodyPr/>
+          <a:lstStyle>
+            <a:lvl1pPr>
+              <a:defRPr/>
+            </a:lvl1pPr>
+          </a:lstStyle>
+          <a:p>
+            <a:pPr>
+              <a:defRPr/>
+            </a:pPr>
+            <a:fld id="{53B3FEB7-319F-4C35-BE92-15623CB8314A}" type="slidenum">
+              <a:rPr lang="it-IT"/>
+              <a:pPr>
+                <a:defRPr/>
+              </a:pPr>
+              <a:t>‹N›</a:t>
+            </a:fld>
+            <a:endParaRPr lang="it-IT"/>
+          </a:p>
+        </p:txBody>
+      </p:sp>
+    </p:spTree>
+    <p:extLst>
+      <p:ext uri="{BB962C8B-B14F-4D97-AF65-F5344CB8AC3E}">
+        <p14:creationId xmlns:p14="http://schemas.microsoft.com/office/powerpoint/2010/main" val="3787499453"/>
+      </p:ext>
+    </p:extLst>
+  </p:cSld>
+  <p:clrMapOvr>
+    <a:masterClrMapping/>
+  </p:clrMapOvr>
+  <p:transition spd="slow">
+    <p:fade/>
+  </p:transition>
+</p:sldLayout>
+</file>
+
+<file path=ppt/slideLayouts/slideLayout18.xml><?xml version="1.0" encoding="utf-8"?>
+<p:sldLayout xmlns:a="http://schemas.openxmlformats.org/drawingml/2006/main" xmlns:r="http://schemas.openxmlformats.org/officeDocument/2006/relationships" xmlns:p="http://schemas.openxmlformats.org/presentationml/2006/main" type="twoObj" preserve="1">
+  <p:cSld name="Due contenuti">
+    <p:spTree>
+      <p:nvGrpSpPr>
+        <p:cNvPr id="1" name=""/>
+        <p:cNvGrpSpPr/>
+        <p:nvPr/>
+      </p:nvGrpSpPr>
+      <p:grpSpPr>
+        <a:xfrm>
+          <a:off x="0" y="0"/>
+          <a:ext cx="0" cy="0"/>
+          <a:chOff x="0" y="0"/>
+          <a:chExt cx="0" cy="0"/>
+        </a:xfrm>
+      </p:grpSpPr>
+      <p:sp>
+        <p:nvSpPr>
+          <p:cNvPr id="2" name="Title 1"/>
+          <p:cNvSpPr>
+            <a:spLocks noGrp="1"/>
+          </p:cNvSpPr>
+          <p:nvPr>
+            <p:ph type="title"/>
+          </p:nvPr>
+        </p:nvSpPr>
+        <p:spPr/>
+        <p:txBody>
+          <a:bodyPr/>
+          <a:lstStyle/>
+          <a:p>
+            <a:r>
+              <a:rPr lang="it-IT"/>
+              <a:t>Fare clic per modificare lo stile del titolo dello schema</a:t>
+            </a:r>
+          </a:p>
+        </p:txBody>
+      </p:sp>
+      <p:sp>
+        <p:nvSpPr>
+          <p:cNvPr id="3" name="Content Placeholder 2"/>
+          <p:cNvSpPr>
+            <a:spLocks noGrp="1"/>
+          </p:cNvSpPr>
+          <p:nvPr>
+            <p:ph sz="half" idx="1"/>
+          </p:nvPr>
+        </p:nvSpPr>
+        <p:spPr>
+          <a:xfrm>
+            <a:off x="457200" y="1200151"/>
+            <a:ext cx="4038600" cy="3394472"/>
           </a:xfrm>
         </p:spPr>
         <p:txBody>
@@ -1652,38 +2643,37 @@
           <a:p>
             <a:pPr lvl="0"/>
             <a:r>
-              <a:rPr lang="en-US"/>
-              <a:t>Click to edit Master text styles</a:t>
+              <a:rPr lang="it-IT"/>
+              <a:t>Fare clic per modificare gli stili del testo dello schema</a:t>
             </a:r>
           </a:p>
           <a:p>
             <a:pPr lvl="1"/>
             <a:r>
-              <a:rPr lang="en-US"/>
-              <a:t>Second level</a:t>
+              <a:rPr lang="it-IT"/>
+              <a:t>Secondo livello</a:t>
             </a:r>
           </a:p>
           <a:p>
             <a:pPr lvl="2"/>
             <a:r>
-              <a:rPr lang="en-US"/>
-              <a:t>Third level</a:t>
+              <a:rPr lang="it-IT"/>
+              <a:t>Terzo livello</a:t>
             </a:r>
           </a:p>
           <a:p>
             <a:pPr lvl="3"/>
             <a:r>
-              <a:rPr lang="en-US"/>
-              <a:t>Fourth level</a:t>
+              <a:rPr lang="it-IT"/>
+              <a:t>Quarto livello</a:t>
             </a:r>
           </a:p>
           <a:p>
             <a:pPr lvl="4"/>
             <a:r>
-              <a:rPr lang="en-US"/>
-              <a:t>Fifth level</a:t>
-            </a:r>
-            <a:endParaRPr lang="it-IT"/>
+              <a:rPr lang="it-IT"/>
+              <a:t>Quinto livello</a:t>
+            </a:r>
           </a:p>
         </p:txBody>
       </p:sp>
@@ -1699,8 +2689,8 @@
         </p:nvSpPr>
         <p:spPr>
           <a:xfrm>
-            <a:off x="3779912" y="1221600"/>
-            <a:ext cx="3250704" cy="3394472"/>
+            <a:off x="4648200" y="1200151"/>
+            <a:ext cx="4038600" cy="3394472"/>
           </a:xfrm>
         </p:spPr>
         <p:txBody>
@@ -1737,44 +2727,43 @@
           <a:p>
             <a:pPr lvl="0"/>
             <a:r>
-              <a:rPr lang="en-US"/>
-              <a:t>Click to edit Master text styles</a:t>
+              <a:rPr lang="it-IT"/>
+              <a:t>Fare clic per modificare gli stili del testo dello schema</a:t>
             </a:r>
           </a:p>
           <a:p>
             <a:pPr lvl="1"/>
             <a:r>
-              <a:rPr lang="en-US"/>
-              <a:t>Second level</a:t>
+              <a:rPr lang="it-IT"/>
+              <a:t>Secondo livello</a:t>
             </a:r>
           </a:p>
           <a:p>
             <a:pPr lvl="2"/>
             <a:r>
-              <a:rPr lang="en-US"/>
-              <a:t>Third level</a:t>
+              <a:rPr lang="it-IT"/>
+              <a:t>Terzo livello</a:t>
             </a:r>
           </a:p>
           <a:p>
             <a:pPr lvl="3"/>
             <a:r>
-              <a:rPr lang="en-US"/>
-              <a:t>Fourth level</a:t>
+              <a:rPr lang="it-IT"/>
+              <a:t>Quarto livello</a:t>
             </a:r>
           </a:p>
           <a:p>
             <a:pPr lvl="4"/>
             <a:r>
-              <a:rPr lang="en-US"/>
-              <a:t>Fifth level</a:t>
-            </a:r>
-            <a:endParaRPr lang="it-IT"/>
-          </a:p>
-        </p:txBody>
-      </p:sp>
-      <p:sp>
-        <p:nvSpPr>
-          <p:cNvPr id="5" name="Date Placeholder 4"/>
+              <a:rPr lang="it-IT"/>
+              <a:t>Quinto livello</a:t>
+            </a:r>
+          </a:p>
+        </p:txBody>
+      </p:sp>
+      <p:sp>
+        <p:nvSpPr>
+          <p:cNvPr id="5" name="Date Placeholder 3"/>
           <p:cNvSpPr>
             <a:spLocks noGrp="1"/>
           </p:cNvSpPr>
@@ -1785,11 +2774,20 @@
         <p:spPr/>
         <p:txBody>
           <a:bodyPr/>
-          <a:lstStyle/>
-          <a:p>
-            <a:fld id="{4633ECFB-6927-4181-8532-1ECC482329AC}" type="datetimeFigureOut">
-              <a:rPr lang="it-IT" smtClean="0"/>
-              <a:pPr/>
+          <a:lstStyle>
+            <a:lvl1pPr>
+              <a:defRPr/>
+            </a:lvl1pPr>
+          </a:lstStyle>
+          <a:p>
+            <a:pPr>
+              <a:defRPr/>
+            </a:pPr>
+            <a:fld id="{9798051E-962D-4786-BC37-4037AD45C65B}" type="datetimeFigureOut">
+              <a:rPr lang="it-IT"/>
+              <a:pPr>
+                <a:defRPr/>
+              </a:pPr>
               <a:t>27/01/2022</a:t>
             </a:fld>
             <a:endParaRPr lang="it-IT"/>
@@ -1798,7 +2796,7 @@
       </p:sp>
       <p:sp>
         <p:nvSpPr>
-          <p:cNvPr id="6" name="Footer Placeholder 5"/>
+          <p:cNvPr id="6" name="Footer Placeholder 4"/>
           <p:cNvSpPr>
             <a:spLocks noGrp="1"/>
           </p:cNvSpPr>
@@ -1809,15 +2807,22 @@
         <p:spPr/>
         <p:txBody>
           <a:bodyPr/>
-          <a:lstStyle/>
-          <a:p>
+          <a:lstStyle>
+            <a:lvl1pPr>
+              <a:defRPr/>
+            </a:lvl1pPr>
+          </a:lstStyle>
+          <a:p>
+            <a:pPr>
+              <a:defRPr/>
+            </a:pPr>
             <a:endParaRPr lang="it-IT"/>
           </a:p>
         </p:txBody>
       </p:sp>
       <p:sp>
         <p:nvSpPr>
-          <p:cNvPr id="7" name="Slide Number Placeholder 6"/>
+          <p:cNvPr id="7" name="Slide Number Placeholder 5"/>
           <p:cNvSpPr>
             <a:spLocks noGrp="1"/>
           </p:cNvSpPr>
@@ -1828,11 +2833,20 @@
         <p:spPr/>
         <p:txBody>
           <a:bodyPr/>
-          <a:lstStyle/>
-          <a:p>
-            <a:fld id="{C2C384BC-F1FE-41A7-AAED-F05271AC1209}" type="slidenum">
-              <a:rPr lang="it-IT" smtClean="0"/>
-              <a:pPr/>
+          <a:lstStyle>
+            <a:lvl1pPr>
+              <a:defRPr/>
+            </a:lvl1pPr>
+          </a:lstStyle>
+          <a:p>
+            <a:pPr>
+              <a:defRPr/>
+            </a:pPr>
+            <a:fld id="{76F6D60E-FE1A-4D3A-86AA-F539CCE9325E}" type="slidenum">
+              <a:rPr lang="it-IT"/>
+              <a:pPr>
+                <a:defRPr/>
+              </a:pPr>
               <a:t>‹N›</a:t>
             </a:fld>
             <a:endParaRPr lang="it-IT"/>
@@ -1840,16 +2854,24 @@
         </p:txBody>
       </p:sp>
     </p:spTree>
+    <p:extLst>
+      <p:ext uri="{BB962C8B-B14F-4D97-AF65-F5344CB8AC3E}">
+        <p14:creationId xmlns:p14="http://schemas.microsoft.com/office/powerpoint/2010/main" val="3932841057"/>
+      </p:ext>
+    </p:extLst>
   </p:cSld>
   <p:clrMapOvr>
     <a:masterClrMapping/>
   </p:clrMapOvr>
+  <p:transition spd="slow">
+    <p:fade/>
+  </p:transition>
 </p:sldLayout>
 </file>
 
-<file path=ppt/slideLayouts/slideLayout5.xml><?xml version="1.0" encoding="utf-8"?>
+<file path=ppt/slideLayouts/slideLayout19.xml><?xml version="1.0" encoding="utf-8"?>
 <p:sldLayout xmlns:a="http://schemas.openxmlformats.org/drawingml/2006/main" xmlns:r="http://schemas.openxmlformats.org/officeDocument/2006/relationships" xmlns:p="http://schemas.openxmlformats.org/presentationml/2006/main" type="twoTxTwoObj" preserve="1">
-  <p:cSld name="Comparison">
+  <p:cSld name="Confronto">
     <p:spTree>
       <p:nvGrpSpPr>
         <p:cNvPr id="1" name=""/>
@@ -1884,10 +2906,9 @@
           </a:lstStyle>
           <a:p>
             <a:r>
-              <a:rPr lang="en-US"/>
-              <a:t>Click to edit Master title style</a:t>
-            </a:r>
-            <a:endParaRPr lang="it-IT"/>
+              <a:rPr lang="it-IT"/>
+              <a:t>Fare clic per modificare lo stile del titolo dello schema</a:t>
+            </a:r>
           </a:p>
         </p:txBody>
       </p:sp>
@@ -1903,8 +2924,8 @@
         </p:nvSpPr>
         <p:spPr>
           <a:xfrm>
-            <a:off x="467544" y="1173826"/>
-            <a:ext cx="3250704" cy="479822"/>
+            <a:off x="457200" y="1151335"/>
+            <a:ext cx="4040188" cy="479822"/>
           </a:xfrm>
         </p:spPr>
         <p:txBody>
@@ -1950,8 +2971,8 @@
           <a:p>
             <a:pPr lvl="0"/>
             <a:r>
-              <a:rPr lang="en-US"/>
-              <a:t>Click to edit Master text styles</a:t>
+              <a:rPr lang="it-IT"/>
+              <a:t>Fare clic per modificare gli stili del testo dello schema</a:t>
             </a:r>
           </a:p>
         </p:txBody>
@@ -1968,8 +2989,8 @@
         </p:nvSpPr>
         <p:spPr>
           <a:xfrm>
-            <a:off x="467544" y="1653648"/>
-            <a:ext cx="3250704" cy="2963466"/>
+            <a:off x="457200" y="1631156"/>
+            <a:ext cx="4040188" cy="2963466"/>
           </a:xfrm>
         </p:spPr>
         <p:txBody>
@@ -2006,38 +3027,37 @@
           <a:p>
             <a:pPr lvl="0"/>
             <a:r>
-              <a:rPr lang="en-US"/>
-              <a:t>Click to edit Master text styles</a:t>
+              <a:rPr lang="it-IT"/>
+              <a:t>Fare clic per modificare gli stili del testo dello schema</a:t>
             </a:r>
           </a:p>
           <a:p>
             <a:pPr lvl="1"/>
             <a:r>
-              <a:rPr lang="en-US"/>
-              <a:t>Second level</a:t>
+              <a:rPr lang="it-IT"/>
+              <a:t>Secondo livello</a:t>
             </a:r>
           </a:p>
           <a:p>
             <a:pPr lvl="2"/>
             <a:r>
-              <a:rPr lang="en-US"/>
-              <a:t>Third level</a:t>
+              <a:rPr lang="it-IT"/>
+              <a:t>Terzo livello</a:t>
             </a:r>
           </a:p>
           <a:p>
             <a:pPr lvl="3"/>
             <a:r>
-              <a:rPr lang="en-US"/>
-              <a:t>Fourth level</a:t>
+              <a:rPr lang="it-IT"/>
+              <a:t>Quarto livello</a:t>
             </a:r>
           </a:p>
           <a:p>
             <a:pPr lvl="4"/>
             <a:r>
-              <a:rPr lang="en-US"/>
-              <a:t>Fifth level</a:t>
-            </a:r>
-            <a:endParaRPr lang="it-IT"/>
+              <a:rPr lang="it-IT"/>
+              <a:t>Quinto livello</a:t>
+            </a:r>
           </a:p>
         </p:txBody>
       </p:sp>
@@ -2053,8 +3073,8 @@
         </p:nvSpPr>
         <p:spPr>
           <a:xfrm>
-            <a:off x="3779913" y="1173826"/>
-            <a:ext cx="3240360" cy="479822"/>
+            <a:off x="4645030" y="1151335"/>
+            <a:ext cx="4041775" cy="479822"/>
           </a:xfrm>
         </p:spPr>
         <p:txBody>
@@ -2100,8 +3120,8 @@
           <a:p>
             <a:pPr lvl="0"/>
             <a:r>
-              <a:rPr lang="en-US"/>
-              <a:t>Click to edit Master text styles</a:t>
+              <a:rPr lang="it-IT"/>
+              <a:t>Fare clic per modificare gli stili del testo dello schema</a:t>
             </a:r>
           </a:p>
         </p:txBody>
@@ -2118,8 +3138,8 @@
         </p:nvSpPr>
         <p:spPr>
           <a:xfrm>
-            <a:off x="3779913" y="1653648"/>
-            <a:ext cx="3240360" cy="2963466"/>
+            <a:off x="4645030" y="1631156"/>
+            <a:ext cx="4041775" cy="2963466"/>
           </a:xfrm>
         </p:spPr>
         <p:txBody>
@@ -2156,44 +3176,43 @@
           <a:p>
             <a:pPr lvl="0"/>
             <a:r>
-              <a:rPr lang="en-US"/>
-              <a:t>Click to edit Master text styles</a:t>
+              <a:rPr lang="it-IT"/>
+              <a:t>Fare clic per modificare gli stili del testo dello schema</a:t>
             </a:r>
           </a:p>
           <a:p>
             <a:pPr lvl="1"/>
             <a:r>
-              <a:rPr lang="en-US"/>
-              <a:t>Second level</a:t>
+              <a:rPr lang="it-IT"/>
+              <a:t>Secondo livello</a:t>
             </a:r>
           </a:p>
           <a:p>
             <a:pPr lvl="2"/>
             <a:r>
-              <a:rPr lang="en-US"/>
-              <a:t>Third level</a:t>
+              <a:rPr lang="it-IT"/>
+              <a:t>Terzo livello</a:t>
             </a:r>
           </a:p>
           <a:p>
             <a:pPr lvl="3"/>
             <a:r>
-              <a:rPr lang="en-US"/>
-              <a:t>Fourth level</a:t>
+              <a:rPr lang="it-IT"/>
+              <a:t>Quarto livello</a:t>
             </a:r>
           </a:p>
           <a:p>
             <a:pPr lvl="4"/>
             <a:r>
-              <a:rPr lang="en-US"/>
-              <a:t>Fifth level</a:t>
-            </a:r>
-            <a:endParaRPr lang="it-IT"/>
-          </a:p>
-        </p:txBody>
-      </p:sp>
-      <p:sp>
-        <p:nvSpPr>
-          <p:cNvPr id="7" name="Date Placeholder 6"/>
+              <a:rPr lang="it-IT"/>
+              <a:t>Quinto livello</a:t>
+            </a:r>
+          </a:p>
+        </p:txBody>
+      </p:sp>
+      <p:sp>
+        <p:nvSpPr>
+          <p:cNvPr id="7" name="Date Placeholder 3"/>
           <p:cNvSpPr>
             <a:spLocks noGrp="1"/>
           </p:cNvSpPr>
@@ -2204,11 +3223,20 @@
         <p:spPr/>
         <p:txBody>
           <a:bodyPr/>
-          <a:lstStyle/>
-          <a:p>
-            <a:fld id="{4633ECFB-6927-4181-8532-1ECC482329AC}" type="datetimeFigureOut">
-              <a:rPr lang="it-IT" smtClean="0"/>
-              <a:pPr/>
+          <a:lstStyle>
+            <a:lvl1pPr>
+              <a:defRPr/>
+            </a:lvl1pPr>
+          </a:lstStyle>
+          <a:p>
+            <a:pPr>
+              <a:defRPr/>
+            </a:pPr>
+            <a:fld id="{E242FC72-599B-42A2-957D-5C2DE7B61AF5}" type="datetimeFigureOut">
+              <a:rPr lang="it-IT"/>
+              <a:pPr>
+                <a:defRPr/>
+              </a:pPr>
               <a:t>27/01/2022</a:t>
             </a:fld>
             <a:endParaRPr lang="it-IT"/>
@@ -2217,7 +3245,7 @@
       </p:sp>
       <p:sp>
         <p:nvSpPr>
-          <p:cNvPr id="8" name="Footer Placeholder 7"/>
+          <p:cNvPr id="8" name="Footer Placeholder 4"/>
           <p:cNvSpPr>
             <a:spLocks noGrp="1"/>
           </p:cNvSpPr>
@@ -2228,15 +3256,22 @@
         <p:spPr/>
         <p:txBody>
           <a:bodyPr/>
-          <a:lstStyle/>
-          <a:p>
+          <a:lstStyle>
+            <a:lvl1pPr>
+              <a:defRPr/>
+            </a:lvl1pPr>
+          </a:lstStyle>
+          <a:p>
+            <a:pPr>
+              <a:defRPr/>
+            </a:pPr>
             <a:endParaRPr lang="it-IT"/>
           </a:p>
         </p:txBody>
       </p:sp>
       <p:sp>
         <p:nvSpPr>
-          <p:cNvPr id="9" name="Slide Number Placeholder 8"/>
+          <p:cNvPr id="9" name="Slide Number Placeholder 5"/>
           <p:cNvSpPr>
             <a:spLocks noGrp="1"/>
           </p:cNvSpPr>
@@ -2247,11 +3282,20 @@
         <p:spPr/>
         <p:txBody>
           <a:bodyPr/>
-          <a:lstStyle/>
-          <a:p>
-            <a:fld id="{C2C384BC-F1FE-41A7-AAED-F05271AC1209}" type="slidenum">
-              <a:rPr lang="it-IT" smtClean="0"/>
-              <a:pPr/>
+          <a:lstStyle>
+            <a:lvl1pPr>
+              <a:defRPr/>
+            </a:lvl1pPr>
+          </a:lstStyle>
+          <a:p>
+            <a:pPr>
+              <a:defRPr/>
+            </a:pPr>
+            <a:fld id="{392D670C-534F-4087-BD8C-E77FBC01DACB}" type="slidenum">
+              <a:rPr lang="it-IT"/>
+              <a:pPr>
+                <a:defRPr/>
+              </a:pPr>
               <a:t>‹N›</a:t>
             </a:fld>
             <a:endParaRPr lang="it-IT"/>
@@ -2259,16 +3303,24 @@
         </p:txBody>
       </p:sp>
     </p:spTree>
+    <p:extLst>
+      <p:ext uri="{BB962C8B-B14F-4D97-AF65-F5344CB8AC3E}">
+        <p14:creationId xmlns:p14="http://schemas.microsoft.com/office/powerpoint/2010/main" val="4280838064"/>
+      </p:ext>
+    </p:extLst>
   </p:cSld>
   <p:clrMapOvr>
     <a:masterClrMapping/>
   </p:clrMapOvr>
+  <p:transition spd="slow">
+    <p:fade/>
+  </p:transition>
 </p:sldLayout>
 </file>
 
-<file path=ppt/slideLayouts/slideLayout6.xml><?xml version="1.0" encoding="utf-8"?>
-<p:sldLayout xmlns:a="http://schemas.openxmlformats.org/drawingml/2006/main" xmlns:r="http://schemas.openxmlformats.org/officeDocument/2006/relationships" xmlns:p="http://schemas.openxmlformats.org/presentationml/2006/main" type="titleOnly" preserve="1">
-  <p:cSld name="Title Only">
+<file path=ppt/slideLayouts/slideLayout2.xml><?xml version="1.0" encoding="utf-8"?>
+<p:sldLayout xmlns:a="http://schemas.openxmlformats.org/drawingml/2006/main" xmlns:r="http://schemas.openxmlformats.org/officeDocument/2006/relationships" xmlns:p="http://schemas.openxmlformats.org/presentationml/2006/main" type="obj" preserve="1">
+  <p:cSld name="Titolo e contenuto">
     <p:spTree>
       <p:nvGrpSpPr>
         <p:cNvPr id="1" name=""/>
@@ -2296,43 +3348,106 @@
         <p:spPr/>
         <p:txBody>
           <a:bodyPr/>
-          <a:lstStyle/>
-          <a:p>
-            <a:r>
-              <a:rPr lang="en-US"/>
-              <a:t>Click to edit Master title style</a:t>
-            </a:r>
-            <a:endParaRPr lang="it-IT"/>
-          </a:p>
-        </p:txBody>
-      </p:sp>
-      <p:sp>
-        <p:nvSpPr>
-          <p:cNvPr id="3" name="Date Placeholder 2"/>
-          <p:cNvSpPr>
-            <a:spLocks noGrp="1"/>
-          </p:cNvSpPr>
-          <p:nvPr>
-            <p:ph type="dt" sz="half" idx="10"/>
+          <a:lstStyle>
+            <a:lvl1pPr>
+              <a:defRPr>
+                <a:solidFill>
+                  <a:schemeClr val="accent2"/>
+                </a:solidFill>
+              </a:defRPr>
+            </a:lvl1pPr>
+          </a:lstStyle>
+          <a:p>
+            <a:r>
+              <a:rPr lang="it-IT"/>
+              <a:t>Fare clic per modificare lo stile del titolo dello schema</a:t>
+            </a:r>
+            <a:endParaRPr lang="it-IT" dirty="0"/>
+          </a:p>
+        </p:txBody>
+      </p:sp>
+      <p:sp>
+        <p:nvSpPr>
+          <p:cNvPr id="3" name="Content Placeholder 2"/>
+          <p:cNvSpPr>
+            <a:spLocks noGrp="1"/>
+          </p:cNvSpPr>
+          <p:nvPr>
+            <p:ph idx="1"/>
           </p:nvPr>
         </p:nvSpPr>
         <p:spPr/>
         <p:txBody>
           <a:bodyPr/>
           <a:lstStyle/>
+          <a:p>
+            <a:pPr lvl="0"/>
+            <a:r>
+              <a:rPr lang="it-IT"/>
+              <a:t>Fare clic per modificare gli stili del testo dello schema</a:t>
+            </a:r>
+          </a:p>
+          <a:p>
+            <a:pPr lvl="1"/>
+            <a:r>
+              <a:rPr lang="it-IT"/>
+              <a:t>Secondo livello</a:t>
+            </a:r>
+          </a:p>
+          <a:p>
+            <a:pPr lvl="2"/>
+            <a:r>
+              <a:rPr lang="it-IT"/>
+              <a:t>Terzo livello</a:t>
+            </a:r>
+          </a:p>
+          <a:p>
+            <a:pPr lvl="3"/>
+            <a:r>
+              <a:rPr lang="it-IT"/>
+              <a:t>Quarto livello</a:t>
+            </a:r>
+          </a:p>
+          <a:p>
+            <a:pPr lvl="4"/>
+            <a:r>
+              <a:rPr lang="it-IT"/>
+              <a:t>Quinto livello</a:t>
+            </a:r>
+          </a:p>
+        </p:txBody>
+      </p:sp>
+      <p:sp>
+        <p:nvSpPr>
+          <p:cNvPr id="4" name="Date Placeholder 3"/>
+          <p:cNvSpPr>
+            <a:spLocks noGrp="1"/>
+          </p:cNvSpPr>
+          <p:nvPr>
+            <p:ph type="dt" sz="half" idx="10"/>
+          </p:nvPr>
+        </p:nvSpPr>
+        <p:spPr/>
+        <p:txBody>
+          <a:bodyPr/>
+          <a:lstStyle>
+            <a:lvl1pPr>
+              <a:defRPr/>
+            </a:lvl1pPr>
+          </a:lstStyle>
           <a:p>
             <a:fld id="{4633ECFB-6927-4181-8532-1ECC482329AC}" type="datetimeFigureOut">
               <a:rPr lang="it-IT" smtClean="0"/>
               <a:pPr/>
               <a:t>27/01/2022</a:t>
             </a:fld>
-            <a:endParaRPr lang="it-IT"/>
-          </a:p>
-        </p:txBody>
-      </p:sp>
-      <p:sp>
-        <p:nvSpPr>
-          <p:cNvPr id="4" name="Footer Placeholder 3"/>
+            <a:endParaRPr lang="it-IT" dirty="0"/>
+          </a:p>
+        </p:txBody>
+      </p:sp>
+      <p:sp>
+        <p:nvSpPr>
+          <p:cNvPr id="5" name="Footer Placeholder 4"/>
           <p:cNvSpPr>
             <a:spLocks noGrp="1"/>
           </p:cNvSpPr>
@@ -2343,15 +3458,19 @@
         <p:spPr/>
         <p:txBody>
           <a:bodyPr/>
-          <a:lstStyle/>
-          <a:p>
-            <a:endParaRPr lang="it-IT"/>
-          </a:p>
-        </p:txBody>
-      </p:sp>
-      <p:sp>
-        <p:nvSpPr>
-          <p:cNvPr id="5" name="Slide Number Placeholder 4"/>
+          <a:lstStyle>
+            <a:lvl1pPr>
+              <a:defRPr/>
+            </a:lvl1pPr>
+          </a:lstStyle>
+          <a:p>
+            <a:endParaRPr lang="it-IT" dirty="0"/>
+          </a:p>
+        </p:txBody>
+      </p:sp>
+      <p:sp>
+        <p:nvSpPr>
+          <p:cNvPr id="6" name="Slide Number Placeholder 5"/>
           <p:cNvSpPr>
             <a:spLocks noGrp="1"/>
           </p:cNvSpPr>
@@ -2362,7 +3481,11 @@
         <p:spPr/>
         <p:txBody>
           <a:bodyPr/>
-          <a:lstStyle/>
+          <a:lstStyle>
+            <a:lvl1pPr>
+              <a:defRPr/>
+            </a:lvl1pPr>
+          </a:lstStyle>
           <a:p>
             <a:fld id="{C2C384BC-F1FE-41A7-AAED-F05271AC1209}" type="slidenum">
               <a:rPr lang="it-IT" smtClean="0"/>
@@ -2374,16 +3497,24 @@
         </p:txBody>
       </p:sp>
     </p:spTree>
+    <p:extLst>
+      <p:ext uri="{BB962C8B-B14F-4D97-AF65-F5344CB8AC3E}">
+        <p14:creationId xmlns:p14="http://schemas.microsoft.com/office/powerpoint/2010/main" val="3905193962"/>
+      </p:ext>
+    </p:extLst>
   </p:cSld>
   <p:clrMapOvr>
     <a:masterClrMapping/>
   </p:clrMapOvr>
+  <p:transition spd="slow">
+    <p:fade/>
+  </p:transition>
 </p:sldLayout>
 </file>
 
-<file path=ppt/slideLayouts/slideLayout7.xml><?xml version="1.0" encoding="utf-8"?>
-<p:sldLayout xmlns:a="http://schemas.openxmlformats.org/drawingml/2006/main" xmlns:r="http://schemas.openxmlformats.org/officeDocument/2006/relationships" xmlns:p="http://schemas.openxmlformats.org/presentationml/2006/main" type="blank" preserve="1">
-  <p:cSld name="Blank">
+<file path=ppt/slideLayouts/slideLayout20.xml><?xml version="1.0" encoding="utf-8"?>
+<p:sldLayout xmlns:a="http://schemas.openxmlformats.org/drawingml/2006/main" xmlns:r="http://schemas.openxmlformats.org/officeDocument/2006/relationships" xmlns:p="http://schemas.openxmlformats.org/presentationml/2006/main" type="titleOnly" preserve="1">
+  <p:cSld name="Solo titolo">
     <p:spTree>
       <p:nvGrpSpPr>
         <p:cNvPr id="1" name=""/>
@@ -2400,12 +3531,12 @@
       </p:grpSpPr>
       <p:sp>
         <p:nvSpPr>
-          <p:cNvPr id="2" name="Date Placeholder 1"/>
-          <p:cNvSpPr>
-            <a:spLocks noGrp="1"/>
-          </p:cNvSpPr>
-          <p:nvPr>
-            <p:ph type="dt" sz="half" idx="10"/>
+          <p:cNvPr id="2" name="Title 1"/>
+          <p:cNvSpPr>
+            <a:spLocks noGrp="1"/>
+          </p:cNvSpPr>
+          <p:nvPr>
+            <p:ph type="title"/>
           </p:nvPr>
         </p:nvSpPr>
         <p:spPr/>
@@ -2413,9 +3544,40 @@
           <a:bodyPr/>
           <a:lstStyle/>
           <a:p>
-            <a:fld id="{4633ECFB-6927-4181-8532-1ECC482329AC}" type="datetimeFigureOut">
-              <a:rPr lang="it-IT" smtClean="0"/>
-              <a:pPr/>
+            <a:r>
+              <a:rPr lang="it-IT"/>
+              <a:t>Fare clic per modificare lo stile del titolo dello schema</a:t>
+            </a:r>
+          </a:p>
+        </p:txBody>
+      </p:sp>
+      <p:sp>
+        <p:nvSpPr>
+          <p:cNvPr id="3" name="Date Placeholder 3"/>
+          <p:cNvSpPr>
+            <a:spLocks noGrp="1"/>
+          </p:cNvSpPr>
+          <p:nvPr>
+            <p:ph type="dt" sz="half" idx="10"/>
+          </p:nvPr>
+        </p:nvSpPr>
+        <p:spPr/>
+        <p:txBody>
+          <a:bodyPr/>
+          <a:lstStyle>
+            <a:lvl1pPr>
+              <a:defRPr/>
+            </a:lvl1pPr>
+          </a:lstStyle>
+          <a:p>
+            <a:pPr>
+              <a:defRPr/>
+            </a:pPr>
+            <a:fld id="{0DD8BBDD-95BF-442B-9066-B9DE5870C087}" type="datetimeFigureOut">
+              <a:rPr lang="it-IT"/>
+              <a:pPr>
+                <a:defRPr/>
+              </a:pPr>
               <a:t>27/01/2022</a:t>
             </a:fld>
             <a:endParaRPr lang="it-IT"/>
@@ -2424,7 +3586,7 @@
       </p:sp>
       <p:sp>
         <p:nvSpPr>
-          <p:cNvPr id="3" name="Footer Placeholder 2"/>
+          <p:cNvPr id="4" name="Footer Placeholder 4"/>
           <p:cNvSpPr>
             <a:spLocks noGrp="1"/>
           </p:cNvSpPr>
@@ -2435,15 +3597,22 @@
         <p:spPr/>
         <p:txBody>
           <a:bodyPr/>
-          <a:lstStyle/>
-          <a:p>
+          <a:lstStyle>
+            <a:lvl1pPr>
+              <a:defRPr/>
+            </a:lvl1pPr>
+          </a:lstStyle>
+          <a:p>
+            <a:pPr>
+              <a:defRPr/>
+            </a:pPr>
             <a:endParaRPr lang="it-IT"/>
           </a:p>
         </p:txBody>
       </p:sp>
       <p:sp>
         <p:nvSpPr>
-          <p:cNvPr id="4" name="Slide Number Placeholder 3"/>
+          <p:cNvPr id="5" name="Slide Number Placeholder 5"/>
           <p:cNvSpPr>
             <a:spLocks noGrp="1"/>
           </p:cNvSpPr>
@@ -2454,11 +3623,20 @@
         <p:spPr/>
         <p:txBody>
           <a:bodyPr/>
-          <a:lstStyle/>
-          <a:p>
-            <a:fld id="{C2C384BC-F1FE-41A7-AAED-F05271AC1209}" type="slidenum">
-              <a:rPr lang="it-IT" smtClean="0"/>
-              <a:pPr/>
+          <a:lstStyle>
+            <a:lvl1pPr>
+              <a:defRPr/>
+            </a:lvl1pPr>
+          </a:lstStyle>
+          <a:p>
+            <a:pPr>
+              <a:defRPr/>
+            </a:pPr>
+            <a:fld id="{1889AD19-A610-407F-BBD2-607D84F19C97}" type="slidenum">
+              <a:rPr lang="it-IT"/>
+              <a:pPr>
+                <a:defRPr/>
+              </a:pPr>
               <a:t>‹N›</a:t>
             </a:fld>
             <a:endParaRPr lang="it-IT"/>
@@ -2466,16 +3644,24 @@
         </p:txBody>
       </p:sp>
     </p:spTree>
+    <p:extLst>
+      <p:ext uri="{BB962C8B-B14F-4D97-AF65-F5344CB8AC3E}">
+        <p14:creationId xmlns:p14="http://schemas.microsoft.com/office/powerpoint/2010/main" val="1857594631"/>
+      </p:ext>
+    </p:extLst>
   </p:cSld>
   <p:clrMapOvr>
     <a:masterClrMapping/>
   </p:clrMapOvr>
+  <p:transition spd="slow">
+    <p:fade/>
+  </p:transition>
 </p:sldLayout>
 </file>
 
-<file path=ppt/slideLayouts/slideLayout8.xml><?xml version="1.0" encoding="utf-8"?>
-<p:sldLayout xmlns:a="http://schemas.openxmlformats.org/drawingml/2006/main" xmlns:r="http://schemas.openxmlformats.org/officeDocument/2006/relationships" xmlns:p="http://schemas.openxmlformats.org/presentationml/2006/main" type="objTx" preserve="1">
-  <p:cSld name="Content with Caption">
+<file path=ppt/slideLayouts/slideLayout21.xml><?xml version="1.0" encoding="utf-8"?>
+<p:sldLayout xmlns:a="http://schemas.openxmlformats.org/drawingml/2006/main" xmlns:r="http://schemas.openxmlformats.org/officeDocument/2006/relationships" xmlns:p="http://schemas.openxmlformats.org/presentationml/2006/main" type="blank" preserve="1">
+  <p:cSld name="Vuota">
     <p:spTree>
       <p:nvGrpSpPr>
         <p:cNvPr id="1" name=""/>
@@ -2492,6 +3678,131 @@
       </p:grpSpPr>
       <p:sp>
         <p:nvSpPr>
+          <p:cNvPr id="2" name="Date Placeholder 3"/>
+          <p:cNvSpPr>
+            <a:spLocks noGrp="1"/>
+          </p:cNvSpPr>
+          <p:nvPr>
+            <p:ph type="dt" sz="half" idx="10"/>
+          </p:nvPr>
+        </p:nvSpPr>
+        <p:spPr/>
+        <p:txBody>
+          <a:bodyPr/>
+          <a:lstStyle>
+            <a:lvl1pPr>
+              <a:defRPr/>
+            </a:lvl1pPr>
+          </a:lstStyle>
+          <a:p>
+            <a:pPr>
+              <a:defRPr/>
+            </a:pPr>
+            <a:fld id="{25FD15E4-8B23-4D8F-B7DD-18D3EECA5EE3}" type="datetimeFigureOut">
+              <a:rPr lang="it-IT"/>
+              <a:pPr>
+                <a:defRPr/>
+              </a:pPr>
+              <a:t>27/01/2022</a:t>
+            </a:fld>
+            <a:endParaRPr lang="it-IT"/>
+          </a:p>
+        </p:txBody>
+      </p:sp>
+      <p:sp>
+        <p:nvSpPr>
+          <p:cNvPr id="3" name="Footer Placeholder 4"/>
+          <p:cNvSpPr>
+            <a:spLocks noGrp="1"/>
+          </p:cNvSpPr>
+          <p:nvPr>
+            <p:ph type="ftr" sz="quarter" idx="11"/>
+          </p:nvPr>
+        </p:nvSpPr>
+        <p:spPr/>
+        <p:txBody>
+          <a:bodyPr/>
+          <a:lstStyle>
+            <a:lvl1pPr>
+              <a:defRPr/>
+            </a:lvl1pPr>
+          </a:lstStyle>
+          <a:p>
+            <a:pPr>
+              <a:defRPr/>
+            </a:pPr>
+            <a:endParaRPr lang="it-IT"/>
+          </a:p>
+        </p:txBody>
+      </p:sp>
+      <p:sp>
+        <p:nvSpPr>
+          <p:cNvPr id="4" name="Slide Number Placeholder 5"/>
+          <p:cNvSpPr>
+            <a:spLocks noGrp="1"/>
+          </p:cNvSpPr>
+          <p:nvPr>
+            <p:ph type="sldNum" sz="quarter" idx="12"/>
+          </p:nvPr>
+        </p:nvSpPr>
+        <p:spPr/>
+        <p:txBody>
+          <a:bodyPr/>
+          <a:lstStyle>
+            <a:lvl1pPr>
+              <a:defRPr/>
+            </a:lvl1pPr>
+          </a:lstStyle>
+          <a:p>
+            <a:pPr>
+              <a:defRPr/>
+            </a:pPr>
+            <a:fld id="{BEBD5CAC-2222-42C5-8963-32B48EDF7309}" type="slidenum">
+              <a:rPr lang="it-IT"/>
+              <a:pPr>
+                <a:defRPr/>
+              </a:pPr>
+              <a:t>‹N›</a:t>
+            </a:fld>
+            <a:endParaRPr lang="it-IT"/>
+          </a:p>
+        </p:txBody>
+      </p:sp>
+    </p:spTree>
+    <p:extLst>
+      <p:ext uri="{BB962C8B-B14F-4D97-AF65-F5344CB8AC3E}">
+        <p14:creationId xmlns:p14="http://schemas.microsoft.com/office/powerpoint/2010/main" val="2899817764"/>
+      </p:ext>
+    </p:extLst>
+  </p:cSld>
+  <p:clrMapOvr>
+    <a:masterClrMapping/>
+  </p:clrMapOvr>
+  <p:transition spd="slow">
+    <p:fade/>
+  </p:transition>
+</p:sldLayout>
+</file>
+
+<file path=ppt/slideLayouts/slideLayout22.xml><?xml version="1.0" encoding="utf-8"?>
+<p:sldLayout xmlns:a="http://schemas.openxmlformats.org/drawingml/2006/main" xmlns:r="http://schemas.openxmlformats.org/officeDocument/2006/relationships" xmlns:p="http://schemas.openxmlformats.org/presentationml/2006/main" type="objTx" preserve="1">
+  <p:cSld name="Contenuto con didascalia">
+    <p:spTree>
+      <p:nvGrpSpPr>
+        <p:cNvPr id="1" name=""/>
+        <p:cNvGrpSpPr/>
+        <p:nvPr/>
+      </p:nvGrpSpPr>
+      <p:grpSpPr>
+        <a:xfrm>
+          <a:off x="0" y="0"/>
+          <a:ext cx="0" cy="0"/>
+          <a:chOff x="0" y="0"/>
+          <a:chExt cx="0" cy="0"/>
+        </a:xfrm>
+      </p:grpSpPr>
+      <p:sp>
+        <p:nvSpPr>
           <p:cNvPr id="2" name="Title 1"/>
           <p:cNvSpPr>
             <a:spLocks noGrp="1"/>
@@ -2502,8 +3813,8 @@
         </p:nvSpPr>
         <p:spPr>
           <a:xfrm>
-            <a:off x="457201" y="204787"/>
-            <a:ext cx="2602632" cy="871538"/>
+            <a:off x="457202" y="204787"/>
+            <a:ext cx="3008313" cy="871538"/>
           </a:xfrm>
         </p:spPr>
         <p:txBody>
@@ -2515,10 +3826,9 @@
           </a:lstStyle>
           <a:p>
             <a:r>
-              <a:rPr lang="en-US"/>
-              <a:t>Click to edit Master title style</a:t>
-            </a:r>
-            <a:endParaRPr lang="it-IT" dirty="0"/>
+              <a:rPr lang="it-IT"/>
+              <a:t>Fare clic per modificare lo stile del titolo dello schema</a:t>
+            </a:r>
           </a:p>
         </p:txBody>
       </p:sp>
@@ -2534,8 +3844,8 @@
         </p:nvSpPr>
         <p:spPr>
           <a:xfrm>
-            <a:off x="3203848" y="204788"/>
-            <a:ext cx="3744416" cy="4389835"/>
+            <a:off x="3575050" y="204790"/>
+            <a:ext cx="5111750" cy="4389835"/>
           </a:xfrm>
         </p:spPr>
         <p:txBody>
@@ -2572,38 +3882,37 @@
           <a:p>
             <a:pPr lvl="0"/>
             <a:r>
-              <a:rPr lang="en-US"/>
-              <a:t>Click to edit Master text styles</a:t>
+              <a:rPr lang="it-IT"/>
+              <a:t>Fare clic per modificare gli stili del testo dello schema</a:t>
             </a:r>
           </a:p>
           <a:p>
             <a:pPr lvl="1"/>
             <a:r>
-              <a:rPr lang="en-US"/>
-              <a:t>Second level</a:t>
+              <a:rPr lang="it-IT"/>
+              <a:t>Secondo livello</a:t>
             </a:r>
           </a:p>
           <a:p>
             <a:pPr lvl="2"/>
             <a:r>
-              <a:rPr lang="en-US"/>
-              <a:t>Third level</a:t>
+              <a:rPr lang="it-IT"/>
+              <a:t>Terzo livello</a:t>
             </a:r>
           </a:p>
           <a:p>
             <a:pPr lvl="3"/>
             <a:r>
-              <a:rPr lang="en-US"/>
-              <a:t>Fourth level</a:t>
+              <a:rPr lang="it-IT"/>
+              <a:t>Quarto livello</a:t>
             </a:r>
           </a:p>
           <a:p>
             <a:pPr lvl="4"/>
             <a:r>
-              <a:rPr lang="en-US"/>
-              <a:t>Fifth level</a:t>
-            </a:r>
-            <a:endParaRPr lang="it-IT"/>
+              <a:rPr lang="it-IT"/>
+              <a:t>Quinto livello</a:t>
+            </a:r>
           </a:p>
         </p:txBody>
       </p:sp>
@@ -2619,8 +3928,8 @@
         </p:nvSpPr>
         <p:spPr>
           <a:xfrm>
-            <a:off x="457201" y="1076326"/>
-            <a:ext cx="2602632" cy="3518297"/>
+            <a:off x="457202" y="1076328"/>
+            <a:ext cx="3008313" cy="3518297"/>
           </a:xfrm>
         </p:spPr>
         <p:txBody>
@@ -2666,15 +3975,15 @@
           <a:p>
             <a:pPr lvl="0"/>
             <a:r>
-              <a:rPr lang="en-US"/>
-              <a:t>Click to edit Master text styles</a:t>
-            </a:r>
-          </a:p>
-        </p:txBody>
-      </p:sp>
-      <p:sp>
-        <p:nvSpPr>
-          <p:cNvPr id="5" name="Date Placeholder 4"/>
+              <a:rPr lang="it-IT"/>
+              <a:t>Fare clic per modificare gli stili del testo dello schema</a:t>
+            </a:r>
+          </a:p>
+        </p:txBody>
+      </p:sp>
+      <p:sp>
+        <p:nvSpPr>
+          <p:cNvPr id="5" name="Date Placeholder 3"/>
           <p:cNvSpPr>
             <a:spLocks noGrp="1"/>
           </p:cNvSpPr>
@@ -2685,11 +3994,20 @@
         <p:spPr/>
         <p:txBody>
           <a:bodyPr/>
-          <a:lstStyle/>
-          <a:p>
-            <a:fld id="{4633ECFB-6927-4181-8532-1ECC482329AC}" type="datetimeFigureOut">
-              <a:rPr lang="it-IT" smtClean="0"/>
-              <a:pPr/>
+          <a:lstStyle>
+            <a:lvl1pPr>
+              <a:defRPr/>
+            </a:lvl1pPr>
+          </a:lstStyle>
+          <a:p>
+            <a:pPr>
+              <a:defRPr/>
+            </a:pPr>
+            <a:fld id="{59373B50-648A-4554-9F3B-C188017D713D}" type="datetimeFigureOut">
+              <a:rPr lang="it-IT"/>
+              <a:pPr>
+                <a:defRPr/>
+              </a:pPr>
               <a:t>27/01/2022</a:t>
             </a:fld>
             <a:endParaRPr lang="it-IT"/>
@@ -2698,7 +4016,7 @@
       </p:sp>
       <p:sp>
         <p:nvSpPr>
-          <p:cNvPr id="6" name="Footer Placeholder 5"/>
+          <p:cNvPr id="6" name="Footer Placeholder 4"/>
           <p:cNvSpPr>
             <a:spLocks noGrp="1"/>
           </p:cNvSpPr>
@@ -2709,15 +4027,22 @@
         <p:spPr/>
         <p:txBody>
           <a:bodyPr/>
-          <a:lstStyle/>
-          <a:p>
+          <a:lstStyle>
+            <a:lvl1pPr>
+              <a:defRPr/>
+            </a:lvl1pPr>
+          </a:lstStyle>
+          <a:p>
+            <a:pPr>
+              <a:defRPr/>
+            </a:pPr>
             <a:endParaRPr lang="it-IT"/>
           </a:p>
         </p:txBody>
       </p:sp>
       <p:sp>
         <p:nvSpPr>
-          <p:cNvPr id="7" name="Slide Number Placeholder 6"/>
+          <p:cNvPr id="7" name="Slide Number Placeholder 5"/>
           <p:cNvSpPr>
             <a:spLocks noGrp="1"/>
           </p:cNvSpPr>
@@ -2728,11 +4053,20 @@
         <p:spPr/>
         <p:txBody>
           <a:bodyPr/>
-          <a:lstStyle/>
-          <a:p>
-            <a:fld id="{C2C384BC-F1FE-41A7-AAED-F05271AC1209}" type="slidenum">
-              <a:rPr lang="it-IT" smtClean="0"/>
-              <a:pPr/>
+          <a:lstStyle>
+            <a:lvl1pPr>
+              <a:defRPr/>
+            </a:lvl1pPr>
+          </a:lstStyle>
+          <a:p>
+            <a:pPr>
+              <a:defRPr/>
+            </a:pPr>
+            <a:fld id="{10E294FC-94B9-46B3-9AAF-2B5BD19B6085}" type="slidenum">
+              <a:rPr lang="it-IT"/>
+              <a:pPr>
+                <a:defRPr/>
+              </a:pPr>
               <a:t>‹N›</a:t>
             </a:fld>
             <a:endParaRPr lang="it-IT"/>
@@ -2740,16 +4074,24 @@
         </p:txBody>
       </p:sp>
     </p:spTree>
+    <p:extLst>
+      <p:ext uri="{BB962C8B-B14F-4D97-AF65-F5344CB8AC3E}">
+        <p14:creationId xmlns:p14="http://schemas.microsoft.com/office/powerpoint/2010/main" val="2690850500"/>
+      </p:ext>
+    </p:extLst>
   </p:cSld>
   <p:clrMapOvr>
     <a:masterClrMapping/>
   </p:clrMapOvr>
+  <p:transition spd="slow">
+    <p:fade/>
+  </p:transition>
 </p:sldLayout>
 </file>
 
-<file path=ppt/slideLayouts/slideLayout9.xml><?xml version="1.0" encoding="utf-8"?>
+<file path=ppt/slideLayouts/slideLayout23.xml><?xml version="1.0" encoding="utf-8"?>
 <p:sldLayout xmlns:a="http://schemas.openxmlformats.org/drawingml/2006/main" xmlns:r="http://schemas.openxmlformats.org/officeDocument/2006/relationships" xmlns:p="http://schemas.openxmlformats.org/presentationml/2006/main" type="picTx" preserve="1">
-  <p:cSld name="Picture with Caption">
+  <p:cSld name="Immagine con didascalia">
     <p:spTree>
       <p:nvGrpSpPr>
         <p:cNvPr id="1" name=""/>
@@ -2776,7 +4118,7 @@
         </p:nvSpPr>
         <p:spPr>
           <a:xfrm>
-            <a:off x="827584" y="3606385"/>
+            <a:off x="1792288" y="3600451"/>
             <a:ext cx="5486400" cy="425054"/>
           </a:xfrm>
         </p:spPr>
@@ -2789,10 +4131,9 @@
           </a:lstStyle>
           <a:p>
             <a:r>
-              <a:rPr lang="en-US"/>
-              <a:t>Click to edit Master title style</a:t>
-            </a:r>
-            <a:endParaRPr lang="it-IT"/>
+              <a:rPr lang="it-IT"/>
+              <a:t>Fare clic per modificare lo stile del titolo dello schema</a:t>
+            </a:r>
           </a:p>
         </p:txBody>
       </p:sp>
@@ -2808,12 +4149,14 @@
         </p:nvSpPr>
         <p:spPr>
           <a:xfrm>
-            <a:off x="827584" y="465516"/>
+            <a:off x="1792288" y="459581"/>
             <a:ext cx="5486400" cy="3086100"/>
           </a:xfrm>
         </p:spPr>
         <p:txBody>
-          <a:bodyPr/>
+          <a:bodyPr rtlCol="0">
+            <a:normAutofit/>
+          </a:bodyPr>
           <a:lstStyle>
             <a:lvl1pPr marL="0" indent="0">
               <a:buNone/>
@@ -2853,11 +4196,11 @@
             </a:lvl9pPr>
           </a:lstStyle>
           <a:p>
-            <a:r>
-              <a:rPr lang="en-US"/>
-              <a:t>Click icon to add picture</a:t>
-            </a:r>
-            <a:endParaRPr lang="it-IT"/>
+            <a:pPr lvl="0"/>
+            <a:r>
+              <a:rPr lang="it-IT" noProof="0"/>
+              <a:t>Fare clic sull'icona per inserire un'immagine</a:t>
+            </a:r>
           </a:p>
         </p:txBody>
       </p:sp>
@@ -2873,7 +4216,7 @@
         </p:nvSpPr>
         <p:spPr>
           <a:xfrm>
-            <a:off x="827584" y="4031438"/>
+            <a:off x="1792288" y="4025505"/>
             <a:ext cx="5486400" cy="603647"/>
           </a:xfrm>
         </p:spPr>
@@ -2920,39 +4263,683 @@
           <a:p>
             <a:pPr lvl="0"/>
             <a:r>
-              <a:rPr lang="en-US"/>
-              <a:t>Click to edit Master text styles</a:t>
-            </a:r>
-          </a:p>
-        </p:txBody>
-      </p:sp>
-      <p:sp>
-        <p:nvSpPr>
-          <p:cNvPr id="5" name="Date Placeholder 4"/>
+              <a:rPr lang="it-IT"/>
+              <a:t>Fare clic per modificare gli stili del testo dello schema</a:t>
+            </a:r>
+          </a:p>
+        </p:txBody>
+      </p:sp>
+      <p:sp>
+        <p:nvSpPr>
+          <p:cNvPr id="5" name="Date Placeholder 3"/>
           <p:cNvSpPr>
             <a:spLocks noGrp="1"/>
           </p:cNvSpPr>
           <p:nvPr>
             <p:ph type="dt" sz="half" idx="10"/>
+          </p:nvPr>
+        </p:nvSpPr>
+        <p:spPr/>
+        <p:txBody>
+          <a:bodyPr/>
+          <a:lstStyle>
+            <a:lvl1pPr>
+              <a:defRPr/>
+            </a:lvl1pPr>
+          </a:lstStyle>
+          <a:p>
+            <a:pPr>
+              <a:defRPr/>
+            </a:pPr>
+            <a:fld id="{4AF3B2D1-360C-42F8-B50E-BDA4D1A8A399}" type="datetimeFigureOut">
+              <a:rPr lang="it-IT"/>
+              <a:pPr>
+                <a:defRPr/>
+              </a:pPr>
+              <a:t>27/01/2022</a:t>
+            </a:fld>
+            <a:endParaRPr lang="it-IT"/>
+          </a:p>
+        </p:txBody>
+      </p:sp>
+      <p:sp>
+        <p:nvSpPr>
+          <p:cNvPr id="6" name="Footer Placeholder 4"/>
+          <p:cNvSpPr>
+            <a:spLocks noGrp="1"/>
+          </p:cNvSpPr>
+          <p:nvPr>
+            <p:ph type="ftr" sz="quarter" idx="11"/>
+          </p:nvPr>
+        </p:nvSpPr>
+        <p:spPr/>
+        <p:txBody>
+          <a:bodyPr/>
+          <a:lstStyle>
+            <a:lvl1pPr>
+              <a:defRPr/>
+            </a:lvl1pPr>
+          </a:lstStyle>
+          <a:p>
+            <a:pPr>
+              <a:defRPr/>
+            </a:pPr>
+            <a:endParaRPr lang="it-IT"/>
+          </a:p>
+        </p:txBody>
+      </p:sp>
+      <p:sp>
+        <p:nvSpPr>
+          <p:cNvPr id="7" name="Slide Number Placeholder 5"/>
+          <p:cNvSpPr>
+            <a:spLocks noGrp="1"/>
+          </p:cNvSpPr>
+          <p:nvPr>
+            <p:ph type="sldNum" sz="quarter" idx="12"/>
+          </p:nvPr>
+        </p:nvSpPr>
+        <p:spPr/>
+        <p:txBody>
+          <a:bodyPr/>
+          <a:lstStyle>
+            <a:lvl1pPr>
+              <a:defRPr/>
+            </a:lvl1pPr>
+          </a:lstStyle>
+          <a:p>
+            <a:pPr>
+              <a:defRPr/>
+            </a:pPr>
+            <a:fld id="{43504B5F-DB07-4771-B286-A7013EF7E41E}" type="slidenum">
+              <a:rPr lang="it-IT"/>
+              <a:pPr>
+                <a:defRPr/>
+              </a:pPr>
+              <a:t>‹N›</a:t>
+            </a:fld>
+            <a:endParaRPr lang="it-IT"/>
+          </a:p>
+        </p:txBody>
+      </p:sp>
+    </p:spTree>
+    <p:extLst>
+      <p:ext uri="{BB962C8B-B14F-4D97-AF65-F5344CB8AC3E}">
+        <p14:creationId xmlns:p14="http://schemas.microsoft.com/office/powerpoint/2010/main" val="2516723117"/>
+      </p:ext>
+    </p:extLst>
+  </p:cSld>
+  <p:clrMapOvr>
+    <a:masterClrMapping/>
+  </p:clrMapOvr>
+  <p:transition spd="slow">
+    <p:fade/>
+  </p:transition>
+</p:sldLayout>
+</file>
+
+<file path=ppt/slideLayouts/slideLayout24.xml><?xml version="1.0" encoding="utf-8"?>
+<p:sldLayout xmlns:a="http://schemas.openxmlformats.org/drawingml/2006/main" xmlns:r="http://schemas.openxmlformats.org/officeDocument/2006/relationships" xmlns:p="http://schemas.openxmlformats.org/presentationml/2006/main" type="vertTx" preserve="1">
+  <p:cSld name="Titolo e testo verticale">
+    <p:spTree>
+      <p:nvGrpSpPr>
+        <p:cNvPr id="1" name=""/>
+        <p:cNvGrpSpPr/>
+        <p:nvPr/>
+      </p:nvGrpSpPr>
+      <p:grpSpPr>
+        <a:xfrm>
+          <a:off x="0" y="0"/>
+          <a:ext cx="0" cy="0"/>
+          <a:chOff x="0" y="0"/>
+          <a:chExt cx="0" cy="0"/>
+        </a:xfrm>
+      </p:grpSpPr>
+      <p:sp>
+        <p:nvSpPr>
+          <p:cNvPr id="2" name="Title 1"/>
+          <p:cNvSpPr>
+            <a:spLocks noGrp="1"/>
+          </p:cNvSpPr>
+          <p:nvPr>
+            <p:ph type="title"/>
           </p:nvPr>
         </p:nvSpPr>
         <p:spPr/>
         <p:txBody>
           <a:bodyPr/>
           <a:lstStyle/>
+          <a:p>
+            <a:r>
+              <a:rPr lang="it-IT"/>
+              <a:t>Fare clic per modificare lo stile del titolo dello schema</a:t>
+            </a:r>
+          </a:p>
+        </p:txBody>
+      </p:sp>
+      <p:sp>
+        <p:nvSpPr>
+          <p:cNvPr id="3" name="Vertical Text Placeholder 2"/>
+          <p:cNvSpPr>
+            <a:spLocks noGrp="1"/>
+          </p:cNvSpPr>
+          <p:nvPr>
+            <p:ph type="body" orient="vert" idx="1"/>
+          </p:nvPr>
+        </p:nvSpPr>
+        <p:spPr/>
+        <p:txBody>
+          <a:bodyPr vert="eaVert"/>
+          <a:lstStyle/>
+          <a:p>
+            <a:pPr lvl="0"/>
+            <a:r>
+              <a:rPr lang="it-IT"/>
+              <a:t>Fare clic per modificare gli stili del testo dello schema</a:t>
+            </a:r>
+          </a:p>
+          <a:p>
+            <a:pPr lvl="1"/>
+            <a:r>
+              <a:rPr lang="it-IT"/>
+              <a:t>Secondo livello</a:t>
+            </a:r>
+          </a:p>
+          <a:p>
+            <a:pPr lvl="2"/>
+            <a:r>
+              <a:rPr lang="it-IT"/>
+              <a:t>Terzo livello</a:t>
+            </a:r>
+          </a:p>
+          <a:p>
+            <a:pPr lvl="3"/>
+            <a:r>
+              <a:rPr lang="it-IT"/>
+              <a:t>Quarto livello</a:t>
+            </a:r>
+          </a:p>
+          <a:p>
+            <a:pPr lvl="4"/>
+            <a:r>
+              <a:rPr lang="it-IT"/>
+              <a:t>Quinto livello</a:t>
+            </a:r>
+          </a:p>
+        </p:txBody>
+      </p:sp>
+      <p:sp>
+        <p:nvSpPr>
+          <p:cNvPr id="4" name="Date Placeholder 3"/>
+          <p:cNvSpPr>
+            <a:spLocks noGrp="1"/>
+          </p:cNvSpPr>
+          <p:nvPr>
+            <p:ph type="dt" sz="half" idx="10"/>
+          </p:nvPr>
+        </p:nvSpPr>
+        <p:spPr/>
+        <p:txBody>
+          <a:bodyPr/>
+          <a:lstStyle>
+            <a:lvl1pPr>
+              <a:defRPr/>
+            </a:lvl1pPr>
+          </a:lstStyle>
+          <a:p>
+            <a:pPr>
+              <a:defRPr/>
+            </a:pPr>
+            <a:fld id="{E0C6E0D7-3282-4A8D-8BDD-1BDF908DC40A}" type="datetimeFigureOut">
+              <a:rPr lang="it-IT"/>
+              <a:pPr>
+                <a:defRPr/>
+              </a:pPr>
+              <a:t>27/01/2022</a:t>
+            </a:fld>
+            <a:endParaRPr lang="it-IT"/>
+          </a:p>
+        </p:txBody>
+      </p:sp>
+      <p:sp>
+        <p:nvSpPr>
+          <p:cNvPr id="5" name="Footer Placeholder 4"/>
+          <p:cNvSpPr>
+            <a:spLocks noGrp="1"/>
+          </p:cNvSpPr>
+          <p:nvPr>
+            <p:ph type="ftr" sz="quarter" idx="11"/>
+          </p:nvPr>
+        </p:nvSpPr>
+        <p:spPr/>
+        <p:txBody>
+          <a:bodyPr/>
+          <a:lstStyle>
+            <a:lvl1pPr>
+              <a:defRPr/>
+            </a:lvl1pPr>
+          </a:lstStyle>
+          <a:p>
+            <a:pPr>
+              <a:defRPr/>
+            </a:pPr>
+            <a:endParaRPr lang="it-IT"/>
+          </a:p>
+        </p:txBody>
+      </p:sp>
+      <p:sp>
+        <p:nvSpPr>
+          <p:cNvPr id="6" name="Slide Number Placeholder 5"/>
+          <p:cNvSpPr>
+            <a:spLocks noGrp="1"/>
+          </p:cNvSpPr>
+          <p:nvPr>
+            <p:ph type="sldNum" sz="quarter" idx="12"/>
+          </p:nvPr>
+        </p:nvSpPr>
+        <p:spPr/>
+        <p:txBody>
+          <a:bodyPr/>
+          <a:lstStyle>
+            <a:lvl1pPr>
+              <a:defRPr/>
+            </a:lvl1pPr>
+          </a:lstStyle>
+          <a:p>
+            <a:pPr>
+              <a:defRPr/>
+            </a:pPr>
+            <a:fld id="{151AC746-551D-42A3-913B-B1F9FF32ADFD}" type="slidenum">
+              <a:rPr lang="it-IT"/>
+              <a:pPr>
+                <a:defRPr/>
+              </a:pPr>
+              <a:t>‹N›</a:t>
+            </a:fld>
+            <a:endParaRPr lang="it-IT"/>
+          </a:p>
+        </p:txBody>
+      </p:sp>
+    </p:spTree>
+    <p:extLst>
+      <p:ext uri="{BB962C8B-B14F-4D97-AF65-F5344CB8AC3E}">
+        <p14:creationId xmlns:p14="http://schemas.microsoft.com/office/powerpoint/2010/main" val="2216465241"/>
+      </p:ext>
+    </p:extLst>
+  </p:cSld>
+  <p:clrMapOvr>
+    <a:masterClrMapping/>
+  </p:clrMapOvr>
+  <p:transition spd="slow">
+    <p:fade/>
+  </p:transition>
+</p:sldLayout>
+</file>
+
+<file path=ppt/slideLayouts/slideLayout25.xml><?xml version="1.0" encoding="utf-8"?>
+<p:sldLayout xmlns:a="http://schemas.openxmlformats.org/drawingml/2006/main" xmlns:r="http://schemas.openxmlformats.org/officeDocument/2006/relationships" xmlns:p="http://schemas.openxmlformats.org/presentationml/2006/main" type="vertTitleAndTx" preserve="1">
+  <p:cSld name="1_Titolo e testo verticale">
+    <p:spTree>
+      <p:nvGrpSpPr>
+        <p:cNvPr id="1" name=""/>
+        <p:cNvGrpSpPr/>
+        <p:nvPr/>
+      </p:nvGrpSpPr>
+      <p:grpSpPr>
+        <a:xfrm>
+          <a:off x="0" y="0"/>
+          <a:ext cx="0" cy="0"/>
+          <a:chOff x="0" y="0"/>
+          <a:chExt cx="0" cy="0"/>
+        </a:xfrm>
+      </p:grpSpPr>
+      <p:sp>
+        <p:nvSpPr>
+          <p:cNvPr id="2" name="Vertical Title 1"/>
+          <p:cNvSpPr>
+            <a:spLocks noGrp="1"/>
+          </p:cNvSpPr>
+          <p:nvPr>
+            <p:ph type="title" orient="vert"/>
+          </p:nvPr>
+        </p:nvSpPr>
+        <p:spPr>
+          <a:xfrm>
+            <a:off x="6629400" y="205979"/>
+            <a:ext cx="2057400" cy="4388644"/>
+          </a:xfrm>
+        </p:spPr>
+        <p:txBody>
+          <a:bodyPr vert="eaVert"/>
+          <a:lstStyle/>
+          <a:p>
+            <a:r>
+              <a:rPr lang="it-IT"/>
+              <a:t>Fare clic per modificare lo stile del titolo dello schema</a:t>
+            </a:r>
+          </a:p>
+        </p:txBody>
+      </p:sp>
+      <p:sp>
+        <p:nvSpPr>
+          <p:cNvPr id="3" name="Vertical Text Placeholder 2"/>
+          <p:cNvSpPr>
+            <a:spLocks noGrp="1"/>
+          </p:cNvSpPr>
+          <p:nvPr>
+            <p:ph type="body" orient="vert" idx="1"/>
+          </p:nvPr>
+        </p:nvSpPr>
+        <p:spPr>
+          <a:xfrm>
+            <a:off x="457200" y="205979"/>
+            <a:ext cx="6019800" cy="4388644"/>
+          </a:xfrm>
+        </p:spPr>
+        <p:txBody>
+          <a:bodyPr vert="eaVert"/>
+          <a:lstStyle/>
+          <a:p>
+            <a:pPr lvl="0"/>
+            <a:r>
+              <a:rPr lang="it-IT"/>
+              <a:t>Fare clic per modificare gli stili del testo dello schema</a:t>
+            </a:r>
+          </a:p>
+          <a:p>
+            <a:pPr lvl="1"/>
+            <a:r>
+              <a:rPr lang="it-IT"/>
+              <a:t>Secondo livello</a:t>
+            </a:r>
+          </a:p>
+          <a:p>
+            <a:pPr lvl="2"/>
+            <a:r>
+              <a:rPr lang="it-IT"/>
+              <a:t>Terzo livello</a:t>
+            </a:r>
+          </a:p>
+          <a:p>
+            <a:pPr lvl="3"/>
+            <a:r>
+              <a:rPr lang="it-IT"/>
+              <a:t>Quarto livello</a:t>
+            </a:r>
+          </a:p>
+          <a:p>
+            <a:pPr lvl="4"/>
+            <a:r>
+              <a:rPr lang="it-IT"/>
+              <a:t>Quinto livello</a:t>
+            </a:r>
+          </a:p>
+        </p:txBody>
+      </p:sp>
+      <p:sp>
+        <p:nvSpPr>
+          <p:cNvPr id="4" name="Date Placeholder 3"/>
+          <p:cNvSpPr>
+            <a:spLocks noGrp="1"/>
+          </p:cNvSpPr>
+          <p:nvPr>
+            <p:ph type="dt" sz="half" idx="10"/>
+          </p:nvPr>
+        </p:nvSpPr>
+        <p:spPr/>
+        <p:txBody>
+          <a:bodyPr/>
+          <a:lstStyle>
+            <a:lvl1pPr>
+              <a:defRPr/>
+            </a:lvl1pPr>
+          </a:lstStyle>
+          <a:p>
+            <a:pPr>
+              <a:defRPr/>
+            </a:pPr>
+            <a:fld id="{21901464-37CD-443F-B2A6-E8766916A0E1}" type="datetimeFigureOut">
+              <a:rPr lang="it-IT"/>
+              <a:pPr>
+                <a:defRPr/>
+              </a:pPr>
+              <a:t>27/01/2022</a:t>
+            </a:fld>
+            <a:endParaRPr lang="it-IT"/>
+          </a:p>
+        </p:txBody>
+      </p:sp>
+      <p:sp>
+        <p:nvSpPr>
+          <p:cNvPr id="5" name="Footer Placeholder 4"/>
+          <p:cNvSpPr>
+            <a:spLocks noGrp="1"/>
+          </p:cNvSpPr>
+          <p:nvPr>
+            <p:ph type="ftr" sz="quarter" idx="11"/>
+          </p:nvPr>
+        </p:nvSpPr>
+        <p:spPr/>
+        <p:txBody>
+          <a:bodyPr/>
+          <a:lstStyle>
+            <a:lvl1pPr>
+              <a:defRPr/>
+            </a:lvl1pPr>
+          </a:lstStyle>
+          <a:p>
+            <a:pPr>
+              <a:defRPr/>
+            </a:pPr>
+            <a:endParaRPr lang="it-IT"/>
+          </a:p>
+        </p:txBody>
+      </p:sp>
+      <p:sp>
+        <p:nvSpPr>
+          <p:cNvPr id="6" name="Slide Number Placeholder 5"/>
+          <p:cNvSpPr>
+            <a:spLocks noGrp="1"/>
+          </p:cNvSpPr>
+          <p:nvPr>
+            <p:ph type="sldNum" sz="quarter" idx="12"/>
+          </p:nvPr>
+        </p:nvSpPr>
+        <p:spPr/>
+        <p:txBody>
+          <a:bodyPr/>
+          <a:lstStyle>
+            <a:lvl1pPr>
+              <a:defRPr/>
+            </a:lvl1pPr>
+          </a:lstStyle>
+          <a:p>
+            <a:pPr>
+              <a:defRPr/>
+            </a:pPr>
+            <a:fld id="{74DE8AD5-2242-42E3-84B1-A52BADFB8D19}" type="slidenum">
+              <a:rPr lang="it-IT"/>
+              <a:pPr>
+                <a:defRPr/>
+              </a:pPr>
+              <a:t>‹N›</a:t>
+            </a:fld>
+            <a:endParaRPr lang="it-IT"/>
+          </a:p>
+        </p:txBody>
+      </p:sp>
+    </p:spTree>
+    <p:extLst>
+      <p:ext uri="{BB962C8B-B14F-4D97-AF65-F5344CB8AC3E}">
+        <p14:creationId xmlns:p14="http://schemas.microsoft.com/office/powerpoint/2010/main" val="3098241021"/>
+      </p:ext>
+    </p:extLst>
+  </p:cSld>
+  <p:clrMapOvr>
+    <a:masterClrMapping/>
+  </p:clrMapOvr>
+  <p:transition spd="slow">
+    <p:fade/>
+  </p:transition>
+</p:sldLayout>
+</file>
+
+<file path=ppt/slideLayouts/slideLayout3.xml><?xml version="1.0" encoding="utf-8"?>
+<p:sldLayout xmlns:a="http://schemas.openxmlformats.org/drawingml/2006/main" xmlns:r="http://schemas.openxmlformats.org/officeDocument/2006/relationships" xmlns:p="http://schemas.openxmlformats.org/presentationml/2006/main" type="obj" preserve="1">
+  <p:cSld name="Title and Content cetered">
+    <p:spTree>
+      <p:nvGrpSpPr>
+        <p:cNvPr id="1" name=""/>
+        <p:cNvGrpSpPr/>
+        <p:nvPr/>
+      </p:nvGrpSpPr>
+      <p:grpSpPr>
+        <a:xfrm>
+          <a:off x="0" y="0"/>
+          <a:ext cx="0" cy="0"/>
+          <a:chOff x="0" y="0"/>
+          <a:chExt cx="0" cy="0"/>
+        </a:xfrm>
+      </p:grpSpPr>
+      <p:sp>
+        <p:nvSpPr>
+          <p:cNvPr id="2" name="Title 1"/>
+          <p:cNvSpPr>
+            <a:spLocks noGrp="1"/>
+          </p:cNvSpPr>
+          <p:nvPr>
+            <p:ph type="title"/>
+          </p:nvPr>
+        </p:nvSpPr>
+        <p:spPr/>
+        <p:txBody>
+          <a:bodyPr/>
+          <a:lstStyle/>
+          <a:p>
+            <a:r>
+              <a:rPr lang="it-IT"/>
+              <a:t>Fare clic per modificare lo stile del titolo dello schema</a:t>
+            </a:r>
+          </a:p>
+        </p:txBody>
+      </p:sp>
+      <p:sp>
+        <p:nvSpPr>
+          <p:cNvPr id="3" name="Content Placeholder 2"/>
+          <p:cNvSpPr>
+            <a:spLocks noGrp="1"/>
+          </p:cNvSpPr>
+          <p:nvPr>
+            <p:ph idx="1"/>
+          </p:nvPr>
+        </p:nvSpPr>
+        <p:spPr/>
+        <p:txBody>
+          <a:bodyPr anchor="ctr"/>
+          <a:lstStyle>
+            <a:lvl1pPr algn="ctr">
+              <a:spcBef>
+                <a:spcPts val="0"/>
+              </a:spcBef>
+              <a:buNone/>
+              <a:defRPr/>
+            </a:lvl1pPr>
+            <a:lvl2pPr algn="ctr">
+              <a:spcBef>
+                <a:spcPts val="0"/>
+              </a:spcBef>
+              <a:buNone/>
+              <a:defRPr/>
+            </a:lvl2pPr>
+            <a:lvl3pPr algn="ctr">
+              <a:spcBef>
+                <a:spcPts val="0"/>
+              </a:spcBef>
+              <a:buNone/>
+              <a:defRPr/>
+            </a:lvl3pPr>
+            <a:lvl4pPr algn="ctr">
+              <a:spcBef>
+                <a:spcPts val="0"/>
+              </a:spcBef>
+              <a:buNone/>
+              <a:defRPr/>
+            </a:lvl4pPr>
+            <a:lvl5pPr algn="ctr">
+              <a:spcBef>
+                <a:spcPts val="0"/>
+              </a:spcBef>
+              <a:buNone/>
+              <a:defRPr/>
+            </a:lvl5pPr>
+          </a:lstStyle>
+          <a:p>
+            <a:pPr lvl="0"/>
+            <a:r>
+              <a:rPr lang="it-IT"/>
+              <a:t>Fare clic per modificare gli stili del testo dello schema</a:t>
+            </a:r>
+          </a:p>
+          <a:p>
+            <a:pPr lvl="1"/>
+            <a:r>
+              <a:rPr lang="it-IT"/>
+              <a:t>Secondo livello</a:t>
+            </a:r>
+          </a:p>
+          <a:p>
+            <a:pPr lvl="2"/>
+            <a:r>
+              <a:rPr lang="it-IT"/>
+              <a:t>Terzo livello</a:t>
+            </a:r>
+          </a:p>
+          <a:p>
+            <a:pPr lvl="3"/>
+            <a:r>
+              <a:rPr lang="it-IT"/>
+              <a:t>Quarto livello</a:t>
+            </a:r>
+          </a:p>
+          <a:p>
+            <a:pPr lvl="4"/>
+            <a:r>
+              <a:rPr lang="it-IT"/>
+              <a:t>Quinto livello</a:t>
+            </a:r>
+          </a:p>
+        </p:txBody>
+      </p:sp>
+      <p:sp>
+        <p:nvSpPr>
+          <p:cNvPr id="4" name="Date Placeholder 3"/>
+          <p:cNvSpPr>
+            <a:spLocks noGrp="1"/>
+          </p:cNvSpPr>
+          <p:nvPr>
+            <p:ph type="dt" sz="half" idx="10"/>
+          </p:nvPr>
+        </p:nvSpPr>
+        <p:spPr/>
+        <p:txBody>
+          <a:bodyPr/>
+          <a:lstStyle>
+            <a:lvl1pPr>
+              <a:defRPr/>
+            </a:lvl1pPr>
+          </a:lstStyle>
           <a:p>
             <a:fld id="{4633ECFB-6927-4181-8532-1ECC482329AC}" type="datetimeFigureOut">
               <a:rPr lang="it-IT" smtClean="0"/>
               <a:pPr/>
               <a:t>27/01/2022</a:t>
             </a:fld>
-            <a:endParaRPr lang="it-IT"/>
-          </a:p>
-        </p:txBody>
-      </p:sp>
-      <p:sp>
-        <p:nvSpPr>
-          <p:cNvPr id="6" name="Footer Placeholder 5"/>
+            <a:endParaRPr lang="it-IT" dirty="0"/>
+          </a:p>
+        </p:txBody>
+      </p:sp>
+      <p:sp>
+        <p:nvSpPr>
+          <p:cNvPr id="5" name="Footer Placeholder 4"/>
           <p:cNvSpPr>
             <a:spLocks noGrp="1"/>
           </p:cNvSpPr>
@@ -2963,15 +4950,19 @@
         <p:spPr/>
         <p:txBody>
           <a:bodyPr/>
-          <a:lstStyle/>
-          <a:p>
-            <a:endParaRPr lang="it-IT"/>
-          </a:p>
-        </p:txBody>
-      </p:sp>
-      <p:sp>
-        <p:nvSpPr>
-          <p:cNvPr id="7" name="Slide Number Placeholder 6"/>
+          <a:lstStyle>
+            <a:lvl1pPr>
+              <a:defRPr/>
+            </a:lvl1pPr>
+          </a:lstStyle>
+          <a:p>
+            <a:endParaRPr lang="it-IT" dirty="0"/>
+          </a:p>
+        </p:txBody>
+      </p:sp>
+      <p:sp>
+        <p:nvSpPr>
+          <p:cNvPr id="6" name="Slide Number Placeholder 5"/>
           <p:cNvSpPr>
             <a:spLocks noGrp="1"/>
           </p:cNvSpPr>
@@ -2982,7 +4973,11 @@
         <p:spPr/>
         <p:txBody>
           <a:bodyPr/>
-          <a:lstStyle/>
+          <a:lstStyle>
+            <a:lvl1pPr>
+              <a:defRPr/>
+            </a:lvl1pPr>
+          </a:lstStyle>
           <a:p>
             <a:fld id="{C2C384BC-F1FE-41A7-AAED-F05271AC1209}" type="slidenum">
               <a:rPr lang="it-IT" smtClean="0"/>
@@ -2994,20 +4989,1575 @@
         </p:txBody>
       </p:sp>
     </p:spTree>
+    <p:extLst>
+      <p:ext uri="{BB962C8B-B14F-4D97-AF65-F5344CB8AC3E}">
+        <p14:creationId xmlns:p14="http://schemas.microsoft.com/office/powerpoint/2010/main" val="1114687492"/>
+      </p:ext>
+    </p:extLst>
   </p:cSld>
   <p:clrMapOvr>
     <a:masterClrMapping/>
   </p:clrMapOvr>
+  <p:transition spd="slow">
+    <p:fade/>
+  </p:transition>
+</p:sldLayout>
+</file>
+
+<file path=ppt/slideLayouts/slideLayout4.xml><?xml version="1.0" encoding="utf-8"?>
+<p:sldLayout xmlns:a="http://schemas.openxmlformats.org/drawingml/2006/main" xmlns:r="http://schemas.openxmlformats.org/officeDocument/2006/relationships" xmlns:p="http://schemas.openxmlformats.org/presentationml/2006/main" type="secHead" preserve="1">
+  <p:cSld name="Intestazione sezione">
+    <p:spTree>
+      <p:nvGrpSpPr>
+        <p:cNvPr id="1" name=""/>
+        <p:cNvGrpSpPr/>
+        <p:nvPr/>
+      </p:nvGrpSpPr>
+      <p:grpSpPr>
+        <a:xfrm>
+          <a:off x="0" y="0"/>
+          <a:ext cx="0" cy="0"/>
+          <a:chOff x="0" y="0"/>
+          <a:chExt cx="0" cy="0"/>
+        </a:xfrm>
+      </p:grpSpPr>
+      <p:sp>
+        <p:nvSpPr>
+          <p:cNvPr id="2" name="Title 1"/>
+          <p:cNvSpPr>
+            <a:spLocks noGrp="1"/>
+          </p:cNvSpPr>
+          <p:nvPr>
+            <p:ph type="title"/>
+          </p:nvPr>
+        </p:nvSpPr>
+        <p:spPr>
+          <a:xfrm>
+            <a:off x="722319" y="3305176"/>
+            <a:ext cx="5865911" cy="1021556"/>
+          </a:xfrm>
+        </p:spPr>
+        <p:txBody>
+          <a:bodyPr anchor="t"/>
+          <a:lstStyle>
+            <a:lvl1pPr algn="l">
+              <a:defRPr sz="4000" b="1" cap="all"/>
+            </a:lvl1pPr>
+          </a:lstStyle>
+          <a:p>
+            <a:r>
+              <a:rPr lang="it-IT"/>
+              <a:t>Fare clic per modificare lo stile del titolo dello schema</a:t>
+            </a:r>
+            <a:endParaRPr lang="it-IT" dirty="0"/>
+          </a:p>
+        </p:txBody>
+      </p:sp>
+      <p:sp>
+        <p:nvSpPr>
+          <p:cNvPr id="3" name="Text Placeholder 2"/>
+          <p:cNvSpPr>
+            <a:spLocks noGrp="1"/>
+          </p:cNvSpPr>
+          <p:nvPr>
+            <p:ph type="body" idx="1"/>
+          </p:nvPr>
+        </p:nvSpPr>
+        <p:spPr>
+          <a:xfrm>
+            <a:off x="722319" y="2180035"/>
+            <a:ext cx="5865911" cy="1125140"/>
+          </a:xfrm>
+        </p:spPr>
+        <p:txBody>
+          <a:bodyPr anchor="b"/>
+          <a:lstStyle>
+            <a:lvl1pPr marL="0" indent="0">
+              <a:buNone/>
+              <a:defRPr sz="2000">
+                <a:solidFill>
+                  <a:schemeClr val="tx1">
+                    <a:tint val="75000"/>
+                  </a:schemeClr>
+                </a:solidFill>
+              </a:defRPr>
+            </a:lvl1pPr>
+            <a:lvl2pPr marL="457200" indent="0">
+              <a:buNone/>
+              <a:defRPr sz="1800">
+                <a:solidFill>
+                  <a:schemeClr val="tx1">
+                    <a:tint val="75000"/>
+                  </a:schemeClr>
+                </a:solidFill>
+              </a:defRPr>
+            </a:lvl2pPr>
+            <a:lvl3pPr marL="914400" indent="0">
+              <a:buNone/>
+              <a:defRPr sz="1600">
+                <a:solidFill>
+                  <a:schemeClr val="tx1">
+                    <a:tint val="75000"/>
+                  </a:schemeClr>
+                </a:solidFill>
+              </a:defRPr>
+            </a:lvl3pPr>
+            <a:lvl4pPr marL="1371600" indent="0">
+              <a:buNone/>
+              <a:defRPr sz="1400">
+                <a:solidFill>
+                  <a:schemeClr val="tx1">
+                    <a:tint val="75000"/>
+                  </a:schemeClr>
+                </a:solidFill>
+              </a:defRPr>
+            </a:lvl4pPr>
+            <a:lvl5pPr marL="1828800" indent="0">
+              <a:buNone/>
+              <a:defRPr sz="1400">
+                <a:solidFill>
+                  <a:schemeClr val="tx1">
+                    <a:tint val="75000"/>
+                  </a:schemeClr>
+                </a:solidFill>
+              </a:defRPr>
+            </a:lvl5pPr>
+            <a:lvl6pPr marL="2286000" indent="0">
+              <a:buNone/>
+              <a:defRPr sz="1400">
+                <a:solidFill>
+                  <a:schemeClr val="tx1">
+                    <a:tint val="75000"/>
+                  </a:schemeClr>
+                </a:solidFill>
+              </a:defRPr>
+            </a:lvl6pPr>
+            <a:lvl7pPr marL="2743200" indent="0">
+              <a:buNone/>
+              <a:defRPr sz="1400">
+                <a:solidFill>
+                  <a:schemeClr val="tx1">
+                    <a:tint val="75000"/>
+                  </a:schemeClr>
+                </a:solidFill>
+              </a:defRPr>
+            </a:lvl7pPr>
+            <a:lvl8pPr marL="3200400" indent="0">
+              <a:buNone/>
+              <a:defRPr sz="1400">
+                <a:solidFill>
+                  <a:schemeClr val="tx1">
+                    <a:tint val="75000"/>
+                  </a:schemeClr>
+                </a:solidFill>
+              </a:defRPr>
+            </a:lvl8pPr>
+            <a:lvl9pPr marL="3657600" indent="0">
+              <a:buNone/>
+              <a:defRPr sz="1400">
+                <a:solidFill>
+                  <a:schemeClr val="tx1">
+                    <a:tint val="75000"/>
+                  </a:schemeClr>
+                </a:solidFill>
+              </a:defRPr>
+            </a:lvl9pPr>
+          </a:lstStyle>
+          <a:p>
+            <a:pPr lvl="0"/>
+            <a:r>
+              <a:rPr lang="it-IT"/>
+              <a:t>Fare clic per modificare gli stili del testo dello schema</a:t>
+            </a:r>
+          </a:p>
+        </p:txBody>
+      </p:sp>
+      <p:sp>
+        <p:nvSpPr>
+          <p:cNvPr id="4" name="Date Placeholder 3"/>
+          <p:cNvSpPr>
+            <a:spLocks noGrp="1"/>
+          </p:cNvSpPr>
+          <p:nvPr>
+            <p:ph type="dt" sz="half" idx="10"/>
+          </p:nvPr>
+        </p:nvSpPr>
+        <p:spPr/>
+        <p:txBody>
+          <a:bodyPr/>
+          <a:lstStyle>
+            <a:lvl1pPr>
+              <a:defRPr/>
+            </a:lvl1pPr>
+          </a:lstStyle>
+          <a:p>
+            <a:fld id="{4633ECFB-6927-4181-8532-1ECC482329AC}" type="datetimeFigureOut">
+              <a:rPr lang="it-IT" smtClean="0"/>
+              <a:pPr/>
+              <a:t>27/01/2022</a:t>
+            </a:fld>
+            <a:endParaRPr lang="it-IT" dirty="0"/>
+          </a:p>
+        </p:txBody>
+      </p:sp>
+      <p:sp>
+        <p:nvSpPr>
+          <p:cNvPr id="5" name="Footer Placeholder 4"/>
+          <p:cNvSpPr>
+            <a:spLocks noGrp="1"/>
+          </p:cNvSpPr>
+          <p:nvPr>
+            <p:ph type="ftr" sz="quarter" idx="11"/>
+          </p:nvPr>
+        </p:nvSpPr>
+        <p:spPr/>
+        <p:txBody>
+          <a:bodyPr/>
+          <a:lstStyle>
+            <a:lvl1pPr>
+              <a:defRPr/>
+            </a:lvl1pPr>
+          </a:lstStyle>
+          <a:p>
+            <a:endParaRPr lang="it-IT" dirty="0"/>
+          </a:p>
+        </p:txBody>
+      </p:sp>
+      <p:sp>
+        <p:nvSpPr>
+          <p:cNvPr id="6" name="Slide Number Placeholder 5"/>
+          <p:cNvSpPr>
+            <a:spLocks noGrp="1"/>
+          </p:cNvSpPr>
+          <p:nvPr>
+            <p:ph type="sldNum" sz="quarter" idx="12"/>
+          </p:nvPr>
+        </p:nvSpPr>
+        <p:spPr/>
+        <p:txBody>
+          <a:bodyPr/>
+          <a:lstStyle>
+            <a:lvl1pPr>
+              <a:defRPr/>
+            </a:lvl1pPr>
+          </a:lstStyle>
+          <a:p>
+            <a:fld id="{C2C384BC-F1FE-41A7-AAED-F05271AC1209}" type="slidenum">
+              <a:rPr lang="it-IT" smtClean="0"/>
+              <a:pPr/>
+              <a:t>‹N›</a:t>
+            </a:fld>
+            <a:endParaRPr lang="it-IT"/>
+          </a:p>
+        </p:txBody>
+      </p:sp>
+    </p:spTree>
+    <p:extLst>
+      <p:ext uri="{BB962C8B-B14F-4D97-AF65-F5344CB8AC3E}">
+        <p14:creationId xmlns:p14="http://schemas.microsoft.com/office/powerpoint/2010/main" val="3541054222"/>
+      </p:ext>
+    </p:extLst>
+  </p:cSld>
+  <p:clrMapOvr>
+    <a:masterClrMapping/>
+  </p:clrMapOvr>
+  <p:transition spd="slow">
+    <p:fade/>
+  </p:transition>
+</p:sldLayout>
+</file>
+
+<file path=ppt/slideLayouts/slideLayout5.xml><?xml version="1.0" encoding="utf-8"?>
+<p:sldLayout xmlns:a="http://schemas.openxmlformats.org/drawingml/2006/main" xmlns:r="http://schemas.openxmlformats.org/officeDocument/2006/relationships" xmlns:p="http://schemas.openxmlformats.org/presentationml/2006/main" type="twoObj" preserve="1">
+  <p:cSld name="Due contenuti">
+    <p:spTree>
+      <p:nvGrpSpPr>
+        <p:cNvPr id="1" name=""/>
+        <p:cNvGrpSpPr/>
+        <p:nvPr/>
+      </p:nvGrpSpPr>
+      <p:grpSpPr>
+        <a:xfrm>
+          <a:off x="0" y="0"/>
+          <a:ext cx="0" cy="0"/>
+          <a:chOff x="0" y="0"/>
+          <a:chExt cx="0" cy="0"/>
+        </a:xfrm>
+      </p:grpSpPr>
+      <p:sp>
+        <p:nvSpPr>
+          <p:cNvPr id="2" name="Title 1"/>
+          <p:cNvSpPr>
+            <a:spLocks noGrp="1"/>
+          </p:cNvSpPr>
+          <p:nvPr>
+            <p:ph type="title"/>
+          </p:nvPr>
+        </p:nvSpPr>
+        <p:spPr/>
+        <p:txBody>
+          <a:bodyPr/>
+          <a:lstStyle/>
+          <a:p>
+            <a:r>
+              <a:rPr lang="it-IT"/>
+              <a:t>Fare clic per modificare lo stile del titolo dello schema</a:t>
+            </a:r>
+          </a:p>
+        </p:txBody>
+      </p:sp>
+      <p:sp>
+        <p:nvSpPr>
+          <p:cNvPr id="3" name="Content Placeholder 2"/>
+          <p:cNvSpPr>
+            <a:spLocks noGrp="1"/>
+          </p:cNvSpPr>
+          <p:nvPr>
+            <p:ph sz="half" idx="1"/>
+          </p:nvPr>
+        </p:nvSpPr>
+        <p:spPr>
+          <a:xfrm>
+            <a:off x="251520" y="735547"/>
+            <a:ext cx="3816424" cy="3880526"/>
+          </a:xfrm>
+        </p:spPr>
+        <p:txBody>
+          <a:bodyPr/>
+          <a:lstStyle>
+            <a:lvl1pPr>
+              <a:defRPr sz="2800"/>
+            </a:lvl1pPr>
+            <a:lvl2pPr>
+              <a:defRPr sz="2400"/>
+            </a:lvl2pPr>
+            <a:lvl3pPr>
+              <a:defRPr sz="2000"/>
+            </a:lvl3pPr>
+            <a:lvl4pPr>
+              <a:defRPr sz="1800"/>
+            </a:lvl4pPr>
+            <a:lvl5pPr>
+              <a:defRPr sz="1800"/>
+            </a:lvl5pPr>
+            <a:lvl6pPr>
+              <a:defRPr sz="1800"/>
+            </a:lvl6pPr>
+            <a:lvl7pPr>
+              <a:defRPr sz="1800"/>
+            </a:lvl7pPr>
+            <a:lvl8pPr>
+              <a:defRPr sz="1800"/>
+            </a:lvl8pPr>
+            <a:lvl9pPr>
+              <a:defRPr sz="1800"/>
+            </a:lvl9pPr>
+          </a:lstStyle>
+          <a:p>
+            <a:pPr lvl="0"/>
+            <a:r>
+              <a:rPr lang="it-IT"/>
+              <a:t>Fare clic per modificare gli stili del testo dello schema</a:t>
+            </a:r>
+          </a:p>
+          <a:p>
+            <a:pPr lvl="1"/>
+            <a:r>
+              <a:rPr lang="it-IT"/>
+              <a:t>Secondo livello</a:t>
+            </a:r>
+          </a:p>
+          <a:p>
+            <a:pPr lvl="2"/>
+            <a:r>
+              <a:rPr lang="it-IT"/>
+              <a:t>Terzo livello</a:t>
+            </a:r>
+          </a:p>
+          <a:p>
+            <a:pPr lvl="3"/>
+            <a:r>
+              <a:rPr lang="it-IT"/>
+              <a:t>Quarto livello</a:t>
+            </a:r>
+          </a:p>
+          <a:p>
+            <a:pPr lvl="4"/>
+            <a:r>
+              <a:rPr lang="it-IT"/>
+              <a:t>Quinto livello</a:t>
+            </a:r>
+            <a:endParaRPr lang="it-IT" dirty="0"/>
+          </a:p>
+        </p:txBody>
+      </p:sp>
+      <p:sp>
+        <p:nvSpPr>
+          <p:cNvPr id="4" name="Content Placeholder 3"/>
+          <p:cNvSpPr>
+            <a:spLocks noGrp="1"/>
+          </p:cNvSpPr>
+          <p:nvPr>
+            <p:ph sz="half" idx="2"/>
+          </p:nvPr>
+        </p:nvSpPr>
+        <p:spPr>
+          <a:xfrm>
+            <a:off x="4139952" y="735547"/>
+            <a:ext cx="3816424" cy="3880526"/>
+          </a:xfrm>
+        </p:spPr>
+        <p:txBody>
+          <a:bodyPr/>
+          <a:lstStyle>
+            <a:lvl1pPr>
+              <a:defRPr sz="2800"/>
+            </a:lvl1pPr>
+            <a:lvl2pPr>
+              <a:defRPr sz="2400"/>
+            </a:lvl2pPr>
+            <a:lvl3pPr>
+              <a:defRPr sz="2000"/>
+            </a:lvl3pPr>
+            <a:lvl4pPr>
+              <a:defRPr sz="1800"/>
+            </a:lvl4pPr>
+            <a:lvl5pPr>
+              <a:defRPr sz="1800"/>
+            </a:lvl5pPr>
+            <a:lvl6pPr>
+              <a:defRPr sz="1800"/>
+            </a:lvl6pPr>
+            <a:lvl7pPr>
+              <a:defRPr sz="1800"/>
+            </a:lvl7pPr>
+            <a:lvl8pPr>
+              <a:defRPr sz="1800"/>
+            </a:lvl8pPr>
+            <a:lvl9pPr>
+              <a:defRPr sz="1800"/>
+            </a:lvl9pPr>
+          </a:lstStyle>
+          <a:p>
+            <a:pPr lvl="0"/>
+            <a:r>
+              <a:rPr lang="it-IT"/>
+              <a:t>Fare clic per modificare gli stili del testo dello schema</a:t>
+            </a:r>
+          </a:p>
+          <a:p>
+            <a:pPr lvl="1"/>
+            <a:r>
+              <a:rPr lang="it-IT"/>
+              <a:t>Secondo livello</a:t>
+            </a:r>
+          </a:p>
+          <a:p>
+            <a:pPr lvl="2"/>
+            <a:r>
+              <a:rPr lang="it-IT"/>
+              <a:t>Terzo livello</a:t>
+            </a:r>
+          </a:p>
+          <a:p>
+            <a:pPr lvl="3"/>
+            <a:r>
+              <a:rPr lang="it-IT"/>
+              <a:t>Quarto livello</a:t>
+            </a:r>
+          </a:p>
+          <a:p>
+            <a:pPr lvl="4"/>
+            <a:r>
+              <a:rPr lang="it-IT"/>
+              <a:t>Quinto livello</a:t>
+            </a:r>
+            <a:endParaRPr lang="it-IT" dirty="0"/>
+          </a:p>
+        </p:txBody>
+      </p:sp>
+      <p:sp>
+        <p:nvSpPr>
+          <p:cNvPr id="5" name="Date Placeholder 3"/>
+          <p:cNvSpPr>
+            <a:spLocks noGrp="1"/>
+          </p:cNvSpPr>
+          <p:nvPr>
+            <p:ph type="dt" sz="half" idx="10"/>
+          </p:nvPr>
+        </p:nvSpPr>
+        <p:spPr/>
+        <p:txBody>
+          <a:bodyPr/>
+          <a:lstStyle>
+            <a:lvl1pPr>
+              <a:defRPr/>
+            </a:lvl1pPr>
+          </a:lstStyle>
+          <a:p>
+            <a:fld id="{4633ECFB-6927-4181-8532-1ECC482329AC}" type="datetimeFigureOut">
+              <a:rPr lang="it-IT" smtClean="0"/>
+              <a:pPr/>
+              <a:t>27/01/2022</a:t>
+            </a:fld>
+            <a:endParaRPr lang="it-IT" dirty="0"/>
+          </a:p>
+        </p:txBody>
+      </p:sp>
+      <p:sp>
+        <p:nvSpPr>
+          <p:cNvPr id="6" name="Footer Placeholder 4"/>
+          <p:cNvSpPr>
+            <a:spLocks noGrp="1"/>
+          </p:cNvSpPr>
+          <p:nvPr>
+            <p:ph type="ftr" sz="quarter" idx="11"/>
+          </p:nvPr>
+        </p:nvSpPr>
+        <p:spPr/>
+        <p:txBody>
+          <a:bodyPr/>
+          <a:lstStyle>
+            <a:lvl1pPr>
+              <a:defRPr/>
+            </a:lvl1pPr>
+          </a:lstStyle>
+          <a:p>
+            <a:endParaRPr lang="it-IT" dirty="0"/>
+          </a:p>
+        </p:txBody>
+      </p:sp>
+      <p:sp>
+        <p:nvSpPr>
+          <p:cNvPr id="7" name="Slide Number Placeholder 5"/>
+          <p:cNvSpPr>
+            <a:spLocks noGrp="1"/>
+          </p:cNvSpPr>
+          <p:nvPr>
+            <p:ph type="sldNum" sz="quarter" idx="12"/>
+          </p:nvPr>
+        </p:nvSpPr>
+        <p:spPr/>
+        <p:txBody>
+          <a:bodyPr/>
+          <a:lstStyle>
+            <a:lvl1pPr>
+              <a:defRPr/>
+            </a:lvl1pPr>
+          </a:lstStyle>
+          <a:p>
+            <a:fld id="{C2C384BC-F1FE-41A7-AAED-F05271AC1209}" type="slidenum">
+              <a:rPr lang="it-IT" smtClean="0"/>
+              <a:pPr/>
+              <a:t>‹N›</a:t>
+            </a:fld>
+            <a:endParaRPr lang="it-IT"/>
+          </a:p>
+        </p:txBody>
+      </p:sp>
+    </p:spTree>
+    <p:extLst>
+      <p:ext uri="{BB962C8B-B14F-4D97-AF65-F5344CB8AC3E}">
+        <p14:creationId xmlns:p14="http://schemas.microsoft.com/office/powerpoint/2010/main" val="2549473249"/>
+      </p:ext>
+    </p:extLst>
+  </p:cSld>
+  <p:clrMapOvr>
+    <a:masterClrMapping/>
+  </p:clrMapOvr>
+  <p:transition spd="slow">
+    <p:fade/>
+  </p:transition>
+</p:sldLayout>
+</file>
+
+<file path=ppt/slideLayouts/slideLayout6.xml><?xml version="1.0" encoding="utf-8"?>
+<p:sldLayout xmlns:a="http://schemas.openxmlformats.org/drawingml/2006/main" xmlns:r="http://schemas.openxmlformats.org/officeDocument/2006/relationships" xmlns:p="http://schemas.openxmlformats.org/presentationml/2006/main" type="twoTxTwoObj" preserve="1">
+  <p:cSld name="Confronto">
+    <p:spTree>
+      <p:nvGrpSpPr>
+        <p:cNvPr id="1" name=""/>
+        <p:cNvGrpSpPr/>
+        <p:nvPr/>
+      </p:nvGrpSpPr>
+      <p:grpSpPr>
+        <a:xfrm>
+          <a:off x="0" y="0"/>
+          <a:ext cx="0" cy="0"/>
+          <a:chOff x="0" y="0"/>
+          <a:chExt cx="0" cy="0"/>
+        </a:xfrm>
+      </p:grpSpPr>
+      <p:sp>
+        <p:nvSpPr>
+          <p:cNvPr id="2" name="Title 1"/>
+          <p:cNvSpPr>
+            <a:spLocks noGrp="1"/>
+          </p:cNvSpPr>
+          <p:nvPr>
+            <p:ph type="title"/>
+          </p:nvPr>
+        </p:nvSpPr>
+        <p:spPr/>
+        <p:txBody>
+          <a:bodyPr/>
+          <a:lstStyle>
+            <a:lvl1pPr>
+              <a:defRPr/>
+            </a:lvl1pPr>
+          </a:lstStyle>
+          <a:p>
+            <a:r>
+              <a:rPr lang="it-IT"/>
+              <a:t>Fare clic per modificare lo stile del titolo dello schema</a:t>
+            </a:r>
+          </a:p>
+        </p:txBody>
+      </p:sp>
+      <p:sp>
+        <p:nvSpPr>
+          <p:cNvPr id="3" name="Text Placeholder 2"/>
+          <p:cNvSpPr>
+            <a:spLocks noGrp="1"/>
+          </p:cNvSpPr>
+          <p:nvPr>
+            <p:ph type="body" idx="1"/>
+          </p:nvPr>
+        </p:nvSpPr>
+        <p:spPr>
+          <a:xfrm>
+            <a:off x="323528" y="681541"/>
+            <a:ext cx="3755450" cy="479822"/>
+          </a:xfrm>
+        </p:spPr>
+        <p:txBody>
+          <a:bodyPr anchor="b"/>
+          <a:lstStyle>
+            <a:lvl1pPr marL="0" indent="0">
+              <a:buNone/>
+              <a:defRPr sz="2400" b="1"/>
+            </a:lvl1pPr>
+            <a:lvl2pPr marL="457200" indent="0">
+              <a:buNone/>
+              <a:defRPr sz="2000" b="1"/>
+            </a:lvl2pPr>
+            <a:lvl3pPr marL="914400" indent="0">
+              <a:buNone/>
+              <a:defRPr sz="1800" b="1"/>
+            </a:lvl3pPr>
+            <a:lvl4pPr marL="1371600" indent="0">
+              <a:buNone/>
+              <a:defRPr sz="1600" b="1"/>
+            </a:lvl4pPr>
+            <a:lvl5pPr marL="1828800" indent="0">
+              <a:buNone/>
+              <a:defRPr sz="1600" b="1"/>
+            </a:lvl5pPr>
+            <a:lvl6pPr marL="2286000" indent="0">
+              <a:buNone/>
+              <a:defRPr sz="1600" b="1"/>
+            </a:lvl6pPr>
+            <a:lvl7pPr marL="2743200" indent="0">
+              <a:buNone/>
+              <a:defRPr sz="1600" b="1"/>
+            </a:lvl7pPr>
+            <a:lvl8pPr marL="3200400" indent="0">
+              <a:buNone/>
+              <a:defRPr sz="1600" b="1"/>
+            </a:lvl8pPr>
+            <a:lvl9pPr marL="3657600" indent="0">
+              <a:buNone/>
+              <a:defRPr sz="1600" b="1"/>
+            </a:lvl9pPr>
+          </a:lstStyle>
+          <a:p>
+            <a:pPr lvl="0"/>
+            <a:r>
+              <a:rPr lang="it-IT"/>
+              <a:t>Fare clic per modificare gli stili del testo dello schema</a:t>
+            </a:r>
+          </a:p>
+        </p:txBody>
+      </p:sp>
+      <p:sp>
+        <p:nvSpPr>
+          <p:cNvPr id="4" name="Content Placeholder 3"/>
+          <p:cNvSpPr>
+            <a:spLocks noGrp="1"/>
+          </p:cNvSpPr>
+          <p:nvPr>
+            <p:ph sz="half" idx="2"/>
+          </p:nvPr>
+        </p:nvSpPr>
+        <p:spPr>
+          <a:xfrm>
+            <a:off x="323528" y="1275606"/>
+            <a:ext cx="3744416" cy="3348372"/>
+          </a:xfrm>
+        </p:spPr>
+        <p:txBody>
+          <a:bodyPr/>
+          <a:lstStyle>
+            <a:lvl1pPr>
+              <a:defRPr sz="2400"/>
+            </a:lvl1pPr>
+            <a:lvl2pPr>
+              <a:defRPr sz="2000"/>
+            </a:lvl2pPr>
+            <a:lvl3pPr>
+              <a:defRPr sz="1800"/>
+            </a:lvl3pPr>
+            <a:lvl4pPr>
+              <a:defRPr sz="1600"/>
+            </a:lvl4pPr>
+            <a:lvl5pPr>
+              <a:defRPr sz="1600"/>
+            </a:lvl5pPr>
+            <a:lvl6pPr>
+              <a:defRPr sz="1600"/>
+            </a:lvl6pPr>
+            <a:lvl7pPr>
+              <a:defRPr sz="1600"/>
+            </a:lvl7pPr>
+            <a:lvl8pPr>
+              <a:defRPr sz="1600"/>
+            </a:lvl8pPr>
+            <a:lvl9pPr>
+              <a:defRPr sz="1600"/>
+            </a:lvl9pPr>
+          </a:lstStyle>
+          <a:p>
+            <a:pPr lvl="0"/>
+            <a:r>
+              <a:rPr lang="it-IT"/>
+              <a:t>Fare clic per modificare gli stili del testo dello schema</a:t>
+            </a:r>
+          </a:p>
+          <a:p>
+            <a:pPr lvl="1"/>
+            <a:r>
+              <a:rPr lang="it-IT"/>
+              <a:t>Secondo livello</a:t>
+            </a:r>
+          </a:p>
+          <a:p>
+            <a:pPr lvl="2"/>
+            <a:r>
+              <a:rPr lang="it-IT"/>
+              <a:t>Terzo livello</a:t>
+            </a:r>
+          </a:p>
+          <a:p>
+            <a:pPr lvl="3"/>
+            <a:r>
+              <a:rPr lang="it-IT"/>
+              <a:t>Quarto livello</a:t>
+            </a:r>
+          </a:p>
+          <a:p>
+            <a:pPr lvl="4"/>
+            <a:r>
+              <a:rPr lang="it-IT"/>
+              <a:t>Quinto livello</a:t>
+            </a:r>
+            <a:endParaRPr lang="it-IT" dirty="0"/>
+          </a:p>
+        </p:txBody>
+      </p:sp>
+      <p:sp>
+        <p:nvSpPr>
+          <p:cNvPr id="5" name="Text Placeholder 4"/>
+          <p:cNvSpPr>
+            <a:spLocks noGrp="1"/>
+          </p:cNvSpPr>
+          <p:nvPr>
+            <p:ph type="body" sz="quarter" idx="3"/>
+          </p:nvPr>
+        </p:nvSpPr>
+        <p:spPr>
+          <a:xfrm>
+            <a:off x="4139953" y="681541"/>
+            <a:ext cx="3743499" cy="479822"/>
+          </a:xfrm>
+        </p:spPr>
+        <p:txBody>
+          <a:bodyPr anchor="b"/>
+          <a:lstStyle>
+            <a:lvl1pPr marL="0" indent="0">
+              <a:buNone/>
+              <a:defRPr sz="2400" b="1"/>
+            </a:lvl1pPr>
+            <a:lvl2pPr marL="457200" indent="0">
+              <a:buNone/>
+              <a:defRPr sz="2000" b="1"/>
+            </a:lvl2pPr>
+            <a:lvl3pPr marL="914400" indent="0">
+              <a:buNone/>
+              <a:defRPr sz="1800" b="1"/>
+            </a:lvl3pPr>
+            <a:lvl4pPr marL="1371600" indent="0">
+              <a:buNone/>
+              <a:defRPr sz="1600" b="1"/>
+            </a:lvl4pPr>
+            <a:lvl5pPr marL="1828800" indent="0">
+              <a:buNone/>
+              <a:defRPr sz="1600" b="1"/>
+            </a:lvl5pPr>
+            <a:lvl6pPr marL="2286000" indent="0">
+              <a:buNone/>
+              <a:defRPr sz="1600" b="1"/>
+            </a:lvl6pPr>
+            <a:lvl7pPr marL="2743200" indent="0">
+              <a:buNone/>
+              <a:defRPr sz="1600" b="1"/>
+            </a:lvl7pPr>
+            <a:lvl8pPr marL="3200400" indent="0">
+              <a:buNone/>
+              <a:defRPr sz="1600" b="1"/>
+            </a:lvl8pPr>
+            <a:lvl9pPr marL="3657600" indent="0">
+              <a:buNone/>
+              <a:defRPr sz="1600" b="1"/>
+            </a:lvl9pPr>
+          </a:lstStyle>
+          <a:p>
+            <a:pPr lvl="0"/>
+            <a:r>
+              <a:rPr lang="it-IT"/>
+              <a:t>Fare clic per modificare gli stili del testo dello schema</a:t>
+            </a:r>
+          </a:p>
+        </p:txBody>
+      </p:sp>
+      <p:sp>
+        <p:nvSpPr>
+          <p:cNvPr id="6" name="Content Placeholder 5"/>
+          <p:cNvSpPr>
+            <a:spLocks noGrp="1"/>
+          </p:cNvSpPr>
+          <p:nvPr>
+            <p:ph sz="quarter" idx="4"/>
+          </p:nvPr>
+        </p:nvSpPr>
+        <p:spPr>
+          <a:xfrm>
+            <a:off x="4211960" y="1275606"/>
+            <a:ext cx="3600400" cy="3348372"/>
+          </a:xfrm>
+        </p:spPr>
+        <p:txBody>
+          <a:bodyPr/>
+          <a:lstStyle>
+            <a:lvl1pPr>
+              <a:defRPr sz="2400"/>
+            </a:lvl1pPr>
+            <a:lvl2pPr>
+              <a:defRPr sz="2000"/>
+            </a:lvl2pPr>
+            <a:lvl3pPr>
+              <a:defRPr sz="1800"/>
+            </a:lvl3pPr>
+            <a:lvl4pPr>
+              <a:defRPr sz="1600"/>
+            </a:lvl4pPr>
+            <a:lvl5pPr>
+              <a:defRPr sz="1600"/>
+            </a:lvl5pPr>
+            <a:lvl6pPr>
+              <a:defRPr sz="1600"/>
+            </a:lvl6pPr>
+            <a:lvl7pPr>
+              <a:defRPr sz="1600"/>
+            </a:lvl7pPr>
+            <a:lvl8pPr>
+              <a:defRPr sz="1600"/>
+            </a:lvl8pPr>
+            <a:lvl9pPr>
+              <a:defRPr sz="1600"/>
+            </a:lvl9pPr>
+          </a:lstStyle>
+          <a:p>
+            <a:pPr lvl="0"/>
+            <a:r>
+              <a:rPr lang="it-IT"/>
+              <a:t>Fare clic per modificare gli stili del testo dello schema</a:t>
+            </a:r>
+          </a:p>
+          <a:p>
+            <a:pPr lvl="1"/>
+            <a:r>
+              <a:rPr lang="it-IT"/>
+              <a:t>Secondo livello</a:t>
+            </a:r>
+          </a:p>
+          <a:p>
+            <a:pPr lvl="2"/>
+            <a:r>
+              <a:rPr lang="it-IT"/>
+              <a:t>Terzo livello</a:t>
+            </a:r>
+          </a:p>
+          <a:p>
+            <a:pPr lvl="3"/>
+            <a:r>
+              <a:rPr lang="it-IT"/>
+              <a:t>Quarto livello</a:t>
+            </a:r>
+          </a:p>
+          <a:p>
+            <a:pPr lvl="4"/>
+            <a:r>
+              <a:rPr lang="it-IT"/>
+              <a:t>Quinto livello</a:t>
+            </a:r>
+            <a:endParaRPr lang="it-IT" dirty="0"/>
+          </a:p>
+        </p:txBody>
+      </p:sp>
+      <p:sp>
+        <p:nvSpPr>
+          <p:cNvPr id="7" name="Date Placeholder 3"/>
+          <p:cNvSpPr>
+            <a:spLocks noGrp="1"/>
+          </p:cNvSpPr>
+          <p:nvPr>
+            <p:ph type="dt" sz="half" idx="10"/>
+          </p:nvPr>
+        </p:nvSpPr>
+        <p:spPr/>
+        <p:txBody>
+          <a:bodyPr/>
+          <a:lstStyle>
+            <a:lvl1pPr>
+              <a:defRPr/>
+            </a:lvl1pPr>
+          </a:lstStyle>
+          <a:p>
+            <a:fld id="{4633ECFB-6927-4181-8532-1ECC482329AC}" type="datetimeFigureOut">
+              <a:rPr lang="it-IT" smtClean="0"/>
+              <a:pPr/>
+              <a:t>27/01/2022</a:t>
+            </a:fld>
+            <a:endParaRPr lang="it-IT" dirty="0"/>
+          </a:p>
+        </p:txBody>
+      </p:sp>
+      <p:sp>
+        <p:nvSpPr>
+          <p:cNvPr id="8" name="Footer Placeholder 4"/>
+          <p:cNvSpPr>
+            <a:spLocks noGrp="1"/>
+          </p:cNvSpPr>
+          <p:nvPr>
+            <p:ph type="ftr" sz="quarter" idx="11"/>
+          </p:nvPr>
+        </p:nvSpPr>
+        <p:spPr/>
+        <p:txBody>
+          <a:bodyPr/>
+          <a:lstStyle>
+            <a:lvl1pPr>
+              <a:defRPr/>
+            </a:lvl1pPr>
+          </a:lstStyle>
+          <a:p>
+            <a:endParaRPr lang="it-IT" dirty="0"/>
+          </a:p>
+        </p:txBody>
+      </p:sp>
+      <p:sp>
+        <p:nvSpPr>
+          <p:cNvPr id="9" name="Slide Number Placeholder 5"/>
+          <p:cNvSpPr>
+            <a:spLocks noGrp="1"/>
+          </p:cNvSpPr>
+          <p:nvPr>
+            <p:ph type="sldNum" sz="quarter" idx="12"/>
+          </p:nvPr>
+        </p:nvSpPr>
+        <p:spPr/>
+        <p:txBody>
+          <a:bodyPr/>
+          <a:lstStyle>
+            <a:lvl1pPr>
+              <a:defRPr/>
+            </a:lvl1pPr>
+          </a:lstStyle>
+          <a:p>
+            <a:fld id="{C2C384BC-F1FE-41A7-AAED-F05271AC1209}" type="slidenum">
+              <a:rPr lang="it-IT" smtClean="0"/>
+              <a:pPr/>
+              <a:t>‹N›</a:t>
+            </a:fld>
+            <a:endParaRPr lang="it-IT"/>
+          </a:p>
+        </p:txBody>
+      </p:sp>
+    </p:spTree>
+    <p:extLst>
+      <p:ext uri="{BB962C8B-B14F-4D97-AF65-F5344CB8AC3E}">
+        <p14:creationId xmlns:p14="http://schemas.microsoft.com/office/powerpoint/2010/main" val="2790462696"/>
+      </p:ext>
+    </p:extLst>
+  </p:cSld>
+  <p:clrMapOvr>
+    <a:masterClrMapping/>
+  </p:clrMapOvr>
+  <p:transition spd="slow">
+    <p:fade/>
+  </p:transition>
+</p:sldLayout>
+</file>
+
+<file path=ppt/slideLayouts/slideLayout7.xml><?xml version="1.0" encoding="utf-8"?>
+<p:sldLayout xmlns:a="http://schemas.openxmlformats.org/drawingml/2006/main" xmlns:r="http://schemas.openxmlformats.org/officeDocument/2006/relationships" xmlns:p="http://schemas.openxmlformats.org/presentationml/2006/main" type="titleOnly" preserve="1">
+  <p:cSld name="Solo titolo">
+    <p:spTree>
+      <p:nvGrpSpPr>
+        <p:cNvPr id="1" name=""/>
+        <p:cNvGrpSpPr/>
+        <p:nvPr/>
+      </p:nvGrpSpPr>
+      <p:grpSpPr>
+        <a:xfrm>
+          <a:off x="0" y="0"/>
+          <a:ext cx="0" cy="0"/>
+          <a:chOff x="0" y="0"/>
+          <a:chExt cx="0" cy="0"/>
+        </a:xfrm>
+      </p:grpSpPr>
+      <p:sp>
+        <p:nvSpPr>
+          <p:cNvPr id="2" name="Title 1"/>
+          <p:cNvSpPr>
+            <a:spLocks noGrp="1"/>
+          </p:cNvSpPr>
+          <p:nvPr>
+            <p:ph type="title"/>
+          </p:nvPr>
+        </p:nvSpPr>
+        <p:spPr/>
+        <p:txBody>
+          <a:bodyPr/>
+          <a:lstStyle/>
+          <a:p>
+            <a:r>
+              <a:rPr lang="it-IT"/>
+              <a:t>Fare clic per modificare lo stile del titolo dello schema</a:t>
+            </a:r>
+          </a:p>
+        </p:txBody>
+      </p:sp>
+      <p:sp>
+        <p:nvSpPr>
+          <p:cNvPr id="3" name="Date Placeholder 3"/>
+          <p:cNvSpPr>
+            <a:spLocks noGrp="1"/>
+          </p:cNvSpPr>
+          <p:nvPr>
+            <p:ph type="dt" sz="half" idx="10"/>
+          </p:nvPr>
+        </p:nvSpPr>
+        <p:spPr/>
+        <p:txBody>
+          <a:bodyPr/>
+          <a:lstStyle>
+            <a:lvl1pPr>
+              <a:defRPr/>
+            </a:lvl1pPr>
+          </a:lstStyle>
+          <a:p>
+            <a:fld id="{4633ECFB-6927-4181-8532-1ECC482329AC}" type="datetimeFigureOut">
+              <a:rPr lang="it-IT" smtClean="0"/>
+              <a:pPr/>
+              <a:t>27/01/2022</a:t>
+            </a:fld>
+            <a:endParaRPr lang="it-IT" dirty="0"/>
+          </a:p>
+        </p:txBody>
+      </p:sp>
+      <p:sp>
+        <p:nvSpPr>
+          <p:cNvPr id="4" name="Footer Placeholder 4"/>
+          <p:cNvSpPr>
+            <a:spLocks noGrp="1"/>
+          </p:cNvSpPr>
+          <p:nvPr>
+            <p:ph type="ftr" sz="quarter" idx="11"/>
+          </p:nvPr>
+        </p:nvSpPr>
+        <p:spPr/>
+        <p:txBody>
+          <a:bodyPr/>
+          <a:lstStyle>
+            <a:lvl1pPr>
+              <a:defRPr/>
+            </a:lvl1pPr>
+          </a:lstStyle>
+          <a:p>
+            <a:endParaRPr lang="it-IT" dirty="0"/>
+          </a:p>
+        </p:txBody>
+      </p:sp>
+      <p:sp>
+        <p:nvSpPr>
+          <p:cNvPr id="5" name="Slide Number Placeholder 5"/>
+          <p:cNvSpPr>
+            <a:spLocks noGrp="1"/>
+          </p:cNvSpPr>
+          <p:nvPr>
+            <p:ph type="sldNum" sz="quarter" idx="12"/>
+          </p:nvPr>
+        </p:nvSpPr>
+        <p:spPr/>
+        <p:txBody>
+          <a:bodyPr/>
+          <a:lstStyle>
+            <a:lvl1pPr>
+              <a:defRPr/>
+            </a:lvl1pPr>
+          </a:lstStyle>
+          <a:p>
+            <a:fld id="{C2C384BC-F1FE-41A7-AAED-F05271AC1209}" type="slidenum">
+              <a:rPr lang="it-IT" smtClean="0"/>
+              <a:pPr/>
+              <a:t>‹N›</a:t>
+            </a:fld>
+            <a:endParaRPr lang="it-IT"/>
+          </a:p>
+        </p:txBody>
+      </p:sp>
+    </p:spTree>
+    <p:extLst>
+      <p:ext uri="{BB962C8B-B14F-4D97-AF65-F5344CB8AC3E}">
+        <p14:creationId xmlns:p14="http://schemas.microsoft.com/office/powerpoint/2010/main" val="1538981007"/>
+      </p:ext>
+    </p:extLst>
+  </p:cSld>
+  <p:clrMapOvr>
+    <a:masterClrMapping/>
+  </p:clrMapOvr>
+  <p:transition spd="slow">
+    <p:fade/>
+  </p:transition>
+</p:sldLayout>
+</file>
+
+<file path=ppt/slideLayouts/slideLayout8.xml><?xml version="1.0" encoding="utf-8"?>
+<p:sldLayout xmlns:a="http://schemas.openxmlformats.org/drawingml/2006/main" xmlns:r="http://schemas.openxmlformats.org/officeDocument/2006/relationships" xmlns:p="http://schemas.openxmlformats.org/presentationml/2006/main" type="blank" preserve="1">
+  <p:cSld name="Vuota">
+    <p:spTree>
+      <p:nvGrpSpPr>
+        <p:cNvPr id="1" name=""/>
+        <p:cNvGrpSpPr/>
+        <p:nvPr/>
+      </p:nvGrpSpPr>
+      <p:grpSpPr>
+        <a:xfrm>
+          <a:off x="0" y="0"/>
+          <a:ext cx="0" cy="0"/>
+          <a:chOff x="0" y="0"/>
+          <a:chExt cx="0" cy="0"/>
+        </a:xfrm>
+      </p:grpSpPr>
+      <p:sp>
+        <p:nvSpPr>
+          <p:cNvPr id="2" name="Date Placeholder 3"/>
+          <p:cNvSpPr>
+            <a:spLocks noGrp="1"/>
+          </p:cNvSpPr>
+          <p:nvPr>
+            <p:ph type="dt" sz="half" idx="10"/>
+          </p:nvPr>
+        </p:nvSpPr>
+        <p:spPr/>
+        <p:txBody>
+          <a:bodyPr/>
+          <a:lstStyle>
+            <a:lvl1pPr>
+              <a:defRPr/>
+            </a:lvl1pPr>
+          </a:lstStyle>
+          <a:p>
+            <a:fld id="{4633ECFB-6927-4181-8532-1ECC482329AC}" type="datetimeFigureOut">
+              <a:rPr lang="it-IT" smtClean="0"/>
+              <a:pPr/>
+              <a:t>27/01/2022</a:t>
+            </a:fld>
+            <a:endParaRPr lang="it-IT" dirty="0"/>
+          </a:p>
+        </p:txBody>
+      </p:sp>
+      <p:sp>
+        <p:nvSpPr>
+          <p:cNvPr id="3" name="Footer Placeholder 4"/>
+          <p:cNvSpPr>
+            <a:spLocks noGrp="1"/>
+          </p:cNvSpPr>
+          <p:nvPr>
+            <p:ph type="ftr" sz="quarter" idx="11"/>
+          </p:nvPr>
+        </p:nvSpPr>
+        <p:spPr/>
+        <p:txBody>
+          <a:bodyPr/>
+          <a:lstStyle>
+            <a:lvl1pPr>
+              <a:defRPr/>
+            </a:lvl1pPr>
+          </a:lstStyle>
+          <a:p>
+            <a:endParaRPr lang="it-IT" dirty="0"/>
+          </a:p>
+        </p:txBody>
+      </p:sp>
+      <p:sp>
+        <p:nvSpPr>
+          <p:cNvPr id="4" name="Slide Number Placeholder 5"/>
+          <p:cNvSpPr>
+            <a:spLocks noGrp="1"/>
+          </p:cNvSpPr>
+          <p:nvPr>
+            <p:ph type="sldNum" sz="quarter" idx="12"/>
+          </p:nvPr>
+        </p:nvSpPr>
+        <p:spPr/>
+        <p:txBody>
+          <a:bodyPr/>
+          <a:lstStyle>
+            <a:lvl1pPr>
+              <a:defRPr/>
+            </a:lvl1pPr>
+          </a:lstStyle>
+          <a:p>
+            <a:fld id="{C2C384BC-F1FE-41A7-AAED-F05271AC1209}" type="slidenum">
+              <a:rPr lang="it-IT" smtClean="0"/>
+              <a:pPr/>
+              <a:t>‹N›</a:t>
+            </a:fld>
+            <a:endParaRPr lang="it-IT"/>
+          </a:p>
+        </p:txBody>
+      </p:sp>
+    </p:spTree>
+    <p:extLst>
+      <p:ext uri="{BB962C8B-B14F-4D97-AF65-F5344CB8AC3E}">
+        <p14:creationId xmlns:p14="http://schemas.microsoft.com/office/powerpoint/2010/main" val="1818692170"/>
+      </p:ext>
+    </p:extLst>
+  </p:cSld>
+  <p:clrMapOvr>
+    <a:masterClrMapping/>
+  </p:clrMapOvr>
+  <p:transition spd="slow">
+    <p:fade/>
+  </p:transition>
+</p:sldLayout>
+</file>
+
+<file path=ppt/slideLayouts/slideLayout9.xml><?xml version="1.0" encoding="utf-8"?>
+<p:sldLayout xmlns:a="http://schemas.openxmlformats.org/drawingml/2006/main" xmlns:r="http://schemas.openxmlformats.org/officeDocument/2006/relationships" xmlns:p="http://schemas.openxmlformats.org/presentationml/2006/main" type="objTx" preserve="1">
+  <p:cSld name="Contenuto con didascalia">
+    <p:spTree>
+      <p:nvGrpSpPr>
+        <p:cNvPr id="1" name=""/>
+        <p:cNvGrpSpPr/>
+        <p:nvPr/>
+      </p:nvGrpSpPr>
+      <p:grpSpPr>
+        <a:xfrm>
+          <a:off x="0" y="0"/>
+          <a:ext cx="0" cy="0"/>
+          <a:chOff x="0" y="0"/>
+          <a:chExt cx="0" cy="0"/>
+        </a:xfrm>
+      </p:grpSpPr>
+      <p:sp>
+        <p:nvSpPr>
+          <p:cNvPr id="2" name="Title 1"/>
+          <p:cNvSpPr>
+            <a:spLocks noGrp="1"/>
+          </p:cNvSpPr>
+          <p:nvPr>
+            <p:ph type="title"/>
+          </p:nvPr>
+        </p:nvSpPr>
+        <p:spPr>
+          <a:xfrm>
+            <a:off x="457201" y="204787"/>
+            <a:ext cx="2602632" cy="871538"/>
+          </a:xfrm>
+        </p:spPr>
+        <p:txBody>
+          <a:bodyPr anchor="b"/>
+          <a:lstStyle>
+            <a:lvl1pPr algn="l">
+              <a:defRPr sz="2000" b="1"/>
+            </a:lvl1pPr>
+          </a:lstStyle>
+          <a:p>
+            <a:r>
+              <a:rPr lang="it-IT"/>
+              <a:t>Fare clic per modificare lo stile del titolo dello schema</a:t>
+            </a:r>
+            <a:endParaRPr lang="it-IT" dirty="0"/>
+          </a:p>
+        </p:txBody>
+      </p:sp>
+      <p:sp>
+        <p:nvSpPr>
+          <p:cNvPr id="3" name="Content Placeholder 2"/>
+          <p:cNvSpPr>
+            <a:spLocks noGrp="1"/>
+          </p:cNvSpPr>
+          <p:nvPr>
+            <p:ph idx="1"/>
+          </p:nvPr>
+        </p:nvSpPr>
+        <p:spPr>
+          <a:xfrm>
+            <a:off x="3203848" y="204792"/>
+            <a:ext cx="3744416" cy="4389835"/>
+          </a:xfrm>
+        </p:spPr>
+        <p:txBody>
+          <a:bodyPr/>
+          <a:lstStyle>
+            <a:lvl1pPr>
+              <a:defRPr sz="3200"/>
+            </a:lvl1pPr>
+            <a:lvl2pPr>
+              <a:defRPr sz="2800"/>
+            </a:lvl2pPr>
+            <a:lvl3pPr>
+              <a:defRPr sz="2400"/>
+            </a:lvl3pPr>
+            <a:lvl4pPr>
+              <a:defRPr sz="2000"/>
+            </a:lvl4pPr>
+            <a:lvl5pPr>
+              <a:defRPr sz="2000"/>
+            </a:lvl5pPr>
+            <a:lvl6pPr>
+              <a:defRPr sz="2000"/>
+            </a:lvl6pPr>
+            <a:lvl7pPr>
+              <a:defRPr sz="2000"/>
+            </a:lvl7pPr>
+            <a:lvl8pPr>
+              <a:defRPr sz="2000"/>
+            </a:lvl8pPr>
+            <a:lvl9pPr>
+              <a:defRPr sz="2000"/>
+            </a:lvl9pPr>
+          </a:lstStyle>
+          <a:p>
+            <a:pPr lvl="0"/>
+            <a:r>
+              <a:rPr lang="it-IT"/>
+              <a:t>Fare clic per modificare gli stili del testo dello schema</a:t>
+            </a:r>
+          </a:p>
+          <a:p>
+            <a:pPr lvl="1"/>
+            <a:r>
+              <a:rPr lang="it-IT"/>
+              <a:t>Secondo livello</a:t>
+            </a:r>
+          </a:p>
+          <a:p>
+            <a:pPr lvl="2"/>
+            <a:r>
+              <a:rPr lang="it-IT"/>
+              <a:t>Terzo livello</a:t>
+            </a:r>
+          </a:p>
+          <a:p>
+            <a:pPr lvl="3"/>
+            <a:r>
+              <a:rPr lang="it-IT"/>
+              <a:t>Quarto livello</a:t>
+            </a:r>
+          </a:p>
+          <a:p>
+            <a:pPr lvl="4"/>
+            <a:r>
+              <a:rPr lang="it-IT"/>
+              <a:t>Quinto livello</a:t>
+            </a:r>
+          </a:p>
+        </p:txBody>
+      </p:sp>
+      <p:sp>
+        <p:nvSpPr>
+          <p:cNvPr id="4" name="Text Placeholder 3"/>
+          <p:cNvSpPr>
+            <a:spLocks noGrp="1"/>
+          </p:cNvSpPr>
+          <p:nvPr>
+            <p:ph type="body" sz="half" idx="2"/>
+          </p:nvPr>
+        </p:nvSpPr>
+        <p:spPr>
+          <a:xfrm>
+            <a:off x="457201" y="1076328"/>
+            <a:ext cx="2602632" cy="3518297"/>
+          </a:xfrm>
+        </p:spPr>
+        <p:txBody>
+          <a:bodyPr/>
+          <a:lstStyle>
+            <a:lvl1pPr marL="0" indent="0">
+              <a:buNone/>
+              <a:defRPr sz="1400"/>
+            </a:lvl1pPr>
+            <a:lvl2pPr marL="457200" indent="0">
+              <a:buNone/>
+              <a:defRPr sz="1200"/>
+            </a:lvl2pPr>
+            <a:lvl3pPr marL="914400" indent="0">
+              <a:buNone/>
+              <a:defRPr sz="1000"/>
+            </a:lvl3pPr>
+            <a:lvl4pPr marL="1371600" indent="0">
+              <a:buNone/>
+              <a:defRPr sz="900"/>
+            </a:lvl4pPr>
+            <a:lvl5pPr marL="1828800" indent="0">
+              <a:buNone/>
+              <a:defRPr sz="900"/>
+            </a:lvl5pPr>
+            <a:lvl6pPr marL="2286000" indent="0">
+              <a:buNone/>
+              <a:defRPr sz="900"/>
+            </a:lvl6pPr>
+            <a:lvl7pPr marL="2743200" indent="0">
+              <a:buNone/>
+              <a:defRPr sz="900"/>
+            </a:lvl7pPr>
+            <a:lvl8pPr marL="3200400" indent="0">
+              <a:buNone/>
+              <a:defRPr sz="900"/>
+            </a:lvl8pPr>
+            <a:lvl9pPr marL="3657600" indent="0">
+              <a:buNone/>
+              <a:defRPr sz="900"/>
+            </a:lvl9pPr>
+          </a:lstStyle>
+          <a:p>
+            <a:pPr lvl="0"/>
+            <a:r>
+              <a:rPr lang="it-IT"/>
+              <a:t>Fare clic per modificare gli stili del testo dello schema</a:t>
+            </a:r>
+          </a:p>
+        </p:txBody>
+      </p:sp>
+      <p:sp>
+        <p:nvSpPr>
+          <p:cNvPr id="5" name="Date Placeholder 3"/>
+          <p:cNvSpPr>
+            <a:spLocks noGrp="1"/>
+          </p:cNvSpPr>
+          <p:nvPr>
+            <p:ph type="dt" sz="half" idx="10"/>
+          </p:nvPr>
+        </p:nvSpPr>
+        <p:spPr/>
+        <p:txBody>
+          <a:bodyPr/>
+          <a:lstStyle>
+            <a:lvl1pPr>
+              <a:defRPr/>
+            </a:lvl1pPr>
+          </a:lstStyle>
+          <a:p>
+            <a:fld id="{4633ECFB-6927-4181-8532-1ECC482329AC}" type="datetimeFigureOut">
+              <a:rPr lang="it-IT" smtClean="0"/>
+              <a:pPr/>
+              <a:t>27/01/2022</a:t>
+            </a:fld>
+            <a:endParaRPr lang="it-IT" dirty="0"/>
+          </a:p>
+        </p:txBody>
+      </p:sp>
+      <p:sp>
+        <p:nvSpPr>
+          <p:cNvPr id="6" name="Footer Placeholder 4"/>
+          <p:cNvSpPr>
+            <a:spLocks noGrp="1"/>
+          </p:cNvSpPr>
+          <p:nvPr>
+            <p:ph type="ftr" sz="quarter" idx="11"/>
+          </p:nvPr>
+        </p:nvSpPr>
+        <p:spPr/>
+        <p:txBody>
+          <a:bodyPr/>
+          <a:lstStyle>
+            <a:lvl1pPr>
+              <a:defRPr/>
+            </a:lvl1pPr>
+          </a:lstStyle>
+          <a:p>
+            <a:endParaRPr lang="it-IT" dirty="0"/>
+          </a:p>
+        </p:txBody>
+      </p:sp>
+      <p:sp>
+        <p:nvSpPr>
+          <p:cNvPr id="7" name="Slide Number Placeholder 5"/>
+          <p:cNvSpPr>
+            <a:spLocks noGrp="1"/>
+          </p:cNvSpPr>
+          <p:nvPr>
+            <p:ph type="sldNum" sz="quarter" idx="12"/>
+          </p:nvPr>
+        </p:nvSpPr>
+        <p:spPr/>
+        <p:txBody>
+          <a:bodyPr/>
+          <a:lstStyle>
+            <a:lvl1pPr>
+              <a:defRPr/>
+            </a:lvl1pPr>
+          </a:lstStyle>
+          <a:p>
+            <a:fld id="{C2C384BC-F1FE-41A7-AAED-F05271AC1209}" type="slidenum">
+              <a:rPr lang="it-IT" smtClean="0"/>
+              <a:pPr/>
+              <a:t>‹N›</a:t>
+            </a:fld>
+            <a:endParaRPr lang="it-IT"/>
+          </a:p>
+        </p:txBody>
+      </p:sp>
+    </p:spTree>
+    <p:extLst>
+      <p:ext uri="{BB962C8B-B14F-4D97-AF65-F5344CB8AC3E}">
+        <p14:creationId xmlns:p14="http://schemas.microsoft.com/office/powerpoint/2010/main" val="1753646787"/>
+      </p:ext>
+    </p:extLst>
+  </p:cSld>
+  <p:clrMapOvr>
+    <a:masterClrMapping/>
+  </p:clrMapOvr>
+  <p:transition spd="slow">
+    <p:fade/>
+  </p:transition>
 </p:sldLayout>
 </file>
 
 <file path=ppt/slideMasters/slideMaster1.xml><?xml version="1.0" encoding="utf-8"?>
-<p:sldMaster xmlns:a="http://schemas.openxmlformats.org/drawingml/2006/main" xmlns:r="http://schemas.openxmlformats.org/officeDocument/2006/relationships" xmlns:p="http://schemas.openxmlformats.org/presentationml/2006/main">
+<p:sldMaster xmlns:a="http://schemas.openxmlformats.org/drawingml/2006/main" xmlns:r="http://schemas.openxmlformats.org/officeDocument/2006/relationships" xmlns:p="http://schemas.openxmlformats.org/presentationml/2006/main" preserve="1">
   <p:cSld>
     <p:bg>
-      <p:bgRef idx="1001">
-        <a:schemeClr val="bg1"/>
-      </p:bgRef>
+      <p:bgPr>
+        <a:solidFill>
+          <a:schemeClr val="bg1"/>
+        </a:solidFill>
+        <a:effectLst/>
+      </p:bgPr>
     </p:bg>
     <p:spTree>
       <p:nvGrpSpPr>
@@ -3023,24 +6573,76 @@
           <a:chExt cx="0" cy="0"/>
         </a:xfrm>
       </p:grpSpPr>
-      <p:sp>
-        <p:nvSpPr>
-          <p:cNvPr id="10" name="Rectangle 9"/>
+      <p:pic>
+        <p:nvPicPr>
+          <p:cNvPr id="1026" name="Picture 16" descr="logo-laser-vert.png"/>
+          <p:cNvPicPr>
+            <a:picLocks noChangeAspect="1"/>
+          </p:cNvPicPr>
+          <p:nvPr/>
+        </p:nvPicPr>
+        <p:blipFill>
+          <a:blip r:embed="rId15">
+            <a:extLst>
+              <a:ext uri="{28A0092B-C50C-407E-A947-70E740481C1C}">
+                <a14:useLocalDpi xmlns:a14="http://schemas.microsoft.com/office/drawing/2010/main" val="0"/>
+              </a:ext>
+            </a:extLst>
+          </a:blip>
+          <a:srcRect r="12531"/>
+          <a:stretch>
+            <a:fillRect/>
+          </a:stretch>
+        </p:blipFill>
+        <p:spPr bwMode="auto">
+          <a:xfrm>
+            <a:off x="8328025" y="123825"/>
+            <a:ext cx="815975" cy="4824413"/>
+          </a:xfrm>
+          <a:prstGeom prst="rect">
+            <a:avLst/>
+          </a:prstGeom>
+          <a:noFill/>
+          <a:ln>
+            <a:noFill/>
+          </a:ln>
+          <a:extLst>
+            <a:ext uri="{909E8E84-426E-40DD-AFC4-6F175D3DCCD1}">
+              <a14:hiddenFill xmlns:a14="http://schemas.microsoft.com/office/drawing/2010/main">
+                <a:solidFill>
+                  <a:srgbClr val="FFFFFF"/>
+                </a:solidFill>
+              </a14:hiddenFill>
+            </a:ext>
+            <a:ext uri="{91240B29-F687-4F45-9708-019B960494DF}">
+              <a14:hiddenLine xmlns:a14="http://schemas.microsoft.com/office/drawing/2010/main" w="9525">
+                <a:solidFill>
+                  <a:srgbClr val="000000"/>
+                </a:solidFill>
+                <a:miter lim="800000"/>
+                <a:headEnd/>
+                <a:tailEnd/>
+              </a14:hiddenLine>
+            </a:ext>
+          </a:extLst>
+        </p:spPr>
+      </p:pic>
+      <p:sp>
+        <p:nvSpPr>
+          <p:cNvPr id="24" name="Rectangle 23"/>
           <p:cNvSpPr/>
           <p:nvPr/>
         </p:nvSpPr>
         <p:spPr>
           <a:xfrm>
-            <a:off x="0" y="4803998"/>
-            <a:ext cx="9144000" cy="339502"/>
+            <a:off x="7200900" y="0"/>
+            <a:ext cx="1943100" cy="123825"/>
           </a:xfrm>
           <a:prstGeom prst="rect">
             <a:avLst/>
           </a:prstGeom>
           <a:solidFill>
-            <a:schemeClr val="bg1">
-              <a:lumMod val="85000"/>
-            </a:schemeClr>
+            <a:schemeClr val="accent2"/>
           </a:solidFill>
           <a:ln>
             <a:noFill/>
@@ -3063,176 +6665,256 @@
           </a:fontRef>
         </p:style>
         <p:txBody>
-          <a:bodyPr rtlCol="0" anchor="ctr"/>
+          <a:bodyPr anchor="ctr"/>
           <a:lstStyle/>
           <a:p>
-            <a:pPr algn="ctr"/>
+            <a:pPr algn="ctr" eaLnBrk="1" fontAlgn="auto" hangingPunct="1">
+              <a:spcBef>
+                <a:spcPts val="0"/>
+              </a:spcBef>
+              <a:spcAft>
+                <a:spcPts val="0"/>
+              </a:spcAft>
+              <a:defRPr/>
+            </a:pPr>
             <a:endParaRPr lang="it-IT" dirty="0"/>
           </a:p>
         </p:txBody>
       </p:sp>
-      <p:pic>
-        <p:nvPicPr>
-          <p:cNvPr id="8" name="Picture 7" descr="X-03.jpg">
-            <a:hlinkClick r:id="rId13"/>
-          </p:cNvPr>
-          <p:cNvPicPr>
-            <a:picLocks noChangeAspect="1"/>
-          </p:cNvPicPr>
+      <p:sp>
+        <p:nvSpPr>
+          <p:cNvPr id="22" name="Rectangle 21"/>
+          <p:cNvSpPr/>
           <p:nvPr/>
-        </p:nvPicPr>
-        <p:blipFill>
-          <a:blip r:embed="rId14" cstate="print">
-            <a:clrChange>
-              <a:clrFrom>
-                <a:srgbClr val="FFFFFE"/>
-              </a:clrFrom>
-              <a:clrTo>
-                <a:srgbClr val="FFFFFE">
-                  <a:alpha val="0"/>
-                </a:srgbClr>
-              </a:clrTo>
-            </a:clrChange>
-          </a:blip>
-          <a:srcRect r="34668" b="8312"/>
-          <a:stretch>
-            <a:fillRect/>
-          </a:stretch>
-        </p:blipFill>
+        </p:nvSpPr>
         <p:spPr>
           <a:xfrm>
-            <a:off x="6804248" y="151368"/>
-            <a:ext cx="2339752" cy="4992132"/>
+            <a:off x="0" y="5019675"/>
+            <a:ext cx="9144000" cy="123825"/>
+          </a:xfrm>
+          <a:prstGeom prst="rect">
+            <a:avLst/>
+          </a:prstGeom>
+          <a:solidFill>
+            <a:schemeClr val="accent2"/>
+          </a:solidFill>
+          <a:ln>
+            <a:noFill/>
+          </a:ln>
+        </p:spPr>
+        <p:style>
+          <a:lnRef idx="2">
+            <a:schemeClr val="accent1">
+              <a:shade val="50000"/>
+            </a:schemeClr>
+          </a:lnRef>
+          <a:fillRef idx="1">
+            <a:schemeClr val="accent1"/>
+          </a:fillRef>
+          <a:effectRef idx="0">
+            <a:schemeClr val="accent1"/>
+          </a:effectRef>
+          <a:fontRef idx="minor">
+            <a:schemeClr val="lt1"/>
+          </a:fontRef>
+        </p:style>
+        <p:txBody>
+          <a:bodyPr anchor="ctr"/>
+          <a:lstStyle/>
+          <a:p>
+            <a:pPr algn="ctr" eaLnBrk="1" fontAlgn="auto" hangingPunct="1">
+              <a:spcBef>
+                <a:spcPts val="0"/>
+              </a:spcBef>
+              <a:spcAft>
+                <a:spcPts val="0"/>
+              </a:spcAft>
+              <a:defRPr/>
+            </a:pPr>
+            <a:endParaRPr lang="it-IT" dirty="0"/>
+          </a:p>
+        </p:txBody>
+      </p:sp>
+      <p:sp>
+        <p:nvSpPr>
+          <p:cNvPr id="1029" name="Title Placeholder 1"/>
+          <p:cNvSpPr>
+            <a:spLocks noGrp="1"/>
+          </p:cNvSpPr>
+          <p:nvPr>
+            <p:ph type="title"/>
+          </p:nvPr>
+        </p:nvSpPr>
+        <p:spPr bwMode="auto">
+          <a:xfrm>
+            <a:off x="179388" y="87313"/>
+            <a:ext cx="7848600" cy="476250"/>
+          </a:xfrm>
+          <a:prstGeom prst="rect">
+            <a:avLst/>
+          </a:prstGeom>
+          <a:noFill/>
+          <a:ln>
+            <a:noFill/>
+          </a:ln>
+          <a:extLst>
+            <a:ext uri="{909E8E84-426E-40DD-AFC4-6F175D3DCCD1}">
+              <a14:hiddenFill xmlns:a14="http://schemas.microsoft.com/office/drawing/2010/main">
+                <a:solidFill>
+                  <a:srgbClr val="FFFFFF"/>
+                </a:solidFill>
+              </a14:hiddenFill>
+            </a:ext>
+            <a:ext uri="{91240B29-F687-4F45-9708-019B960494DF}">
+              <a14:hiddenLine xmlns:a14="http://schemas.microsoft.com/office/drawing/2010/main" w="9525">
+                <a:solidFill>
+                  <a:srgbClr val="000000"/>
+                </a:solidFill>
+                <a:miter lim="800000"/>
+                <a:headEnd/>
+                <a:tailEnd/>
+              </a14:hiddenLine>
+            </a:ext>
+          </a:extLst>
+        </p:spPr>
+        <p:txBody>
+          <a:bodyPr vert="horz" wrap="square" lIns="91440" tIns="45720" rIns="91440" bIns="45720" numCol="1" anchor="ctr" anchorCtr="0" compatLnSpc="1">
+            <a:prstTxWarp prst="textNoShape">
+              <a:avLst/>
+            </a:prstTxWarp>
+          </a:bodyPr>
+          <a:lstStyle/>
+          <a:p>
+            <a:pPr lvl="0"/>
+            <a:r>
+              <a:rPr lang="it-IT" altLang="it-IT"/>
+              <a:t>Fare clic per modificare lo stile del titolo</a:t>
+            </a:r>
+          </a:p>
+        </p:txBody>
+      </p:sp>
+      <p:sp>
+        <p:nvSpPr>
+          <p:cNvPr id="1030" name="Text Placeholder 2"/>
+          <p:cNvSpPr>
+            <a:spLocks noGrp="1"/>
+          </p:cNvSpPr>
+          <p:nvPr>
+            <p:ph type="body" idx="1"/>
+          </p:nvPr>
+        </p:nvSpPr>
+        <p:spPr bwMode="auto">
+          <a:xfrm>
+            <a:off x="250825" y="681038"/>
+            <a:ext cx="7705725" cy="3889375"/>
+          </a:xfrm>
+          <a:prstGeom prst="rect">
+            <a:avLst/>
+          </a:prstGeom>
+          <a:noFill/>
+          <a:ln>
+            <a:noFill/>
+          </a:ln>
+          <a:extLst>
+            <a:ext uri="{909E8E84-426E-40DD-AFC4-6F175D3DCCD1}">
+              <a14:hiddenFill xmlns:a14="http://schemas.microsoft.com/office/drawing/2010/main">
+                <a:solidFill>
+                  <a:srgbClr val="FFFFFF"/>
+                </a:solidFill>
+              </a14:hiddenFill>
+            </a:ext>
+            <a:ext uri="{91240B29-F687-4F45-9708-019B960494DF}">
+              <a14:hiddenLine xmlns:a14="http://schemas.microsoft.com/office/drawing/2010/main" w="9525">
+                <a:solidFill>
+                  <a:srgbClr val="000000"/>
+                </a:solidFill>
+                <a:miter lim="800000"/>
+                <a:headEnd/>
+                <a:tailEnd/>
+              </a14:hiddenLine>
+            </a:ext>
+          </a:extLst>
+        </p:spPr>
+        <p:txBody>
+          <a:bodyPr vert="horz" wrap="square" lIns="91440" tIns="45720" rIns="91440" bIns="45720" numCol="1" anchor="t" anchorCtr="0" compatLnSpc="1">
+            <a:prstTxWarp prst="textNoShape">
+              <a:avLst/>
+            </a:prstTxWarp>
+          </a:bodyPr>
+          <a:lstStyle/>
+          <a:p>
+            <a:pPr lvl="0"/>
+            <a:r>
+              <a:rPr lang="it-IT" altLang="it-IT"/>
+              <a:t>Fare clic per modificare stili del testo dello schema</a:t>
+            </a:r>
+          </a:p>
+          <a:p>
+            <a:pPr lvl="1"/>
+            <a:r>
+              <a:rPr lang="it-IT" altLang="it-IT"/>
+              <a:t>Secondo livello</a:t>
+            </a:r>
+          </a:p>
+          <a:p>
+            <a:pPr lvl="2"/>
+            <a:r>
+              <a:rPr lang="it-IT" altLang="it-IT"/>
+              <a:t>Terzo livello</a:t>
+            </a:r>
+          </a:p>
+          <a:p>
+            <a:pPr lvl="3"/>
+            <a:r>
+              <a:rPr lang="it-IT" altLang="it-IT"/>
+              <a:t>Quarto livello</a:t>
+            </a:r>
+          </a:p>
+          <a:p>
+            <a:pPr lvl="4"/>
+            <a:r>
+              <a:rPr lang="it-IT" altLang="it-IT"/>
+              <a:t>Quinto livello</a:t>
+            </a:r>
+          </a:p>
+        </p:txBody>
+      </p:sp>
+      <p:sp>
+        <p:nvSpPr>
+          <p:cNvPr id="4" name="Date Placeholder 3"/>
+          <p:cNvSpPr>
+            <a:spLocks noGrp="1"/>
+          </p:cNvSpPr>
+          <p:nvPr>
+            <p:ph type="dt" sz="half" idx="2"/>
+          </p:nvPr>
+        </p:nvSpPr>
+        <p:spPr>
+          <a:xfrm>
+            <a:off x="2051050" y="4732338"/>
+            <a:ext cx="1008063" cy="219075"/>
           </a:xfrm>
           <a:prstGeom prst="rect">
             <a:avLst/>
           </a:prstGeom>
         </p:spPr>
-      </p:pic>
-      <p:sp>
-        <p:nvSpPr>
-          <p:cNvPr id="2" name="Title Placeholder 1"/>
-          <p:cNvSpPr>
-            <a:spLocks noGrp="1"/>
-          </p:cNvSpPr>
-          <p:nvPr>
-            <p:ph type="title"/>
-          </p:nvPr>
-        </p:nvSpPr>
-        <p:spPr>
-          <a:xfrm>
-            <a:off x="457200" y="205979"/>
-            <a:ext cx="6563072" cy="857250"/>
-          </a:xfrm>
-          <a:prstGeom prst="rect">
-            <a:avLst/>
-          </a:prstGeom>
-        </p:spPr>
-        <p:txBody>
-          <a:bodyPr vert="horz" lIns="91440" tIns="45720" rIns="91440" bIns="45720" rtlCol="0" anchor="ctr">
-            <a:normAutofit/>
-          </a:bodyPr>
-          <a:lstStyle/>
-          <a:p>
-            <a:r>
-              <a:rPr lang="en-US"/>
-              <a:t>Click to edit Master title style</a:t>
-            </a:r>
-            <a:endParaRPr lang="it-IT"/>
-          </a:p>
-        </p:txBody>
-      </p:sp>
-      <p:sp>
-        <p:nvSpPr>
-          <p:cNvPr id="3" name="Text Placeholder 2"/>
-          <p:cNvSpPr>
-            <a:spLocks noGrp="1"/>
-          </p:cNvSpPr>
-          <p:nvPr>
-            <p:ph type="body" idx="1"/>
-          </p:nvPr>
-        </p:nvSpPr>
-        <p:spPr>
-          <a:xfrm>
-            <a:off x="457200" y="1200151"/>
-            <a:ext cx="6563072" cy="3394472"/>
-          </a:xfrm>
-          <a:prstGeom prst="rect">
-            <a:avLst/>
-          </a:prstGeom>
-        </p:spPr>
-        <p:txBody>
-          <a:bodyPr vert="horz" lIns="91440" tIns="45720" rIns="91440" bIns="45720" rtlCol="0">
-            <a:normAutofit/>
-          </a:bodyPr>
-          <a:lstStyle/>
-          <a:p>
-            <a:pPr lvl="0"/>
-            <a:r>
-              <a:rPr lang="en-US"/>
-              <a:t>Click to edit Master text styles</a:t>
-            </a:r>
-          </a:p>
-          <a:p>
-            <a:pPr lvl="1"/>
-            <a:r>
-              <a:rPr lang="en-US"/>
-              <a:t>Second level</a:t>
-            </a:r>
-          </a:p>
-          <a:p>
-            <a:pPr lvl="2"/>
-            <a:r>
-              <a:rPr lang="en-US"/>
-              <a:t>Third level</a:t>
-            </a:r>
-          </a:p>
-          <a:p>
-            <a:pPr lvl="3"/>
-            <a:r>
-              <a:rPr lang="en-US"/>
-              <a:t>Fourth level</a:t>
-            </a:r>
-          </a:p>
-          <a:p>
-            <a:pPr lvl="4"/>
-            <a:r>
-              <a:rPr lang="en-US"/>
-              <a:t>Fifth level</a:t>
-            </a:r>
-            <a:endParaRPr lang="it-IT" dirty="0"/>
-          </a:p>
-        </p:txBody>
-      </p:sp>
-      <p:sp>
-        <p:nvSpPr>
-          <p:cNvPr id="4" name="Date Placeholder 3"/>
-          <p:cNvSpPr>
-            <a:spLocks noGrp="1"/>
-          </p:cNvSpPr>
-          <p:nvPr>
-            <p:ph type="dt" sz="half" idx="2"/>
-          </p:nvPr>
-        </p:nvSpPr>
-        <p:spPr>
-          <a:xfrm>
-            <a:off x="7740352" y="4443958"/>
-            <a:ext cx="1008112" cy="273844"/>
-          </a:xfrm>
-          <a:prstGeom prst="rect">
-            <a:avLst/>
-          </a:prstGeom>
-        </p:spPr>
         <p:txBody>
           <a:bodyPr vert="horz" lIns="91440" tIns="45720" rIns="91440" bIns="45720" rtlCol="0" anchor="ctr"/>
           <a:lstStyle>
-            <a:lvl1pPr algn="l">
-              <a:defRPr sz="1200">
+            <a:lvl1pPr algn="l" eaLnBrk="1" fontAlgn="auto" hangingPunct="1">
+              <a:spcBef>
+                <a:spcPts val="0"/>
+              </a:spcBef>
+              <a:spcAft>
+                <a:spcPts val="0"/>
+              </a:spcAft>
+              <a:defRPr sz="1200" smtClean="0">
                 <a:solidFill>
                   <a:schemeClr val="tx1">
                     <a:tint val="75000"/>
                   </a:schemeClr>
                 </a:solidFill>
+                <a:latin typeface="+mn-lt"/>
               </a:defRPr>
             </a:lvl1pPr>
           </a:lstStyle>
@@ -3258,8 +6940,8 @@
         </p:nvSpPr>
         <p:spPr>
           <a:xfrm>
-            <a:off x="7740352" y="4803998"/>
-            <a:ext cx="1403648" cy="273844"/>
+            <a:off x="3132138" y="4732338"/>
+            <a:ext cx="4968875" cy="215900"/>
           </a:xfrm>
           <a:prstGeom prst="rect">
             <a:avLst/>
@@ -3268,13 +6950,20 @@
         <p:txBody>
           <a:bodyPr vert="horz" lIns="91440" tIns="45720" rIns="91440" bIns="45720" rtlCol="0" anchor="ctr"/>
           <a:lstStyle>
-            <a:lvl1pPr algn="ctr">
-              <a:defRPr sz="1200">
+            <a:lvl1pPr algn="ctr" eaLnBrk="1" fontAlgn="auto" hangingPunct="1">
+              <a:spcBef>
+                <a:spcPts val="0"/>
+              </a:spcBef>
+              <a:spcAft>
+                <a:spcPts val="0"/>
+              </a:spcAft>
+              <a:defRPr sz="1200" dirty="0">
                 <a:solidFill>
                   <a:schemeClr val="tx1">
                     <a:tint val="75000"/>
                   </a:schemeClr>
                 </a:solidFill>
+                <a:latin typeface="+mn-lt"/>
               </a:defRPr>
             </a:lvl1pPr>
           </a:lstStyle>
@@ -3295,8 +6984,8 @@
         </p:nvSpPr>
         <p:spPr>
           <a:xfrm>
-            <a:off x="8629600" y="4443958"/>
-            <a:ext cx="514400" cy="273844"/>
+            <a:off x="8629650" y="5002213"/>
+            <a:ext cx="514350" cy="141287"/>
           </a:xfrm>
           <a:prstGeom prst="rect">
             <a:avLst/>
@@ -3305,13 +6994,20 @@
         <p:txBody>
           <a:bodyPr vert="horz" lIns="91440" tIns="45720" rIns="91440" bIns="45720" rtlCol="0" anchor="ctr"/>
           <a:lstStyle>
-            <a:lvl1pPr algn="r">
-              <a:defRPr sz="1200">
+            <a:lvl1pPr algn="r" eaLnBrk="1" fontAlgn="auto" hangingPunct="1">
+              <a:spcBef>
+                <a:spcPts val="0"/>
+              </a:spcBef>
+              <a:spcAft>
+                <a:spcPts val="0"/>
+              </a:spcAft>
+              <a:defRPr sz="1200" smtClean="0">
                 <a:solidFill>
                   <a:schemeClr val="tx1">
                     <a:tint val="75000"/>
                   </a:schemeClr>
                 </a:solidFill>
+                <a:latin typeface="+mn-lt"/>
               </a:defRPr>
             </a:lvl1pPr>
           </a:lstStyle>
@@ -3325,395 +7021,172 @@
           </a:p>
         </p:txBody>
       </p:sp>
-      <p:pic>
-        <p:nvPicPr>
-          <p:cNvPr id="9" name="Picture 8" descr="Logo-2008.gif">
-            <a:hlinkClick r:id="rId13"/>
-          </p:cNvPr>
-          <p:cNvPicPr>
-            <a:picLocks noChangeAspect="1"/>
-          </p:cNvPicPr>
-          <p:nvPr/>
-        </p:nvPicPr>
-        <p:blipFill>
-          <a:blip r:embed="rId15" cstate="print"/>
-          <a:stretch>
-            <a:fillRect/>
-          </a:stretch>
-        </p:blipFill>
-        <p:spPr>
-          <a:xfrm>
-            <a:off x="7452320" y="102940"/>
-            <a:ext cx="1573765" cy="452586"/>
-          </a:xfrm>
-          <a:prstGeom prst="rect">
-            <a:avLst/>
-          </a:prstGeom>
-        </p:spPr>
-      </p:pic>
-      <p:sp>
-        <p:nvSpPr>
-          <p:cNvPr id="11" name="TextBox 10"/>
-          <p:cNvSpPr txBox="1"/>
-          <p:nvPr/>
-        </p:nvSpPr>
-        <p:spPr>
-          <a:xfrm>
-            <a:off x="670247" y="4587974"/>
-            <a:ext cx="1021433" cy="646331"/>
-          </a:xfrm>
-          <a:prstGeom prst="rect">
-            <a:avLst/>
-          </a:prstGeom>
-          <a:noFill/>
-        </p:spPr>
-        <p:txBody>
-          <a:bodyPr wrap="none" rtlCol="0">
-            <a:spAutoFit/>
-          </a:bodyPr>
-          <a:lstStyle/>
-          <a:p>
-            <a:r>
-              <a:rPr lang="it-IT" sz="3600" b="1" dirty="0">
-                <a:solidFill>
-                  <a:schemeClr val="bg1"/>
-                </a:solidFill>
-                <a:latin typeface="Myriad Pro" pitchFamily="34" charset="0"/>
-              </a:rPr>
-              <a:t>GIM</a:t>
-            </a:r>
-          </a:p>
-        </p:txBody>
-      </p:sp>
-      <p:sp>
-        <p:nvSpPr>
-          <p:cNvPr id="12" name="TextBox 11"/>
-          <p:cNvSpPr txBox="1"/>
-          <p:nvPr/>
-        </p:nvSpPr>
-        <p:spPr>
-          <a:xfrm>
-            <a:off x="2051720" y="4659982"/>
-            <a:ext cx="1224136" cy="461665"/>
-          </a:xfrm>
-          <a:prstGeom prst="rect">
-            <a:avLst/>
-          </a:prstGeom>
-          <a:noFill/>
-        </p:spPr>
-        <p:txBody>
-          <a:bodyPr wrap="square" rtlCol="0">
-            <a:spAutoFit/>
-          </a:bodyPr>
-          <a:lstStyle/>
-          <a:p>
-            <a:r>
-              <a:rPr lang="it-IT" sz="2400" dirty="0">
-                <a:solidFill>
-                  <a:schemeClr val="bg1"/>
-                </a:solidFill>
-                <a:latin typeface="Myriad Pro" pitchFamily="34" charset="0"/>
-              </a:rPr>
-              <a:t>Global</a:t>
-            </a:r>
-          </a:p>
-        </p:txBody>
-      </p:sp>
-      <p:sp>
-        <p:nvSpPr>
-          <p:cNvPr id="13" name="TextBox 10"/>
-          <p:cNvSpPr txBox="1"/>
-          <p:nvPr/>
-        </p:nvSpPr>
-        <p:spPr>
-          <a:xfrm>
-            <a:off x="3059832" y="4659982"/>
-            <a:ext cx="1708225" cy="461665"/>
-          </a:xfrm>
-          <a:prstGeom prst="rect">
-            <a:avLst/>
-          </a:prstGeom>
-          <a:noFill/>
-        </p:spPr>
-        <p:txBody>
-          <a:bodyPr wrap="none" rtlCol="0">
-            <a:spAutoFit/>
-          </a:bodyPr>
-          <a:lstStyle>
-            <a:defPPr>
-              <a:defRPr lang="it-IT"/>
-            </a:defPPr>
-            <a:lvl1pPr marL="0" algn="l" defTabSz="914400" rtl="0" eaLnBrk="1" latinLnBrk="0" hangingPunct="1">
-              <a:defRPr sz="1800" kern="1200">
-                <a:solidFill>
-                  <a:schemeClr val="tx1"/>
-                </a:solidFill>
-                <a:latin typeface="+mn-lt"/>
-                <a:ea typeface="+mn-ea"/>
-                <a:cs typeface="+mn-cs"/>
-              </a:defRPr>
-            </a:lvl1pPr>
-            <a:lvl2pPr marL="457200" algn="l" defTabSz="914400" rtl="0" eaLnBrk="1" latinLnBrk="0" hangingPunct="1">
-              <a:defRPr sz="1800" kern="1200">
-                <a:solidFill>
-                  <a:schemeClr val="tx1"/>
-                </a:solidFill>
-                <a:latin typeface="+mn-lt"/>
-                <a:ea typeface="+mn-ea"/>
-                <a:cs typeface="+mn-cs"/>
-              </a:defRPr>
-            </a:lvl2pPr>
-            <a:lvl3pPr marL="914400" algn="l" defTabSz="914400" rtl="0" eaLnBrk="1" latinLnBrk="0" hangingPunct="1">
-              <a:defRPr sz="1800" kern="1200">
-                <a:solidFill>
-                  <a:schemeClr val="tx1"/>
-                </a:solidFill>
-                <a:latin typeface="+mn-lt"/>
-                <a:ea typeface="+mn-ea"/>
-                <a:cs typeface="+mn-cs"/>
-              </a:defRPr>
-            </a:lvl3pPr>
-            <a:lvl4pPr marL="1371600" algn="l" defTabSz="914400" rtl="0" eaLnBrk="1" latinLnBrk="0" hangingPunct="1">
-              <a:defRPr sz="1800" kern="1200">
-                <a:solidFill>
-                  <a:schemeClr val="tx1"/>
-                </a:solidFill>
-                <a:latin typeface="+mn-lt"/>
-                <a:ea typeface="+mn-ea"/>
-                <a:cs typeface="+mn-cs"/>
-              </a:defRPr>
-            </a:lvl4pPr>
-            <a:lvl5pPr marL="1828800" algn="l" defTabSz="914400" rtl="0" eaLnBrk="1" latinLnBrk="0" hangingPunct="1">
-              <a:defRPr sz="1800" kern="1200">
-                <a:solidFill>
-                  <a:schemeClr val="tx1"/>
-                </a:solidFill>
-                <a:latin typeface="+mn-lt"/>
-                <a:ea typeface="+mn-ea"/>
-                <a:cs typeface="+mn-cs"/>
-              </a:defRPr>
-            </a:lvl5pPr>
-            <a:lvl6pPr marL="2286000" algn="l" defTabSz="914400" rtl="0" eaLnBrk="1" latinLnBrk="0" hangingPunct="1">
-              <a:defRPr sz="1800" kern="1200">
-                <a:solidFill>
-                  <a:schemeClr val="tx1"/>
-                </a:solidFill>
-                <a:latin typeface="+mn-lt"/>
-                <a:ea typeface="+mn-ea"/>
-                <a:cs typeface="+mn-cs"/>
-              </a:defRPr>
-            </a:lvl6pPr>
-            <a:lvl7pPr marL="2743200" algn="l" defTabSz="914400" rtl="0" eaLnBrk="1" latinLnBrk="0" hangingPunct="1">
-              <a:defRPr sz="1800" kern="1200">
-                <a:solidFill>
-                  <a:schemeClr val="tx1"/>
-                </a:solidFill>
-                <a:latin typeface="+mn-lt"/>
-                <a:ea typeface="+mn-ea"/>
-                <a:cs typeface="+mn-cs"/>
-              </a:defRPr>
-            </a:lvl7pPr>
-            <a:lvl8pPr marL="3200400" algn="l" defTabSz="914400" rtl="0" eaLnBrk="1" latinLnBrk="0" hangingPunct="1">
-              <a:defRPr sz="1800" kern="1200">
-                <a:solidFill>
-                  <a:schemeClr val="tx1"/>
-                </a:solidFill>
-                <a:latin typeface="+mn-lt"/>
-                <a:ea typeface="+mn-ea"/>
-                <a:cs typeface="+mn-cs"/>
-              </a:defRPr>
-            </a:lvl8pPr>
-            <a:lvl9pPr marL="3657600" algn="l" defTabSz="914400" rtl="0" eaLnBrk="1" latinLnBrk="0" hangingPunct="1">
-              <a:defRPr sz="1800" kern="1200">
-                <a:solidFill>
-                  <a:schemeClr val="tx1"/>
-                </a:solidFill>
-                <a:latin typeface="+mn-lt"/>
-                <a:ea typeface="+mn-ea"/>
-                <a:cs typeface="+mn-cs"/>
-              </a:defRPr>
-            </a:lvl9pPr>
-          </a:lstStyle>
-          <a:p>
-            <a:r>
-              <a:rPr lang="it-IT" sz="2400" dirty="0">
-                <a:solidFill>
-                  <a:schemeClr val="bg1"/>
-                </a:solidFill>
-                <a:latin typeface="Myriad Pro" pitchFamily="34" charset="0"/>
-              </a:rPr>
-              <a:t>Information</a:t>
-            </a:r>
-          </a:p>
-        </p:txBody>
-      </p:sp>
-      <p:sp>
-        <p:nvSpPr>
-          <p:cNvPr id="14" name="TextBox 10"/>
-          <p:cNvSpPr txBox="1"/>
-          <p:nvPr/>
-        </p:nvSpPr>
-        <p:spPr>
-          <a:xfrm>
-            <a:off x="4676482" y="4659982"/>
-            <a:ext cx="1911742" cy="461665"/>
-          </a:xfrm>
-          <a:prstGeom prst="rect">
-            <a:avLst/>
-          </a:prstGeom>
-          <a:noFill/>
-        </p:spPr>
-        <p:txBody>
-          <a:bodyPr wrap="none" rtlCol="0">
-            <a:spAutoFit/>
-          </a:bodyPr>
-          <a:lstStyle>
-            <a:defPPr>
-              <a:defRPr lang="it-IT"/>
-            </a:defPPr>
-            <a:lvl1pPr marL="0" algn="l" defTabSz="914400" rtl="0" eaLnBrk="1" latinLnBrk="0" hangingPunct="1">
-              <a:defRPr sz="1800" kern="1200">
-                <a:solidFill>
-                  <a:schemeClr val="tx1"/>
-                </a:solidFill>
-                <a:latin typeface="+mn-lt"/>
-                <a:ea typeface="+mn-ea"/>
-                <a:cs typeface="+mn-cs"/>
-              </a:defRPr>
-            </a:lvl1pPr>
-            <a:lvl2pPr marL="457200" algn="l" defTabSz="914400" rtl="0" eaLnBrk="1" latinLnBrk="0" hangingPunct="1">
-              <a:defRPr sz="1800" kern="1200">
-                <a:solidFill>
-                  <a:schemeClr val="tx1"/>
-                </a:solidFill>
-                <a:latin typeface="+mn-lt"/>
-                <a:ea typeface="+mn-ea"/>
-                <a:cs typeface="+mn-cs"/>
-              </a:defRPr>
-            </a:lvl2pPr>
-            <a:lvl3pPr marL="914400" algn="l" defTabSz="914400" rtl="0" eaLnBrk="1" latinLnBrk="0" hangingPunct="1">
-              <a:defRPr sz="1800" kern="1200">
-                <a:solidFill>
-                  <a:schemeClr val="tx1"/>
-                </a:solidFill>
-                <a:latin typeface="+mn-lt"/>
-                <a:ea typeface="+mn-ea"/>
-                <a:cs typeface="+mn-cs"/>
-              </a:defRPr>
-            </a:lvl3pPr>
-            <a:lvl4pPr marL="1371600" algn="l" defTabSz="914400" rtl="0" eaLnBrk="1" latinLnBrk="0" hangingPunct="1">
-              <a:defRPr sz="1800" kern="1200">
-                <a:solidFill>
-                  <a:schemeClr val="tx1"/>
-                </a:solidFill>
-                <a:latin typeface="+mn-lt"/>
-                <a:ea typeface="+mn-ea"/>
-                <a:cs typeface="+mn-cs"/>
-              </a:defRPr>
-            </a:lvl4pPr>
-            <a:lvl5pPr marL="1828800" algn="l" defTabSz="914400" rtl="0" eaLnBrk="1" latinLnBrk="0" hangingPunct="1">
-              <a:defRPr sz="1800" kern="1200">
-                <a:solidFill>
-                  <a:schemeClr val="tx1"/>
-                </a:solidFill>
-                <a:latin typeface="+mn-lt"/>
-                <a:ea typeface="+mn-ea"/>
-                <a:cs typeface="+mn-cs"/>
-              </a:defRPr>
-            </a:lvl5pPr>
-            <a:lvl6pPr marL="2286000" algn="l" defTabSz="914400" rtl="0" eaLnBrk="1" latinLnBrk="0" hangingPunct="1">
-              <a:defRPr sz="1800" kern="1200">
-                <a:solidFill>
-                  <a:schemeClr val="tx1"/>
-                </a:solidFill>
-                <a:latin typeface="+mn-lt"/>
-                <a:ea typeface="+mn-ea"/>
-                <a:cs typeface="+mn-cs"/>
-              </a:defRPr>
-            </a:lvl6pPr>
-            <a:lvl7pPr marL="2743200" algn="l" defTabSz="914400" rtl="0" eaLnBrk="1" latinLnBrk="0" hangingPunct="1">
-              <a:defRPr sz="1800" kern="1200">
-                <a:solidFill>
-                  <a:schemeClr val="tx1"/>
-                </a:solidFill>
-                <a:latin typeface="+mn-lt"/>
-                <a:ea typeface="+mn-ea"/>
-                <a:cs typeface="+mn-cs"/>
-              </a:defRPr>
-            </a:lvl7pPr>
-            <a:lvl8pPr marL="3200400" algn="l" defTabSz="914400" rtl="0" eaLnBrk="1" latinLnBrk="0" hangingPunct="1">
-              <a:defRPr sz="1800" kern="1200">
-                <a:solidFill>
-                  <a:schemeClr val="tx1"/>
-                </a:solidFill>
-                <a:latin typeface="+mn-lt"/>
-                <a:ea typeface="+mn-ea"/>
-                <a:cs typeface="+mn-cs"/>
-              </a:defRPr>
-            </a:lvl8pPr>
-            <a:lvl9pPr marL="3657600" algn="l" defTabSz="914400" rtl="0" eaLnBrk="1" latinLnBrk="0" hangingPunct="1">
-              <a:defRPr sz="1800" kern="1200">
-                <a:solidFill>
-                  <a:schemeClr val="tx1"/>
-                </a:solidFill>
-                <a:latin typeface="+mn-lt"/>
-                <a:ea typeface="+mn-ea"/>
-                <a:cs typeface="+mn-cs"/>
-              </a:defRPr>
-            </a:lvl9pPr>
-          </a:lstStyle>
-          <a:p>
-            <a:r>
-              <a:rPr lang="it-IT" sz="2400" dirty="0">
-                <a:solidFill>
-                  <a:schemeClr val="bg1"/>
-                </a:solidFill>
-                <a:latin typeface="Myriad Pro" pitchFamily="34" charset="0"/>
-              </a:rPr>
-              <a:t>Management</a:t>
-            </a:r>
-          </a:p>
-        </p:txBody>
-      </p:sp>
     </p:spTree>
+    <p:extLst>
+      <p:ext uri="{BB962C8B-B14F-4D97-AF65-F5344CB8AC3E}">
+        <p14:creationId xmlns:p14="http://schemas.microsoft.com/office/powerpoint/2010/main" val="1677882701"/>
+      </p:ext>
+    </p:extLst>
   </p:cSld>
   <p:clrMap bg1="lt1" tx1="dk1" bg2="lt2" tx2="dk2" accent1="accent1" accent2="accent2" accent3="accent3" accent4="accent4" accent5="accent5" accent6="accent6" hlink="hlink" folHlink="folHlink"/>
   <p:sldLayoutIdLst>
-    <p:sldLayoutId id="2147483649" r:id="rId1"/>
-    <p:sldLayoutId id="2147483650" r:id="rId2"/>
-    <p:sldLayoutId id="2147483651" r:id="rId3"/>
-    <p:sldLayoutId id="2147483652" r:id="rId4"/>
-    <p:sldLayoutId id="2147483653" r:id="rId5"/>
-    <p:sldLayoutId id="2147483654" r:id="rId6"/>
-    <p:sldLayoutId id="2147483655" r:id="rId7"/>
-    <p:sldLayoutId id="2147483656" r:id="rId8"/>
-    <p:sldLayoutId id="2147483657" r:id="rId9"/>
-    <p:sldLayoutId id="2147483658" r:id="rId10"/>
-    <p:sldLayoutId id="2147483659" r:id="rId11"/>
+    <p:sldLayoutId id="2147483661" r:id="rId1"/>
+    <p:sldLayoutId id="2147483662" r:id="rId2"/>
+    <p:sldLayoutId id="2147483663" r:id="rId3"/>
+    <p:sldLayoutId id="2147483664" r:id="rId4"/>
+    <p:sldLayoutId id="2147483665" r:id="rId5"/>
+    <p:sldLayoutId id="2147483666" r:id="rId6"/>
+    <p:sldLayoutId id="2147483667" r:id="rId7"/>
+    <p:sldLayoutId id="2147483668" r:id="rId8"/>
+    <p:sldLayoutId id="2147483669" r:id="rId9"/>
+    <p:sldLayoutId id="2147483670" r:id="rId10"/>
+    <p:sldLayoutId id="2147483671" r:id="rId11"/>
+    <p:sldLayoutId id="2147483672" r:id="rId12"/>
+    <p:sldLayoutId id="2147483673" r:id="rId13"/>
   </p:sldLayoutIdLst>
+  <p:transition spd="slow">
+    <p:fade/>
+  </p:transition>
   <p:txStyles>
     <p:titleStyle>
-      <a:lvl1pPr algn="ctr" defTabSz="914400" rtl="0" eaLnBrk="1" latinLnBrk="0" hangingPunct="1">
+      <a:lvl1pPr algn="ctr" rtl="0" eaLnBrk="1" fontAlgn="base" hangingPunct="1">
         <a:spcBef>
           <a:spcPct val="0"/>
         </a:spcBef>
-        <a:buNone/>
-        <a:defRPr sz="4400" kern="1200">
+        <a:spcAft>
+          <a:spcPct val="0"/>
+        </a:spcAft>
+        <a:defRPr sz="3600" kern="1200">
           <a:solidFill>
-            <a:schemeClr val="tx1"/>
+            <a:schemeClr val="accent2"/>
           </a:solidFill>
           <a:latin typeface="+mj-lt"/>
           <a:ea typeface="+mj-ea"/>
           <a:cs typeface="+mj-cs"/>
         </a:defRPr>
       </a:lvl1pPr>
+      <a:lvl2pPr algn="ctr" rtl="0" eaLnBrk="1" fontAlgn="base" hangingPunct="1">
+        <a:spcBef>
+          <a:spcPct val="0"/>
+        </a:spcBef>
+        <a:spcAft>
+          <a:spcPct val="0"/>
+        </a:spcAft>
+        <a:defRPr sz="3600">
+          <a:solidFill>
+            <a:schemeClr val="accent2"/>
+          </a:solidFill>
+          <a:latin typeface="Calibri" panose="020F0502020204030204" pitchFamily="34" charset="0"/>
+        </a:defRPr>
+      </a:lvl2pPr>
+      <a:lvl3pPr algn="ctr" rtl="0" eaLnBrk="1" fontAlgn="base" hangingPunct="1">
+        <a:spcBef>
+          <a:spcPct val="0"/>
+        </a:spcBef>
+        <a:spcAft>
+          <a:spcPct val="0"/>
+        </a:spcAft>
+        <a:defRPr sz="3600">
+          <a:solidFill>
+            <a:schemeClr val="accent2"/>
+          </a:solidFill>
+          <a:latin typeface="Calibri" panose="020F0502020204030204" pitchFamily="34" charset="0"/>
+        </a:defRPr>
+      </a:lvl3pPr>
+      <a:lvl4pPr algn="ctr" rtl="0" eaLnBrk="1" fontAlgn="base" hangingPunct="1">
+        <a:spcBef>
+          <a:spcPct val="0"/>
+        </a:spcBef>
+        <a:spcAft>
+          <a:spcPct val="0"/>
+        </a:spcAft>
+        <a:defRPr sz="3600">
+          <a:solidFill>
+            <a:schemeClr val="accent2"/>
+          </a:solidFill>
+          <a:latin typeface="Calibri" panose="020F0502020204030204" pitchFamily="34" charset="0"/>
+        </a:defRPr>
+      </a:lvl4pPr>
+      <a:lvl5pPr algn="ctr" rtl="0" eaLnBrk="1" fontAlgn="base" hangingPunct="1">
+        <a:spcBef>
+          <a:spcPct val="0"/>
+        </a:spcBef>
+        <a:spcAft>
+          <a:spcPct val="0"/>
+        </a:spcAft>
+        <a:defRPr sz="3600">
+          <a:solidFill>
+            <a:schemeClr val="accent2"/>
+          </a:solidFill>
+          <a:latin typeface="Calibri" panose="020F0502020204030204" pitchFamily="34" charset="0"/>
+        </a:defRPr>
+      </a:lvl5pPr>
+      <a:lvl6pPr marL="457200" algn="ctr" rtl="0" eaLnBrk="1" fontAlgn="base" hangingPunct="1">
+        <a:spcBef>
+          <a:spcPct val="0"/>
+        </a:spcBef>
+        <a:spcAft>
+          <a:spcPct val="0"/>
+        </a:spcAft>
+        <a:defRPr sz="3600">
+          <a:solidFill>
+            <a:schemeClr val="accent2"/>
+          </a:solidFill>
+          <a:latin typeface="Calibri" panose="020F0502020204030204" pitchFamily="34" charset="0"/>
+        </a:defRPr>
+      </a:lvl6pPr>
+      <a:lvl7pPr marL="914400" algn="ctr" rtl="0" eaLnBrk="1" fontAlgn="base" hangingPunct="1">
+        <a:spcBef>
+          <a:spcPct val="0"/>
+        </a:spcBef>
+        <a:spcAft>
+          <a:spcPct val="0"/>
+        </a:spcAft>
+        <a:defRPr sz="3600">
+          <a:solidFill>
+            <a:schemeClr val="accent2"/>
+          </a:solidFill>
+          <a:latin typeface="Calibri" panose="020F0502020204030204" pitchFamily="34" charset="0"/>
+        </a:defRPr>
+      </a:lvl7pPr>
+      <a:lvl8pPr marL="1371600" algn="ctr" rtl="0" eaLnBrk="1" fontAlgn="base" hangingPunct="1">
+        <a:spcBef>
+          <a:spcPct val="0"/>
+        </a:spcBef>
+        <a:spcAft>
+          <a:spcPct val="0"/>
+        </a:spcAft>
+        <a:defRPr sz="3600">
+          <a:solidFill>
+            <a:schemeClr val="accent2"/>
+          </a:solidFill>
+          <a:latin typeface="Calibri" panose="020F0502020204030204" pitchFamily="34" charset="0"/>
+        </a:defRPr>
+      </a:lvl8pPr>
+      <a:lvl9pPr marL="1828800" algn="ctr" rtl="0" eaLnBrk="1" fontAlgn="base" hangingPunct="1">
+        <a:spcBef>
+          <a:spcPct val="0"/>
+        </a:spcBef>
+        <a:spcAft>
+          <a:spcPct val="0"/>
+        </a:spcAft>
+        <a:defRPr sz="3600">
+          <a:solidFill>
+            <a:schemeClr val="accent2"/>
+          </a:solidFill>
+          <a:latin typeface="Calibri" panose="020F0502020204030204" pitchFamily="34" charset="0"/>
+        </a:defRPr>
+      </a:lvl9pPr>
     </p:titleStyle>
     <p:bodyStyle>
-      <a:lvl1pPr marL="342900" indent="-342900" algn="l" defTabSz="914400" rtl="0" eaLnBrk="1" latinLnBrk="0" hangingPunct="1">
+      <a:lvl1pPr marL="342900" indent="-342900" algn="l" rtl="0" eaLnBrk="1" fontAlgn="base" hangingPunct="1">
         <a:spcBef>
           <a:spcPct val="20000"/>
         </a:spcBef>
-        <a:buFont typeface="Arial" pitchFamily="34" charset="0"/>
+        <a:spcAft>
+          <a:spcPct val="0"/>
+        </a:spcAft>
+        <a:buFont typeface="Arial" panose="020B0604020202020204" pitchFamily="34" charset="0"/>
         <a:buChar char="•"/>
         <a:defRPr sz="3200" kern="1200">
           <a:solidFill>
@@ -3724,11 +7197,14 @@
           <a:cs typeface="+mn-cs"/>
         </a:defRPr>
       </a:lvl1pPr>
-      <a:lvl2pPr marL="742950" indent="-285750" algn="l" defTabSz="914400" rtl="0" eaLnBrk="1" latinLnBrk="0" hangingPunct="1">
+      <a:lvl2pPr marL="742950" indent="-285750" algn="l" rtl="0" eaLnBrk="1" fontAlgn="base" hangingPunct="1">
         <a:spcBef>
           <a:spcPct val="20000"/>
         </a:spcBef>
-        <a:buFont typeface="Arial" pitchFamily="34" charset="0"/>
+        <a:spcAft>
+          <a:spcPct val="0"/>
+        </a:spcAft>
+        <a:buFont typeface="Arial" panose="020B0604020202020204" pitchFamily="34" charset="0"/>
         <a:buChar char="–"/>
         <a:defRPr sz="2800" kern="1200">
           <a:solidFill>
@@ -3739,11 +7215,14 @@
           <a:cs typeface="+mn-cs"/>
         </a:defRPr>
       </a:lvl2pPr>
-      <a:lvl3pPr marL="1143000" indent="-228600" algn="l" defTabSz="914400" rtl="0" eaLnBrk="1" latinLnBrk="0" hangingPunct="1">
+      <a:lvl3pPr marL="1143000" indent="-228600" algn="l" rtl="0" eaLnBrk="1" fontAlgn="base" hangingPunct="1">
         <a:spcBef>
           <a:spcPct val="20000"/>
         </a:spcBef>
-        <a:buFont typeface="Arial" pitchFamily="34" charset="0"/>
+        <a:spcAft>
+          <a:spcPct val="0"/>
+        </a:spcAft>
+        <a:buFont typeface="Arial" panose="020B0604020202020204" pitchFamily="34" charset="0"/>
         <a:buChar char="•"/>
         <a:defRPr sz="2400" kern="1200">
           <a:solidFill>
@@ -3754,11 +7233,14 @@
           <a:cs typeface="+mn-cs"/>
         </a:defRPr>
       </a:lvl3pPr>
-      <a:lvl4pPr marL="1600200" indent="-228600" algn="l" defTabSz="914400" rtl="0" eaLnBrk="1" latinLnBrk="0" hangingPunct="1">
+      <a:lvl4pPr marL="1600200" indent="-228600" algn="l" rtl="0" eaLnBrk="1" fontAlgn="base" hangingPunct="1">
         <a:spcBef>
           <a:spcPct val="20000"/>
         </a:spcBef>
-        <a:buFont typeface="Arial" pitchFamily="34" charset="0"/>
+        <a:spcAft>
+          <a:spcPct val="0"/>
+        </a:spcAft>
+        <a:buFont typeface="Arial" panose="020B0604020202020204" pitchFamily="34" charset="0"/>
         <a:buChar char="–"/>
         <a:defRPr sz="2000" kern="1200">
           <a:solidFill>
@@ -3769,11 +7251,859 @@
           <a:cs typeface="+mn-cs"/>
         </a:defRPr>
       </a:lvl4pPr>
-      <a:lvl5pPr marL="2057400" indent="-228600" algn="l" defTabSz="914400" rtl="0" eaLnBrk="1" latinLnBrk="0" hangingPunct="1">
+      <a:lvl5pPr marL="2057400" indent="-228600" algn="l" rtl="0" eaLnBrk="1" fontAlgn="base" hangingPunct="1">
+        <a:spcBef>
+          <a:spcPct val="20000"/>
+        </a:spcBef>
+        <a:spcAft>
+          <a:spcPct val="0"/>
+        </a:spcAft>
+        <a:buFont typeface="Arial" panose="020B0604020202020204" pitchFamily="34" charset="0"/>
+        <a:buChar char="»"/>
+        <a:defRPr sz="2000" kern="1200">
+          <a:solidFill>
+            <a:schemeClr val="tx1"/>
+          </a:solidFill>
+          <a:latin typeface="+mn-lt"/>
+          <a:ea typeface="+mn-ea"/>
+          <a:cs typeface="+mn-cs"/>
+        </a:defRPr>
+      </a:lvl5pPr>
+      <a:lvl6pPr marL="2514600" indent="-228600" algn="l" defTabSz="914400" rtl="0" eaLnBrk="1" latinLnBrk="0" hangingPunct="1">
         <a:spcBef>
           <a:spcPct val="20000"/>
         </a:spcBef>
         <a:buFont typeface="Arial" pitchFamily="34" charset="0"/>
+        <a:buChar char="•"/>
+        <a:defRPr sz="2000" kern="1200">
+          <a:solidFill>
+            <a:schemeClr val="tx1"/>
+          </a:solidFill>
+          <a:latin typeface="+mn-lt"/>
+          <a:ea typeface="+mn-ea"/>
+          <a:cs typeface="+mn-cs"/>
+        </a:defRPr>
+      </a:lvl6pPr>
+      <a:lvl7pPr marL="2971800" indent="-228600" algn="l" defTabSz="914400" rtl="0" eaLnBrk="1" latinLnBrk="0" hangingPunct="1">
+        <a:spcBef>
+          <a:spcPct val="20000"/>
+        </a:spcBef>
+        <a:buFont typeface="Arial" pitchFamily="34" charset="0"/>
+        <a:buChar char="•"/>
+        <a:defRPr sz="2000" kern="1200">
+          <a:solidFill>
+            <a:schemeClr val="tx1"/>
+          </a:solidFill>
+          <a:latin typeface="+mn-lt"/>
+          <a:ea typeface="+mn-ea"/>
+          <a:cs typeface="+mn-cs"/>
+        </a:defRPr>
+      </a:lvl7pPr>
+      <a:lvl8pPr marL="3429000" indent="-228600" algn="l" defTabSz="914400" rtl="0" eaLnBrk="1" latinLnBrk="0" hangingPunct="1">
+        <a:spcBef>
+          <a:spcPct val="20000"/>
+        </a:spcBef>
+        <a:buFont typeface="Arial" pitchFamily="34" charset="0"/>
+        <a:buChar char="•"/>
+        <a:defRPr sz="2000" kern="1200">
+          <a:solidFill>
+            <a:schemeClr val="tx1"/>
+          </a:solidFill>
+          <a:latin typeface="+mn-lt"/>
+          <a:ea typeface="+mn-ea"/>
+          <a:cs typeface="+mn-cs"/>
+        </a:defRPr>
+      </a:lvl8pPr>
+      <a:lvl9pPr marL="3886200" indent="-228600" algn="l" defTabSz="914400" rtl="0" eaLnBrk="1" latinLnBrk="0" hangingPunct="1">
+        <a:spcBef>
+          <a:spcPct val="20000"/>
+        </a:spcBef>
+        <a:buFont typeface="Arial" pitchFamily="34" charset="0"/>
+        <a:buChar char="•"/>
+        <a:defRPr sz="2000" kern="1200">
+          <a:solidFill>
+            <a:schemeClr val="tx1"/>
+          </a:solidFill>
+          <a:latin typeface="+mn-lt"/>
+          <a:ea typeface="+mn-ea"/>
+          <a:cs typeface="+mn-cs"/>
+        </a:defRPr>
+      </a:lvl9pPr>
+    </p:bodyStyle>
+    <p:otherStyle>
+      <a:defPPr>
+        <a:defRPr lang="it-IT"/>
+      </a:defPPr>
+      <a:lvl1pPr marL="0" algn="l" defTabSz="914400" rtl="0" eaLnBrk="1" latinLnBrk="0" hangingPunct="1">
+        <a:defRPr sz="1800" kern="1200">
+          <a:solidFill>
+            <a:schemeClr val="tx1"/>
+          </a:solidFill>
+          <a:latin typeface="+mn-lt"/>
+          <a:ea typeface="+mn-ea"/>
+          <a:cs typeface="+mn-cs"/>
+        </a:defRPr>
+      </a:lvl1pPr>
+      <a:lvl2pPr marL="457200" algn="l" defTabSz="914400" rtl="0" eaLnBrk="1" latinLnBrk="0" hangingPunct="1">
+        <a:defRPr sz="1800" kern="1200">
+          <a:solidFill>
+            <a:schemeClr val="tx1"/>
+          </a:solidFill>
+          <a:latin typeface="+mn-lt"/>
+          <a:ea typeface="+mn-ea"/>
+          <a:cs typeface="+mn-cs"/>
+        </a:defRPr>
+      </a:lvl2pPr>
+      <a:lvl3pPr marL="914400" algn="l" defTabSz="914400" rtl="0" eaLnBrk="1" latinLnBrk="0" hangingPunct="1">
+        <a:defRPr sz="1800" kern="1200">
+          <a:solidFill>
+            <a:schemeClr val="tx1"/>
+          </a:solidFill>
+          <a:latin typeface="+mn-lt"/>
+          <a:ea typeface="+mn-ea"/>
+          <a:cs typeface="+mn-cs"/>
+        </a:defRPr>
+      </a:lvl3pPr>
+      <a:lvl4pPr marL="1371600" algn="l" defTabSz="914400" rtl="0" eaLnBrk="1" latinLnBrk="0" hangingPunct="1">
+        <a:defRPr sz="1800" kern="1200">
+          <a:solidFill>
+            <a:schemeClr val="tx1"/>
+          </a:solidFill>
+          <a:latin typeface="+mn-lt"/>
+          <a:ea typeface="+mn-ea"/>
+          <a:cs typeface="+mn-cs"/>
+        </a:defRPr>
+      </a:lvl4pPr>
+      <a:lvl5pPr marL="1828800" algn="l" defTabSz="914400" rtl="0" eaLnBrk="1" latinLnBrk="0" hangingPunct="1">
+        <a:defRPr sz="1800" kern="1200">
+          <a:solidFill>
+            <a:schemeClr val="tx1"/>
+          </a:solidFill>
+          <a:latin typeface="+mn-lt"/>
+          <a:ea typeface="+mn-ea"/>
+          <a:cs typeface="+mn-cs"/>
+        </a:defRPr>
+      </a:lvl5pPr>
+      <a:lvl6pPr marL="2286000" algn="l" defTabSz="914400" rtl="0" eaLnBrk="1" latinLnBrk="0" hangingPunct="1">
+        <a:defRPr sz="1800" kern="1200">
+          <a:solidFill>
+            <a:schemeClr val="tx1"/>
+          </a:solidFill>
+          <a:latin typeface="+mn-lt"/>
+          <a:ea typeface="+mn-ea"/>
+          <a:cs typeface="+mn-cs"/>
+        </a:defRPr>
+      </a:lvl6pPr>
+      <a:lvl7pPr marL="2743200" algn="l" defTabSz="914400" rtl="0" eaLnBrk="1" latinLnBrk="0" hangingPunct="1">
+        <a:defRPr sz="1800" kern="1200">
+          <a:solidFill>
+            <a:schemeClr val="tx1"/>
+          </a:solidFill>
+          <a:latin typeface="+mn-lt"/>
+          <a:ea typeface="+mn-ea"/>
+          <a:cs typeface="+mn-cs"/>
+        </a:defRPr>
+      </a:lvl7pPr>
+      <a:lvl8pPr marL="3200400" algn="l" defTabSz="914400" rtl="0" eaLnBrk="1" latinLnBrk="0" hangingPunct="1">
+        <a:defRPr sz="1800" kern="1200">
+          <a:solidFill>
+            <a:schemeClr val="tx1"/>
+          </a:solidFill>
+          <a:latin typeface="+mn-lt"/>
+          <a:ea typeface="+mn-ea"/>
+          <a:cs typeface="+mn-cs"/>
+        </a:defRPr>
+      </a:lvl8pPr>
+      <a:lvl9pPr marL="3657600" algn="l" defTabSz="914400" rtl="0" eaLnBrk="1" latinLnBrk="0" hangingPunct="1">
+        <a:defRPr sz="1800" kern="1200">
+          <a:solidFill>
+            <a:schemeClr val="tx1"/>
+          </a:solidFill>
+          <a:latin typeface="+mn-lt"/>
+          <a:ea typeface="+mn-ea"/>
+          <a:cs typeface="+mn-cs"/>
+        </a:defRPr>
+      </a:lvl9pPr>
+    </p:otherStyle>
+  </p:txStyles>
+</p:sldMaster>
+</file>
+
+<file path=ppt/slideMasters/slideMaster2.xml><?xml version="1.0" encoding="utf-8"?>
+<p:sldMaster xmlns:a="http://schemas.openxmlformats.org/drawingml/2006/main" xmlns:r="http://schemas.openxmlformats.org/officeDocument/2006/relationships" xmlns:p="http://schemas.openxmlformats.org/presentationml/2006/main" preserve="1">
+  <p:cSld>
+    <p:bg>
+      <p:bgPr>
+        <a:solidFill>
+          <a:schemeClr val="bg1"/>
+        </a:solidFill>
+        <a:effectLst/>
+      </p:bgPr>
+    </p:bg>
+    <p:spTree>
+      <p:nvGrpSpPr>
+        <p:cNvPr id="1" name=""/>
+        <p:cNvGrpSpPr/>
+        <p:nvPr/>
+      </p:nvGrpSpPr>
+      <p:grpSpPr>
+        <a:xfrm>
+          <a:off x="0" y="0"/>
+          <a:ext cx="0" cy="0"/>
+          <a:chOff x="0" y="0"/>
+          <a:chExt cx="0" cy="0"/>
+        </a:xfrm>
+      </p:grpSpPr>
+      <p:sp>
+        <p:nvSpPr>
+          <p:cNvPr id="2050" name="Title Placeholder 1"/>
+          <p:cNvSpPr>
+            <a:spLocks noGrp="1"/>
+          </p:cNvSpPr>
+          <p:nvPr>
+            <p:ph type="title"/>
+          </p:nvPr>
+        </p:nvSpPr>
+        <p:spPr bwMode="auto">
+          <a:xfrm>
+            <a:off x="457200" y="206375"/>
+            <a:ext cx="8229600" cy="857250"/>
+          </a:xfrm>
+          <a:prstGeom prst="rect">
+            <a:avLst/>
+          </a:prstGeom>
+          <a:noFill/>
+          <a:ln>
+            <a:noFill/>
+          </a:ln>
+          <a:extLst>
+            <a:ext uri="{909E8E84-426E-40DD-AFC4-6F175D3DCCD1}">
+              <a14:hiddenFill xmlns:a14="http://schemas.microsoft.com/office/drawing/2010/main">
+                <a:solidFill>
+                  <a:srgbClr val="FFFFFF"/>
+                </a:solidFill>
+              </a14:hiddenFill>
+            </a:ext>
+            <a:ext uri="{91240B29-F687-4F45-9708-019B960494DF}">
+              <a14:hiddenLine xmlns:a14="http://schemas.microsoft.com/office/drawing/2010/main" w="9525">
+                <a:solidFill>
+                  <a:srgbClr val="000000"/>
+                </a:solidFill>
+                <a:miter lim="800000"/>
+                <a:headEnd/>
+                <a:tailEnd/>
+              </a14:hiddenLine>
+            </a:ext>
+          </a:extLst>
+        </p:spPr>
+        <p:txBody>
+          <a:bodyPr vert="horz" wrap="square" lIns="91440" tIns="45720" rIns="91440" bIns="45720" numCol="1" anchor="ctr" anchorCtr="0" compatLnSpc="1">
+            <a:prstTxWarp prst="textNoShape">
+              <a:avLst/>
+            </a:prstTxWarp>
+          </a:bodyPr>
+          <a:lstStyle/>
+          <a:p>
+            <a:pPr lvl="0"/>
+            <a:r>
+              <a:rPr lang="it-IT" altLang="it-IT"/>
+              <a:t>Fare clic per modificare lo stile del titolo dello schema</a:t>
+            </a:r>
+          </a:p>
+        </p:txBody>
+      </p:sp>
+      <p:sp>
+        <p:nvSpPr>
+          <p:cNvPr id="2051" name="Text Placeholder 2"/>
+          <p:cNvSpPr>
+            <a:spLocks noGrp="1"/>
+          </p:cNvSpPr>
+          <p:nvPr>
+            <p:ph type="body" idx="1"/>
+          </p:nvPr>
+        </p:nvSpPr>
+        <p:spPr bwMode="auto">
+          <a:xfrm>
+            <a:off x="457200" y="1200150"/>
+            <a:ext cx="8229600" cy="3154363"/>
+          </a:xfrm>
+          <a:prstGeom prst="rect">
+            <a:avLst/>
+          </a:prstGeom>
+          <a:noFill/>
+          <a:ln>
+            <a:noFill/>
+          </a:ln>
+          <a:extLst>
+            <a:ext uri="{909E8E84-426E-40DD-AFC4-6F175D3DCCD1}">
+              <a14:hiddenFill xmlns:a14="http://schemas.microsoft.com/office/drawing/2010/main">
+                <a:solidFill>
+                  <a:srgbClr val="FFFFFF"/>
+                </a:solidFill>
+              </a14:hiddenFill>
+            </a:ext>
+            <a:ext uri="{91240B29-F687-4F45-9708-019B960494DF}">
+              <a14:hiddenLine xmlns:a14="http://schemas.microsoft.com/office/drawing/2010/main" w="9525">
+                <a:solidFill>
+                  <a:srgbClr val="000000"/>
+                </a:solidFill>
+                <a:miter lim="800000"/>
+                <a:headEnd/>
+                <a:tailEnd/>
+              </a14:hiddenLine>
+            </a:ext>
+          </a:extLst>
+        </p:spPr>
+        <p:txBody>
+          <a:bodyPr vert="horz" wrap="square" lIns="91440" tIns="45720" rIns="91440" bIns="45720" numCol="1" anchor="t" anchorCtr="0" compatLnSpc="1">
+            <a:prstTxWarp prst="textNoShape">
+              <a:avLst/>
+            </a:prstTxWarp>
+          </a:bodyPr>
+          <a:lstStyle/>
+          <a:p>
+            <a:pPr lvl="0"/>
+            <a:r>
+              <a:rPr lang="it-IT" altLang="it-IT"/>
+              <a:t>Fare clic per modificare gli stili del testo dello schema</a:t>
+            </a:r>
+          </a:p>
+          <a:p>
+            <a:pPr lvl="1"/>
+            <a:r>
+              <a:rPr lang="it-IT" altLang="it-IT"/>
+              <a:t>Secondo livello</a:t>
+            </a:r>
+          </a:p>
+          <a:p>
+            <a:pPr lvl="2"/>
+            <a:r>
+              <a:rPr lang="it-IT" altLang="it-IT"/>
+              <a:t>Terzo livello</a:t>
+            </a:r>
+          </a:p>
+          <a:p>
+            <a:pPr lvl="3"/>
+            <a:r>
+              <a:rPr lang="it-IT" altLang="it-IT"/>
+              <a:t>Quarto livello</a:t>
+            </a:r>
+          </a:p>
+          <a:p>
+            <a:pPr lvl="4"/>
+            <a:r>
+              <a:rPr lang="it-IT" altLang="it-IT"/>
+              <a:t>Quinto livello</a:t>
+            </a:r>
+          </a:p>
+        </p:txBody>
+      </p:sp>
+      <p:sp>
+        <p:nvSpPr>
+          <p:cNvPr id="4" name="Date Placeholder 3"/>
+          <p:cNvSpPr>
+            <a:spLocks noGrp="1"/>
+          </p:cNvSpPr>
+          <p:nvPr>
+            <p:ph type="dt" sz="half" idx="2"/>
+          </p:nvPr>
+        </p:nvSpPr>
+        <p:spPr>
+          <a:xfrm>
+            <a:off x="0" y="4870450"/>
+            <a:ext cx="946150" cy="273050"/>
+          </a:xfrm>
+          <a:prstGeom prst="rect">
+            <a:avLst/>
+          </a:prstGeom>
+        </p:spPr>
+        <p:txBody>
+          <a:bodyPr vert="horz" lIns="91440" tIns="45720" rIns="91440" bIns="45720" rtlCol="0" anchor="ctr"/>
+          <a:lstStyle>
+            <a:lvl1pPr algn="l" eaLnBrk="1" fontAlgn="auto" hangingPunct="1">
+              <a:spcBef>
+                <a:spcPts val="0"/>
+              </a:spcBef>
+              <a:spcAft>
+                <a:spcPts val="0"/>
+              </a:spcAft>
+              <a:defRPr sz="1200" smtClean="0">
+                <a:solidFill>
+                  <a:schemeClr val="tx1">
+                    <a:tint val="75000"/>
+                  </a:schemeClr>
+                </a:solidFill>
+                <a:latin typeface="+mn-lt"/>
+              </a:defRPr>
+            </a:lvl1pPr>
+          </a:lstStyle>
+          <a:p>
+            <a:pPr>
+              <a:defRPr/>
+            </a:pPr>
+            <a:fld id="{861B5843-3A06-476E-A71A-0E0088CABBA8}" type="datetimeFigureOut">
+              <a:rPr lang="it-IT"/>
+              <a:pPr>
+                <a:defRPr/>
+              </a:pPr>
+              <a:t>27/01/2022</a:t>
+            </a:fld>
+            <a:endParaRPr lang="it-IT"/>
+          </a:p>
+        </p:txBody>
+      </p:sp>
+      <p:sp>
+        <p:nvSpPr>
+          <p:cNvPr id="5" name="Footer Placeholder 4"/>
+          <p:cNvSpPr>
+            <a:spLocks noGrp="1"/>
+          </p:cNvSpPr>
+          <p:nvPr>
+            <p:ph type="ftr" sz="quarter" idx="3"/>
+          </p:nvPr>
+        </p:nvSpPr>
+        <p:spPr>
+          <a:xfrm>
+            <a:off x="971550" y="4870450"/>
+            <a:ext cx="3529013" cy="273050"/>
+          </a:xfrm>
+          <a:prstGeom prst="rect">
+            <a:avLst/>
+          </a:prstGeom>
+        </p:spPr>
+        <p:txBody>
+          <a:bodyPr vert="horz" lIns="91440" tIns="45720" rIns="91440" bIns="45720" rtlCol="0" anchor="ctr"/>
+          <a:lstStyle>
+            <a:lvl1pPr algn="ctr" eaLnBrk="1" fontAlgn="auto" hangingPunct="1">
+              <a:spcBef>
+                <a:spcPts val="0"/>
+              </a:spcBef>
+              <a:spcAft>
+                <a:spcPts val="0"/>
+              </a:spcAft>
+              <a:defRPr sz="1200" dirty="0">
+                <a:solidFill>
+                  <a:schemeClr val="tx1">
+                    <a:tint val="75000"/>
+                  </a:schemeClr>
+                </a:solidFill>
+                <a:latin typeface="+mn-lt"/>
+              </a:defRPr>
+            </a:lvl1pPr>
+          </a:lstStyle>
+          <a:p>
+            <a:pPr>
+              <a:defRPr/>
+            </a:pPr>
+            <a:endParaRPr lang="it-IT"/>
+          </a:p>
+        </p:txBody>
+      </p:sp>
+      <p:sp>
+        <p:nvSpPr>
+          <p:cNvPr id="6" name="Slide Number Placeholder 5"/>
+          <p:cNvSpPr>
+            <a:spLocks noGrp="1"/>
+          </p:cNvSpPr>
+          <p:nvPr>
+            <p:ph type="sldNum" sz="quarter" idx="4"/>
+          </p:nvPr>
+        </p:nvSpPr>
+        <p:spPr>
+          <a:xfrm>
+            <a:off x="8774113" y="4870450"/>
+            <a:ext cx="369887" cy="273050"/>
+          </a:xfrm>
+          <a:prstGeom prst="rect">
+            <a:avLst/>
+          </a:prstGeom>
+        </p:spPr>
+        <p:txBody>
+          <a:bodyPr vert="horz" lIns="91440" tIns="45720" rIns="91440" bIns="45720" rtlCol="0" anchor="ctr"/>
+          <a:lstStyle>
+            <a:lvl1pPr algn="r" eaLnBrk="1" fontAlgn="auto" hangingPunct="1">
+              <a:spcBef>
+                <a:spcPts val="0"/>
+              </a:spcBef>
+              <a:spcAft>
+                <a:spcPts val="0"/>
+              </a:spcAft>
+              <a:defRPr sz="1200" smtClean="0">
+                <a:solidFill>
+                  <a:schemeClr val="tx1">
+                    <a:tint val="75000"/>
+                  </a:schemeClr>
+                </a:solidFill>
+                <a:latin typeface="+mn-lt"/>
+              </a:defRPr>
+            </a:lvl1pPr>
+          </a:lstStyle>
+          <a:p>
+            <a:pPr>
+              <a:defRPr/>
+            </a:pPr>
+            <a:fld id="{1F911558-203A-4342-A0CE-38B12EBA9CB6}" type="slidenum">
+              <a:rPr lang="it-IT"/>
+              <a:pPr>
+                <a:defRPr/>
+              </a:pPr>
+              <a:t>‹N›</a:t>
+            </a:fld>
+            <a:endParaRPr lang="it-IT"/>
+          </a:p>
+        </p:txBody>
+      </p:sp>
+      <p:cxnSp>
+        <p:nvCxnSpPr>
+          <p:cNvPr id="8" name="Connettore 1 16"/>
+          <p:cNvCxnSpPr/>
+          <p:nvPr/>
+        </p:nvCxnSpPr>
+        <p:spPr>
+          <a:xfrm>
+            <a:off x="4572000" y="4624388"/>
+            <a:ext cx="0" cy="431800"/>
+          </a:xfrm>
+          <a:prstGeom prst="line">
+            <a:avLst/>
+          </a:prstGeom>
+        </p:spPr>
+        <p:style>
+          <a:lnRef idx="1">
+            <a:schemeClr val="accent1"/>
+          </a:lnRef>
+          <a:fillRef idx="0">
+            <a:schemeClr val="accent1"/>
+          </a:fillRef>
+          <a:effectRef idx="0">
+            <a:schemeClr val="accent1"/>
+          </a:effectRef>
+          <a:fontRef idx="minor">
+            <a:schemeClr val="tx1"/>
+          </a:fontRef>
+        </p:style>
+      </p:cxnSp>
+      <p:cxnSp>
+        <p:nvCxnSpPr>
+          <p:cNvPr id="9" name="Connettore 1 16"/>
+          <p:cNvCxnSpPr/>
+          <p:nvPr/>
+        </p:nvCxnSpPr>
+        <p:spPr>
+          <a:xfrm>
+            <a:off x="0" y="4516438"/>
+            <a:ext cx="9144000" cy="0"/>
+          </a:xfrm>
+          <a:prstGeom prst="line">
+            <a:avLst/>
+          </a:prstGeom>
+        </p:spPr>
+        <p:style>
+          <a:lnRef idx="1">
+            <a:schemeClr val="accent1"/>
+          </a:lnRef>
+          <a:fillRef idx="0">
+            <a:schemeClr val="accent1"/>
+          </a:fillRef>
+          <a:effectRef idx="0">
+            <a:schemeClr val="accent1"/>
+          </a:effectRef>
+          <a:fontRef idx="minor">
+            <a:schemeClr val="tx1"/>
+          </a:fontRef>
+        </p:style>
+      </p:cxnSp>
+      <p:pic>
+        <p:nvPicPr>
+          <p:cNvPr id="2057" name="Immagine 10"/>
+          <p:cNvPicPr>
+            <a:picLocks noChangeAspect="1"/>
+          </p:cNvPicPr>
+          <p:nvPr/>
+        </p:nvPicPr>
+        <p:blipFill>
+          <a:blip r:embed="rId14" cstate="print">
+            <a:extLst>
+              <a:ext uri="{28A0092B-C50C-407E-A947-70E740481C1C}">
+                <a14:useLocalDpi xmlns:a14="http://schemas.microsoft.com/office/drawing/2010/main" val="0"/>
+              </a:ext>
+            </a:extLst>
+          </a:blip>
+          <a:srcRect/>
+          <a:stretch>
+            <a:fillRect/>
+          </a:stretch>
+        </p:blipFill>
+        <p:spPr bwMode="auto">
+          <a:xfrm>
+            <a:off x="5795963" y="4611688"/>
+            <a:ext cx="1858962" cy="515937"/>
+          </a:xfrm>
+          <a:prstGeom prst="rect">
+            <a:avLst/>
+          </a:prstGeom>
+          <a:noFill/>
+          <a:ln>
+            <a:noFill/>
+          </a:ln>
+          <a:extLst>
+            <a:ext uri="{909E8E84-426E-40DD-AFC4-6F175D3DCCD1}">
+              <a14:hiddenFill xmlns:a14="http://schemas.microsoft.com/office/drawing/2010/main">
+                <a:solidFill>
+                  <a:srgbClr val="FFFFFF"/>
+                </a:solidFill>
+              </a14:hiddenFill>
+            </a:ext>
+            <a:ext uri="{91240B29-F687-4F45-9708-019B960494DF}">
+              <a14:hiddenLine xmlns:a14="http://schemas.microsoft.com/office/drawing/2010/main" w="9525">
+                <a:solidFill>
+                  <a:srgbClr val="000000"/>
+                </a:solidFill>
+                <a:miter lim="800000"/>
+                <a:headEnd/>
+                <a:tailEnd/>
+              </a14:hiddenLine>
+            </a:ext>
+          </a:extLst>
+        </p:spPr>
+      </p:pic>
+    </p:spTree>
+    <p:extLst>
+      <p:ext uri="{BB962C8B-B14F-4D97-AF65-F5344CB8AC3E}">
+        <p14:creationId xmlns:p14="http://schemas.microsoft.com/office/powerpoint/2010/main" val="3608887395"/>
+      </p:ext>
+    </p:extLst>
+  </p:cSld>
+  <p:clrMap bg1="lt1" tx1="dk1" bg2="lt2" tx2="dk2" accent1="accent1" accent2="accent2" accent3="accent3" accent4="accent4" accent5="accent5" accent6="accent6" hlink="hlink" folHlink="folHlink"/>
+  <p:sldLayoutIdLst>
+    <p:sldLayoutId id="2147483675" r:id="rId1"/>
+    <p:sldLayoutId id="2147483676" r:id="rId2"/>
+    <p:sldLayoutId id="2147483677" r:id="rId3"/>
+    <p:sldLayoutId id="2147483678" r:id="rId4"/>
+    <p:sldLayoutId id="2147483679" r:id="rId5"/>
+    <p:sldLayoutId id="2147483680" r:id="rId6"/>
+    <p:sldLayoutId id="2147483681" r:id="rId7"/>
+    <p:sldLayoutId id="2147483682" r:id="rId8"/>
+    <p:sldLayoutId id="2147483683" r:id="rId9"/>
+    <p:sldLayoutId id="2147483684" r:id="rId10"/>
+    <p:sldLayoutId id="2147483685" r:id="rId11"/>
+    <p:sldLayoutId id="2147483686" r:id="rId12"/>
+  </p:sldLayoutIdLst>
+  <p:transition spd="slow">
+    <p:fade/>
+  </p:transition>
+  <p:txStyles>
+    <p:titleStyle>
+      <a:lvl1pPr algn="ctr" rtl="0" eaLnBrk="1" fontAlgn="base" hangingPunct="1">
+        <a:spcBef>
+          <a:spcPct val="0"/>
+        </a:spcBef>
+        <a:spcAft>
+          <a:spcPct val="0"/>
+        </a:spcAft>
+        <a:defRPr sz="4400" kern="1200">
+          <a:solidFill>
+            <a:schemeClr val="accent2"/>
+          </a:solidFill>
+          <a:latin typeface="+mj-lt"/>
+          <a:ea typeface="+mj-ea"/>
+          <a:cs typeface="+mj-cs"/>
+        </a:defRPr>
+      </a:lvl1pPr>
+      <a:lvl2pPr algn="ctr" rtl="0" eaLnBrk="1" fontAlgn="base" hangingPunct="1">
+        <a:spcBef>
+          <a:spcPct val="0"/>
+        </a:spcBef>
+        <a:spcAft>
+          <a:spcPct val="0"/>
+        </a:spcAft>
+        <a:defRPr sz="4400">
+          <a:solidFill>
+            <a:schemeClr val="accent2"/>
+          </a:solidFill>
+          <a:latin typeface="Calibri" panose="020F0502020204030204" pitchFamily="34" charset="0"/>
+        </a:defRPr>
+      </a:lvl2pPr>
+      <a:lvl3pPr algn="ctr" rtl="0" eaLnBrk="1" fontAlgn="base" hangingPunct="1">
+        <a:spcBef>
+          <a:spcPct val="0"/>
+        </a:spcBef>
+        <a:spcAft>
+          <a:spcPct val="0"/>
+        </a:spcAft>
+        <a:defRPr sz="4400">
+          <a:solidFill>
+            <a:schemeClr val="accent2"/>
+          </a:solidFill>
+          <a:latin typeface="Calibri" panose="020F0502020204030204" pitchFamily="34" charset="0"/>
+        </a:defRPr>
+      </a:lvl3pPr>
+      <a:lvl4pPr algn="ctr" rtl="0" eaLnBrk="1" fontAlgn="base" hangingPunct="1">
+        <a:spcBef>
+          <a:spcPct val="0"/>
+        </a:spcBef>
+        <a:spcAft>
+          <a:spcPct val="0"/>
+        </a:spcAft>
+        <a:defRPr sz="4400">
+          <a:solidFill>
+            <a:schemeClr val="accent2"/>
+          </a:solidFill>
+          <a:latin typeface="Calibri" panose="020F0502020204030204" pitchFamily="34" charset="0"/>
+        </a:defRPr>
+      </a:lvl4pPr>
+      <a:lvl5pPr algn="ctr" rtl="0" eaLnBrk="1" fontAlgn="base" hangingPunct="1">
+        <a:spcBef>
+          <a:spcPct val="0"/>
+        </a:spcBef>
+        <a:spcAft>
+          <a:spcPct val="0"/>
+        </a:spcAft>
+        <a:defRPr sz="4400">
+          <a:solidFill>
+            <a:schemeClr val="accent2"/>
+          </a:solidFill>
+          <a:latin typeface="Calibri" panose="020F0502020204030204" pitchFamily="34" charset="0"/>
+        </a:defRPr>
+      </a:lvl5pPr>
+      <a:lvl6pPr marL="457200" algn="ctr" rtl="0" eaLnBrk="1" fontAlgn="base" hangingPunct="1">
+        <a:spcBef>
+          <a:spcPct val="0"/>
+        </a:spcBef>
+        <a:spcAft>
+          <a:spcPct val="0"/>
+        </a:spcAft>
+        <a:defRPr sz="4400">
+          <a:solidFill>
+            <a:schemeClr val="accent2"/>
+          </a:solidFill>
+          <a:latin typeface="Calibri" panose="020F0502020204030204" pitchFamily="34" charset="0"/>
+        </a:defRPr>
+      </a:lvl6pPr>
+      <a:lvl7pPr marL="914400" algn="ctr" rtl="0" eaLnBrk="1" fontAlgn="base" hangingPunct="1">
+        <a:spcBef>
+          <a:spcPct val="0"/>
+        </a:spcBef>
+        <a:spcAft>
+          <a:spcPct val="0"/>
+        </a:spcAft>
+        <a:defRPr sz="4400">
+          <a:solidFill>
+            <a:schemeClr val="accent2"/>
+          </a:solidFill>
+          <a:latin typeface="Calibri" panose="020F0502020204030204" pitchFamily="34" charset="0"/>
+        </a:defRPr>
+      </a:lvl7pPr>
+      <a:lvl8pPr marL="1371600" algn="ctr" rtl="0" eaLnBrk="1" fontAlgn="base" hangingPunct="1">
+        <a:spcBef>
+          <a:spcPct val="0"/>
+        </a:spcBef>
+        <a:spcAft>
+          <a:spcPct val="0"/>
+        </a:spcAft>
+        <a:defRPr sz="4400">
+          <a:solidFill>
+            <a:schemeClr val="accent2"/>
+          </a:solidFill>
+          <a:latin typeface="Calibri" panose="020F0502020204030204" pitchFamily="34" charset="0"/>
+        </a:defRPr>
+      </a:lvl8pPr>
+      <a:lvl9pPr marL="1828800" algn="ctr" rtl="0" eaLnBrk="1" fontAlgn="base" hangingPunct="1">
+        <a:spcBef>
+          <a:spcPct val="0"/>
+        </a:spcBef>
+        <a:spcAft>
+          <a:spcPct val="0"/>
+        </a:spcAft>
+        <a:defRPr sz="4400">
+          <a:solidFill>
+            <a:schemeClr val="accent2"/>
+          </a:solidFill>
+          <a:latin typeface="Calibri" panose="020F0502020204030204" pitchFamily="34" charset="0"/>
+        </a:defRPr>
+      </a:lvl9pPr>
+    </p:titleStyle>
+    <p:bodyStyle>
+      <a:lvl1pPr marL="342900" indent="-342900" algn="l" rtl="0" eaLnBrk="1" fontAlgn="base" hangingPunct="1">
+        <a:spcBef>
+          <a:spcPct val="20000"/>
+        </a:spcBef>
+        <a:spcAft>
+          <a:spcPct val="0"/>
+        </a:spcAft>
+        <a:buFont typeface="Arial" panose="020B0604020202020204" pitchFamily="34" charset="0"/>
+        <a:buChar char="•"/>
+        <a:defRPr sz="3200" kern="1200">
+          <a:solidFill>
+            <a:schemeClr val="tx1"/>
+          </a:solidFill>
+          <a:latin typeface="+mn-lt"/>
+          <a:ea typeface="+mn-ea"/>
+          <a:cs typeface="+mn-cs"/>
+        </a:defRPr>
+      </a:lvl1pPr>
+      <a:lvl2pPr marL="742950" indent="-285750" algn="l" rtl="0" eaLnBrk="1" fontAlgn="base" hangingPunct="1">
+        <a:spcBef>
+          <a:spcPct val="20000"/>
+        </a:spcBef>
+        <a:spcAft>
+          <a:spcPct val="0"/>
+        </a:spcAft>
+        <a:buFont typeface="Arial" panose="020B0604020202020204" pitchFamily="34" charset="0"/>
+        <a:buChar char="–"/>
+        <a:defRPr sz="2800" kern="1200">
+          <a:solidFill>
+            <a:schemeClr val="tx1"/>
+          </a:solidFill>
+          <a:latin typeface="+mn-lt"/>
+          <a:ea typeface="+mn-ea"/>
+          <a:cs typeface="+mn-cs"/>
+        </a:defRPr>
+      </a:lvl2pPr>
+      <a:lvl3pPr marL="1143000" indent="-228600" algn="l" rtl="0" eaLnBrk="1" fontAlgn="base" hangingPunct="1">
+        <a:spcBef>
+          <a:spcPct val="20000"/>
+        </a:spcBef>
+        <a:spcAft>
+          <a:spcPct val="0"/>
+        </a:spcAft>
+        <a:buFont typeface="Arial" panose="020B0604020202020204" pitchFamily="34" charset="0"/>
+        <a:buChar char="•"/>
+        <a:defRPr sz="2400" kern="1200">
+          <a:solidFill>
+            <a:schemeClr val="tx1"/>
+          </a:solidFill>
+          <a:latin typeface="+mn-lt"/>
+          <a:ea typeface="+mn-ea"/>
+          <a:cs typeface="+mn-cs"/>
+        </a:defRPr>
+      </a:lvl3pPr>
+      <a:lvl4pPr marL="1600200" indent="-228600" algn="l" rtl="0" eaLnBrk="1" fontAlgn="base" hangingPunct="1">
+        <a:spcBef>
+          <a:spcPct val="20000"/>
+        </a:spcBef>
+        <a:spcAft>
+          <a:spcPct val="0"/>
+        </a:spcAft>
+        <a:buFont typeface="Arial" panose="020B0604020202020204" pitchFamily="34" charset="0"/>
+        <a:buChar char="–"/>
+        <a:defRPr sz="2000" kern="1200">
+          <a:solidFill>
+            <a:schemeClr val="tx1"/>
+          </a:solidFill>
+          <a:latin typeface="+mn-lt"/>
+          <a:ea typeface="+mn-ea"/>
+          <a:cs typeface="+mn-cs"/>
+        </a:defRPr>
+      </a:lvl4pPr>
+      <a:lvl5pPr marL="2057400" indent="-228600" algn="l" rtl="0" eaLnBrk="1" fontAlgn="base" hangingPunct="1">
+        <a:spcBef>
+          <a:spcPct val="20000"/>
+        </a:spcBef>
+        <a:spcAft>
+          <a:spcPct val="0"/>
+        </a:spcAft>
+        <a:buFont typeface="Arial" panose="020B0604020202020204" pitchFamily="34" charset="0"/>
         <a:buChar char="»"/>
         <a:defRPr sz="2000" kern="1200">
           <a:solidFill>
@@ -3961,6 +8291,45 @@
           <a:chExt cx="0" cy="0"/>
         </a:xfrm>
       </p:grpSpPr>
+      <p:pic>
+        <p:nvPicPr>
+          <p:cNvPr id="6" name="Immagine 5">
+            <a:extLst>
+              <a:ext uri="{FF2B5EF4-FFF2-40B4-BE49-F238E27FC236}">
+                <a16:creationId xmlns:a16="http://schemas.microsoft.com/office/drawing/2014/main" id="{D97407A8-FAB0-4C00-A3A1-6610E1BC1372}"/>
+              </a:ext>
+            </a:extLst>
+          </p:cNvPr>
+          <p:cNvPicPr>
+            <a:picLocks noChangeAspect="1"/>
+          </p:cNvPicPr>
+          <p:nvPr/>
+        </p:nvPicPr>
+        <p:blipFill>
+          <a:blip r:embed="rId2">
+            <a:extLst>
+              <a:ext uri="{28A0092B-C50C-407E-A947-70E740481C1C}">
+                <a14:useLocalDpi xmlns:a14="http://schemas.microsoft.com/office/drawing/2010/main" val="0"/>
+              </a:ext>
+            </a:extLst>
+          </a:blip>
+          <a:stretch>
+            <a:fillRect/>
+          </a:stretch>
+        </p:blipFill>
+        <p:spPr>
+          <a:xfrm>
+            <a:off x="0" y="3147814"/>
+            <a:ext cx="9144000" cy="1995686"/>
+          </a:xfrm>
+          <a:prstGeom prst="rect">
+            <a:avLst/>
+          </a:prstGeom>
+          <a:effectLst>
+            <a:softEdge rad="0"/>
+          </a:effectLst>
+        </p:spPr>
+      </p:pic>
       <p:sp>
         <p:nvSpPr>
           <p:cNvPr id="2" name="Title 1"/>
@@ -4074,36 +8443,6 @@
       </p:sp>
       <p:sp>
         <p:nvSpPr>
-          <p:cNvPr id="4" name="Sottotitolo 3"/>
-          <p:cNvSpPr>
-            <a:spLocks noGrp="1"/>
-          </p:cNvSpPr>
-          <p:nvPr>
-            <p:ph type="subTitle" idx="1"/>
-          </p:nvPr>
-        </p:nvSpPr>
-        <p:spPr>
-          <a:xfrm>
-            <a:off x="1371600" y="2914650"/>
-            <a:ext cx="4784576" cy="521196"/>
-          </a:xfrm>
-        </p:spPr>
-        <p:txBody>
-          <a:bodyPr>
-            <a:normAutofit fontScale="92500" lnSpcReduction="10000"/>
-          </a:bodyPr>
-          <a:lstStyle/>
-          <a:p>
-            <a:r>
-              <a:rPr lang="it-IT" i="1" dirty="0"/>
-              <a:t>Yari Melzani</a:t>
-            </a:r>
-            <a:endParaRPr lang="it-IT" dirty="0"/>
-          </a:p>
-        </p:txBody>
-      </p:sp>
-      <p:sp>
-        <p:nvSpPr>
           <p:cNvPr id="3" name="CasellaDiTesto 2">
             <a:extLst>
               <a:ext uri="{FF2B5EF4-FFF2-40B4-BE49-F238E27FC236}">
@@ -4116,7 +8455,7 @@
         </p:nvSpPr>
         <p:spPr>
           <a:xfrm>
-            <a:off x="1565428" y="4360393"/>
+            <a:off x="1835696" y="3117836"/>
             <a:ext cx="4572983" cy="369332"/>
           </a:xfrm>
           <a:prstGeom prst="rect">
@@ -4132,7 +8471,7 @@
           <a:p>
             <a:r>
               <a:rPr lang="it-IT" dirty="0">
-                <a:hlinkClick r:id="rId2"/>
+                <a:hlinkClick r:id="rId3"/>
               </a:rPr>
               <a:t>https://github.com/Arxivar/Arxivar-Next-Dev-4</a:t>
             </a:r>
@@ -4155,7 +8494,7 @@
           <p:nvPr/>
         </p:nvPicPr>
         <p:blipFill>
-          <a:blip r:embed="rId3" cstate="print">
+          <a:blip r:embed="rId4" cstate="print">
             <a:extLst>
               <a:ext uri="{28A0092B-C50C-407E-A947-70E740481C1C}">
                 <a14:useLocalDpi xmlns:a14="http://schemas.microsoft.com/office/drawing/2010/main" val="0"/>
@@ -4169,7 +8508,7 @@
         </p:blipFill>
         <p:spPr bwMode="auto">
           <a:xfrm>
-            <a:off x="936749" y="4192968"/>
+            <a:off x="1207017" y="2950411"/>
             <a:ext cx="645765" cy="536757"/>
           </a:xfrm>
           <a:prstGeom prst="rect">
@@ -4187,11 +8526,239 @@
           </a:extLst>
         </p:spPr>
       </p:pic>
+      <p:sp>
+        <p:nvSpPr>
+          <p:cNvPr id="7" name="Content Placeholder 2">
+            <a:extLst>
+              <a:ext uri="{FF2B5EF4-FFF2-40B4-BE49-F238E27FC236}">
+                <a16:creationId xmlns:a16="http://schemas.microsoft.com/office/drawing/2014/main" id="{B2FF9DB1-D429-407E-8BF5-955621161861}"/>
+              </a:ext>
+            </a:extLst>
+          </p:cNvPr>
+          <p:cNvSpPr txBox="1">
+            <a:spLocks/>
+          </p:cNvSpPr>
+          <p:nvPr/>
+        </p:nvSpPr>
+        <p:spPr>
+          <a:xfrm>
+            <a:off x="89739" y="4381390"/>
+            <a:ext cx="2880320" cy="792088"/>
+          </a:xfrm>
+          <a:prstGeom prst="rect">
+            <a:avLst/>
+          </a:prstGeom>
+          <a:noFill/>
+        </p:spPr>
+        <p:txBody>
+          <a:bodyPr vert="horz" lIns="91440" tIns="45720" rIns="91440" bIns="45720" rtlCol="0">
+            <a:normAutofit/>
+          </a:bodyPr>
+          <a:lstStyle>
+            <a:lvl1pPr marL="342900" indent="-342900" algn="l" defTabSz="914400" rtl="0" eaLnBrk="1" latinLnBrk="0" hangingPunct="1">
+              <a:spcBef>
+                <a:spcPct val="20000"/>
+              </a:spcBef>
+              <a:buFont typeface="Arial" pitchFamily="34" charset="0"/>
+              <a:buChar char="•"/>
+              <a:defRPr sz="3200" kern="1200">
+                <a:solidFill>
+                  <a:schemeClr val="tx1"/>
+                </a:solidFill>
+                <a:latin typeface="+mn-lt"/>
+                <a:ea typeface="+mn-ea"/>
+                <a:cs typeface="+mn-cs"/>
+              </a:defRPr>
+            </a:lvl1pPr>
+            <a:lvl2pPr marL="742950" indent="-285750" algn="l" defTabSz="914400" rtl="0" eaLnBrk="1" latinLnBrk="0" hangingPunct="1">
+              <a:spcBef>
+                <a:spcPct val="20000"/>
+              </a:spcBef>
+              <a:buFont typeface="Arial" pitchFamily="34" charset="0"/>
+              <a:buChar char="–"/>
+              <a:defRPr sz="2800" kern="1200">
+                <a:solidFill>
+                  <a:schemeClr val="tx1"/>
+                </a:solidFill>
+                <a:latin typeface="+mn-lt"/>
+                <a:ea typeface="+mn-ea"/>
+                <a:cs typeface="+mn-cs"/>
+              </a:defRPr>
+            </a:lvl2pPr>
+            <a:lvl3pPr marL="1143000" indent="-228600" algn="l" defTabSz="914400" rtl="0" eaLnBrk="1" latinLnBrk="0" hangingPunct="1">
+              <a:spcBef>
+                <a:spcPct val="20000"/>
+              </a:spcBef>
+              <a:buFont typeface="Arial" pitchFamily="34" charset="0"/>
+              <a:buChar char="•"/>
+              <a:defRPr sz="2400" kern="1200">
+                <a:solidFill>
+                  <a:schemeClr val="tx1"/>
+                </a:solidFill>
+                <a:latin typeface="+mn-lt"/>
+                <a:ea typeface="+mn-ea"/>
+                <a:cs typeface="+mn-cs"/>
+              </a:defRPr>
+            </a:lvl3pPr>
+            <a:lvl4pPr marL="1600200" indent="-228600" algn="l" defTabSz="914400" rtl="0" eaLnBrk="1" latinLnBrk="0" hangingPunct="1">
+              <a:spcBef>
+                <a:spcPct val="20000"/>
+              </a:spcBef>
+              <a:buFont typeface="Arial" pitchFamily="34" charset="0"/>
+              <a:buChar char="–"/>
+              <a:defRPr sz="2000" kern="1200">
+                <a:solidFill>
+                  <a:schemeClr val="tx1"/>
+                </a:solidFill>
+                <a:latin typeface="+mn-lt"/>
+                <a:ea typeface="+mn-ea"/>
+                <a:cs typeface="+mn-cs"/>
+              </a:defRPr>
+            </a:lvl4pPr>
+            <a:lvl5pPr marL="2057400" indent="-228600" algn="l" defTabSz="914400" rtl="0" eaLnBrk="1" latinLnBrk="0" hangingPunct="1">
+              <a:spcBef>
+                <a:spcPct val="20000"/>
+              </a:spcBef>
+              <a:buFont typeface="Arial" pitchFamily="34" charset="0"/>
+              <a:buChar char="»"/>
+              <a:defRPr sz="2000" kern="1200">
+                <a:solidFill>
+                  <a:schemeClr val="tx1"/>
+                </a:solidFill>
+                <a:latin typeface="+mn-lt"/>
+                <a:ea typeface="+mn-ea"/>
+                <a:cs typeface="+mn-cs"/>
+              </a:defRPr>
+            </a:lvl5pPr>
+            <a:lvl6pPr marL="2514600" indent="-228600" algn="l" defTabSz="914400" rtl="0" eaLnBrk="1" latinLnBrk="0" hangingPunct="1">
+              <a:spcBef>
+                <a:spcPct val="20000"/>
+              </a:spcBef>
+              <a:buFont typeface="Arial" pitchFamily="34" charset="0"/>
+              <a:buChar char="•"/>
+              <a:defRPr sz="2000" kern="1200">
+                <a:solidFill>
+                  <a:schemeClr val="tx1"/>
+                </a:solidFill>
+                <a:latin typeface="+mn-lt"/>
+                <a:ea typeface="+mn-ea"/>
+                <a:cs typeface="+mn-cs"/>
+              </a:defRPr>
+            </a:lvl6pPr>
+            <a:lvl7pPr marL="2971800" indent="-228600" algn="l" defTabSz="914400" rtl="0" eaLnBrk="1" latinLnBrk="0" hangingPunct="1">
+              <a:spcBef>
+                <a:spcPct val="20000"/>
+              </a:spcBef>
+              <a:buFont typeface="Arial" pitchFamily="34" charset="0"/>
+              <a:buChar char="•"/>
+              <a:defRPr sz="2000" kern="1200">
+                <a:solidFill>
+                  <a:schemeClr val="tx1"/>
+                </a:solidFill>
+                <a:latin typeface="+mn-lt"/>
+                <a:ea typeface="+mn-ea"/>
+                <a:cs typeface="+mn-cs"/>
+              </a:defRPr>
+            </a:lvl7pPr>
+            <a:lvl8pPr marL="3429000" indent="-228600" algn="l" defTabSz="914400" rtl="0" eaLnBrk="1" latinLnBrk="0" hangingPunct="1">
+              <a:spcBef>
+                <a:spcPct val="20000"/>
+              </a:spcBef>
+              <a:buFont typeface="Arial" pitchFamily="34" charset="0"/>
+              <a:buChar char="•"/>
+              <a:defRPr sz="2000" kern="1200">
+                <a:solidFill>
+                  <a:schemeClr val="tx1"/>
+                </a:solidFill>
+                <a:latin typeface="+mn-lt"/>
+                <a:ea typeface="+mn-ea"/>
+                <a:cs typeface="+mn-cs"/>
+              </a:defRPr>
+            </a:lvl8pPr>
+            <a:lvl9pPr marL="3886200" indent="-228600" algn="l" defTabSz="914400" rtl="0" eaLnBrk="1" latinLnBrk="0" hangingPunct="1">
+              <a:spcBef>
+                <a:spcPct val="20000"/>
+              </a:spcBef>
+              <a:buFont typeface="Arial" pitchFamily="34" charset="0"/>
+              <a:buChar char="•"/>
+              <a:defRPr sz="2000" kern="1200">
+                <a:solidFill>
+                  <a:schemeClr val="tx1"/>
+                </a:solidFill>
+                <a:latin typeface="+mn-lt"/>
+                <a:ea typeface="+mn-ea"/>
+                <a:cs typeface="+mn-cs"/>
+              </a:defRPr>
+            </a:lvl9pPr>
+          </a:lstStyle>
+          <a:p>
+            <a:pPr marL="0" indent="0">
+              <a:buNone/>
+            </a:pPr>
+            <a:r>
+              <a:rPr lang="it-IT" sz="1600" b="1" dirty="0"/>
+              <a:t>Yari Melzani</a:t>
+            </a:r>
+          </a:p>
+          <a:p>
+            <a:pPr marL="0" indent="0">
+              <a:buNone/>
+            </a:pPr>
+            <a:r>
+              <a:rPr lang="en-US" sz="1400" dirty="0" err="1"/>
+              <a:t>ARXivar</a:t>
+            </a:r>
+            <a:r>
+              <a:rPr lang="en-US" sz="1400" dirty="0"/>
+              <a:t> Developer</a:t>
+            </a:r>
+          </a:p>
+        </p:txBody>
+      </p:sp>
+      <p:pic>
+        <p:nvPicPr>
+          <p:cNvPr id="8" name="Immagine 7">
+            <a:extLst>
+              <a:ext uri="{FF2B5EF4-FFF2-40B4-BE49-F238E27FC236}">
+                <a16:creationId xmlns:a16="http://schemas.microsoft.com/office/drawing/2014/main" id="{416FB458-6675-4EB9-8EFE-64CE367CED3D}"/>
+              </a:ext>
+            </a:extLst>
+          </p:cNvPr>
+          <p:cNvPicPr>
+            <a:picLocks noChangeAspect="1"/>
+          </p:cNvPicPr>
+          <p:nvPr/>
+        </p:nvPicPr>
+        <p:blipFill>
+          <a:blip r:embed="rId5" cstate="print">
+            <a:extLst>
+              <a:ext uri="{28A0092B-C50C-407E-A947-70E740481C1C}">
+                <a14:useLocalDpi xmlns:a14="http://schemas.microsoft.com/office/drawing/2010/main" val="0"/>
+              </a:ext>
+            </a:extLst>
+          </a:blip>
+          <a:stretch>
+            <a:fillRect/>
+          </a:stretch>
+        </p:blipFill>
+        <p:spPr>
+          <a:xfrm>
+            <a:off x="88077" y="37767"/>
+            <a:ext cx="1403648" cy="482982"/>
+          </a:xfrm>
+          <a:prstGeom prst="rect">
+            <a:avLst/>
+          </a:prstGeom>
+        </p:spPr>
+      </p:pic>
     </p:spTree>
   </p:cSld>
   <p:clrMapOvr>
     <a:masterClrMapping/>
   </p:clrMapOvr>
+  <p:transition spd="slow">
+    <p:fade/>
+  </p:transition>
 </p:sld>
 </file>
 
@@ -4224,8 +8791,8 @@
         </p:nvSpPr>
         <p:spPr>
           <a:xfrm>
-            <a:off x="457200" y="205979"/>
-            <a:ext cx="6563072" cy="709587"/>
+            <a:off x="1491724" y="205979"/>
+            <a:ext cx="5528547" cy="709587"/>
           </a:xfrm>
         </p:spPr>
         <p:txBody>
@@ -4414,6 +8981,42 @@
           </a:p>
         </p:txBody>
       </p:sp>
+      <p:pic>
+        <p:nvPicPr>
+          <p:cNvPr id="4" name="Immagine 3">
+            <a:extLst>
+              <a:ext uri="{FF2B5EF4-FFF2-40B4-BE49-F238E27FC236}">
+                <a16:creationId xmlns:a16="http://schemas.microsoft.com/office/drawing/2014/main" id="{8DA9611D-2DE2-4B79-B8AC-EC14EB8E5519}"/>
+              </a:ext>
+            </a:extLst>
+          </p:cNvPr>
+          <p:cNvPicPr>
+            <a:picLocks noChangeAspect="1"/>
+          </p:cNvPicPr>
+          <p:nvPr/>
+        </p:nvPicPr>
+        <p:blipFill>
+          <a:blip r:embed="rId2" cstate="print">
+            <a:extLst>
+              <a:ext uri="{28A0092B-C50C-407E-A947-70E740481C1C}">
+                <a14:useLocalDpi xmlns:a14="http://schemas.microsoft.com/office/drawing/2010/main" val="0"/>
+              </a:ext>
+            </a:extLst>
+          </a:blip>
+          <a:stretch>
+            <a:fillRect/>
+          </a:stretch>
+        </p:blipFill>
+        <p:spPr>
+          <a:xfrm>
+            <a:off x="88077" y="37767"/>
+            <a:ext cx="1403648" cy="482982"/>
+          </a:xfrm>
+          <a:prstGeom prst="rect">
+            <a:avLst/>
+          </a:prstGeom>
+        </p:spPr>
+      </p:pic>
     </p:spTree>
     <p:extLst>
       <p:ext uri="{BB962C8B-B14F-4D97-AF65-F5344CB8AC3E}">
@@ -4424,6 +9027,9 @@
   <p:clrMapOvr>
     <a:masterClrMapping/>
   </p:clrMapOvr>
+  <p:transition spd="slow">
+    <p:fade/>
+  </p:transition>
 </p:sld>
 </file>
 
@@ -4456,8 +9062,8 @@
         </p:nvSpPr>
         <p:spPr>
           <a:xfrm>
-            <a:off x="457200" y="205979"/>
-            <a:ext cx="6563072" cy="709587"/>
+            <a:off x="1491724" y="205979"/>
+            <a:ext cx="5528547" cy="709587"/>
           </a:xfrm>
         </p:spPr>
         <p:txBody>
@@ -4651,6 +9257,42 @@
           </a:p>
         </p:txBody>
       </p:sp>
+      <p:pic>
+        <p:nvPicPr>
+          <p:cNvPr id="4" name="Immagine 3">
+            <a:extLst>
+              <a:ext uri="{FF2B5EF4-FFF2-40B4-BE49-F238E27FC236}">
+                <a16:creationId xmlns:a16="http://schemas.microsoft.com/office/drawing/2014/main" id="{8B83A7D0-A343-424A-92CD-D0AA9BDD05C7}"/>
+              </a:ext>
+            </a:extLst>
+          </p:cNvPr>
+          <p:cNvPicPr>
+            <a:picLocks noChangeAspect="1"/>
+          </p:cNvPicPr>
+          <p:nvPr/>
+        </p:nvPicPr>
+        <p:blipFill>
+          <a:blip r:embed="rId3" cstate="print">
+            <a:extLst>
+              <a:ext uri="{28A0092B-C50C-407E-A947-70E740481C1C}">
+                <a14:useLocalDpi xmlns:a14="http://schemas.microsoft.com/office/drawing/2010/main" val="0"/>
+              </a:ext>
+            </a:extLst>
+          </a:blip>
+          <a:stretch>
+            <a:fillRect/>
+          </a:stretch>
+        </p:blipFill>
+        <p:spPr>
+          <a:xfrm>
+            <a:off x="88077" y="37767"/>
+            <a:ext cx="1403648" cy="482982"/>
+          </a:xfrm>
+          <a:prstGeom prst="rect">
+            <a:avLst/>
+          </a:prstGeom>
+        </p:spPr>
+      </p:pic>
     </p:spTree>
     <p:extLst>
       <p:ext uri="{BB962C8B-B14F-4D97-AF65-F5344CB8AC3E}">
@@ -4661,6 +9303,9 @@
   <p:clrMapOvr>
     <a:masterClrMapping/>
   </p:clrMapOvr>
+  <p:transition spd="slow">
+    <p:fade/>
+  </p:transition>
 </p:sld>
 </file>
 
@@ -4693,8 +9338,8 @@
         </p:nvSpPr>
         <p:spPr>
           <a:xfrm>
-            <a:off x="457200" y="205979"/>
-            <a:ext cx="6563072" cy="709587"/>
+            <a:off x="1491724" y="205979"/>
+            <a:ext cx="6696744" cy="709587"/>
           </a:xfrm>
         </p:spPr>
         <p:txBody>
@@ -4955,6 +9600,42 @@
           </a:p>
         </p:txBody>
       </p:sp>
+      <p:pic>
+        <p:nvPicPr>
+          <p:cNvPr id="4" name="Immagine 3">
+            <a:extLst>
+              <a:ext uri="{FF2B5EF4-FFF2-40B4-BE49-F238E27FC236}">
+                <a16:creationId xmlns:a16="http://schemas.microsoft.com/office/drawing/2014/main" id="{A01624D3-C9B0-489D-969D-46AE0382B4C7}"/>
+              </a:ext>
+            </a:extLst>
+          </p:cNvPr>
+          <p:cNvPicPr>
+            <a:picLocks noChangeAspect="1"/>
+          </p:cNvPicPr>
+          <p:nvPr/>
+        </p:nvPicPr>
+        <p:blipFill>
+          <a:blip r:embed="rId3" cstate="print">
+            <a:extLst>
+              <a:ext uri="{28A0092B-C50C-407E-A947-70E740481C1C}">
+                <a14:useLocalDpi xmlns:a14="http://schemas.microsoft.com/office/drawing/2010/main" val="0"/>
+              </a:ext>
+            </a:extLst>
+          </a:blip>
+          <a:stretch>
+            <a:fillRect/>
+          </a:stretch>
+        </p:blipFill>
+        <p:spPr>
+          <a:xfrm>
+            <a:off x="88077" y="37767"/>
+            <a:ext cx="1403648" cy="482982"/>
+          </a:xfrm>
+          <a:prstGeom prst="rect">
+            <a:avLst/>
+          </a:prstGeom>
+        </p:spPr>
+      </p:pic>
     </p:spTree>
     <p:extLst>
       <p:ext uri="{BB962C8B-B14F-4D97-AF65-F5344CB8AC3E}">
@@ -4965,6 +9646,9 @@
   <p:clrMapOvr>
     <a:masterClrMapping/>
   </p:clrMapOvr>
+  <p:transition spd="slow">
+    <p:fade/>
+  </p:transition>
 </p:sld>
 </file>
 
@@ -5005,8 +9689,8 @@
         </p:nvSpPr>
         <p:spPr>
           <a:xfrm>
-            <a:off x="467544" y="195486"/>
-            <a:ext cx="6131024" cy="864096"/>
+            <a:off x="1491724" y="195486"/>
+            <a:ext cx="6248628" cy="864096"/>
           </a:xfrm>
         </p:spPr>
         <p:txBody>
@@ -5664,6 +10348,42 @@
           </a:p>
         </p:txBody>
       </p:sp>
+      <p:pic>
+        <p:nvPicPr>
+          <p:cNvPr id="18" name="Immagine 17">
+            <a:extLst>
+              <a:ext uri="{FF2B5EF4-FFF2-40B4-BE49-F238E27FC236}">
+                <a16:creationId xmlns:a16="http://schemas.microsoft.com/office/drawing/2014/main" id="{69BBC6EB-8505-46BD-96D4-BF30C5219DBC}"/>
+              </a:ext>
+            </a:extLst>
+          </p:cNvPr>
+          <p:cNvPicPr>
+            <a:picLocks noChangeAspect="1"/>
+          </p:cNvPicPr>
+          <p:nvPr/>
+        </p:nvPicPr>
+        <p:blipFill>
+          <a:blip r:embed="rId3" cstate="print">
+            <a:extLst>
+              <a:ext uri="{28A0092B-C50C-407E-A947-70E740481C1C}">
+                <a14:useLocalDpi xmlns:a14="http://schemas.microsoft.com/office/drawing/2010/main" val="0"/>
+              </a:ext>
+            </a:extLst>
+          </a:blip>
+          <a:stretch>
+            <a:fillRect/>
+          </a:stretch>
+        </p:blipFill>
+        <p:spPr>
+          <a:xfrm>
+            <a:off x="88077" y="37767"/>
+            <a:ext cx="1403648" cy="482982"/>
+          </a:xfrm>
+          <a:prstGeom prst="rect">
+            <a:avLst/>
+          </a:prstGeom>
+        </p:spPr>
+      </p:pic>
     </p:spTree>
     <p:extLst>
       <p:ext uri="{BB962C8B-B14F-4D97-AF65-F5344CB8AC3E}">
@@ -5674,13 +10394,16 @@
   <p:clrMapOvr>
     <a:masterClrMapping/>
   </p:clrMapOvr>
+  <p:transition spd="slow">
+    <p:fade/>
+  </p:transition>
 </p:sld>
 </file>
 
 <file path=ppt/theme/theme1.xml><?xml version="1.0" encoding="utf-8"?>
-<a:theme xmlns:a="http://schemas.openxmlformats.org/drawingml/2006/main" name="ARXivar 2012">
+<a:theme xmlns:a="http://schemas.openxmlformats.org/drawingml/2006/main" name="ARXivar 2015 TEMPLATE">
   <a:themeElements>
-    <a:clrScheme name="Custom 1">
+    <a:clrScheme name="ARXIVAR1">
       <a:dk1>
         <a:sysClr val="windowText" lastClr="000000"/>
       </a:dk1>
@@ -5688,34 +10411,34 @@
         <a:sysClr val="window" lastClr="FFFFFF"/>
       </a:lt1>
       <a:dk2>
-        <a:srgbClr val="323232"/>
+        <a:srgbClr val="44546A"/>
       </a:dk2>
       <a:lt2>
-        <a:srgbClr val="E3DED1"/>
+        <a:srgbClr val="E7E6E6"/>
       </a:lt2>
       <a:accent1>
-        <a:srgbClr val="F07F09"/>
+        <a:srgbClr val="5B9BD5"/>
       </a:accent1>
       <a:accent2>
-        <a:srgbClr val="F9B268"/>
+        <a:srgbClr val="FF9900"/>
       </a:accent2>
       <a:accent3>
-        <a:srgbClr val="0070C0"/>
+        <a:srgbClr val="A5A5A5"/>
       </a:accent3>
       <a:accent4>
-        <a:srgbClr val="8DC182"/>
+        <a:srgbClr val="FFC000"/>
       </a:accent4>
       <a:accent5>
-        <a:srgbClr val="BFAFCF"/>
+        <a:srgbClr val="4472C4"/>
       </a:accent5>
       <a:accent6>
-        <a:srgbClr val="C19859"/>
+        <a:srgbClr val="70AD47"/>
       </a:accent6>
       <a:hlink>
-        <a:srgbClr val="FCAE3B"/>
+        <a:srgbClr val="0563C1"/>
       </a:hlink>
       <a:folHlink>
-        <a:srgbClr val="B26B02"/>
+        <a:srgbClr val="954F72"/>
       </a:folHlink>
     </a:clrScheme>
     <a:fontScheme name="Office">
@@ -5957,10 +10680,303 @@
   </a:themeElements>
   <a:objectDefaults/>
   <a:extraClrSchemeLst/>
+  <a:extLst>
+    <a:ext uri="{05A4C25C-085E-4340-85A3-A5531E510DB2}">
+      <thm15:themeFamily xmlns:thm15="http://schemas.microsoft.com/office/thememl/2012/main" name="Presentazione standard3" id="{3A985359-F8EF-40BF-9813-696AB194511F}" vid="{2A3B50C6-50FA-41DD-AB66-361151EB5BC1}"/>
+    </a:ext>
+  </a:extLst>
 </a:theme>
 </file>
 
 <file path=ppt/theme/theme2.xml><?xml version="1.0" encoding="utf-8"?>
+<a:theme xmlns:a="http://schemas.openxmlformats.org/drawingml/2006/main" name="Custom Design">
+  <a:themeElements>
+    <a:clrScheme name="ARXIVAR1">
+      <a:dk1>
+        <a:sysClr val="windowText" lastClr="000000"/>
+      </a:dk1>
+      <a:lt1>
+        <a:sysClr val="window" lastClr="FFFFFF"/>
+      </a:lt1>
+      <a:dk2>
+        <a:srgbClr val="44546A"/>
+      </a:dk2>
+      <a:lt2>
+        <a:srgbClr val="E7E6E6"/>
+      </a:lt2>
+      <a:accent1>
+        <a:srgbClr val="5B9BD5"/>
+      </a:accent1>
+      <a:accent2>
+        <a:srgbClr val="FF9900"/>
+      </a:accent2>
+      <a:accent3>
+        <a:srgbClr val="A5A5A5"/>
+      </a:accent3>
+      <a:accent4>
+        <a:srgbClr val="FFC000"/>
+      </a:accent4>
+      <a:accent5>
+        <a:srgbClr val="4472C4"/>
+      </a:accent5>
+      <a:accent6>
+        <a:srgbClr val="70AD47"/>
+      </a:accent6>
+      <a:hlink>
+        <a:srgbClr val="0563C1"/>
+      </a:hlink>
+      <a:folHlink>
+        <a:srgbClr val="954F72"/>
+      </a:folHlink>
+    </a:clrScheme>
+    <a:fontScheme name="Office">
+      <a:majorFont>
+        <a:latin typeface="Calibri"/>
+        <a:ea typeface=""/>
+        <a:cs typeface=""/>
+        <a:font script="Jpan" typeface="ＭＳ Ｐゴシック"/>
+        <a:font script="Hang" typeface="맑은 고딕"/>
+        <a:font script="Hans" typeface="宋体"/>
+        <a:font script="Hant" typeface="新細明體"/>
+        <a:font script="Arab" typeface="Times New Roman"/>
+        <a:font script="Hebr" typeface="Times New Roman"/>
+        <a:font script="Thai" typeface="Angsana New"/>
+        <a:font script="Ethi" typeface="Nyala"/>
+        <a:font script="Beng" typeface="Vrinda"/>
+        <a:font script="Gujr" typeface="Shruti"/>
+        <a:font script="Khmr" typeface="MoolBoran"/>
+        <a:font script="Knda" typeface="Tunga"/>
+        <a:font script="Guru" typeface="Raavi"/>
+        <a:font script="Cans" typeface="Euphemia"/>
+        <a:font script="Cher" typeface="Plantagenet Cherokee"/>
+        <a:font script="Yiii" typeface="Microsoft Yi Baiti"/>
+        <a:font script="Tibt" typeface="Microsoft Himalaya"/>
+        <a:font script="Thaa" typeface="MV Boli"/>
+        <a:font script="Deva" typeface="Mangal"/>
+        <a:font script="Telu" typeface="Gautami"/>
+        <a:font script="Taml" typeface="Latha"/>
+        <a:font script="Syrc" typeface="Estrangelo Edessa"/>
+        <a:font script="Orya" typeface="Kalinga"/>
+        <a:font script="Mlym" typeface="Kartika"/>
+        <a:font script="Laoo" typeface="DokChampa"/>
+        <a:font script="Sinh" typeface="Iskoola Pota"/>
+        <a:font script="Mong" typeface="Mongolian Baiti"/>
+        <a:font script="Viet" typeface="Times New Roman"/>
+        <a:font script="Uigh" typeface="Microsoft Uighur"/>
+      </a:majorFont>
+      <a:minorFont>
+        <a:latin typeface="Calibri"/>
+        <a:ea typeface=""/>
+        <a:cs typeface=""/>
+        <a:font script="Jpan" typeface="ＭＳ Ｐゴシック"/>
+        <a:font script="Hang" typeface="맑은 고딕"/>
+        <a:font script="Hans" typeface="宋体"/>
+        <a:font script="Hant" typeface="新細明體"/>
+        <a:font script="Arab" typeface="Arial"/>
+        <a:font script="Hebr" typeface="Arial"/>
+        <a:font script="Thai" typeface="Cordia New"/>
+        <a:font script="Ethi" typeface="Nyala"/>
+        <a:font script="Beng" typeface="Vrinda"/>
+        <a:font script="Gujr" typeface="Shruti"/>
+        <a:font script="Khmr" typeface="DaunPenh"/>
+        <a:font script="Knda" typeface="Tunga"/>
+        <a:font script="Guru" typeface="Raavi"/>
+        <a:font script="Cans" typeface="Euphemia"/>
+        <a:font script="Cher" typeface="Plantagenet Cherokee"/>
+        <a:font script="Yiii" typeface="Microsoft Yi Baiti"/>
+        <a:font script="Tibt" typeface="Microsoft Himalaya"/>
+        <a:font script="Thaa" typeface="MV Boli"/>
+        <a:font script="Deva" typeface="Mangal"/>
+        <a:font script="Telu" typeface="Gautami"/>
+        <a:font script="Taml" typeface="Latha"/>
+        <a:font script="Syrc" typeface="Estrangelo Edessa"/>
+        <a:font script="Orya" typeface="Kalinga"/>
+        <a:font script="Mlym" typeface="Kartika"/>
+        <a:font script="Laoo" typeface="DokChampa"/>
+        <a:font script="Sinh" typeface="Iskoola Pota"/>
+        <a:font script="Mong" typeface="Mongolian Baiti"/>
+        <a:font script="Viet" typeface="Arial"/>
+        <a:font script="Uigh" typeface="Microsoft Uighur"/>
+      </a:minorFont>
+    </a:fontScheme>
+    <a:fmtScheme name="Office">
+      <a:fillStyleLst>
+        <a:solidFill>
+          <a:schemeClr val="phClr"/>
+        </a:solidFill>
+        <a:gradFill rotWithShape="1">
+          <a:gsLst>
+            <a:gs pos="0">
+              <a:schemeClr val="phClr">
+                <a:tint val="50000"/>
+                <a:satMod val="300000"/>
+              </a:schemeClr>
+            </a:gs>
+            <a:gs pos="35000">
+              <a:schemeClr val="phClr">
+                <a:tint val="37000"/>
+                <a:satMod val="300000"/>
+              </a:schemeClr>
+            </a:gs>
+            <a:gs pos="100000">
+              <a:schemeClr val="phClr">
+                <a:tint val="15000"/>
+                <a:satMod val="350000"/>
+              </a:schemeClr>
+            </a:gs>
+          </a:gsLst>
+          <a:lin ang="16200000" scaled="1"/>
+        </a:gradFill>
+        <a:gradFill rotWithShape="1">
+          <a:gsLst>
+            <a:gs pos="0">
+              <a:schemeClr val="phClr">
+                <a:shade val="51000"/>
+                <a:satMod val="130000"/>
+              </a:schemeClr>
+            </a:gs>
+            <a:gs pos="80000">
+              <a:schemeClr val="phClr">
+                <a:shade val="93000"/>
+                <a:satMod val="130000"/>
+              </a:schemeClr>
+            </a:gs>
+            <a:gs pos="100000">
+              <a:schemeClr val="phClr">
+                <a:shade val="94000"/>
+                <a:satMod val="135000"/>
+              </a:schemeClr>
+            </a:gs>
+          </a:gsLst>
+          <a:lin ang="16200000" scaled="0"/>
+        </a:gradFill>
+      </a:fillStyleLst>
+      <a:lnStyleLst>
+        <a:ln w="9525" cap="flat" cmpd="sng" algn="ctr">
+          <a:solidFill>
+            <a:schemeClr val="phClr">
+              <a:shade val="95000"/>
+              <a:satMod val="105000"/>
+            </a:schemeClr>
+          </a:solidFill>
+          <a:prstDash val="solid"/>
+        </a:ln>
+        <a:ln w="25400" cap="flat" cmpd="sng" algn="ctr">
+          <a:solidFill>
+            <a:schemeClr val="phClr"/>
+          </a:solidFill>
+          <a:prstDash val="solid"/>
+        </a:ln>
+        <a:ln w="38100" cap="flat" cmpd="sng" algn="ctr">
+          <a:solidFill>
+            <a:schemeClr val="phClr"/>
+          </a:solidFill>
+          <a:prstDash val="solid"/>
+        </a:ln>
+      </a:lnStyleLst>
+      <a:effectStyleLst>
+        <a:effectStyle>
+          <a:effectLst>
+            <a:outerShdw blurRad="40000" dist="20000" dir="5400000" rotWithShape="0">
+              <a:srgbClr val="000000">
+                <a:alpha val="38000"/>
+              </a:srgbClr>
+            </a:outerShdw>
+          </a:effectLst>
+        </a:effectStyle>
+        <a:effectStyle>
+          <a:effectLst>
+            <a:outerShdw blurRad="40000" dist="23000" dir="5400000" rotWithShape="0">
+              <a:srgbClr val="000000">
+                <a:alpha val="35000"/>
+              </a:srgbClr>
+            </a:outerShdw>
+          </a:effectLst>
+        </a:effectStyle>
+        <a:effectStyle>
+          <a:effectLst>
+            <a:outerShdw blurRad="40000" dist="23000" dir="5400000" rotWithShape="0">
+              <a:srgbClr val="000000">
+                <a:alpha val="35000"/>
+              </a:srgbClr>
+            </a:outerShdw>
+          </a:effectLst>
+          <a:scene3d>
+            <a:camera prst="orthographicFront">
+              <a:rot lat="0" lon="0" rev="0"/>
+            </a:camera>
+            <a:lightRig rig="threePt" dir="t">
+              <a:rot lat="0" lon="0" rev="1200000"/>
+            </a:lightRig>
+          </a:scene3d>
+          <a:sp3d>
+            <a:bevelT w="63500" h="25400"/>
+          </a:sp3d>
+        </a:effectStyle>
+      </a:effectStyleLst>
+      <a:bgFillStyleLst>
+        <a:solidFill>
+          <a:schemeClr val="phClr"/>
+        </a:solidFill>
+        <a:gradFill rotWithShape="1">
+          <a:gsLst>
+            <a:gs pos="0">
+              <a:schemeClr val="phClr">
+                <a:tint val="40000"/>
+                <a:satMod val="350000"/>
+              </a:schemeClr>
+            </a:gs>
+            <a:gs pos="40000">
+              <a:schemeClr val="phClr">
+                <a:tint val="45000"/>
+                <a:shade val="99000"/>
+                <a:satMod val="350000"/>
+              </a:schemeClr>
+            </a:gs>
+            <a:gs pos="100000">
+              <a:schemeClr val="phClr">
+                <a:shade val="20000"/>
+                <a:satMod val="255000"/>
+              </a:schemeClr>
+            </a:gs>
+          </a:gsLst>
+          <a:path path="circle">
+            <a:fillToRect l="50000" t="-80000" r="50000" b="180000"/>
+          </a:path>
+        </a:gradFill>
+        <a:gradFill rotWithShape="1">
+          <a:gsLst>
+            <a:gs pos="0">
+              <a:schemeClr val="phClr">
+                <a:tint val="80000"/>
+                <a:satMod val="300000"/>
+              </a:schemeClr>
+            </a:gs>
+            <a:gs pos="100000">
+              <a:schemeClr val="phClr">
+                <a:shade val="30000"/>
+                <a:satMod val="200000"/>
+              </a:schemeClr>
+            </a:gs>
+          </a:gsLst>
+          <a:path path="circle">
+            <a:fillToRect l="50000" t="50000" r="50000" b="50000"/>
+          </a:path>
+        </a:gradFill>
+      </a:bgFillStyleLst>
+    </a:fmtScheme>
+  </a:themeElements>
+  <a:objectDefaults/>
+  <a:extraClrSchemeLst/>
+  <a:extLst>
+    <a:ext uri="{05A4C25C-085E-4340-85A3-A5531E510DB2}">
+      <thm15:themeFamily xmlns:thm15="http://schemas.microsoft.com/office/thememl/2012/main" name="Presentazione standard3" id="{3A985359-F8EF-40BF-9813-696AB194511F}" vid="{D1C7DE7F-14FE-48C9-86EB-435D1FC332AA}"/>
+    </a:ext>
+  </a:extLst>
+</a:theme>
+</file>
+
+<file path=ppt/theme/theme3.xml><?xml version="1.0" encoding="utf-8"?>
 <a:theme xmlns:a="http://schemas.openxmlformats.org/drawingml/2006/main" name="Office Theme">
   <a:themeElements>
     <a:clrScheme name="Office">
